--- a/98_plan/00_pptx/100_mainplan.pptx
+++ b/98_plan/00_pptx/100_mainplan.pptx
@@ -6,7 +6,15 @@
   </p:sldMasterIdLst>
   <p:sldIdLst>
     <p:sldId id="256" r:id="rId2"/>
-    <p:sldId id="257" r:id="rId3"/>
+    <p:sldId id="258" r:id="rId3"/>
+    <p:sldId id="257" r:id="rId4"/>
+    <p:sldId id="263" r:id="rId5"/>
+    <p:sldId id="264" r:id="rId6"/>
+    <p:sldId id="265" r:id="rId7"/>
+    <p:sldId id="259" r:id="rId8"/>
+    <p:sldId id="260" r:id="rId9"/>
+    <p:sldId id="261" r:id="rId10"/>
+    <p:sldId id="262" r:id="rId11"/>
   </p:sldIdLst>
   <p:sldSz cx="12192000" cy="6858000"/>
   <p:notesSz cx="6858000" cy="9144000"/>
@@ -105,6 +113,11 @@
       </a:defRPr>
     </a:lvl9pPr>
   </p:defaultTextStyle>
+  <p:extLst>
+    <p:ext uri="{EFAFB233-063F-42B5-8137-9DF3F51BA10A}">
+      <p15:sldGuideLst xmlns:p15="http://schemas.microsoft.com/office/powerpoint/2012/main"/>
+    </p:ext>
+  </p:extLst>
 </p:presentation>
 </file>
 
@@ -255,7 +268,7 @@
           <a:p>
             <a:fld id="{B803DB96-B7AE-4BC0-8E67-E4E09C20DA89}" type="datetimeFigureOut">
               <a:rPr kumimoji="1" lang="ja-JP" altLang="en-US" smtClean="0"/>
-              <a:t>2024/5/9</a:t>
+              <a:t>2024/5/10</a:t>
             </a:fld>
             <a:endParaRPr kumimoji="1" lang="ja-JP" altLang="en-US"/>
           </a:p>
@@ -485,7 +498,7 @@
           <a:p>
             <a:fld id="{B803DB96-B7AE-4BC0-8E67-E4E09C20DA89}" type="datetimeFigureOut">
               <a:rPr kumimoji="1" lang="ja-JP" altLang="en-US" smtClean="0"/>
-              <a:t>2024/5/9</a:t>
+              <a:t>2024/5/10</a:t>
             </a:fld>
             <a:endParaRPr kumimoji="1" lang="ja-JP" altLang="en-US"/>
           </a:p>
@@ -725,7 +738,7 @@
           <a:p>
             <a:fld id="{B803DB96-B7AE-4BC0-8E67-E4E09C20DA89}" type="datetimeFigureOut">
               <a:rPr kumimoji="1" lang="ja-JP" altLang="en-US" smtClean="0"/>
-              <a:t>2024/5/9</a:t>
+              <a:t>2024/5/10</a:t>
             </a:fld>
             <a:endParaRPr kumimoji="1" lang="ja-JP" altLang="en-US"/>
           </a:p>
@@ -955,7 +968,7 @@
           <a:p>
             <a:fld id="{B803DB96-B7AE-4BC0-8E67-E4E09C20DA89}" type="datetimeFigureOut">
               <a:rPr kumimoji="1" lang="ja-JP" altLang="en-US" smtClean="0"/>
-              <a:t>2024/5/9</a:t>
+              <a:t>2024/5/10</a:t>
             </a:fld>
             <a:endParaRPr kumimoji="1" lang="ja-JP" altLang="en-US"/>
           </a:p>
@@ -1230,7 +1243,7 @@
           <a:p>
             <a:fld id="{B803DB96-B7AE-4BC0-8E67-E4E09C20DA89}" type="datetimeFigureOut">
               <a:rPr kumimoji="1" lang="ja-JP" altLang="en-US" smtClean="0"/>
-              <a:t>2024/5/9</a:t>
+              <a:t>2024/5/10</a:t>
             </a:fld>
             <a:endParaRPr kumimoji="1" lang="ja-JP" altLang="en-US"/>
           </a:p>
@@ -1559,7 +1572,7 @@
           <a:p>
             <a:fld id="{B803DB96-B7AE-4BC0-8E67-E4E09C20DA89}" type="datetimeFigureOut">
               <a:rPr kumimoji="1" lang="ja-JP" altLang="en-US" smtClean="0"/>
-              <a:t>2024/5/9</a:t>
+              <a:t>2024/5/10</a:t>
             </a:fld>
             <a:endParaRPr kumimoji="1" lang="ja-JP" altLang="en-US"/>
           </a:p>
@@ -2035,7 +2048,7 @@
           <a:p>
             <a:fld id="{B803DB96-B7AE-4BC0-8E67-E4E09C20DA89}" type="datetimeFigureOut">
               <a:rPr kumimoji="1" lang="ja-JP" altLang="en-US" smtClean="0"/>
-              <a:t>2024/5/9</a:t>
+              <a:t>2024/5/10</a:t>
             </a:fld>
             <a:endParaRPr kumimoji="1" lang="ja-JP" altLang="en-US"/>
           </a:p>
@@ -2176,7 +2189,7 @@
           <a:p>
             <a:fld id="{B803DB96-B7AE-4BC0-8E67-E4E09C20DA89}" type="datetimeFigureOut">
               <a:rPr kumimoji="1" lang="ja-JP" altLang="en-US" smtClean="0"/>
-              <a:t>2024/5/9</a:t>
+              <a:t>2024/5/10</a:t>
             </a:fld>
             <a:endParaRPr kumimoji="1" lang="ja-JP" altLang="en-US"/>
           </a:p>
@@ -2289,7 +2302,7 @@
           <a:p>
             <a:fld id="{B803DB96-B7AE-4BC0-8E67-E4E09C20DA89}" type="datetimeFigureOut">
               <a:rPr kumimoji="1" lang="ja-JP" altLang="en-US" smtClean="0"/>
-              <a:t>2024/5/9</a:t>
+              <a:t>2024/5/10</a:t>
             </a:fld>
             <a:endParaRPr kumimoji="1" lang="ja-JP" altLang="en-US"/>
           </a:p>
@@ -2632,7 +2645,7 @@
           <a:p>
             <a:fld id="{B803DB96-B7AE-4BC0-8E67-E4E09C20DA89}" type="datetimeFigureOut">
               <a:rPr kumimoji="1" lang="ja-JP" altLang="en-US" smtClean="0"/>
-              <a:t>2024/5/9</a:t>
+              <a:t>2024/5/10</a:t>
             </a:fld>
             <a:endParaRPr kumimoji="1" lang="ja-JP" altLang="en-US"/>
           </a:p>
@@ -2920,7 +2933,7 @@
           <a:p>
             <a:fld id="{B803DB96-B7AE-4BC0-8E67-E4E09C20DA89}" type="datetimeFigureOut">
               <a:rPr kumimoji="1" lang="ja-JP" altLang="en-US" smtClean="0"/>
-              <a:t>2024/5/9</a:t>
+              <a:t>2024/5/10</a:t>
             </a:fld>
             <a:endParaRPr kumimoji="1" lang="ja-JP" altLang="en-US"/>
           </a:p>
@@ -3193,7 +3206,7 @@
           <a:p>
             <a:fld id="{B803DB96-B7AE-4BC0-8E67-E4E09C20DA89}" type="datetimeFigureOut">
               <a:rPr kumimoji="1" lang="ja-JP" altLang="en-US" smtClean="0"/>
-              <a:t>2024/5/9</a:t>
+              <a:t>2024/5/10</a:t>
             </a:fld>
             <a:endParaRPr kumimoji="1" lang="ja-JP" altLang="en-US"/>
           </a:p>
@@ -3701,10 +3714,10 @@
       </p:grpSpPr>
       <p:sp>
         <p:nvSpPr>
-          <p:cNvPr id="5" name="テキスト ボックス 4">
-            <a:extLst>
-              <a:ext uri="{FF2B5EF4-FFF2-40B4-BE49-F238E27FC236}">
-                <a16:creationId xmlns:a16="http://schemas.microsoft.com/office/drawing/2014/main" id="{AB034095-1B37-9A8F-C8C0-48ADC035C23C}"/>
+          <p:cNvPr id="6" name="テキスト ボックス 5">
+            <a:extLst>
+              <a:ext uri="{FF2B5EF4-FFF2-40B4-BE49-F238E27FC236}">
+                <a16:creationId xmlns:a16="http://schemas.microsoft.com/office/drawing/2014/main" id="{5B5A2F80-B035-6631-3AD3-FDD1BAD71731}"/>
               </a:ext>
             </a:extLst>
           </p:cNvPr>
@@ -3713,8 +3726,666 @@
         </p:nvSpPr>
         <p:spPr>
           <a:xfrm>
-            <a:off x="1737859" y="4796391"/>
-            <a:ext cx="8998967" cy="1015663"/>
+            <a:off x="550606" y="696975"/>
+            <a:ext cx="11090788" cy="1569660"/>
+          </a:xfrm>
+          <a:prstGeom prst="rect">
+            <a:avLst/>
+          </a:prstGeom>
+          <a:noFill/>
+        </p:spPr>
+        <p:txBody>
+          <a:bodyPr wrap="square" rtlCol="0">
+            <a:spAutoFit/>
+          </a:bodyPr>
+          <a:lstStyle/>
+          <a:p>
+            <a:pPr algn="ctr"/>
+            <a:r>
+              <a:rPr lang="ja-JP" altLang="en-US" sz="9600" b="1" dirty="0">
+                <a:solidFill>
+                  <a:srgbClr val="7030A0"/>
+                </a:solidFill>
+                <a:effectLst>
+                  <a:glow rad="127000">
+                    <a:schemeClr val="bg1"/>
+                  </a:glow>
+                </a:effectLst>
+                <a:latin typeface="HG正楷書体-PRO" panose="03000600000000000000" pitchFamily="66" charset="-128"/>
+                <a:ea typeface="HG正楷書体-PRO" panose="03000600000000000000" pitchFamily="66" charset="-128"/>
+              </a:rPr>
+              <a:t>タイトル</a:t>
+            </a:r>
+            <a:endParaRPr lang="en-US" altLang="ja-JP" sz="9600" b="1" dirty="0">
+              <a:solidFill>
+                <a:srgbClr val="7030A0"/>
+              </a:solidFill>
+              <a:effectLst>
+                <a:glow rad="127000">
+                  <a:schemeClr val="bg1"/>
+                </a:glow>
+              </a:effectLst>
+              <a:latin typeface="HG正楷書体-PRO" panose="03000600000000000000" pitchFamily="66" charset="-128"/>
+              <a:ea typeface="HG正楷書体-PRO" panose="03000600000000000000" pitchFamily="66" charset="-128"/>
+            </a:endParaRPr>
+          </a:p>
+        </p:txBody>
+      </p:sp>
+      <p:sp>
+        <p:nvSpPr>
+          <p:cNvPr id="3" name="テキスト ボックス 2">
+            <a:extLst>
+              <a:ext uri="{FF2B5EF4-FFF2-40B4-BE49-F238E27FC236}">
+                <a16:creationId xmlns:a16="http://schemas.microsoft.com/office/drawing/2014/main" id="{BD83356A-07AC-E0BB-1C5D-5D52F1F863DF}"/>
+              </a:ext>
+            </a:extLst>
+          </p:cNvPr>
+          <p:cNvSpPr txBox="1"/>
+          <p:nvPr/>
+        </p:nvSpPr>
+        <p:spPr>
+          <a:xfrm>
+            <a:off x="62685" y="4235394"/>
+            <a:ext cx="2635045" cy="830997"/>
+          </a:xfrm>
+          <a:prstGeom prst="rect">
+            <a:avLst/>
+          </a:prstGeom>
+          <a:noFill/>
+        </p:spPr>
+        <p:txBody>
+          <a:bodyPr wrap="square" rtlCol="0">
+            <a:spAutoFit/>
+          </a:bodyPr>
+          <a:lstStyle/>
+          <a:p>
+            <a:r>
+              <a:rPr lang="ja-JP" altLang="en-US" sz="4800" b="1" dirty="0">
+                <a:solidFill>
+                  <a:srgbClr val="7030A0"/>
+                </a:solidFill>
+                <a:effectLst>
+                  <a:glow rad="127000">
+                    <a:schemeClr val="bg1"/>
+                  </a:glow>
+                </a:effectLst>
+                <a:latin typeface="HG正楷書体-PRO" panose="03000600000000000000" pitchFamily="66" charset="-128"/>
+                <a:ea typeface="HG正楷書体-PRO" panose="03000600000000000000" pitchFamily="66" charset="-128"/>
+              </a:rPr>
+              <a:t>チーム名</a:t>
+            </a:r>
+            <a:endParaRPr kumimoji="1" lang="ja-JP" altLang="en-US" sz="4800" b="1" dirty="0">
+              <a:solidFill>
+                <a:srgbClr val="7030A0"/>
+              </a:solidFill>
+              <a:effectLst>
+                <a:glow rad="127000">
+                  <a:schemeClr val="bg1"/>
+                </a:glow>
+              </a:effectLst>
+              <a:latin typeface="HG正楷書体-PRO" panose="03000600000000000000" pitchFamily="66" charset="-128"/>
+              <a:ea typeface="HG正楷書体-PRO" panose="03000600000000000000" pitchFamily="66" charset="-128"/>
+            </a:endParaRPr>
+          </a:p>
+        </p:txBody>
+      </p:sp>
+      <p:sp>
+        <p:nvSpPr>
+          <p:cNvPr id="4" name="テキスト ボックス 3">
+            <a:extLst>
+              <a:ext uri="{FF2B5EF4-FFF2-40B4-BE49-F238E27FC236}">
+                <a16:creationId xmlns:a16="http://schemas.microsoft.com/office/drawing/2014/main" id="{4202F01B-E18A-93C4-D455-275641C6FC15}"/>
+              </a:ext>
+            </a:extLst>
+          </p:cNvPr>
+          <p:cNvSpPr txBox="1"/>
+          <p:nvPr/>
+        </p:nvSpPr>
+        <p:spPr>
+          <a:xfrm>
+            <a:off x="54076" y="5262035"/>
+            <a:ext cx="2635045" cy="646331"/>
+          </a:xfrm>
+          <a:prstGeom prst="rect">
+            <a:avLst/>
+          </a:prstGeom>
+          <a:noFill/>
+        </p:spPr>
+        <p:txBody>
+          <a:bodyPr wrap="square" rtlCol="0">
+            <a:spAutoFit/>
+          </a:bodyPr>
+          <a:lstStyle/>
+          <a:p>
+            <a:r>
+              <a:rPr kumimoji="1" lang="ja-JP" altLang="en-US" sz="3600" b="1" dirty="0">
+                <a:solidFill>
+                  <a:schemeClr val="bg1"/>
+                </a:solidFill>
+                <a:effectLst>
+                  <a:glow rad="330200">
+                    <a:srgbClr val="685D3C"/>
+                  </a:glow>
+                </a:effectLst>
+                <a:latin typeface="HG正楷書体-PRO" panose="03000600000000000000" pitchFamily="66" charset="-128"/>
+                <a:ea typeface="HG正楷書体-PRO" panose="03000600000000000000" pitchFamily="66" charset="-128"/>
+              </a:rPr>
+              <a:t>大野 祥平</a:t>
+            </a:r>
+          </a:p>
+        </p:txBody>
+      </p:sp>
+      <p:sp>
+        <p:nvSpPr>
+          <p:cNvPr id="8" name="テキスト ボックス 7">
+            <a:extLst>
+              <a:ext uri="{FF2B5EF4-FFF2-40B4-BE49-F238E27FC236}">
+                <a16:creationId xmlns:a16="http://schemas.microsoft.com/office/drawing/2014/main" id="{110D6FBF-6F39-FAE3-E32A-06A2D6E4ABA7}"/>
+              </a:ext>
+            </a:extLst>
+          </p:cNvPr>
+          <p:cNvSpPr txBox="1"/>
+          <p:nvPr/>
+        </p:nvSpPr>
+        <p:spPr>
+          <a:xfrm>
+            <a:off x="3510114" y="5262035"/>
+            <a:ext cx="2635045" cy="646331"/>
+          </a:xfrm>
+          <a:prstGeom prst="rect">
+            <a:avLst/>
+          </a:prstGeom>
+          <a:noFill/>
+        </p:spPr>
+        <p:txBody>
+          <a:bodyPr wrap="square" rtlCol="0">
+            <a:spAutoFit/>
+          </a:bodyPr>
+          <a:lstStyle/>
+          <a:p>
+            <a:r>
+              <a:rPr kumimoji="1" lang="ja-JP" altLang="en-US" sz="3600" b="1" dirty="0">
+                <a:solidFill>
+                  <a:schemeClr val="bg1"/>
+                </a:solidFill>
+                <a:effectLst>
+                  <a:glow rad="330200">
+                    <a:srgbClr val="685D3C"/>
+                  </a:glow>
+                </a:effectLst>
+                <a:latin typeface="HG正楷書体-PRO" panose="03000600000000000000" pitchFamily="66" charset="-128"/>
+                <a:ea typeface="HG正楷書体-PRO" panose="03000600000000000000" pitchFamily="66" charset="-128"/>
+              </a:rPr>
+              <a:t>小原 立暉</a:t>
+            </a:r>
+          </a:p>
+        </p:txBody>
+      </p:sp>
+      <p:sp>
+        <p:nvSpPr>
+          <p:cNvPr id="9" name="テキスト ボックス 8">
+            <a:extLst>
+              <a:ext uri="{FF2B5EF4-FFF2-40B4-BE49-F238E27FC236}">
+                <a16:creationId xmlns:a16="http://schemas.microsoft.com/office/drawing/2014/main" id="{A554C90E-3248-DBC2-474C-8C8ABAC6F3DB}"/>
+              </a:ext>
+            </a:extLst>
+          </p:cNvPr>
+          <p:cNvSpPr txBox="1"/>
+          <p:nvPr/>
+        </p:nvSpPr>
+        <p:spPr>
+          <a:xfrm>
+            <a:off x="6937880" y="5262034"/>
+            <a:ext cx="2635045" cy="646331"/>
+          </a:xfrm>
+          <a:prstGeom prst="rect">
+            <a:avLst/>
+          </a:prstGeom>
+          <a:noFill/>
+        </p:spPr>
+        <p:txBody>
+          <a:bodyPr wrap="square" rtlCol="0">
+            <a:spAutoFit/>
+          </a:bodyPr>
+          <a:lstStyle/>
+          <a:p>
+            <a:r>
+              <a:rPr kumimoji="1" lang="ja-JP" altLang="en-US" sz="3600" b="1" dirty="0">
+                <a:solidFill>
+                  <a:schemeClr val="bg1"/>
+                </a:solidFill>
+                <a:effectLst>
+                  <a:glow rad="330200">
+                    <a:srgbClr val="685D3C"/>
+                  </a:glow>
+                </a:effectLst>
+                <a:latin typeface="HG正楷書体-PRO" panose="03000600000000000000" pitchFamily="66" charset="-128"/>
+                <a:ea typeface="HG正楷書体-PRO" panose="03000600000000000000" pitchFamily="66" charset="-128"/>
+              </a:rPr>
+              <a:t>金崎 朋弥</a:t>
+            </a:r>
+          </a:p>
+        </p:txBody>
+      </p:sp>
+      <p:sp>
+        <p:nvSpPr>
+          <p:cNvPr id="10" name="テキスト ボックス 9">
+            <a:extLst>
+              <a:ext uri="{FF2B5EF4-FFF2-40B4-BE49-F238E27FC236}">
+                <a16:creationId xmlns:a16="http://schemas.microsoft.com/office/drawing/2014/main" id="{B3F35728-7297-0A17-1F9D-0834F50712D8}"/>
+              </a:ext>
+            </a:extLst>
+          </p:cNvPr>
+          <p:cNvSpPr txBox="1"/>
+          <p:nvPr/>
+        </p:nvSpPr>
+        <p:spPr>
+          <a:xfrm>
+            <a:off x="135201" y="6052785"/>
+            <a:ext cx="2993923" cy="646331"/>
+          </a:xfrm>
+          <a:prstGeom prst="rect">
+            <a:avLst/>
+          </a:prstGeom>
+          <a:noFill/>
+        </p:spPr>
+        <p:txBody>
+          <a:bodyPr wrap="square" rtlCol="0">
+            <a:spAutoFit/>
+          </a:bodyPr>
+          <a:lstStyle/>
+          <a:p>
+            <a:r>
+              <a:rPr kumimoji="1" lang="ja-JP" altLang="en-US" sz="3600" b="1" dirty="0">
+                <a:solidFill>
+                  <a:schemeClr val="bg1"/>
+                </a:solidFill>
+                <a:effectLst>
+                  <a:glow rad="330200">
+                    <a:srgbClr val="685D3C"/>
+                  </a:glow>
+                </a:effectLst>
+                <a:latin typeface="HG正楷書体-PRO" panose="03000600000000000000" pitchFamily="66" charset="-128"/>
+                <a:ea typeface="HG正楷書体-PRO" panose="03000600000000000000" pitchFamily="66" charset="-128"/>
+              </a:rPr>
+              <a:t>佐藤根 詩音</a:t>
+            </a:r>
+          </a:p>
+        </p:txBody>
+      </p:sp>
+      <p:sp>
+        <p:nvSpPr>
+          <p:cNvPr id="11" name="テキスト ボックス 10">
+            <a:extLst>
+              <a:ext uri="{FF2B5EF4-FFF2-40B4-BE49-F238E27FC236}">
+                <a16:creationId xmlns:a16="http://schemas.microsoft.com/office/drawing/2014/main" id="{44094975-9C92-6B4E-34BE-73AC807740E2}"/>
+              </a:ext>
+            </a:extLst>
+          </p:cNvPr>
+          <p:cNvSpPr txBox="1"/>
+          <p:nvPr/>
+        </p:nvSpPr>
+        <p:spPr>
+          <a:xfrm>
+            <a:off x="3510114" y="6052785"/>
+            <a:ext cx="3254477" cy="646331"/>
+          </a:xfrm>
+          <a:prstGeom prst="rect">
+            <a:avLst/>
+          </a:prstGeom>
+          <a:noFill/>
+        </p:spPr>
+        <p:txBody>
+          <a:bodyPr wrap="square" rtlCol="0">
+            <a:spAutoFit/>
+          </a:bodyPr>
+          <a:lstStyle/>
+          <a:p>
+            <a:r>
+              <a:rPr kumimoji="1" lang="ja-JP" altLang="en-US" sz="3600" b="1" dirty="0">
+                <a:solidFill>
+                  <a:schemeClr val="bg1"/>
+                </a:solidFill>
+                <a:effectLst>
+                  <a:glow rad="330200">
+                    <a:srgbClr val="685D3C"/>
+                  </a:glow>
+                </a:effectLst>
+                <a:latin typeface="HG正楷書体-PRO" panose="03000600000000000000" pitchFamily="66" charset="-128"/>
+                <a:ea typeface="HG正楷書体-PRO" panose="03000600000000000000" pitchFamily="66" charset="-128"/>
+              </a:rPr>
+              <a:t>丹野 竜之介</a:t>
+            </a:r>
+          </a:p>
+        </p:txBody>
+      </p:sp>
+      <p:sp>
+        <p:nvSpPr>
+          <p:cNvPr id="12" name="テキスト ボックス 11">
+            <a:extLst>
+              <a:ext uri="{FF2B5EF4-FFF2-40B4-BE49-F238E27FC236}">
+                <a16:creationId xmlns:a16="http://schemas.microsoft.com/office/drawing/2014/main" id="{75DD0D8F-E7DA-2582-69DC-54C2F1105A3A}"/>
+              </a:ext>
+            </a:extLst>
+          </p:cNvPr>
+          <p:cNvSpPr txBox="1"/>
+          <p:nvPr/>
+        </p:nvSpPr>
+        <p:spPr>
+          <a:xfrm>
+            <a:off x="6937881" y="6052785"/>
+            <a:ext cx="2635045" cy="646331"/>
+          </a:xfrm>
+          <a:prstGeom prst="rect">
+            <a:avLst/>
+          </a:prstGeom>
+          <a:noFill/>
+        </p:spPr>
+        <p:txBody>
+          <a:bodyPr wrap="square" rtlCol="0">
+            <a:spAutoFit/>
+          </a:bodyPr>
+          <a:lstStyle/>
+          <a:p>
+            <a:r>
+              <a:rPr kumimoji="1" lang="ja-JP" altLang="en-US" sz="3600" b="1" dirty="0">
+                <a:solidFill>
+                  <a:schemeClr val="bg1"/>
+                </a:solidFill>
+                <a:effectLst>
+                  <a:glow rad="330200">
+                    <a:srgbClr val="685D3C"/>
+                  </a:glow>
+                </a:effectLst>
+                <a:latin typeface="HG正楷書体-PRO" panose="03000600000000000000" pitchFamily="66" charset="-128"/>
+                <a:ea typeface="HG正楷書体-PRO" panose="03000600000000000000" pitchFamily="66" charset="-128"/>
+              </a:rPr>
+              <a:t>藤田 勇一</a:t>
+            </a:r>
+          </a:p>
+        </p:txBody>
+      </p:sp>
+      <p:sp>
+        <p:nvSpPr>
+          <p:cNvPr id="13" name="テキスト ボックス 12">
+            <a:extLst>
+              <a:ext uri="{FF2B5EF4-FFF2-40B4-BE49-F238E27FC236}">
+                <a16:creationId xmlns:a16="http://schemas.microsoft.com/office/drawing/2014/main" id="{2E8D1CDE-30B0-C5B7-2EAE-806B41ACA997}"/>
+              </a:ext>
+            </a:extLst>
+          </p:cNvPr>
+          <p:cNvSpPr txBox="1"/>
+          <p:nvPr/>
+        </p:nvSpPr>
+        <p:spPr>
+          <a:xfrm>
+            <a:off x="9692140" y="6052785"/>
+            <a:ext cx="2635046" cy="646331"/>
+          </a:xfrm>
+          <a:prstGeom prst="rect">
+            <a:avLst/>
+          </a:prstGeom>
+          <a:noFill/>
+        </p:spPr>
+        <p:txBody>
+          <a:bodyPr wrap="square" rtlCol="0">
+            <a:spAutoFit/>
+          </a:bodyPr>
+          <a:lstStyle/>
+          <a:p>
+            <a:r>
+              <a:rPr kumimoji="1" lang="ja-JP" altLang="en-US" sz="3600" b="1" dirty="0">
+                <a:solidFill>
+                  <a:schemeClr val="bg1"/>
+                </a:solidFill>
+                <a:effectLst>
+                  <a:glow rad="330200">
+                    <a:srgbClr val="685D3C"/>
+                  </a:glow>
+                </a:effectLst>
+                <a:latin typeface="HG正楷書体-PRO" panose="03000600000000000000" pitchFamily="66" charset="-128"/>
+                <a:ea typeface="HG正楷書体-PRO" panose="03000600000000000000" pitchFamily="66" charset="-128"/>
+              </a:rPr>
+              <a:t>渡辺 一基</a:t>
+            </a:r>
+          </a:p>
+        </p:txBody>
+      </p:sp>
+      <p:sp>
+        <p:nvSpPr>
+          <p:cNvPr id="14" name="テキスト ボックス 13">
+            <a:extLst>
+              <a:ext uri="{FF2B5EF4-FFF2-40B4-BE49-F238E27FC236}">
+                <a16:creationId xmlns:a16="http://schemas.microsoft.com/office/drawing/2014/main" id="{E81B8629-6B45-7159-162E-76B418F73FCF}"/>
+              </a:ext>
+            </a:extLst>
+          </p:cNvPr>
+          <p:cNvSpPr txBox="1"/>
+          <p:nvPr/>
+        </p:nvSpPr>
+        <p:spPr>
+          <a:xfrm>
+            <a:off x="1" y="2819225"/>
+            <a:ext cx="2842749" cy="830997"/>
+          </a:xfrm>
+          <a:prstGeom prst="rect">
+            <a:avLst/>
+          </a:prstGeom>
+          <a:noFill/>
+        </p:spPr>
+        <p:txBody>
+          <a:bodyPr wrap="square" rtlCol="0">
+            <a:spAutoFit/>
+          </a:bodyPr>
+          <a:lstStyle/>
+          <a:p>
+            <a:r>
+              <a:rPr lang="ja-JP" altLang="en-US" sz="4800" b="1" dirty="0">
+                <a:solidFill>
+                  <a:srgbClr val="7030A0"/>
+                </a:solidFill>
+                <a:effectLst>
+                  <a:glow rad="127000">
+                    <a:schemeClr val="bg1"/>
+                  </a:glow>
+                </a:effectLst>
+                <a:latin typeface="HG正楷書体-PRO" panose="03000600000000000000" pitchFamily="66" charset="-128"/>
+                <a:ea typeface="HG正楷書体-PRO" panose="03000600000000000000" pitchFamily="66" charset="-128"/>
+              </a:rPr>
+              <a:t>ジャンル</a:t>
+            </a:r>
+            <a:endParaRPr kumimoji="1" lang="ja-JP" altLang="en-US" sz="4800" b="1" dirty="0">
+              <a:solidFill>
+                <a:srgbClr val="7030A0"/>
+              </a:solidFill>
+              <a:effectLst>
+                <a:glow rad="127000">
+                  <a:schemeClr val="bg1"/>
+                </a:glow>
+              </a:effectLst>
+              <a:latin typeface="HG正楷書体-PRO" panose="03000600000000000000" pitchFamily="66" charset="-128"/>
+              <a:ea typeface="HG正楷書体-PRO" panose="03000600000000000000" pitchFamily="66" charset="-128"/>
+            </a:endParaRPr>
+          </a:p>
+        </p:txBody>
+      </p:sp>
+      <p:sp>
+        <p:nvSpPr>
+          <p:cNvPr id="15" name="テキスト ボックス 14">
+            <a:extLst>
+              <a:ext uri="{FF2B5EF4-FFF2-40B4-BE49-F238E27FC236}">
+                <a16:creationId xmlns:a16="http://schemas.microsoft.com/office/drawing/2014/main" id="{CE951387-B022-500F-F880-8B8F55112765}"/>
+              </a:ext>
+            </a:extLst>
+          </p:cNvPr>
+          <p:cNvSpPr txBox="1"/>
+          <p:nvPr/>
+        </p:nvSpPr>
+        <p:spPr>
+          <a:xfrm>
+            <a:off x="2883302" y="2906292"/>
+            <a:ext cx="6689624" cy="769441"/>
+          </a:xfrm>
+          <a:prstGeom prst="rect">
+            <a:avLst/>
+          </a:prstGeom>
+          <a:noFill/>
+        </p:spPr>
+        <p:txBody>
+          <a:bodyPr wrap="square" rtlCol="0">
+            <a:spAutoFit/>
+          </a:bodyPr>
+          <a:lstStyle/>
+          <a:p>
+            <a:r>
+              <a:rPr kumimoji="1" lang="ja-JP" altLang="en-US" sz="4400" b="1" dirty="0">
+                <a:solidFill>
+                  <a:srgbClr val="7030A0"/>
+                </a:solidFill>
+                <a:effectLst>
+                  <a:glow rad="127000">
+                    <a:schemeClr val="bg1"/>
+                  </a:glow>
+                </a:effectLst>
+                <a:latin typeface="HG正楷書体-PRO" panose="03000600000000000000" pitchFamily="66" charset="-128"/>
+                <a:ea typeface="HG正楷書体-PRO" panose="03000600000000000000" pitchFamily="66" charset="-128"/>
+              </a:rPr>
+              <a:t>パズルアクションゲーム</a:t>
+            </a:r>
+          </a:p>
+        </p:txBody>
+      </p:sp>
+      <p:pic>
+        <p:nvPicPr>
+          <p:cNvPr id="18" name="図 17" descr="ロゴ, アイコン&#10;&#10;自動的に生成された説明">
+            <a:extLst>
+              <a:ext uri="{FF2B5EF4-FFF2-40B4-BE49-F238E27FC236}">
+                <a16:creationId xmlns:a16="http://schemas.microsoft.com/office/drawing/2014/main" id="{80276BF6-F9AD-74E9-4862-3E39355858F0}"/>
+              </a:ext>
+            </a:extLst>
+          </p:cNvPr>
+          <p:cNvPicPr>
+            <a:picLocks noChangeAspect="1"/>
+          </p:cNvPicPr>
+          <p:nvPr/>
+        </p:nvPicPr>
+        <p:blipFill>
+          <a:blip r:embed="rId2">
+            <a:extLst>
+              <a:ext uri="{28A0092B-C50C-407E-A947-70E740481C1C}">
+                <a14:useLocalDpi xmlns:a14="http://schemas.microsoft.com/office/drawing/2010/main" val="0"/>
+              </a:ext>
+            </a:extLst>
+          </a:blip>
+          <a:stretch>
+            <a:fillRect/>
+          </a:stretch>
+        </p:blipFill>
+        <p:spPr>
+          <a:xfrm>
+            <a:off x="9062878" y="2529673"/>
+            <a:ext cx="3702457" cy="3702457"/>
+          </a:xfrm>
+          <a:prstGeom prst="rect">
+            <a:avLst/>
+          </a:prstGeom>
+          <a:effectLst>
+            <a:softEdge rad="241300"/>
+          </a:effectLst>
+        </p:spPr>
+      </p:pic>
+      <p:sp>
+        <p:nvSpPr>
+          <p:cNvPr id="19" name="テキスト ボックス 18">
+            <a:extLst>
+              <a:ext uri="{FF2B5EF4-FFF2-40B4-BE49-F238E27FC236}">
+                <a16:creationId xmlns:a16="http://schemas.microsoft.com/office/drawing/2014/main" id="{8B8AB157-09C7-1155-4589-6E8A91053935}"/>
+              </a:ext>
+            </a:extLst>
+          </p:cNvPr>
+          <p:cNvSpPr txBox="1"/>
+          <p:nvPr/>
+        </p:nvSpPr>
+        <p:spPr>
+          <a:xfrm>
+            <a:off x="2896826" y="4201809"/>
+            <a:ext cx="1586684" cy="923330"/>
+          </a:xfrm>
+          <a:prstGeom prst="rect">
+            <a:avLst/>
+          </a:prstGeom>
+          <a:noFill/>
+        </p:spPr>
+        <p:txBody>
+          <a:bodyPr wrap="square" rtlCol="0">
+            <a:spAutoFit/>
+          </a:bodyPr>
+          <a:lstStyle/>
+          <a:p>
+            <a:r>
+              <a:rPr kumimoji="1" lang="ja-JP" altLang="en-US" sz="5400" b="1" dirty="0">
+                <a:solidFill>
+                  <a:schemeClr val="bg1"/>
+                </a:solidFill>
+                <a:effectLst>
+                  <a:glow rad="330200">
+                    <a:srgbClr val="685D3C"/>
+                  </a:glow>
+                </a:effectLst>
+                <a:latin typeface="HG正楷書体-PRO" panose="03000600000000000000" pitchFamily="66" charset="-128"/>
+                <a:ea typeface="HG正楷書体-PRO" panose="03000600000000000000" pitchFamily="66" charset="-128"/>
+              </a:rPr>
+              <a:t>七方</a:t>
+            </a:r>
+          </a:p>
+        </p:txBody>
+      </p:sp>
+    </p:spTree>
+    <p:extLst>
+      <p:ext uri="{BB962C8B-B14F-4D97-AF65-F5344CB8AC3E}">
+        <p14:creationId xmlns:p14="http://schemas.microsoft.com/office/powerpoint/2010/main" val="987973196"/>
+      </p:ext>
+    </p:extLst>
+  </p:cSld>
+  <p:clrMapOvr>
+    <a:masterClrMapping/>
+  </p:clrMapOvr>
+</p:sld>
+</file>
+
+<file path=ppt/slides/slide10.xml><?xml version="1.0" encoding="utf-8"?>
+<p:sld xmlns:a="http://schemas.openxmlformats.org/drawingml/2006/main" xmlns:r="http://schemas.openxmlformats.org/officeDocument/2006/relationships" xmlns:p="http://schemas.openxmlformats.org/presentationml/2006/main">
+  <p:cSld>
+    <p:spTree>
+      <p:nvGrpSpPr>
+        <p:cNvPr id="1" name=""/>
+        <p:cNvGrpSpPr/>
+        <p:nvPr/>
+      </p:nvGrpSpPr>
+      <p:grpSpPr>
+        <a:xfrm>
+          <a:off x="0" y="0"/>
+          <a:ext cx="0" cy="0"/>
+          <a:chOff x="0" y="0"/>
+          <a:chExt cx="0" cy="0"/>
+        </a:xfrm>
+      </p:grpSpPr>
+      <p:sp>
+        <p:nvSpPr>
+          <p:cNvPr id="4" name="テキスト ボックス 3">
+            <a:extLst>
+              <a:ext uri="{FF2B5EF4-FFF2-40B4-BE49-F238E27FC236}">
+                <a16:creationId xmlns:a16="http://schemas.microsoft.com/office/drawing/2014/main" id="{90C587FD-1DFF-5989-82FE-EFC2930A75B9}"/>
+              </a:ext>
+            </a:extLst>
+          </p:cNvPr>
+          <p:cNvSpPr txBox="1"/>
+          <p:nvPr/>
+        </p:nvSpPr>
+        <p:spPr>
+          <a:xfrm>
+            <a:off x="521109" y="2921168"/>
+            <a:ext cx="11149781" cy="1015663"/>
           </a:xfrm>
           <a:prstGeom prst="rect">
             <a:avLst/>
@@ -3740,7 +4411,7 @@
                 <a:latin typeface="HG正楷書体-PRO" panose="03000600000000000000" pitchFamily="66" charset="-128"/>
                 <a:ea typeface="HG正楷書体-PRO" panose="03000600000000000000" pitchFamily="66" charset="-128"/>
               </a:rPr>
-              <a:t>～分身の秘められた力～</a:t>
+              <a:t>ご清聴ありがとうございました</a:t>
             </a:r>
             <a:endParaRPr kumimoji="1" lang="ja-JP" altLang="en-US" sz="6000" b="1" dirty="0">
               <a:solidFill>
@@ -3757,171 +4428,10 @@
           </a:p>
         </p:txBody>
       </p:sp>
-      <p:sp>
-        <p:nvSpPr>
-          <p:cNvPr id="6" name="テキスト ボックス 5">
-            <a:extLst>
-              <a:ext uri="{FF2B5EF4-FFF2-40B4-BE49-F238E27FC236}">
-                <a16:creationId xmlns:a16="http://schemas.microsoft.com/office/drawing/2014/main" id="{5B5A2F80-B035-6631-3AD3-FDD1BAD71731}"/>
-              </a:ext>
-            </a:extLst>
-          </p:cNvPr>
-          <p:cNvSpPr txBox="1"/>
-          <p:nvPr/>
-        </p:nvSpPr>
-        <p:spPr>
-          <a:xfrm>
-            <a:off x="1794403" y="2236132"/>
-            <a:ext cx="8885877" cy="1569660"/>
-          </a:xfrm>
-          <a:prstGeom prst="rect">
-            <a:avLst/>
-          </a:prstGeom>
-          <a:noFill/>
-        </p:spPr>
-        <p:txBody>
-          <a:bodyPr wrap="square" rtlCol="0">
-            <a:spAutoFit/>
-          </a:bodyPr>
-          <a:lstStyle/>
-          <a:p>
-            <a:r>
-              <a:rPr lang="ja-JP" altLang="en-US" sz="9600" b="1" dirty="0">
-                <a:solidFill>
-                  <a:srgbClr val="7030A0"/>
-                </a:solidFill>
-                <a:effectLst>
-                  <a:glow rad="127000">
-                    <a:schemeClr val="bg1"/>
-                  </a:glow>
-                </a:effectLst>
-                <a:latin typeface="HG正楷書体-PRO" panose="03000600000000000000" pitchFamily="66" charset="-128"/>
-                <a:ea typeface="HG正楷書体-PRO" panose="03000600000000000000" pitchFamily="66" charset="-128"/>
-              </a:rPr>
-              <a:t>陽炎稲妻月の影</a:t>
-            </a:r>
-            <a:endParaRPr kumimoji="1" lang="ja-JP" altLang="en-US" sz="9600" b="1" dirty="0">
-              <a:solidFill>
-                <a:srgbClr val="7030A0"/>
-              </a:solidFill>
-              <a:effectLst>
-                <a:glow rad="127000">
-                  <a:schemeClr val="bg1"/>
-                </a:glow>
-              </a:effectLst>
-              <a:latin typeface="HG正楷書体-PRO" panose="03000600000000000000" pitchFamily="66" charset="-128"/>
-              <a:ea typeface="HG正楷書体-PRO" panose="03000600000000000000" pitchFamily="66" charset="-128"/>
-            </a:endParaRPr>
-          </a:p>
-        </p:txBody>
-      </p:sp>
-      <p:sp>
-        <p:nvSpPr>
-          <p:cNvPr id="7" name="テキスト ボックス 6">
-            <a:extLst>
-              <a:ext uri="{FF2B5EF4-FFF2-40B4-BE49-F238E27FC236}">
-                <a16:creationId xmlns:a16="http://schemas.microsoft.com/office/drawing/2014/main" id="{D1794ED1-DA1E-2705-8875-3770F4474020}"/>
-              </a:ext>
-            </a:extLst>
-          </p:cNvPr>
-          <p:cNvSpPr txBox="1"/>
-          <p:nvPr/>
-        </p:nvSpPr>
-        <p:spPr>
-          <a:xfrm>
-            <a:off x="3721510" y="1518603"/>
-            <a:ext cx="4748979" cy="830997"/>
-          </a:xfrm>
-          <a:prstGeom prst="rect">
-            <a:avLst/>
-          </a:prstGeom>
-          <a:noFill/>
-        </p:spPr>
-        <p:txBody>
-          <a:bodyPr wrap="square" rtlCol="0">
-            <a:spAutoFit/>
-          </a:bodyPr>
-          <a:lstStyle/>
-          <a:p>
-            <a:r>
-              <a:rPr lang="en-US" altLang="ja-JP" sz="4800" b="1" dirty="0">
-                <a:solidFill>
-                  <a:srgbClr val="7030A0"/>
-                </a:solidFill>
-                <a:effectLst>
-                  <a:glow rad="127000">
-                    <a:schemeClr val="bg1"/>
-                  </a:glow>
-                </a:effectLst>
-                <a:latin typeface="HG正楷書体-PRO" panose="03000600000000000000" pitchFamily="66" charset="-128"/>
-                <a:ea typeface="HG正楷書体-PRO" panose="03000600000000000000" pitchFamily="66" charset="-128"/>
-              </a:rPr>
-              <a:t>I</a:t>
-            </a:r>
-            <a:r>
-              <a:rPr kumimoji="1" lang="en-US" altLang="ja-JP" sz="4800" b="1" dirty="0">
-                <a:solidFill>
-                  <a:srgbClr val="7030A0"/>
-                </a:solidFill>
-                <a:effectLst>
-                  <a:glow rad="127000">
-                    <a:schemeClr val="bg1"/>
-                  </a:glow>
-                </a:effectLst>
-                <a:latin typeface="HG正楷書体-PRO" panose="03000600000000000000" pitchFamily="66" charset="-128"/>
-                <a:ea typeface="HG正楷書体-PRO" panose="03000600000000000000" pitchFamily="66" charset="-128"/>
-              </a:rPr>
-              <a:t>ntangible </a:t>
-            </a:r>
-            <a:r>
-              <a:rPr lang="en-US" altLang="ja-JP" sz="4800" b="1" dirty="0">
-                <a:solidFill>
-                  <a:srgbClr val="7030A0"/>
-                </a:solidFill>
-                <a:effectLst>
-                  <a:glow rad="127000">
-                    <a:schemeClr val="bg1"/>
-                  </a:glow>
-                </a:effectLst>
-                <a:latin typeface="HG正楷書体-PRO" panose="03000600000000000000" pitchFamily="66" charset="-128"/>
-                <a:ea typeface="HG正楷書体-PRO" panose="03000600000000000000" pitchFamily="66" charset="-128"/>
-              </a:rPr>
-              <a:t>N</a:t>
-            </a:r>
-            <a:r>
-              <a:rPr kumimoji="1" lang="en-US" altLang="ja-JP" sz="4800" b="1" dirty="0">
-                <a:solidFill>
-                  <a:srgbClr val="7030A0"/>
-                </a:solidFill>
-                <a:effectLst>
-                  <a:glow rad="127000">
-                    <a:schemeClr val="bg1"/>
-                  </a:glow>
-                </a:effectLst>
-                <a:latin typeface="HG正楷書体-PRO" panose="03000600000000000000" pitchFamily="66" charset="-128"/>
-                <a:ea typeface="HG正楷書体-PRO" panose="03000600000000000000" pitchFamily="66" charset="-128"/>
-              </a:rPr>
-              <a:t>inja</a:t>
-            </a:r>
-            <a:endParaRPr kumimoji="1" lang="ja-JP" altLang="en-US" sz="4800" b="1" dirty="0">
-              <a:solidFill>
-                <a:srgbClr val="7030A0"/>
-              </a:solidFill>
-              <a:effectLst>
-                <a:glow rad="127000">
-                  <a:schemeClr val="bg1"/>
-                </a:glow>
-              </a:effectLst>
-              <a:latin typeface="HG正楷書体-PRO" panose="03000600000000000000" pitchFamily="66" charset="-128"/>
-              <a:ea typeface="HG正楷書体-PRO" panose="03000600000000000000" pitchFamily="66" charset="-128"/>
-            </a:endParaRPr>
-          </a:p>
-        </p:txBody>
-      </p:sp>
     </p:spTree>
     <p:extLst>
       <p:ext uri="{BB962C8B-B14F-4D97-AF65-F5344CB8AC3E}">
-        <p14:creationId xmlns:p14="http://schemas.microsoft.com/office/powerpoint/2010/main" val="987973196"/>
+        <p14:creationId xmlns:p14="http://schemas.microsoft.com/office/powerpoint/2010/main" val="2794401190"/>
       </p:ext>
     </p:extLst>
   </p:cSld>
@@ -3962,8 +4472,493 @@
         </p:nvSpPr>
         <p:spPr>
           <a:xfrm>
-            <a:off x="243356" y="204727"/>
-            <a:ext cx="8998967" cy="1015663"/>
+            <a:off x="0" y="0"/>
+            <a:ext cx="4023844" cy="1015663"/>
+          </a:xfrm>
+          <a:prstGeom prst="rect">
+            <a:avLst/>
+          </a:prstGeom>
+          <a:noFill/>
+        </p:spPr>
+        <p:txBody>
+          <a:bodyPr wrap="square" rtlCol="0">
+            <a:spAutoFit/>
+          </a:bodyPr>
+          <a:lstStyle/>
+          <a:p>
+            <a:r>
+              <a:rPr kumimoji="1" lang="ja-JP" altLang="en-US" sz="6000" b="1" dirty="0">
+                <a:solidFill>
+                  <a:srgbClr val="7030A0"/>
+                </a:solidFill>
+                <a:effectLst>
+                  <a:glow rad="127000">
+                    <a:schemeClr val="bg1"/>
+                  </a:glow>
+                </a:effectLst>
+                <a:latin typeface="HG正楷書体-PRO" panose="03000600000000000000" pitchFamily="66" charset="-128"/>
+                <a:ea typeface="HG正楷書体-PRO" panose="03000600000000000000" pitchFamily="66" charset="-128"/>
+              </a:rPr>
+              <a:t>コンセプト</a:t>
+            </a:r>
+          </a:p>
+        </p:txBody>
+      </p:sp>
+      <p:sp>
+        <p:nvSpPr>
+          <p:cNvPr id="2" name="テキスト ボックス 1">
+            <a:extLst>
+              <a:ext uri="{FF2B5EF4-FFF2-40B4-BE49-F238E27FC236}">
+                <a16:creationId xmlns:a16="http://schemas.microsoft.com/office/drawing/2014/main" id="{C5BBA2F5-9584-0F42-3C43-F86D43B53A10}"/>
+              </a:ext>
+            </a:extLst>
+          </p:cNvPr>
+          <p:cNvSpPr txBox="1"/>
+          <p:nvPr/>
+        </p:nvSpPr>
+        <p:spPr>
+          <a:xfrm>
+            <a:off x="7924802" y="106148"/>
+            <a:ext cx="4267198" cy="461665"/>
+          </a:xfrm>
+          <a:prstGeom prst="rect">
+            <a:avLst/>
+          </a:prstGeom>
+          <a:noFill/>
+        </p:spPr>
+        <p:txBody>
+          <a:bodyPr wrap="square" rtlCol="0">
+            <a:spAutoFit/>
+          </a:bodyPr>
+          <a:lstStyle/>
+          <a:p>
+            <a:r>
+              <a:rPr lang="ja-JP" altLang="en-US" sz="2400" dirty="0">
+                <a:solidFill>
+                  <a:srgbClr val="7030A0"/>
+                </a:solidFill>
+                <a:effectLst>
+                  <a:glow rad="127000">
+                    <a:schemeClr val="bg1"/>
+                  </a:glow>
+                </a:effectLst>
+                <a:latin typeface="HG正楷書体-PRO" panose="03000600000000000000" pitchFamily="66" charset="-128"/>
+                <a:ea typeface="HG正楷書体-PRO" panose="03000600000000000000" pitchFamily="66" charset="-128"/>
+              </a:rPr>
+              <a:t>キャッチコピー、ターゲット</a:t>
+            </a:r>
+            <a:endParaRPr kumimoji="1" lang="ja-JP" altLang="en-US" sz="2400" dirty="0">
+              <a:solidFill>
+                <a:srgbClr val="7030A0"/>
+              </a:solidFill>
+              <a:effectLst>
+                <a:glow rad="127000">
+                  <a:schemeClr val="bg1"/>
+                </a:glow>
+              </a:effectLst>
+              <a:latin typeface="HG正楷書体-PRO" panose="03000600000000000000" pitchFamily="66" charset="-128"/>
+              <a:ea typeface="HG正楷書体-PRO" panose="03000600000000000000" pitchFamily="66" charset="-128"/>
+            </a:endParaRPr>
+          </a:p>
+        </p:txBody>
+      </p:sp>
+      <p:sp>
+        <p:nvSpPr>
+          <p:cNvPr id="3" name="テキスト ボックス 2">
+            <a:extLst>
+              <a:ext uri="{FF2B5EF4-FFF2-40B4-BE49-F238E27FC236}">
+                <a16:creationId xmlns:a16="http://schemas.microsoft.com/office/drawing/2014/main" id="{9B2C163A-A3A3-72CD-7F7F-9B531C14A869}"/>
+              </a:ext>
+            </a:extLst>
+          </p:cNvPr>
+          <p:cNvSpPr txBox="1"/>
+          <p:nvPr/>
+        </p:nvSpPr>
+        <p:spPr>
+          <a:xfrm rot="21345472">
+            <a:off x="-27905" y="527660"/>
+            <a:ext cx="11468406" cy="1938992"/>
+          </a:xfrm>
+          <a:prstGeom prst="rect">
+            <a:avLst/>
+          </a:prstGeom>
+          <a:noFill/>
+          <a:effectLst>
+            <a:outerShdw blurRad="50800" dist="38100" dir="2700000" algn="tl" rotWithShape="0">
+              <a:prstClr val="black">
+                <a:alpha val="40000"/>
+              </a:prstClr>
+            </a:outerShdw>
+          </a:effectLst>
+        </p:spPr>
+        <p:txBody>
+          <a:bodyPr wrap="square" rtlCol="0">
+            <a:spAutoFit/>
+          </a:bodyPr>
+          <a:lstStyle/>
+          <a:p>
+            <a:r>
+              <a:rPr lang="ja-JP" altLang="en-US" sz="6000" b="1" dirty="0">
+                <a:solidFill>
+                  <a:schemeClr val="bg1"/>
+                </a:solidFill>
+                <a:effectLst>
+                  <a:glow rad="190500">
+                    <a:srgbClr val="FF0000"/>
+                  </a:glow>
+                  <a:outerShdw blurRad="50800" dist="203200" dir="2700000" algn="tl" rotWithShape="0">
+                    <a:schemeClr val="bg2">
+                      <a:lumMod val="50000"/>
+                      <a:alpha val="40000"/>
+                    </a:schemeClr>
+                  </a:outerShdw>
+                </a:effectLst>
+                <a:latin typeface="HG正楷書体-PRO" panose="03000600000000000000" pitchFamily="66" charset="-128"/>
+                <a:ea typeface="HG正楷書体-PRO" panose="03000600000000000000" pitchFamily="66" charset="-128"/>
+              </a:rPr>
+              <a:t>限りある</a:t>
+            </a:r>
+            <a:r>
+              <a:rPr lang="ja-JP" altLang="en-US" sz="6000" b="1" dirty="0">
+                <a:solidFill>
+                  <a:srgbClr val="FF0000"/>
+                </a:solidFill>
+                <a:effectLst>
+                  <a:glow rad="190500">
+                    <a:schemeClr val="bg1"/>
+                  </a:glow>
+                  <a:outerShdw blurRad="50800" dist="203200" dir="2700000" algn="tl" rotWithShape="0">
+                    <a:schemeClr val="bg2">
+                      <a:lumMod val="50000"/>
+                      <a:alpha val="40000"/>
+                    </a:schemeClr>
+                  </a:outerShdw>
+                </a:effectLst>
+                <a:latin typeface="HG正楷書体-PRO" panose="03000600000000000000" pitchFamily="66" charset="-128"/>
+                <a:ea typeface="HG正楷書体-PRO" panose="03000600000000000000" pitchFamily="66" charset="-128"/>
+              </a:rPr>
+              <a:t>一人の軍勢</a:t>
+            </a:r>
+            <a:r>
+              <a:rPr lang="ja-JP" altLang="en-US" sz="6000" b="1" dirty="0">
+                <a:solidFill>
+                  <a:schemeClr val="bg1"/>
+                </a:solidFill>
+                <a:effectLst>
+                  <a:glow rad="190500">
+                    <a:srgbClr val="FF0000"/>
+                  </a:glow>
+                  <a:outerShdw blurRad="50800" dist="203200" dir="2700000" algn="tl" rotWithShape="0">
+                    <a:schemeClr val="bg2">
+                      <a:lumMod val="50000"/>
+                      <a:alpha val="40000"/>
+                    </a:schemeClr>
+                  </a:outerShdw>
+                </a:effectLst>
+                <a:latin typeface="HG正楷書体-PRO" panose="03000600000000000000" pitchFamily="66" charset="-128"/>
+                <a:ea typeface="HG正楷書体-PRO" panose="03000600000000000000" pitchFamily="66" charset="-128"/>
+              </a:rPr>
+              <a:t>で</a:t>
+            </a:r>
+            <a:endParaRPr lang="en-US" altLang="ja-JP" sz="6000" b="1" dirty="0">
+              <a:solidFill>
+                <a:schemeClr val="bg1"/>
+              </a:solidFill>
+              <a:effectLst>
+                <a:glow rad="190500">
+                  <a:srgbClr val="FF0000"/>
+                </a:glow>
+                <a:outerShdw blurRad="50800" dist="203200" dir="2700000" algn="tl" rotWithShape="0">
+                  <a:schemeClr val="bg2">
+                    <a:lumMod val="50000"/>
+                    <a:alpha val="40000"/>
+                  </a:schemeClr>
+                </a:outerShdw>
+              </a:effectLst>
+              <a:latin typeface="HG正楷書体-PRO" panose="03000600000000000000" pitchFamily="66" charset="-128"/>
+              <a:ea typeface="HG正楷書体-PRO" panose="03000600000000000000" pitchFamily="66" charset="-128"/>
+            </a:endParaRPr>
+          </a:p>
+          <a:p>
+            <a:pPr algn="r"/>
+            <a:r>
+              <a:rPr kumimoji="1" lang="ja-JP" altLang="en-US" sz="6000" b="1" dirty="0">
+                <a:solidFill>
+                  <a:schemeClr val="bg1"/>
+                </a:solidFill>
+                <a:effectLst>
+                  <a:glow rad="190500">
+                    <a:srgbClr val="FF0000"/>
+                  </a:glow>
+                  <a:outerShdw blurRad="50800" dist="203200" dir="2700000" algn="tl" rotWithShape="0">
+                    <a:schemeClr val="bg2">
+                      <a:lumMod val="50000"/>
+                      <a:alpha val="40000"/>
+                    </a:schemeClr>
+                  </a:outerShdw>
+                </a:effectLst>
+                <a:latin typeface="HG正楷書体-PRO" panose="03000600000000000000" pitchFamily="66" charset="-128"/>
+                <a:ea typeface="HG正楷書体-PRO" panose="03000600000000000000" pitchFamily="66" charset="-128"/>
+              </a:rPr>
+              <a:t>自由に攻略しろ</a:t>
+            </a:r>
+          </a:p>
+        </p:txBody>
+      </p:sp>
+      <p:sp>
+        <p:nvSpPr>
+          <p:cNvPr id="7" name="テキスト ボックス 6">
+            <a:extLst>
+              <a:ext uri="{FF2B5EF4-FFF2-40B4-BE49-F238E27FC236}">
+                <a16:creationId xmlns:a16="http://schemas.microsoft.com/office/drawing/2014/main" id="{265932DA-DE62-7DF2-0C31-CE94265CB4E2}"/>
+              </a:ext>
+            </a:extLst>
+          </p:cNvPr>
+          <p:cNvSpPr txBox="1"/>
+          <p:nvPr/>
+        </p:nvSpPr>
+        <p:spPr>
+          <a:xfrm>
+            <a:off x="0" y="4535860"/>
+            <a:ext cx="12260826" cy="1569660"/>
+          </a:xfrm>
+          <a:prstGeom prst="rect">
+            <a:avLst/>
+          </a:prstGeom>
+          <a:noFill/>
+        </p:spPr>
+        <p:txBody>
+          <a:bodyPr wrap="square" rtlCol="0">
+            <a:spAutoFit/>
+          </a:bodyPr>
+          <a:lstStyle/>
+          <a:p>
+            <a:r>
+              <a:rPr kumimoji="1" lang="ja-JP" altLang="en-US" sz="4800" b="1" dirty="0">
+                <a:solidFill>
+                  <a:srgbClr val="7030A0"/>
+                </a:solidFill>
+                <a:effectLst>
+                  <a:glow rad="127000">
+                    <a:schemeClr val="bg1"/>
+                  </a:glow>
+                </a:effectLst>
+                <a:latin typeface="HG正楷書体-PRO" panose="03000600000000000000" pitchFamily="66" charset="-128"/>
+                <a:ea typeface="HG正楷書体-PRO" panose="03000600000000000000" pitchFamily="66" charset="-128"/>
+              </a:rPr>
+              <a:t>ターゲット：スリルのある難しいゲームが</a:t>
+            </a:r>
+            <a:r>
+              <a:rPr kumimoji="1" lang="en-US" altLang="ja-JP" sz="4800" b="1" dirty="0">
+                <a:solidFill>
+                  <a:srgbClr val="7030A0"/>
+                </a:solidFill>
+                <a:effectLst>
+                  <a:glow rad="127000">
+                    <a:schemeClr val="bg1"/>
+                  </a:glow>
+                </a:effectLst>
+                <a:latin typeface="HG正楷書体-PRO" panose="03000600000000000000" pitchFamily="66" charset="-128"/>
+                <a:ea typeface="HG正楷書体-PRO" panose="03000600000000000000" pitchFamily="66" charset="-128"/>
+              </a:rPr>
+              <a:t>					</a:t>
+            </a:r>
+            <a:r>
+              <a:rPr kumimoji="1" lang="ja-JP" altLang="en-US" sz="4800" b="1" dirty="0">
+                <a:solidFill>
+                  <a:srgbClr val="7030A0"/>
+                </a:solidFill>
+                <a:effectLst>
+                  <a:glow rad="127000">
+                    <a:schemeClr val="bg1"/>
+                  </a:glow>
+                </a:effectLst>
+                <a:latin typeface="HG正楷書体-PRO" panose="03000600000000000000" pitchFamily="66" charset="-128"/>
+                <a:ea typeface="HG正楷書体-PRO" panose="03000600000000000000" pitchFamily="66" charset="-128"/>
+              </a:rPr>
+              <a:t>大好きな人</a:t>
+            </a:r>
+          </a:p>
+        </p:txBody>
+      </p:sp>
+      <p:sp>
+        <p:nvSpPr>
+          <p:cNvPr id="11" name="テキスト ボックス 10">
+            <a:extLst>
+              <a:ext uri="{FF2B5EF4-FFF2-40B4-BE49-F238E27FC236}">
+                <a16:creationId xmlns:a16="http://schemas.microsoft.com/office/drawing/2014/main" id="{5BB6E38F-60D9-CFD1-6D30-D37903DA8DAB}"/>
+              </a:ext>
+            </a:extLst>
+          </p:cNvPr>
+          <p:cNvSpPr txBox="1"/>
+          <p:nvPr/>
+        </p:nvSpPr>
+        <p:spPr>
+          <a:xfrm>
+            <a:off x="183122" y="2994312"/>
+            <a:ext cx="12008878" cy="830997"/>
+          </a:xfrm>
+          <a:prstGeom prst="rect">
+            <a:avLst/>
+          </a:prstGeom>
+          <a:noFill/>
+        </p:spPr>
+        <p:txBody>
+          <a:bodyPr wrap="square" rtlCol="0">
+            <a:spAutoFit/>
+          </a:bodyPr>
+          <a:lstStyle/>
+          <a:p>
+            <a:r>
+              <a:rPr kumimoji="1" lang="ja-JP" altLang="en-US" sz="4800" b="1" dirty="0">
+                <a:solidFill>
+                  <a:schemeClr val="bg1"/>
+                </a:solidFill>
+                <a:effectLst>
+                  <a:glow rad="330200">
+                    <a:srgbClr val="685D3C"/>
+                  </a:glow>
+                </a:effectLst>
+                <a:latin typeface="HG正楷書体-PRO" panose="03000600000000000000" pitchFamily="66" charset="-128"/>
+                <a:ea typeface="HG正楷書体-PRO" panose="03000600000000000000" pitchFamily="66" charset="-128"/>
+              </a:rPr>
+              <a:t>一つの術だけのギリギリのスリルを味わえ</a:t>
+            </a:r>
+          </a:p>
+        </p:txBody>
+      </p:sp>
+    </p:spTree>
+    <p:extLst>
+      <p:ext uri="{BB962C8B-B14F-4D97-AF65-F5344CB8AC3E}">
+        <p14:creationId xmlns:p14="http://schemas.microsoft.com/office/powerpoint/2010/main" val="3069550668"/>
+      </p:ext>
+    </p:extLst>
+  </p:cSld>
+  <p:clrMapOvr>
+    <a:masterClrMapping/>
+  </p:clrMapOvr>
+  <p:timing>
+    <p:tnLst>
+      <p:par>
+        <p:cTn id="1" dur="indefinite" restart="never" nodeType="tmRoot">
+          <p:childTnLst>
+            <p:seq concurrent="1" nextAc="seek">
+              <p:cTn id="2" dur="indefinite" nodeType="mainSeq">
+                <p:childTnLst>
+                  <p:par>
+                    <p:cTn id="3" fill="hold">
+                      <p:stCondLst>
+                        <p:cond delay="indefinite"/>
+                      </p:stCondLst>
+                      <p:childTnLst>
+                        <p:par>
+                          <p:cTn id="4" fill="hold">
+                            <p:stCondLst>
+                              <p:cond delay="0"/>
+                            </p:stCondLst>
+                            <p:childTnLst>
+                              <p:par>
+                                <p:cTn id="5" presetID="16" presetClass="entr" presetSubtype="21" fill="hold" grpId="0" nodeType="clickEffect">
+                                  <p:stCondLst>
+                                    <p:cond delay="0"/>
+                                  </p:stCondLst>
+                                  <p:childTnLst>
+                                    <p:set>
+                                      <p:cBhvr>
+                                        <p:cTn id="6" dur="1" fill="hold">
+                                          <p:stCondLst>
+                                            <p:cond delay="0"/>
+                                          </p:stCondLst>
+                                        </p:cTn>
+                                        <p:tgtEl>
+                                          <p:spTgt spid="3"/>
+                                        </p:tgtEl>
+                                        <p:attrNameLst>
+                                          <p:attrName>style.visibility</p:attrName>
+                                        </p:attrNameLst>
+                                      </p:cBhvr>
+                                      <p:to>
+                                        <p:strVal val="visible"/>
+                                      </p:to>
+                                    </p:set>
+                                    <p:animEffect transition="in" filter="barn(inVertical)">
+                                      <p:cBhvr>
+                                        <p:cTn id="7" dur="500"/>
+                                        <p:tgtEl>
+                                          <p:spTgt spid="3"/>
+                                        </p:tgtEl>
+                                      </p:cBhvr>
+                                    </p:animEffect>
+                                  </p:childTnLst>
+                                </p:cTn>
+                              </p:par>
+                            </p:childTnLst>
+                          </p:cTn>
+                        </p:par>
+                      </p:childTnLst>
+                    </p:cTn>
+                  </p:par>
+                </p:childTnLst>
+              </p:cTn>
+              <p:prevCondLst>
+                <p:cond evt="onPrev" delay="0">
+                  <p:tgtEl>
+                    <p:sldTgt/>
+                  </p:tgtEl>
+                </p:cond>
+              </p:prevCondLst>
+              <p:nextCondLst>
+                <p:cond evt="onNext" delay="0">
+                  <p:tgtEl>
+                    <p:sldTgt/>
+                  </p:tgtEl>
+                </p:cond>
+              </p:nextCondLst>
+            </p:seq>
+          </p:childTnLst>
+        </p:cTn>
+      </p:par>
+    </p:tnLst>
+    <p:bldLst>
+      <p:bldP spid="3" grpId="0"/>
+    </p:bldLst>
+  </p:timing>
+</p:sld>
+</file>
+
+<file path=ppt/slides/slide3.xml><?xml version="1.0" encoding="utf-8"?>
+<p:sld xmlns:a="http://schemas.openxmlformats.org/drawingml/2006/main" xmlns:r="http://schemas.openxmlformats.org/officeDocument/2006/relationships" xmlns:p="http://schemas.openxmlformats.org/presentationml/2006/main">
+  <p:cSld>
+    <p:spTree>
+      <p:nvGrpSpPr>
+        <p:cNvPr id="1" name=""/>
+        <p:cNvGrpSpPr/>
+        <p:nvPr/>
+      </p:nvGrpSpPr>
+      <p:grpSpPr>
+        <a:xfrm>
+          <a:off x="0" y="0"/>
+          <a:ext cx="0" cy="0"/>
+          <a:chOff x="0" y="0"/>
+          <a:chExt cx="0" cy="0"/>
+        </a:xfrm>
+      </p:grpSpPr>
+      <p:sp>
+        <p:nvSpPr>
+          <p:cNvPr id="4" name="テキスト ボックス 3">
+            <a:extLst>
+              <a:ext uri="{FF2B5EF4-FFF2-40B4-BE49-F238E27FC236}">
+                <a16:creationId xmlns:a16="http://schemas.microsoft.com/office/drawing/2014/main" id="{90C587FD-1DFF-5989-82FE-EFC2930A75B9}"/>
+              </a:ext>
+            </a:extLst>
+          </p:cNvPr>
+          <p:cNvSpPr txBox="1"/>
+          <p:nvPr/>
+        </p:nvSpPr>
+        <p:spPr>
+          <a:xfrm>
+            <a:off x="0" y="0"/>
+            <a:ext cx="1713263" cy="1015663"/>
           </a:xfrm>
           <a:prstGeom prst="rect">
             <a:avLst/>
@@ -3994,6 +4989,782 @@
           </a:p>
         </p:txBody>
       </p:sp>
+      <p:sp>
+        <p:nvSpPr>
+          <p:cNvPr id="2" name="テキスト ボックス 1">
+            <a:extLst>
+              <a:ext uri="{FF2B5EF4-FFF2-40B4-BE49-F238E27FC236}">
+                <a16:creationId xmlns:a16="http://schemas.microsoft.com/office/drawing/2014/main" id="{99516924-5C6B-8017-E80A-6AEEF9B6E5D1}"/>
+              </a:ext>
+            </a:extLst>
+          </p:cNvPr>
+          <p:cNvSpPr txBox="1"/>
+          <p:nvPr/>
+        </p:nvSpPr>
+        <p:spPr>
+          <a:xfrm>
+            <a:off x="9488128" y="106148"/>
+            <a:ext cx="2703871" cy="461665"/>
+          </a:xfrm>
+          <a:prstGeom prst="rect">
+            <a:avLst/>
+          </a:prstGeom>
+          <a:noFill/>
+        </p:spPr>
+        <p:txBody>
+          <a:bodyPr wrap="square" rtlCol="0">
+            <a:spAutoFit/>
+          </a:bodyPr>
+          <a:lstStyle/>
+          <a:p>
+            <a:r>
+              <a:rPr lang="ja-JP" altLang="en-US" sz="2400" dirty="0">
+                <a:solidFill>
+                  <a:srgbClr val="7030A0"/>
+                </a:solidFill>
+                <a:effectLst>
+                  <a:glow rad="127000">
+                    <a:schemeClr val="bg1"/>
+                  </a:glow>
+                </a:effectLst>
+                <a:latin typeface="HG正楷書体-PRO" panose="03000600000000000000" pitchFamily="66" charset="-128"/>
+                <a:ea typeface="HG正楷書体-PRO" panose="03000600000000000000" pitchFamily="66" charset="-128"/>
+              </a:rPr>
+              <a:t>舞台、目的、進行</a:t>
+            </a:r>
+            <a:endParaRPr kumimoji="1" lang="ja-JP" altLang="en-US" sz="2400" dirty="0">
+              <a:solidFill>
+                <a:srgbClr val="7030A0"/>
+              </a:solidFill>
+              <a:effectLst>
+                <a:glow rad="127000">
+                  <a:schemeClr val="bg1"/>
+                </a:glow>
+              </a:effectLst>
+              <a:latin typeface="HG正楷書体-PRO" panose="03000600000000000000" pitchFamily="66" charset="-128"/>
+              <a:ea typeface="HG正楷書体-PRO" panose="03000600000000000000" pitchFamily="66" charset="-128"/>
+            </a:endParaRPr>
+          </a:p>
+        </p:txBody>
+      </p:sp>
+      <p:sp>
+        <p:nvSpPr>
+          <p:cNvPr id="3" name="テキスト ボックス 2">
+            <a:extLst>
+              <a:ext uri="{FF2B5EF4-FFF2-40B4-BE49-F238E27FC236}">
+                <a16:creationId xmlns:a16="http://schemas.microsoft.com/office/drawing/2014/main" id="{AAA457AB-8167-C829-6F41-5D963E010842}"/>
+              </a:ext>
+            </a:extLst>
+          </p:cNvPr>
+          <p:cNvSpPr txBox="1"/>
+          <p:nvPr/>
+        </p:nvSpPr>
+        <p:spPr>
+          <a:xfrm>
+            <a:off x="46863" y="2683947"/>
+            <a:ext cx="2312880" cy="830997"/>
+          </a:xfrm>
+          <a:prstGeom prst="rect">
+            <a:avLst/>
+          </a:prstGeom>
+          <a:noFill/>
+        </p:spPr>
+        <p:txBody>
+          <a:bodyPr wrap="square" rtlCol="0">
+            <a:spAutoFit/>
+          </a:bodyPr>
+          <a:lstStyle/>
+          <a:p>
+            <a:r>
+              <a:rPr lang="ja-JP" altLang="en-US" sz="4800" b="1" dirty="0">
+                <a:solidFill>
+                  <a:srgbClr val="7030A0"/>
+                </a:solidFill>
+                <a:effectLst>
+                  <a:glow rad="127000">
+                    <a:schemeClr val="bg1"/>
+                  </a:glow>
+                </a:effectLst>
+                <a:latin typeface="HG正楷書体-PRO" panose="03000600000000000000" pitchFamily="66" charset="-128"/>
+                <a:ea typeface="HG正楷書体-PRO" panose="03000600000000000000" pitchFamily="66" charset="-128"/>
+              </a:rPr>
+              <a:t>城の中</a:t>
+            </a:r>
+            <a:endParaRPr kumimoji="1" lang="ja-JP" altLang="en-US" sz="4800" b="1" dirty="0">
+              <a:solidFill>
+                <a:srgbClr val="7030A0"/>
+              </a:solidFill>
+              <a:effectLst>
+                <a:glow rad="127000">
+                  <a:schemeClr val="bg1"/>
+                </a:glow>
+              </a:effectLst>
+              <a:latin typeface="HG正楷書体-PRO" panose="03000600000000000000" pitchFamily="66" charset="-128"/>
+              <a:ea typeface="HG正楷書体-PRO" panose="03000600000000000000" pitchFamily="66" charset="-128"/>
+            </a:endParaRPr>
+          </a:p>
+        </p:txBody>
+      </p:sp>
+      <p:sp>
+        <p:nvSpPr>
+          <p:cNvPr id="8" name="テキスト ボックス 7">
+            <a:extLst>
+              <a:ext uri="{FF2B5EF4-FFF2-40B4-BE49-F238E27FC236}">
+                <a16:creationId xmlns:a16="http://schemas.microsoft.com/office/drawing/2014/main" id="{6AA309BF-66F0-B184-07F2-BC39AA8DE486}"/>
+              </a:ext>
+            </a:extLst>
+          </p:cNvPr>
+          <p:cNvSpPr txBox="1"/>
+          <p:nvPr/>
+        </p:nvSpPr>
+        <p:spPr>
+          <a:xfrm>
+            <a:off x="7403692" y="5669487"/>
+            <a:ext cx="4522837" cy="830997"/>
+          </a:xfrm>
+          <a:prstGeom prst="rect">
+            <a:avLst/>
+          </a:prstGeom>
+          <a:noFill/>
+        </p:spPr>
+        <p:txBody>
+          <a:bodyPr wrap="square" rtlCol="0">
+            <a:spAutoFit/>
+          </a:bodyPr>
+          <a:lstStyle/>
+          <a:p>
+            <a:r>
+              <a:rPr lang="ja-JP" altLang="en-US" sz="4800" b="1" dirty="0">
+                <a:solidFill>
+                  <a:srgbClr val="7030A0"/>
+                </a:solidFill>
+                <a:effectLst>
+                  <a:glow rad="127000">
+                    <a:schemeClr val="bg1"/>
+                  </a:glow>
+                </a:effectLst>
+                <a:latin typeface="HG正楷書体-PRO" panose="03000600000000000000" pitchFamily="66" charset="-128"/>
+                <a:ea typeface="HG正楷書体-PRO" panose="03000600000000000000" pitchFamily="66" charset="-128"/>
+              </a:rPr>
+              <a:t>素早く目的地へ</a:t>
+            </a:r>
+            <a:endParaRPr kumimoji="1" lang="ja-JP" altLang="en-US" sz="4800" b="1" dirty="0">
+              <a:solidFill>
+                <a:srgbClr val="7030A0"/>
+              </a:solidFill>
+              <a:effectLst>
+                <a:glow rad="127000">
+                  <a:schemeClr val="bg1"/>
+                </a:glow>
+              </a:effectLst>
+              <a:latin typeface="HG正楷書体-PRO" panose="03000600000000000000" pitchFamily="66" charset="-128"/>
+              <a:ea typeface="HG正楷書体-PRO" panose="03000600000000000000" pitchFamily="66" charset="-128"/>
+            </a:endParaRPr>
+          </a:p>
+        </p:txBody>
+      </p:sp>
+      <p:sp>
+        <p:nvSpPr>
+          <p:cNvPr id="10" name="テキスト ボックス 9">
+            <a:extLst>
+              <a:ext uri="{FF2B5EF4-FFF2-40B4-BE49-F238E27FC236}">
+                <a16:creationId xmlns:a16="http://schemas.microsoft.com/office/drawing/2014/main" id="{708FDB05-3AE2-3FE3-B8D8-A8173AE54920}"/>
+              </a:ext>
+            </a:extLst>
+          </p:cNvPr>
+          <p:cNvSpPr txBox="1"/>
+          <p:nvPr/>
+        </p:nvSpPr>
+        <p:spPr>
+          <a:xfrm>
+            <a:off x="5423478" y="3373951"/>
+            <a:ext cx="4352034" cy="830997"/>
+          </a:xfrm>
+          <a:prstGeom prst="rect">
+            <a:avLst/>
+          </a:prstGeom>
+          <a:noFill/>
+        </p:spPr>
+        <p:txBody>
+          <a:bodyPr wrap="square" rtlCol="0">
+            <a:spAutoFit/>
+          </a:bodyPr>
+          <a:lstStyle/>
+          <a:p>
+            <a:r>
+              <a:rPr lang="ja-JP" altLang="en-US" sz="4800" b="1" dirty="0">
+                <a:solidFill>
+                  <a:srgbClr val="7030A0"/>
+                </a:solidFill>
+                <a:effectLst>
+                  <a:glow rad="127000">
+                    <a:schemeClr val="bg1"/>
+                  </a:glow>
+                </a:effectLst>
+                <a:latin typeface="HG正楷書体-PRO" panose="03000600000000000000" pitchFamily="66" charset="-128"/>
+                <a:ea typeface="HG正楷書体-PRO" panose="03000600000000000000" pitchFamily="66" charset="-128"/>
+              </a:rPr>
+              <a:t>敵に倒されず</a:t>
+            </a:r>
+            <a:endParaRPr kumimoji="1" lang="ja-JP" altLang="en-US" sz="4800" b="1" dirty="0">
+              <a:solidFill>
+                <a:srgbClr val="7030A0"/>
+              </a:solidFill>
+              <a:effectLst>
+                <a:glow rad="127000">
+                  <a:schemeClr val="bg1"/>
+                </a:glow>
+              </a:effectLst>
+              <a:latin typeface="HG正楷書体-PRO" panose="03000600000000000000" pitchFamily="66" charset="-128"/>
+              <a:ea typeface="HG正楷書体-PRO" panose="03000600000000000000" pitchFamily="66" charset="-128"/>
+            </a:endParaRPr>
+          </a:p>
+        </p:txBody>
+      </p:sp>
+      <p:sp>
+        <p:nvSpPr>
+          <p:cNvPr id="11" name="テキスト ボックス 10">
+            <a:extLst>
+              <a:ext uri="{FF2B5EF4-FFF2-40B4-BE49-F238E27FC236}">
+                <a16:creationId xmlns:a16="http://schemas.microsoft.com/office/drawing/2014/main" id="{53DB337C-AAC6-A9B8-974E-80B63D6BE63C}"/>
+              </a:ext>
+            </a:extLst>
+          </p:cNvPr>
+          <p:cNvSpPr txBox="1"/>
+          <p:nvPr/>
+        </p:nvSpPr>
+        <p:spPr>
+          <a:xfrm>
+            <a:off x="2776141" y="4573696"/>
+            <a:ext cx="3082411" cy="830997"/>
+          </a:xfrm>
+          <a:prstGeom prst="rect">
+            <a:avLst/>
+          </a:prstGeom>
+          <a:noFill/>
+        </p:spPr>
+        <p:txBody>
+          <a:bodyPr wrap="square" rtlCol="0">
+            <a:spAutoFit/>
+          </a:bodyPr>
+          <a:lstStyle/>
+          <a:p>
+            <a:r>
+              <a:rPr lang="ja-JP" altLang="en-US" sz="4800" b="1" dirty="0">
+                <a:solidFill>
+                  <a:srgbClr val="7030A0"/>
+                </a:solidFill>
+                <a:effectLst>
+                  <a:glow rad="127000">
+                    <a:schemeClr val="bg1"/>
+                  </a:glow>
+                </a:effectLst>
+                <a:latin typeface="HG正楷書体-PRO" panose="03000600000000000000" pitchFamily="66" charset="-128"/>
+                <a:ea typeface="HG正楷書体-PRO" panose="03000600000000000000" pitchFamily="66" charset="-128"/>
+              </a:rPr>
+              <a:t>様々な技</a:t>
+            </a:r>
+            <a:endParaRPr kumimoji="1" lang="ja-JP" altLang="en-US" sz="4800" b="1" dirty="0">
+              <a:solidFill>
+                <a:srgbClr val="7030A0"/>
+              </a:solidFill>
+              <a:effectLst>
+                <a:glow rad="127000">
+                  <a:schemeClr val="bg1"/>
+                </a:glow>
+              </a:effectLst>
+              <a:latin typeface="HG正楷書体-PRO" panose="03000600000000000000" pitchFamily="66" charset="-128"/>
+              <a:ea typeface="HG正楷書体-PRO" panose="03000600000000000000" pitchFamily="66" charset="-128"/>
+            </a:endParaRPr>
+          </a:p>
+        </p:txBody>
+      </p:sp>
+      <p:pic>
+        <p:nvPicPr>
+          <p:cNvPr id="13" name="図 12" descr="図形&#10;&#10;低い精度で自動的に生成された説明">
+            <a:extLst>
+              <a:ext uri="{FF2B5EF4-FFF2-40B4-BE49-F238E27FC236}">
+                <a16:creationId xmlns:a16="http://schemas.microsoft.com/office/drawing/2014/main" id="{5C775FA1-0A8A-8D9A-2CC8-0E88219D7C6A}"/>
+              </a:ext>
+            </a:extLst>
+          </p:cNvPr>
+          <p:cNvPicPr>
+            <a:picLocks noChangeAspect="1"/>
+          </p:cNvPicPr>
+          <p:nvPr/>
+        </p:nvPicPr>
+        <p:blipFill rotWithShape="1">
+          <a:blip r:embed="rId2">
+            <a:extLst>
+              <a:ext uri="{28A0092B-C50C-407E-A947-70E740481C1C}">
+                <a14:useLocalDpi xmlns:a14="http://schemas.microsoft.com/office/drawing/2010/main" val="0"/>
+              </a:ext>
+            </a:extLst>
+          </a:blip>
+          <a:srcRect l="19502" r="22763"/>
+          <a:stretch/>
+        </p:blipFill>
+        <p:spPr>
+          <a:xfrm>
+            <a:off x="5445160" y="1360508"/>
+            <a:ext cx="870148" cy="1323439"/>
+          </a:xfrm>
+          <a:prstGeom prst="rect">
+            <a:avLst/>
+          </a:prstGeom>
+          <a:effectLst>
+            <a:glow rad="50800">
+              <a:schemeClr val="bg2"/>
+            </a:glow>
+            <a:softEdge rad="31750"/>
+          </a:effectLst>
+        </p:spPr>
+      </p:pic>
+      <p:pic>
+        <p:nvPicPr>
+          <p:cNvPr id="14" name="図 13" descr="図形&#10;&#10;低い精度で自動的に生成された説明">
+            <a:extLst>
+              <a:ext uri="{FF2B5EF4-FFF2-40B4-BE49-F238E27FC236}">
+                <a16:creationId xmlns:a16="http://schemas.microsoft.com/office/drawing/2014/main" id="{0867B657-ACED-CFDD-6813-50D27BC6CECC}"/>
+              </a:ext>
+            </a:extLst>
+          </p:cNvPr>
+          <p:cNvPicPr>
+            <a:picLocks noChangeAspect="1"/>
+          </p:cNvPicPr>
+          <p:nvPr/>
+        </p:nvPicPr>
+        <p:blipFill rotWithShape="1">
+          <a:blip r:embed="rId2">
+            <a:extLst>
+              <a:ext uri="{28A0092B-C50C-407E-A947-70E740481C1C}">
+                <a14:useLocalDpi xmlns:a14="http://schemas.microsoft.com/office/drawing/2010/main" val="0"/>
+              </a:ext>
+            </a:extLst>
+          </a:blip>
+          <a:srcRect l="19502" r="22763"/>
+          <a:stretch/>
+        </p:blipFill>
+        <p:spPr>
+          <a:xfrm>
+            <a:off x="5218360" y="1360509"/>
+            <a:ext cx="870148" cy="1323439"/>
+          </a:xfrm>
+          <a:prstGeom prst="rect">
+            <a:avLst/>
+          </a:prstGeom>
+          <a:effectLst>
+            <a:glow rad="50800">
+              <a:schemeClr val="bg2"/>
+            </a:glow>
+            <a:softEdge rad="31750"/>
+          </a:effectLst>
+        </p:spPr>
+      </p:pic>
+      <p:pic>
+        <p:nvPicPr>
+          <p:cNvPr id="15" name="図 14" descr="図形&#10;&#10;低い精度で自動的に生成された説明">
+            <a:extLst>
+              <a:ext uri="{FF2B5EF4-FFF2-40B4-BE49-F238E27FC236}">
+                <a16:creationId xmlns:a16="http://schemas.microsoft.com/office/drawing/2014/main" id="{2D97CFD7-19F0-F1C1-D1A6-7382521CBE60}"/>
+              </a:ext>
+            </a:extLst>
+          </p:cNvPr>
+          <p:cNvPicPr>
+            <a:picLocks noChangeAspect="1"/>
+          </p:cNvPicPr>
+          <p:nvPr/>
+        </p:nvPicPr>
+        <p:blipFill rotWithShape="1">
+          <a:blip r:embed="rId2">
+            <a:extLst>
+              <a:ext uri="{28A0092B-C50C-407E-A947-70E740481C1C}">
+                <a14:useLocalDpi xmlns:a14="http://schemas.microsoft.com/office/drawing/2010/main" val="0"/>
+              </a:ext>
+            </a:extLst>
+          </a:blip>
+          <a:srcRect l="19502" r="22763"/>
+          <a:stretch/>
+        </p:blipFill>
+        <p:spPr>
+          <a:xfrm>
+            <a:off x="4988404" y="1360509"/>
+            <a:ext cx="870148" cy="1323439"/>
+          </a:xfrm>
+          <a:prstGeom prst="rect">
+            <a:avLst/>
+          </a:prstGeom>
+          <a:effectLst>
+            <a:glow rad="50800">
+              <a:schemeClr val="bg2"/>
+            </a:glow>
+            <a:softEdge rad="31750"/>
+          </a:effectLst>
+        </p:spPr>
+      </p:pic>
+      <p:pic>
+        <p:nvPicPr>
+          <p:cNvPr id="16" name="図 15" descr="図形&#10;&#10;低い精度で自動的に生成された説明">
+            <a:extLst>
+              <a:ext uri="{FF2B5EF4-FFF2-40B4-BE49-F238E27FC236}">
+                <a16:creationId xmlns:a16="http://schemas.microsoft.com/office/drawing/2014/main" id="{55F83141-7532-0DEF-3B10-CEBF122BCEE5}"/>
+              </a:ext>
+            </a:extLst>
+          </p:cNvPr>
+          <p:cNvPicPr>
+            <a:picLocks noChangeAspect="1"/>
+          </p:cNvPicPr>
+          <p:nvPr/>
+        </p:nvPicPr>
+        <p:blipFill rotWithShape="1">
+          <a:blip r:embed="rId2">
+            <a:extLst>
+              <a:ext uri="{28A0092B-C50C-407E-A947-70E740481C1C}">
+                <a14:useLocalDpi xmlns:a14="http://schemas.microsoft.com/office/drawing/2010/main" val="0"/>
+              </a:ext>
+            </a:extLst>
+          </a:blip>
+          <a:srcRect l="19502" r="22763"/>
+          <a:stretch/>
+        </p:blipFill>
+        <p:spPr>
+          <a:xfrm>
+            <a:off x="4739939" y="1360741"/>
+            <a:ext cx="870148" cy="1323439"/>
+          </a:xfrm>
+          <a:prstGeom prst="rect">
+            <a:avLst/>
+          </a:prstGeom>
+          <a:effectLst>
+            <a:glow rad="50800">
+              <a:schemeClr val="bg2"/>
+            </a:glow>
+            <a:softEdge rad="31750"/>
+          </a:effectLst>
+        </p:spPr>
+      </p:pic>
+      <p:pic>
+        <p:nvPicPr>
+          <p:cNvPr id="17" name="図 16" descr="図形&#10;&#10;低い精度で自動的に生成された説明">
+            <a:extLst>
+              <a:ext uri="{FF2B5EF4-FFF2-40B4-BE49-F238E27FC236}">
+                <a16:creationId xmlns:a16="http://schemas.microsoft.com/office/drawing/2014/main" id="{2FD77F94-CDB4-C49F-3CD8-5DA327D6941A}"/>
+              </a:ext>
+            </a:extLst>
+          </p:cNvPr>
+          <p:cNvPicPr>
+            <a:picLocks noChangeAspect="1"/>
+          </p:cNvPicPr>
+          <p:nvPr/>
+        </p:nvPicPr>
+        <p:blipFill rotWithShape="1">
+          <a:blip r:embed="rId2">
+            <a:extLst>
+              <a:ext uri="{28A0092B-C50C-407E-A947-70E740481C1C}">
+                <a14:useLocalDpi xmlns:a14="http://schemas.microsoft.com/office/drawing/2010/main" val="0"/>
+              </a:ext>
+            </a:extLst>
+          </a:blip>
+          <a:srcRect l="19502" r="22763"/>
+          <a:stretch/>
+        </p:blipFill>
+        <p:spPr>
+          <a:xfrm>
+            <a:off x="4491474" y="1360742"/>
+            <a:ext cx="870148" cy="1323439"/>
+          </a:xfrm>
+          <a:prstGeom prst="rect">
+            <a:avLst/>
+          </a:prstGeom>
+          <a:effectLst>
+            <a:glow rad="50800">
+              <a:schemeClr val="bg2"/>
+            </a:glow>
+            <a:softEdge rad="31750"/>
+          </a:effectLst>
+        </p:spPr>
+      </p:pic>
+      <p:pic>
+        <p:nvPicPr>
+          <p:cNvPr id="18" name="図 17" descr="図形&#10;&#10;低い精度で自動的に生成された説明">
+            <a:extLst>
+              <a:ext uri="{FF2B5EF4-FFF2-40B4-BE49-F238E27FC236}">
+                <a16:creationId xmlns:a16="http://schemas.microsoft.com/office/drawing/2014/main" id="{6163E1EF-2386-F322-C64F-1BD86AF2A304}"/>
+              </a:ext>
+            </a:extLst>
+          </p:cNvPr>
+          <p:cNvPicPr>
+            <a:picLocks noChangeAspect="1"/>
+          </p:cNvPicPr>
+          <p:nvPr/>
+        </p:nvPicPr>
+        <p:blipFill rotWithShape="1">
+          <a:blip r:embed="rId2">
+            <a:extLst>
+              <a:ext uri="{28A0092B-C50C-407E-A947-70E740481C1C}">
+                <a14:useLocalDpi xmlns:a14="http://schemas.microsoft.com/office/drawing/2010/main" val="0"/>
+              </a:ext>
+            </a:extLst>
+          </a:blip>
+          <a:srcRect l="19502" r="22763"/>
+          <a:stretch/>
+        </p:blipFill>
+        <p:spPr>
+          <a:xfrm>
+            <a:off x="4243009" y="1360742"/>
+            <a:ext cx="870148" cy="1323439"/>
+          </a:xfrm>
+          <a:prstGeom prst="rect">
+            <a:avLst/>
+          </a:prstGeom>
+          <a:effectLst>
+            <a:glow rad="50800">
+              <a:schemeClr val="bg2"/>
+            </a:glow>
+            <a:softEdge rad="31750"/>
+          </a:effectLst>
+        </p:spPr>
+      </p:pic>
+      <p:pic>
+        <p:nvPicPr>
+          <p:cNvPr id="19" name="図 18" descr="図形&#10;&#10;低い精度で自動的に生成された説明">
+            <a:extLst>
+              <a:ext uri="{FF2B5EF4-FFF2-40B4-BE49-F238E27FC236}">
+                <a16:creationId xmlns:a16="http://schemas.microsoft.com/office/drawing/2014/main" id="{D494C23E-02DB-CF83-2B59-1BA436BDD991}"/>
+              </a:ext>
+            </a:extLst>
+          </p:cNvPr>
+          <p:cNvPicPr>
+            <a:picLocks noChangeAspect="1"/>
+          </p:cNvPicPr>
+          <p:nvPr/>
+        </p:nvPicPr>
+        <p:blipFill rotWithShape="1">
+          <a:blip r:embed="rId2">
+            <a:extLst>
+              <a:ext uri="{28A0092B-C50C-407E-A947-70E740481C1C}">
+                <a14:useLocalDpi xmlns:a14="http://schemas.microsoft.com/office/drawing/2010/main" val="0"/>
+              </a:ext>
+            </a:extLst>
+          </a:blip>
+          <a:srcRect l="19502" r="22763"/>
+          <a:stretch/>
+        </p:blipFill>
+        <p:spPr>
+          <a:xfrm>
+            <a:off x="3994544" y="1360974"/>
+            <a:ext cx="870148" cy="1323439"/>
+          </a:xfrm>
+          <a:prstGeom prst="rect">
+            <a:avLst/>
+          </a:prstGeom>
+          <a:effectLst>
+            <a:glow rad="50800">
+              <a:schemeClr val="bg2"/>
+            </a:glow>
+            <a:softEdge rad="31750"/>
+          </a:effectLst>
+        </p:spPr>
+      </p:pic>
+      <p:pic>
+        <p:nvPicPr>
+          <p:cNvPr id="20" name="図 19" descr="図形&#10;&#10;低い精度で自動的に生成された説明">
+            <a:extLst>
+              <a:ext uri="{FF2B5EF4-FFF2-40B4-BE49-F238E27FC236}">
+                <a16:creationId xmlns:a16="http://schemas.microsoft.com/office/drawing/2014/main" id="{B9B42DFC-0D19-4AB4-009D-F62D5A2FDC24}"/>
+              </a:ext>
+            </a:extLst>
+          </p:cNvPr>
+          <p:cNvPicPr>
+            <a:picLocks noChangeAspect="1"/>
+          </p:cNvPicPr>
+          <p:nvPr/>
+        </p:nvPicPr>
+        <p:blipFill rotWithShape="1">
+          <a:blip r:embed="rId2">
+            <a:extLst>
+              <a:ext uri="{28A0092B-C50C-407E-A947-70E740481C1C}">
+                <a14:useLocalDpi xmlns:a14="http://schemas.microsoft.com/office/drawing/2010/main" val="0"/>
+              </a:ext>
+            </a:extLst>
+          </a:blip>
+          <a:srcRect l="19502" r="22763"/>
+          <a:stretch/>
+        </p:blipFill>
+        <p:spPr>
+          <a:xfrm>
+            <a:off x="3746079" y="1360742"/>
+            <a:ext cx="870148" cy="1323439"/>
+          </a:xfrm>
+          <a:prstGeom prst="rect">
+            <a:avLst/>
+          </a:prstGeom>
+          <a:effectLst>
+            <a:glow rad="50800">
+              <a:schemeClr val="bg2"/>
+            </a:glow>
+            <a:softEdge rad="31750"/>
+          </a:effectLst>
+        </p:spPr>
+      </p:pic>
+      <p:pic>
+        <p:nvPicPr>
+          <p:cNvPr id="21" name="図 20" descr="図形&#10;&#10;低い精度で自動的に生成された説明">
+            <a:extLst>
+              <a:ext uri="{FF2B5EF4-FFF2-40B4-BE49-F238E27FC236}">
+                <a16:creationId xmlns:a16="http://schemas.microsoft.com/office/drawing/2014/main" id="{4A9D78DD-D033-49AA-5119-CBDA164B26A7}"/>
+              </a:ext>
+            </a:extLst>
+          </p:cNvPr>
+          <p:cNvPicPr>
+            <a:picLocks noChangeAspect="1"/>
+          </p:cNvPicPr>
+          <p:nvPr/>
+        </p:nvPicPr>
+        <p:blipFill rotWithShape="1">
+          <a:blip r:embed="rId2">
+            <a:extLst>
+              <a:ext uri="{28A0092B-C50C-407E-A947-70E740481C1C}">
+                <a14:useLocalDpi xmlns:a14="http://schemas.microsoft.com/office/drawing/2010/main" val="0"/>
+              </a:ext>
+            </a:extLst>
+          </a:blip>
+          <a:srcRect l="27061" r="20097"/>
+          <a:stretch/>
+        </p:blipFill>
+        <p:spPr>
+          <a:xfrm>
+            <a:off x="3580082" y="1393027"/>
+            <a:ext cx="796414" cy="1323439"/>
+          </a:xfrm>
+          <a:prstGeom prst="rect">
+            <a:avLst/>
+          </a:prstGeom>
+          <a:effectLst>
+            <a:glow rad="279400">
+              <a:srgbClr val="00B0F0"/>
+            </a:glow>
+          </a:effectLst>
+        </p:spPr>
+      </p:pic>
+      <p:sp>
+        <p:nvSpPr>
+          <p:cNvPr id="12" name="テキスト ボックス 11">
+            <a:extLst>
+              <a:ext uri="{FF2B5EF4-FFF2-40B4-BE49-F238E27FC236}">
+                <a16:creationId xmlns:a16="http://schemas.microsoft.com/office/drawing/2014/main" id="{526949D0-8FA5-E076-1FB4-649A37F0576D}"/>
+              </a:ext>
+            </a:extLst>
+          </p:cNvPr>
+          <p:cNvSpPr txBox="1"/>
+          <p:nvPr/>
+        </p:nvSpPr>
+        <p:spPr>
+          <a:xfrm>
+            <a:off x="2953334" y="265183"/>
+            <a:ext cx="4352034" cy="1323439"/>
+          </a:xfrm>
+          <a:prstGeom prst="rect">
+            <a:avLst/>
+          </a:prstGeom>
+          <a:noFill/>
+        </p:spPr>
+        <p:txBody>
+          <a:bodyPr wrap="square" rtlCol="0">
+            <a:spAutoFit/>
+          </a:bodyPr>
+          <a:lstStyle/>
+          <a:p>
+            <a:r>
+              <a:rPr kumimoji="1" lang="ja-JP" altLang="en-US" sz="8000" dirty="0">
+                <a:solidFill>
+                  <a:schemeClr val="accent4"/>
+                </a:solidFill>
+                <a:effectLst>
+                  <a:glow rad="127000">
+                    <a:schemeClr val="bg1"/>
+                  </a:glow>
+                </a:effectLst>
+                <a:latin typeface="HG正楷書体-PRO" panose="03000600000000000000" pitchFamily="66" charset="-128"/>
+                <a:ea typeface="HG正楷書体-PRO" panose="03000600000000000000" pitchFamily="66" charset="-128"/>
+              </a:rPr>
+              <a:t>分身の術</a:t>
+            </a:r>
+            <a:endParaRPr kumimoji="1" lang="ja-JP" altLang="en-US" sz="5400" dirty="0">
+              <a:solidFill>
+                <a:schemeClr val="bg1"/>
+              </a:solidFill>
+              <a:effectLst>
+                <a:glow rad="76200">
+                  <a:srgbClr val="00B0F0">
+                    <a:alpha val="90000"/>
+                  </a:srgbClr>
+                </a:glow>
+              </a:effectLst>
+              <a:latin typeface="HG正楷書体-PRO" panose="03000600000000000000" pitchFamily="66" charset="-128"/>
+              <a:ea typeface="HG正楷書体-PRO" panose="03000600000000000000" pitchFamily="66" charset="-128"/>
+            </a:endParaRPr>
+          </a:p>
+        </p:txBody>
+      </p:sp>
+      <p:sp>
+        <p:nvSpPr>
+          <p:cNvPr id="9" name="テキスト ボックス 8">
+            <a:extLst>
+              <a:ext uri="{FF2B5EF4-FFF2-40B4-BE49-F238E27FC236}">
+                <a16:creationId xmlns:a16="http://schemas.microsoft.com/office/drawing/2014/main" id="{EB2D6ABB-4814-0E30-477D-19FDDB9B3B65}"/>
+              </a:ext>
+            </a:extLst>
+          </p:cNvPr>
+          <p:cNvSpPr txBox="1"/>
+          <p:nvPr/>
+        </p:nvSpPr>
+        <p:spPr>
+          <a:xfrm>
+            <a:off x="7133305" y="640002"/>
+            <a:ext cx="3082411" cy="830997"/>
+          </a:xfrm>
+          <a:prstGeom prst="rect">
+            <a:avLst/>
+          </a:prstGeom>
+          <a:noFill/>
+        </p:spPr>
+        <p:txBody>
+          <a:bodyPr wrap="square" rtlCol="0">
+            <a:spAutoFit/>
+          </a:bodyPr>
+          <a:lstStyle/>
+          <a:p>
+            <a:r>
+              <a:rPr lang="ja-JP" altLang="en-US" sz="4800" b="1" dirty="0">
+                <a:solidFill>
+                  <a:srgbClr val="7030A0"/>
+                </a:solidFill>
+                <a:effectLst>
+                  <a:glow rad="127000">
+                    <a:schemeClr val="bg1"/>
+                  </a:glow>
+                </a:effectLst>
+                <a:latin typeface="HG正楷書体-PRO" panose="03000600000000000000" pitchFamily="66" charset="-128"/>
+                <a:ea typeface="HG正楷書体-PRO" panose="03000600000000000000" pitchFamily="66" charset="-128"/>
+              </a:rPr>
+              <a:t>のみ使用</a:t>
+            </a:r>
+            <a:endParaRPr kumimoji="1" lang="ja-JP" altLang="en-US" sz="4800" b="1" dirty="0">
+              <a:solidFill>
+                <a:srgbClr val="7030A0"/>
+              </a:solidFill>
+              <a:effectLst>
+                <a:glow rad="127000">
+                  <a:schemeClr val="bg1"/>
+                </a:glow>
+              </a:effectLst>
+              <a:latin typeface="HG正楷書体-PRO" panose="03000600000000000000" pitchFamily="66" charset="-128"/>
+              <a:ea typeface="HG正楷書体-PRO" panose="03000600000000000000" pitchFamily="66" charset="-128"/>
+            </a:endParaRPr>
+          </a:p>
+        </p:txBody>
+      </p:sp>
     </p:spTree>
     <p:extLst>
       <p:ext uri="{BB962C8B-B14F-4D97-AF65-F5344CB8AC3E}">
@@ -4004,6 +5775,7150 @@
   <p:clrMapOvr>
     <a:masterClrMapping/>
   </p:clrMapOvr>
+  <p:timing>
+    <p:tnLst>
+      <p:par>
+        <p:cTn id="1" dur="indefinite" restart="never" nodeType="tmRoot">
+          <p:childTnLst>
+            <p:seq concurrent="1" nextAc="seek">
+              <p:cTn id="2" dur="indefinite" nodeType="mainSeq">
+                <p:childTnLst>
+                  <p:par>
+                    <p:cTn id="3" fill="hold">
+                      <p:stCondLst>
+                        <p:cond delay="indefinite"/>
+                        <p:cond evt="onBegin" delay="0">
+                          <p:tn val="2"/>
+                        </p:cond>
+                      </p:stCondLst>
+                      <p:childTnLst>
+                        <p:par>
+                          <p:cTn id="4" fill="hold">
+                            <p:stCondLst>
+                              <p:cond delay="0"/>
+                            </p:stCondLst>
+                            <p:childTnLst>
+                              <p:par>
+                                <p:cTn id="5" presetID="14" presetClass="entr" presetSubtype="10" fill="hold" grpId="0" nodeType="withEffect">
+                                  <p:stCondLst>
+                                    <p:cond delay="0"/>
+                                  </p:stCondLst>
+                                  <p:childTnLst>
+                                    <p:set>
+                                      <p:cBhvr>
+                                        <p:cTn id="6" dur="1" fill="hold">
+                                          <p:stCondLst>
+                                            <p:cond delay="0"/>
+                                          </p:stCondLst>
+                                        </p:cTn>
+                                        <p:tgtEl>
+                                          <p:spTgt spid="12"/>
+                                        </p:tgtEl>
+                                        <p:attrNameLst>
+                                          <p:attrName>style.visibility</p:attrName>
+                                        </p:attrNameLst>
+                                      </p:cBhvr>
+                                      <p:to>
+                                        <p:strVal val="visible"/>
+                                      </p:to>
+                                    </p:set>
+                                    <p:animEffect transition="in" filter="randombar(horizontal)">
+                                      <p:cBhvr>
+                                        <p:cTn id="7" dur="500"/>
+                                        <p:tgtEl>
+                                          <p:spTgt spid="12"/>
+                                        </p:tgtEl>
+                                      </p:cBhvr>
+                                    </p:animEffect>
+                                  </p:childTnLst>
+                                </p:cTn>
+                              </p:par>
+                            </p:childTnLst>
+                          </p:cTn>
+                        </p:par>
+                      </p:childTnLst>
+                    </p:cTn>
+                  </p:par>
+                </p:childTnLst>
+              </p:cTn>
+              <p:prevCondLst>
+                <p:cond evt="onPrev" delay="0">
+                  <p:tgtEl>
+                    <p:sldTgt/>
+                  </p:tgtEl>
+                </p:cond>
+              </p:prevCondLst>
+              <p:nextCondLst>
+                <p:cond evt="onNext" delay="0">
+                  <p:tgtEl>
+                    <p:sldTgt/>
+                  </p:tgtEl>
+                </p:cond>
+              </p:nextCondLst>
+            </p:seq>
+          </p:childTnLst>
+        </p:cTn>
+      </p:par>
+    </p:tnLst>
+    <p:bldLst>
+      <p:bldP spid="12" grpId="0"/>
+    </p:bldLst>
+  </p:timing>
+</p:sld>
+</file>
+
+<file path=ppt/slides/slide4.xml><?xml version="1.0" encoding="utf-8"?>
+<p:sld xmlns:a="http://schemas.openxmlformats.org/drawingml/2006/main" xmlns:r="http://schemas.openxmlformats.org/officeDocument/2006/relationships" xmlns:p="http://schemas.openxmlformats.org/presentationml/2006/main">
+  <p:cSld>
+    <p:spTree>
+      <p:nvGrpSpPr>
+        <p:cNvPr id="1" name=""/>
+        <p:cNvGrpSpPr/>
+        <p:nvPr/>
+      </p:nvGrpSpPr>
+      <p:grpSpPr>
+        <a:xfrm>
+          <a:off x="0" y="0"/>
+          <a:ext cx="0" cy="0"/>
+          <a:chOff x="0" y="0"/>
+          <a:chExt cx="0" cy="0"/>
+        </a:xfrm>
+      </p:grpSpPr>
+      <p:sp>
+        <p:nvSpPr>
+          <p:cNvPr id="4" name="テキスト ボックス 3">
+            <a:extLst>
+              <a:ext uri="{FF2B5EF4-FFF2-40B4-BE49-F238E27FC236}">
+                <a16:creationId xmlns:a16="http://schemas.microsoft.com/office/drawing/2014/main" id="{90C587FD-1DFF-5989-82FE-EFC2930A75B9}"/>
+              </a:ext>
+            </a:extLst>
+          </p:cNvPr>
+          <p:cNvSpPr txBox="1"/>
+          <p:nvPr/>
+        </p:nvSpPr>
+        <p:spPr>
+          <a:xfrm>
+            <a:off x="0" y="0"/>
+            <a:ext cx="1713263" cy="1015663"/>
+          </a:xfrm>
+          <a:prstGeom prst="rect">
+            <a:avLst/>
+          </a:prstGeom>
+          <a:noFill/>
+        </p:spPr>
+        <p:txBody>
+          <a:bodyPr wrap="square" rtlCol="0">
+            <a:spAutoFit/>
+          </a:bodyPr>
+          <a:lstStyle/>
+          <a:p>
+            <a:r>
+              <a:rPr kumimoji="1" lang="ja-JP" altLang="en-US" sz="6000" b="1" dirty="0">
+                <a:solidFill>
+                  <a:srgbClr val="7030A0"/>
+                </a:solidFill>
+                <a:effectLst>
+                  <a:glow rad="127000">
+                    <a:schemeClr val="bg1"/>
+                  </a:glow>
+                </a:effectLst>
+                <a:latin typeface="HG正楷書体-PRO" panose="03000600000000000000" pitchFamily="66" charset="-128"/>
+                <a:ea typeface="HG正楷書体-PRO" panose="03000600000000000000" pitchFamily="66" charset="-128"/>
+              </a:rPr>
+              <a:t>概要</a:t>
+            </a:r>
+          </a:p>
+        </p:txBody>
+      </p:sp>
+      <p:sp>
+        <p:nvSpPr>
+          <p:cNvPr id="2" name="テキスト ボックス 1">
+            <a:extLst>
+              <a:ext uri="{FF2B5EF4-FFF2-40B4-BE49-F238E27FC236}">
+                <a16:creationId xmlns:a16="http://schemas.microsoft.com/office/drawing/2014/main" id="{99516924-5C6B-8017-E80A-6AEEF9B6E5D1}"/>
+              </a:ext>
+            </a:extLst>
+          </p:cNvPr>
+          <p:cNvSpPr txBox="1"/>
+          <p:nvPr/>
+        </p:nvSpPr>
+        <p:spPr>
+          <a:xfrm>
+            <a:off x="9488128" y="106148"/>
+            <a:ext cx="2703871" cy="461665"/>
+          </a:xfrm>
+          <a:prstGeom prst="rect">
+            <a:avLst/>
+          </a:prstGeom>
+          <a:noFill/>
+        </p:spPr>
+        <p:txBody>
+          <a:bodyPr wrap="square" rtlCol="0">
+            <a:spAutoFit/>
+          </a:bodyPr>
+          <a:lstStyle/>
+          <a:p>
+            <a:r>
+              <a:rPr lang="ja-JP" altLang="en-US" sz="2400" dirty="0">
+                <a:solidFill>
+                  <a:srgbClr val="7030A0"/>
+                </a:solidFill>
+                <a:effectLst>
+                  <a:glow rad="127000">
+                    <a:schemeClr val="bg1"/>
+                  </a:glow>
+                </a:effectLst>
+                <a:latin typeface="HG正楷書体-PRO" panose="03000600000000000000" pitchFamily="66" charset="-128"/>
+                <a:ea typeface="HG正楷書体-PRO" panose="03000600000000000000" pitchFamily="66" charset="-128"/>
+              </a:rPr>
+              <a:t>舞台、目的、進行</a:t>
+            </a:r>
+            <a:endParaRPr kumimoji="1" lang="ja-JP" altLang="en-US" sz="2400" dirty="0">
+              <a:solidFill>
+                <a:srgbClr val="7030A0"/>
+              </a:solidFill>
+              <a:effectLst>
+                <a:glow rad="127000">
+                  <a:schemeClr val="bg1"/>
+                </a:glow>
+              </a:effectLst>
+              <a:latin typeface="HG正楷書体-PRO" panose="03000600000000000000" pitchFamily="66" charset="-128"/>
+              <a:ea typeface="HG正楷書体-PRO" panose="03000600000000000000" pitchFamily="66" charset="-128"/>
+            </a:endParaRPr>
+          </a:p>
+        </p:txBody>
+      </p:sp>
+      <p:sp>
+        <p:nvSpPr>
+          <p:cNvPr id="6" name="テキスト ボックス 5">
+            <a:extLst>
+              <a:ext uri="{FF2B5EF4-FFF2-40B4-BE49-F238E27FC236}">
+                <a16:creationId xmlns:a16="http://schemas.microsoft.com/office/drawing/2014/main" id="{73A6ADE9-7A34-B96F-7B38-820BB603905C}"/>
+              </a:ext>
+            </a:extLst>
+          </p:cNvPr>
+          <p:cNvSpPr txBox="1"/>
+          <p:nvPr/>
+        </p:nvSpPr>
+        <p:spPr>
+          <a:xfrm>
+            <a:off x="4235543" y="364052"/>
+            <a:ext cx="3494067" cy="830997"/>
+          </a:xfrm>
+          <a:prstGeom prst="rect">
+            <a:avLst/>
+          </a:prstGeom>
+          <a:noFill/>
+        </p:spPr>
+        <p:txBody>
+          <a:bodyPr wrap="square" rtlCol="0">
+            <a:spAutoFit/>
+          </a:bodyPr>
+          <a:lstStyle/>
+          <a:p>
+            <a:r>
+              <a:rPr lang="ja-JP" altLang="en-US" sz="4800" b="1" dirty="0">
+                <a:solidFill>
+                  <a:srgbClr val="7030A0"/>
+                </a:solidFill>
+                <a:effectLst>
+                  <a:glow rad="127000">
+                    <a:schemeClr val="bg1"/>
+                  </a:glow>
+                </a:effectLst>
+                <a:latin typeface="HG正楷書体-PRO" panose="03000600000000000000" pitchFamily="66" charset="-128"/>
+                <a:ea typeface="HG正楷書体-PRO" panose="03000600000000000000" pitchFamily="66" charset="-128"/>
+              </a:rPr>
+              <a:t>分身の種類</a:t>
+            </a:r>
+            <a:endParaRPr kumimoji="1" lang="ja-JP" altLang="en-US" sz="4800" b="1" dirty="0">
+              <a:solidFill>
+                <a:srgbClr val="7030A0"/>
+              </a:solidFill>
+              <a:effectLst>
+                <a:glow rad="127000">
+                  <a:schemeClr val="bg1"/>
+                </a:glow>
+              </a:effectLst>
+              <a:latin typeface="HG正楷書体-PRO" panose="03000600000000000000" pitchFamily="66" charset="-128"/>
+              <a:ea typeface="HG正楷書体-PRO" panose="03000600000000000000" pitchFamily="66" charset="-128"/>
+            </a:endParaRPr>
+          </a:p>
+        </p:txBody>
+      </p:sp>
+      <p:grpSp>
+        <p:nvGrpSpPr>
+          <p:cNvPr id="7" name="グループ化 6">
+            <a:extLst>
+              <a:ext uri="{FF2B5EF4-FFF2-40B4-BE49-F238E27FC236}">
+                <a16:creationId xmlns:a16="http://schemas.microsoft.com/office/drawing/2014/main" id="{AA9C6E0F-3CF1-EADE-C1CD-4C65797BFE6B}"/>
+              </a:ext>
+            </a:extLst>
+          </p:cNvPr>
+          <p:cNvGrpSpPr/>
+          <p:nvPr/>
+        </p:nvGrpSpPr>
+        <p:grpSpPr>
+          <a:xfrm>
+            <a:off x="11954763" y="4117122"/>
+            <a:ext cx="1334634" cy="1784307"/>
+            <a:chOff x="8541792" y="513490"/>
+            <a:chExt cx="3089663" cy="3609400"/>
+          </a:xfrm>
+          <a:effectLst>
+            <a:outerShdw blurRad="50800" dist="38100" dir="2700000" algn="tl" rotWithShape="0">
+              <a:prstClr val="black">
+                <a:alpha val="40000"/>
+              </a:prstClr>
+            </a:outerShdw>
+          </a:effectLst>
+        </p:grpSpPr>
+        <p:pic>
+          <p:nvPicPr>
+            <p:cNvPr id="12" name="図 11" descr="図形&#10;&#10;低い精度で自動的に生成された説明">
+              <a:extLst>
+                <a:ext uri="{FF2B5EF4-FFF2-40B4-BE49-F238E27FC236}">
+                  <a16:creationId xmlns:a16="http://schemas.microsoft.com/office/drawing/2014/main" id="{2D955302-7B3B-BE27-3B2F-30CF4DBB49E1}"/>
+                </a:ext>
+              </a:extLst>
+            </p:cNvPr>
+            <p:cNvPicPr>
+              <a:picLocks noChangeAspect="1"/>
+            </p:cNvPicPr>
+            <p:nvPr/>
+          </p:nvPicPr>
+          <p:blipFill>
+            <a:blip r:embed="rId2">
+              <a:extLst>
+                <a:ext uri="{28A0092B-C50C-407E-A947-70E740481C1C}">
+                  <a14:useLocalDpi xmlns:a14="http://schemas.microsoft.com/office/drawing/2010/main" val="0"/>
+                </a:ext>
+              </a:extLst>
+            </a:blip>
+            <a:stretch>
+              <a:fillRect/>
+            </a:stretch>
+          </p:blipFill>
+          <p:spPr>
+            <a:xfrm>
+              <a:off x="9158414" y="513490"/>
+              <a:ext cx="1757564" cy="1757564"/>
+            </a:xfrm>
+            <a:prstGeom prst="rect">
+              <a:avLst/>
+            </a:prstGeom>
+            <a:effectLst>
+              <a:glow rad="50800">
+                <a:schemeClr val="bg1">
+                  <a:alpha val="62000"/>
+                </a:schemeClr>
+              </a:glow>
+              <a:softEdge rad="31750"/>
+            </a:effectLst>
+          </p:spPr>
+        </p:pic>
+        <p:pic>
+          <p:nvPicPr>
+            <p:cNvPr id="13" name="図 12">
+              <a:extLst>
+                <a:ext uri="{FF2B5EF4-FFF2-40B4-BE49-F238E27FC236}">
+                  <a16:creationId xmlns:a16="http://schemas.microsoft.com/office/drawing/2014/main" id="{97371855-88E0-515C-48B9-28EC15F296E7}"/>
+                </a:ext>
+              </a:extLst>
+            </p:cNvPr>
+            <p:cNvPicPr>
+              <a:picLocks noChangeAspect="1"/>
+            </p:cNvPicPr>
+            <p:nvPr/>
+          </p:nvPicPr>
+          <p:blipFill>
+            <a:blip r:embed="rId3">
+              <a:extLst>
+                <a:ext uri="{28A0092B-C50C-407E-A947-70E740481C1C}">
+                  <a14:useLocalDpi xmlns:a14="http://schemas.microsoft.com/office/drawing/2010/main" val="0"/>
+                </a:ext>
+              </a:extLst>
+            </a:blip>
+            <a:stretch>
+              <a:fillRect/>
+            </a:stretch>
+          </p:blipFill>
+          <p:spPr>
+            <a:xfrm>
+              <a:off x="8541792" y="1141235"/>
+              <a:ext cx="1327171" cy="1327171"/>
+            </a:xfrm>
+            <a:prstGeom prst="rect">
+              <a:avLst/>
+            </a:prstGeom>
+            <a:effectLst>
+              <a:glow rad="50800">
+                <a:srgbClr val="FF0000">
+                  <a:alpha val="70000"/>
+                </a:srgbClr>
+              </a:glow>
+            </a:effectLst>
+          </p:spPr>
+        </p:pic>
+        <p:pic>
+          <p:nvPicPr>
+            <p:cNvPr id="14" name="図 13" descr="挿絵 が含まれている画像&#10;&#10;自動的に生成された説明">
+              <a:extLst>
+                <a:ext uri="{FF2B5EF4-FFF2-40B4-BE49-F238E27FC236}">
+                  <a16:creationId xmlns:a16="http://schemas.microsoft.com/office/drawing/2014/main" id="{DB5FFC57-3A30-B9A6-09A7-08C3072D7AEB}"/>
+                </a:ext>
+              </a:extLst>
+            </p:cNvPr>
+            <p:cNvPicPr>
+              <a:picLocks noChangeAspect="1"/>
+            </p:cNvPicPr>
+            <p:nvPr/>
+          </p:nvPicPr>
+          <p:blipFill>
+            <a:blip r:embed="rId4">
+              <a:extLst>
+                <a:ext uri="{28A0092B-C50C-407E-A947-70E740481C1C}">
+                  <a14:useLocalDpi xmlns:a14="http://schemas.microsoft.com/office/drawing/2010/main" val="0"/>
+                </a:ext>
+              </a:extLst>
+            </a:blip>
+            <a:stretch>
+              <a:fillRect/>
+            </a:stretch>
+          </p:blipFill>
+          <p:spPr>
+            <a:xfrm>
+              <a:off x="10063942" y="1334363"/>
+              <a:ext cx="1567513" cy="1254010"/>
+            </a:xfrm>
+            <a:prstGeom prst="rect">
+              <a:avLst/>
+            </a:prstGeom>
+            <a:effectLst>
+              <a:glow rad="50800">
+                <a:srgbClr val="FF0000">
+                  <a:alpha val="70000"/>
+                </a:srgbClr>
+              </a:glow>
+            </a:effectLst>
+          </p:spPr>
+        </p:pic>
+        <p:pic>
+          <p:nvPicPr>
+            <p:cNvPr id="15" name="図 14" descr="光 が含まれている画像&#10;&#10;自動的に生成された説明">
+              <a:extLst>
+                <a:ext uri="{FF2B5EF4-FFF2-40B4-BE49-F238E27FC236}">
+                  <a16:creationId xmlns:a16="http://schemas.microsoft.com/office/drawing/2014/main" id="{3D3AC350-FFDF-F054-7B15-9CB57BFA85DF}"/>
+                </a:ext>
+              </a:extLst>
+            </p:cNvPr>
+            <p:cNvPicPr>
+              <a:picLocks noChangeAspect="1"/>
+            </p:cNvPicPr>
+            <p:nvPr/>
+          </p:nvPicPr>
+          <p:blipFill>
+            <a:blip r:embed="rId5">
+              <a:extLst>
+                <a:ext uri="{28A0092B-C50C-407E-A947-70E740481C1C}">
+                  <a14:useLocalDpi xmlns:a14="http://schemas.microsoft.com/office/drawing/2010/main" val="0"/>
+                </a:ext>
+              </a:extLst>
+            </a:blip>
+            <a:stretch>
+              <a:fillRect/>
+            </a:stretch>
+          </p:blipFill>
+          <p:spPr>
+            <a:xfrm>
+              <a:off x="9301538" y="1988944"/>
+              <a:ext cx="1280367" cy="2133946"/>
+            </a:xfrm>
+            <a:prstGeom prst="rect">
+              <a:avLst/>
+            </a:prstGeom>
+            <a:effectLst>
+              <a:glow rad="127000">
+                <a:schemeClr val="bg1"/>
+              </a:glow>
+            </a:effectLst>
+          </p:spPr>
+        </p:pic>
+      </p:grpSp>
+      <p:grpSp>
+        <p:nvGrpSpPr>
+          <p:cNvPr id="16" name="グループ化 15">
+            <a:extLst>
+              <a:ext uri="{FF2B5EF4-FFF2-40B4-BE49-F238E27FC236}">
+                <a16:creationId xmlns:a16="http://schemas.microsoft.com/office/drawing/2014/main" id="{4C508097-4C50-BEB4-6B85-248F4A3A28D1}"/>
+              </a:ext>
+            </a:extLst>
+          </p:cNvPr>
+          <p:cNvGrpSpPr/>
+          <p:nvPr/>
+        </p:nvGrpSpPr>
+        <p:grpSpPr>
+          <a:xfrm>
+            <a:off x="162574" y="3663187"/>
+            <a:ext cx="3494067" cy="2840696"/>
+            <a:chOff x="3202338" y="-52792"/>
+            <a:chExt cx="4988685" cy="4055830"/>
+          </a:xfrm>
+          <a:effectLst>
+            <a:outerShdw blurRad="50800" dist="38100" dir="2700000" algn="tl" rotWithShape="0">
+              <a:prstClr val="black">
+                <a:alpha val="40000"/>
+              </a:prstClr>
+            </a:outerShdw>
+          </a:effectLst>
+        </p:grpSpPr>
+        <p:sp>
+          <p:nvSpPr>
+            <p:cNvPr id="17" name="正方形/長方形 16">
+              <a:extLst>
+                <a:ext uri="{FF2B5EF4-FFF2-40B4-BE49-F238E27FC236}">
+                  <a16:creationId xmlns:a16="http://schemas.microsoft.com/office/drawing/2014/main" id="{A968C2A2-CB6E-EB6D-F93A-4390001AD89B}"/>
+                </a:ext>
+              </a:extLst>
+            </p:cNvPr>
+            <p:cNvSpPr/>
+            <p:nvPr/>
+          </p:nvSpPr>
+          <p:spPr>
+            <a:xfrm>
+              <a:off x="7172611" y="971360"/>
+              <a:ext cx="874990" cy="2929960"/>
+            </a:xfrm>
+            <a:prstGeom prst="rect">
+              <a:avLst/>
+            </a:prstGeom>
+            <a:solidFill>
+              <a:schemeClr val="tx1">
+                <a:lumMod val="95000"/>
+                <a:lumOff val="5000"/>
+              </a:schemeClr>
+            </a:solidFill>
+            <a:ln w="38100">
+              <a:solidFill>
+                <a:schemeClr val="bg1"/>
+              </a:solidFill>
+            </a:ln>
+          </p:spPr>
+          <p:style>
+            <a:lnRef idx="2">
+              <a:schemeClr val="accent1">
+                <a:shade val="15000"/>
+              </a:schemeClr>
+            </a:lnRef>
+            <a:fillRef idx="1">
+              <a:schemeClr val="accent1"/>
+            </a:fillRef>
+            <a:effectRef idx="0">
+              <a:schemeClr val="accent1"/>
+            </a:effectRef>
+            <a:fontRef idx="minor">
+              <a:schemeClr val="lt1"/>
+            </a:fontRef>
+          </p:style>
+          <p:txBody>
+            <a:bodyPr rtlCol="0" anchor="ctr"/>
+            <a:lstStyle/>
+            <a:p>
+              <a:pPr algn="ctr"/>
+              <a:endParaRPr kumimoji="1" lang="ja-JP" altLang="en-US" dirty="0"/>
+            </a:p>
+          </p:txBody>
+        </p:sp>
+        <p:grpSp>
+          <p:nvGrpSpPr>
+            <p:cNvPr id="18" name="グループ化 17">
+              <a:extLst>
+                <a:ext uri="{FF2B5EF4-FFF2-40B4-BE49-F238E27FC236}">
+                  <a16:creationId xmlns:a16="http://schemas.microsoft.com/office/drawing/2014/main" id="{0397C14E-F9ED-6672-EC37-FE79D72AF2AC}"/>
+                </a:ext>
+              </a:extLst>
+            </p:cNvPr>
+            <p:cNvGrpSpPr/>
+            <p:nvPr/>
+          </p:nvGrpSpPr>
+          <p:grpSpPr>
+            <a:xfrm>
+              <a:off x="4290349" y="779262"/>
+              <a:ext cx="3146565" cy="3008892"/>
+              <a:chOff x="1186333" y="3735942"/>
+              <a:chExt cx="3146565" cy="3008892"/>
+            </a:xfrm>
+          </p:grpSpPr>
+          <p:pic>
+            <p:nvPicPr>
+              <p:cNvPr id="22" name="図 21" descr="図形&#10;&#10;低い精度で自動的に生成された説明">
+                <a:extLst>
+                  <a:ext uri="{FF2B5EF4-FFF2-40B4-BE49-F238E27FC236}">
+                    <a16:creationId xmlns:a16="http://schemas.microsoft.com/office/drawing/2014/main" id="{F3F956CA-13D2-8B29-1FE9-458E45B1C2BF}"/>
+                  </a:ext>
+                </a:extLst>
+              </p:cNvPr>
+              <p:cNvPicPr>
+                <a:picLocks noChangeAspect="1"/>
+              </p:cNvPicPr>
+              <p:nvPr/>
+            </p:nvPicPr>
+            <p:blipFill>
+              <a:blip r:embed="rId2">
+                <a:extLst>
+                  <a:ext uri="{28A0092B-C50C-407E-A947-70E740481C1C}">
+                    <a14:useLocalDpi xmlns:a14="http://schemas.microsoft.com/office/drawing/2010/main" val="0"/>
+                  </a:ext>
+                </a:extLst>
+              </a:blip>
+              <a:stretch>
+                <a:fillRect/>
+              </a:stretch>
+            </p:blipFill>
+            <p:spPr>
+              <a:xfrm rot="2779800">
+                <a:off x="1186333" y="5706330"/>
+                <a:ext cx="1038504" cy="1038504"/>
+              </a:xfrm>
+              <a:prstGeom prst="rect">
+                <a:avLst/>
+              </a:prstGeom>
+              <a:effectLst>
+                <a:glow rad="50800">
+                  <a:srgbClr val="00B050">
+                    <a:alpha val="70000"/>
+                  </a:srgbClr>
+                </a:glow>
+                <a:softEdge rad="31750"/>
+              </a:effectLst>
+            </p:spPr>
+          </p:pic>
+          <p:pic>
+            <p:nvPicPr>
+              <p:cNvPr id="23" name="図 22" descr="図形&#10;&#10;低い精度で自動的に生成された説明">
+                <a:extLst>
+                  <a:ext uri="{FF2B5EF4-FFF2-40B4-BE49-F238E27FC236}">
+                    <a16:creationId xmlns:a16="http://schemas.microsoft.com/office/drawing/2014/main" id="{ED41F2AF-07B6-20B7-9C32-9BBB159BCFEA}"/>
+                  </a:ext>
+                </a:extLst>
+              </p:cNvPr>
+              <p:cNvPicPr>
+                <a:picLocks noChangeAspect="1"/>
+              </p:cNvPicPr>
+              <p:nvPr/>
+            </p:nvPicPr>
+            <p:blipFill>
+              <a:blip r:embed="rId2">
+                <a:extLst>
+                  <a:ext uri="{28A0092B-C50C-407E-A947-70E740481C1C}">
+                    <a14:useLocalDpi xmlns:a14="http://schemas.microsoft.com/office/drawing/2010/main" val="0"/>
+                  </a:ext>
+                </a:extLst>
+              </a:blip>
+              <a:stretch>
+                <a:fillRect/>
+              </a:stretch>
+            </p:blipFill>
+            <p:spPr>
+              <a:xfrm rot="2779800">
+                <a:off x="1570871" y="5341525"/>
+                <a:ext cx="1038504" cy="1038504"/>
+              </a:xfrm>
+              <a:prstGeom prst="rect">
+                <a:avLst/>
+              </a:prstGeom>
+              <a:effectLst>
+                <a:glow rad="50800">
+                  <a:srgbClr val="00B050">
+                    <a:alpha val="70000"/>
+                  </a:srgbClr>
+                </a:glow>
+                <a:softEdge rad="31750"/>
+              </a:effectLst>
+            </p:spPr>
+          </p:pic>
+          <p:pic>
+            <p:nvPicPr>
+              <p:cNvPr id="24" name="図 23" descr="図形&#10;&#10;低い精度で自動的に生成された説明">
+                <a:extLst>
+                  <a:ext uri="{FF2B5EF4-FFF2-40B4-BE49-F238E27FC236}">
+                    <a16:creationId xmlns:a16="http://schemas.microsoft.com/office/drawing/2014/main" id="{649B34A7-8D3E-38F3-0FD7-0E092029CE6A}"/>
+                  </a:ext>
+                </a:extLst>
+              </p:cNvPr>
+              <p:cNvPicPr>
+                <a:picLocks noChangeAspect="1"/>
+              </p:cNvPicPr>
+              <p:nvPr/>
+            </p:nvPicPr>
+            <p:blipFill>
+              <a:blip r:embed="rId2">
+                <a:extLst>
+                  <a:ext uri="{28A0092B-C50C-407E-A947-70E740481C1C}">
+                    <a14:useLocalDpi xmlns:a14="http://schemas.microsoft.com/office/drawing/2010/main" val="0"/>
+                  </a:ext>
+                </a:extLst>
+              </a:blip>
+              <a:stretch>
+                <a:fillRect/>
+              </a:stretch>
+            </p:blipFill>
+            <p:spPr>
+              <a:xfrm rot="2779800">
+                <a:off x="1985997" y="4936023"/>
+                <a:ext cx="1038504" cy="1038504"/>
+              </a:xfrm>
+              <a:prstGeom prst="rect">
+                <a:avLst/>
+              </a:prstGeom>
+              <a:effectLst>
+                <a:glow rad="50800">
+                  <a:srgbClr val="00B050">
+                    <a:alpha val="70000"/>
+                  </a:srgbClr>
+                </a:glow>
+                <a:softEdge rad="31750"/>
+              </a:effectLst>
+            </p:spPr>
+          </p:pic>
+          <p:pic>
+            <p:nvPicPr>
+              <p:cNvPr id="25" name="図 24" descr="図形&#10;&#10;低い精度で自動的に生成された説明">
+                <a:extLst>
+                  <a:ext uri="{FF2B5EF4-FFF2-40B4-BE49-F238E27FC236}">
+                    <a16:creationId xmlns:a16="http://schemas.microsoft.com/office/drawing/2014/main" id="{3743D623-9224-421C-4894-04E66D57FC60}"/>
+                  </a:ext>
+                </a:extLst>
+              </p:cNvPr>
+              <p:cNvPicPr>
+                <a:picLocks noChangeAspect="1"/>
+              </p:cNvPicPr>
+              <p:nvPr/>
+            </p:nvPicPr>
+            <p:blipFill>
+              <a:blip r:embed="rId2">
+                <a:extLst>
+                  <a:ext uri="{28A0092B-C50C-407E-A947-70E740481C1C}">
+                    <a14:useLocalDpi xmlns:a14="http://schemas.microsoft.com/office/drawing/2010/main" val="0"/>
+                  </a:ext>
+                </a:extLst>
+              </a:blip>
+              <a:stretch>
+                <a:fillRect/>
+              </a:stretch>
+            </p:blipFill>
+            <p:spPr>
+              <a:xfrm rot="2779800">
+                <a:off x="2426025" y="4529042"/>
+                <a:ext cx="1038504" cy="1038504"/>
+              </a:xfrm>
+              <a:prstGeom prst="rect">
+                <a:avLst/>
+              </a:prstGeom>
+              <a:effectLst>
+                <a:glow rad="50800">
+                  <a:srgbClr val="00B050">
+                    <a:alpha val="70000"/>
+                  </a:srgbClr>
+                </a:glow>
+                <a:softEdge rad="31750"/>
+              </a:effectLst>
+            </p:spPr>
+          </p:pic>
+          <p:pic>
+            <p:nvPicPr>
+              <p:cNvPr id="26" name="図 25" descr="図形&#10;&#10;低い精度で自動的に生成された説明">
+                <a:extLst>
+                  <a:ext uri="{FF2B5EF4-FFF2-40B4-BE49-F238E27FC236}">
+                    <a16:creationId xmlns:a16="http://schemas.microsoft.com/office/drawing/2014/main" id="{066F07B2-3B98-4B10-F11E-05693A5E7C6E}"/>
+                  </a:ext>
+                </a:extLst>
+              </p:cNvPr>
+              <p:cNvPicPr>
+                <a:picLocks noChangeAspect="1"/>
+              </p:cNvPicPr>
+              <p:nvPr/>
+            </p:nvPicPr>
+            <p:blipFill>
+              <a:blip r:embed="rId2">
+                <a:extLst>
+                  <a:ext uri="{28A0092B-C50C-407E-A947-70E740481C1C}">
+                    <a14:useLocalDpi xmlns:a14="http://schemas.microsoft.com/office/drawing/2010/main" val="0"/>
+                  </a:ext>
+                </a:extLst>
+              </a:blip>
+              <a:stretch>
+                <a:fillRect/>
+              </a:stretch>
+            </p:blipFill>
+            <p:spPr>
+              <a:xfrm rot="2779800">
+                <a:off x="2835119" y="4142924"/>
+                <a:ext cx="1038504" cy="1038504"/>
+              </a:xfrm>
+              <a:prstGeom prst="rect">
+                <a:avLst/>
+              </a:prstGeom>
+              <a:effectLst>
+                <a:glow rad="50800">
+                  <a:srgbClr val="00B050">
+                    <a:alpha val="70000"/>
+                  </a:srgbClr>
+                </a:glow>
+                <a:softEdge rad="31750"/>
+              </a:effectLst>
+            </p:spPr>
+          </p:pic>
+          <p:pic>
+            <p:nvPicPr>
+              <p:cNvPr id="27" name="図 26" descr="図形&#10;&#10;低い精度で自動的に生成された説明">
+                <a:extLst>
+                  <a:ext uri="{FF2B5EF4-FFF2-40B4-BE49-F238E27FC236}">
+                    <a16:creationId xmlns:a16="http://schemas.microsoft.com/office/drawing/2014/main" id="{17CC0C53-B31B-1829-3A9D-D3905CF06AD0}"/>
+                  </a:ext>
+                </a:extLst>
+              </p:cNvPr>
+              <p:cNvPicPr>
+                <a:picLocks noChangeAspect="1"/>
+              </p:cNvPicPr>
+              <p:nvPr/>
+            </p:nvPicPr>
+            <p:blipFill>
+              <a:blip r:embed="rId2">
+                <a:extLst>
+                  <a:ext uri="{28A0092B-C50C-407E-A947-70E740481C1C}">
+                    <a14:useLocalDpi xmlns:a14="http://schemas.microsoft.com/office/drawing/2010/main" val="0"/>
+                  </a:ext>
+                </a:extLst>
+              </a:blip>
+              <a:stretch>
+                <a:fillRect/>
+              </a:stretch>
+            </p:blipFill>
+            <p:spPr>
+              <a:xfrm rot="2779800">
+                <a:off x="3294394" y="3735942"/>
+                <a:ext cx="1038504" cy="1038504"/>
+              </a:xfrm>
+              <a:prstGeom prst="rect">
+                <a:avLst/>
+              </a:prstGeom>
+              <a:effectLst>
+                <a:glow rad="50800">
+                  <a:srgbClr val="00B050">
+                    <a:alpha val="70000"/>
+                  </a:srgbClr>
+                </a:glow>
+                <a:softEdge rad="31750"/>
+              </a:effectLst>
+            </p:spPr>
+          </p:pic>
+        </p:grpSp>
+        <p:pic>
+          <p:nvPicPr>
+            <p:cNvPr id="19" name="図 18" descr="図形&#10;&#10;低い精度で自動的に生成された説明">
+              <a:extLst>
+                <a:ext uri="{FF2B5EF4-FFF2-40B4-BE49-F238E27FC236}">
+                  <a16:creationId xmlns:a16="http://schemas.microsoft.com/office/drawing/2014/main" id="{A472724A-74B5-AEE7-B1E5-25A9956C2258}"/>
+                </a:ext>
+              </a:extLst>
+            </p:cNvPr>
+            <p:cNvPicPr>
+              <a:picLocks noChangeAspect="1"/>
+            </p:cNvPicPr>
+            <p:nvPr/>
+          </p:nvPicPr>
+          <p:blipFill>
+            <a:blip r:embed="rId6">
+              <a:extLst>
+                <a:ext uri="{28A0092B-C50C-407E-A947-70E740481C1C}">
+                  <a14:useLocalDpi xmlns:a14="http://schemas.microsoft.com/office/drawing/2010/main" val="0"/>
+                </a:ext>
+              </a:extLst>
+            </a:blip>
+            <a:stretch>
+              <a:fillRect/>
+            </a:stretch>
+          </p:blipFill>
+          <p:spPr>
+            <a:xfrm flipH="1">
+              <a:off x="6910656" y="-52792"/>
+              <a:ext cx="1280367" cy="1234340"/>
+            </a:xfrm>
+            <a:prstGeom prst="rect">
+              <a:avLst/>
+            </a:prstGeom>
+            <a:effectLst>
+              <a:glow rad="127000">
+                <a:srgbClr val="00B050"/>
+              </a:glow>
+            </a:effectLst>
+          </p:spPr>
+        </p:pic>
+        <p:pic>
+          <p:nvPicPr>
+            <p:cNvPr id="20" name="図 19" descr="図形&#10;&#10;低い精度で自動的に生成された説明">
+              <a:extLst>
+                <a:ext uri="{FF2B5EF4-FFF2-40B4-BE49-F238E27FC236}">
+                  <a16:creationId xmlns:a16="http://schemas.microsoft.com/office/drawing/2014/main" id="{680BA73B-1D3F-BE59-FFA3-1D6915E2225E}"/>
+                </a:ext>
+              </a:extLst>
+            </p:cNvPr>
+            <p:cNvPicPr>
+              <a:picLocks noChangeAspect="1"/>
+            </p:cNvPicPr>
+            <p:nvPr/>
+          </p:nvPicPr>
+          <p:blipFill>
+            <a:blip r:embed="rId6">
+              <a:extLst>
+                <a:ext uri="{28A0092B-C50C-407E-A947-70E740481C1C}">
+                  <a14:useLocalDpi xmlns:a14="http://schemas.microsoft.com/office/drawing/2010/main" val="0"/>
+                </a:ext>
+              </a:extLst>
+            </a:blip>
+            <a:stretch>
+              <a:fillRect/>
+            </a:stretch>
+          </p:blipFill>
+          <p:spPr>
+            <a:xfrm flipH="1">
+              <a:off x="3202338" y="2768698"/>
+              <a:ext cx="1280367" cy="1234340"/>
+            </a:xfrm>
+            <a:prstGeom prst="rect">
+              <a:avLst/>
+            </a:prstGeom>
+            <a:effectLst>
+              <a:glow rad="50800">
+                <a:srgbClr val="00B050">
+                  <a:alpha val="70000"/>
+                </a:srgbClr>
+              </a:glow>
+            </a:effectLst>
+          </p:spPr>
+        </p:pic>
+        <p:sp>
+          <p:nvSpPr>
+            <p:cNvPr id="21" name="矢印: 右 20">
+              <a:extLst>
+                <a:ext uri="{FF2B5EF4-FFF2-40B4-BE49-F238E27FC236}">
+                  <a16:creationId xmlns:a16="http://schemas.microsoft.com/office/drawing/2014/main" id="{157FF5C5-ECF3-7DD0-88D4-551AFF04374F}"/>
+                </a:ext>
+              </a:extLst>
+            </p:cNvPr>
+            <p:cNvSpPr/>
+            <p:nvPr/>
+          </p:nvSpPr>
+          <p:spPr>
+            <a:xfrm rot="18934351">
+              <a:off x="3906068" y="1833117"/>
+              <a:ext cx="3275336" cy="418223"/>
+            </a:xfrm>
+            <a:prstGeom prst="rightArrow">
+              <a:avLst/>
+            </a:prstGeom>
+            <a:solidFill>
+              <a:schemeClr val="tx1"/>
+            </a:solidFill>
+            <a:ln w="28575">
+              <a:solidFill>
+                <a:srgbClr val="00B050"/>
+              </a:solidFill>
+            </a:ln>
+            <a:effectLst>
+              <a:glow>
+                <a:schemeClr val="bg1"/>
+              </a:glow>
+            </a:effectLst>
+          </p:spPr>
+          <p:style>
+            <a:lnRef idx="2">
+              <a:schemeClr val="accent1">
+                <a:shade val="15000"/>
+              </a:schemeClr>
+            </a:lnRef>
+            <a:fillRef idx="1">
+              <a:schemeClr val="accent1"/>
+            </a:fillRef>
+            <a:effectRef idx="0">
+              <a:schemeClr val="accent1"/>
+            </a:effectRef>
+            <a:fontRef idx="minor">
+              <a:schemeClr val="lt1"/>
+            </a:fontRef>
+          </p:style>
+          <p:txBody>
+            <a:bodyPr rtlCol="0" anchor="ctr"/>
+            <a:lstStyle/>
+            <a:p>
+              <a:pPr algn="ctr"/>
+              <a:endParaRPr kumimoji="1" lang="ja-JP" altLang="en-US" dirty="0"/>
+            </a:p>
+          </p:txBody>
+        </p:sp>
+      </p:grpSp>
+      <p:grpSp>
+        <p:nvGrpSpPr>
+          <p:cNvPr id="28" name="グループ化 27">
+            <a:extLst>
+              <a:ext uri="{FF2B5EF4-FFF2-40B4-BE49-F238E27FC236}">
+                <a16:creationId xmlns:a16="http://schemas.microsoft.com/office/drawing/2014/main" id="{E5B83672-0476-3FF2-617A-921C83E80D6F}"/>
+              </a:ext>
+            </a:extLst>
+          </p:cNvPr>
+          <p:cNvGrpSpPr/>
+          <p:nvPr/>
+        </p:nvGrpSpPr>
+        <p:grpSpPr>
+          <a:xfrm>
+            <a:off x="4846778" y="3877849"/>
+            <a:ext cx="3283700" cy="2739435"/>
+            <a:chOff x="6180169" y="3110488"/>
+            <a:chExt cx="1632390" cy="1361826"/>
+          </a:xfrm>
+          <a:effectLst/>
+        </p:grpSpPr>
+        <p:sp>
+          <p:nvSpPr>
+            <p:cNvPr id="29" name="正方形/長方形 28">
+              <a:extLst>
+                <a:ext uri="{FF2B5EF4-FFF2-40B4-BE49-F238E27FC236}">
+                  <a16:creationId xmlns:a16="http://schemas.microsoft.com/office/drawing/2014/main" id="{6E55CB9A-C8BD-80CD-6F40-B04AC8E88650}"/>
+                </a:ext>
+              </a:extLst>
+            </p:cNvPr>
+            <p:cNvSpPr/>
+            <p:nvPr/>
+          </p:nvSpPr>
+          <p:spPr>
+            <a:xfrm>
+              <a:off x="6214260" y="3677413"/>
+              <a:ext cx="200220" cy="194499"/>
+            </a:xfrm>
+            <a:prstGeom prst="rect">
+              <a:avLst/>
+            </a:prstGeom>
+            <a:solidFill>
+              <a:schemeClr val="tx1">
+                <a:lumMod val="95000"/>
+                <a:lumOff val="5000"/>
+              </a:schemeClr>
+            </a:solidFill>
+            <a:ln w="38100">
+              <a:solidFill>
+                <a:srgbClr val="FFC000"/>
+              </a:solidFill>
+            </a:ln>
+          </p:spPr>
+          <p:style>
+            <a:lnRef idx="2">
+              <a:schemeClr val="accent1">
+                <a:shade val="15000"/>
+              </a:schemeClr>
+            </a:lnRef>
+            <a:fillRef idx="1">
+              <a:schemeClr val="accent1"/>
+            </a:fillRef>
+            <a:effectRef idx="0">
+              <a:schemeClr val="accent1"/>
+            </a:effectRef>
+            <a:fontRef idx="minor">
+              <a:schemeClr val="lt1"/>
+            </a:fontRef>
+          </p:style>
+          <p:txBody>
+            <a:bodyPr rtlCol="0" anchor="ctr"/>
+            <a:lstStyle/>
+            <a:p>
+              <a:pPr algn="ctr"/>
+              <a:endParaRPr kumimoji="1" lang="ja-JP" altLang="en-US" dirty="0"/>
+            </a:p>
+          </p:txBody>
+        </p:sp>
+        <p:sp>
+          <p:nvSpPr>
+            <p:cNvPr id="30" name="正方形/長方形 29">
+              <a:extLst>
+                <a:ext uri="{FF2B5EF4-FFF2-40B4-BE49-F238E27FC236}">
+                  <a16:creationId xmlns:a16="http://schemas.microsoft.com/office/drawing/2014/main" id="{C0B28404-1006-D7F7-92B6-EE926C984673}"/>
+                </a:ext>
+              </a:extLst>
+            </p:cNvPr>
+            <p:cNvSpPr/>
+            <p:nvPr/>
+          </p:nvSpPr>
+          <p:spPr>
+            <a:xfrm>
+              <a:off x="6180169" y="3474403"/>
+              <a:ext cx="45719" cy="863285"/>
+            </a:xfrm>
+            <a:prstGeom prst="rect">
+              <a:avLst/>
+            </a:prstGeom>
+            <a:solidFill>
+              <a:schemeClr val="tx1">
+                <a:lumMod val="95000"/>
+                <a:lumOff val="5000"/>
+              </a:schemeClr>
+            </a:solidFill>
+            <a:ln w="38100">
+              <a:solidFill>
+                <a:schemeClr val="bg1"/>
+              </a:solidFill>
+            </a:ln>
+          </p:spPr>
+          <p:style>
+            <a:lnRef idx="2">
+              <a:schemeClr val="accent1">
+                <a:shade val="15000"/>
+              </a:schemeClr>
+            </a:lnRef>
+            <a:fillRef idx="1">
+              <a:schemeClr val="accent1"/>
+            </a:fillRef>
+            <a:effectRef idx="0">
+              <a:schemeClr val="accent1"/>
+            </a:effectRef>
+            <a:fontRef idx="minor">
+              <a:schemeClr val="lt1"/>
+            </a:fontRef>
+          </p:style>
+          <p:txBody>
+            <a:bodyPr rtlCol="0" anchor="ctr"/>
+            <a:lstStyle/>
+            <a:p>
+              <a:pPr algn="ctr"/>
+              <a:endParaRPr kumimoji="1" lang="ja-JP" altLang="en-US" dirty="0"/>
+            </a:p>
+          </p:txBody>
+        </p:sp>
+        <p:pic>
+          <p:nvPicPr>
+            <p:cNvPr id="31" name="図 30" descr="図形&#10;&#10;低い精度で自動的に生成された説明">
+              <a:extLst>
+                <a:ext uri="{FF2B5EF4-FFF2-40B4-BE49-F238E27FC236}">
+                  <a16:creationId xmlns:a16="http://schemas.microsoft.com/office/drawing/2014/main" id="{1A48D20F-2E1A-4501-B858-32FFFE0910FF}"/>
+                </a:ext>
+              </a:extLst>
+            </p:cNvPr>
+            <p:cNvPicPr>
+              <a:picLocks noChangeAspect="1"/>
+            </p:cNvPicPr>
+            <p:nvPr/>
+          </p:nvPicPr>
+          <p:blipFill>
+            <a:blip r:embed="rId6">
+              <a:extLst>
+                <a:ext uri="{28A0092B-C50C-407E-A947-70E740481C1C}">
+                  <a14:useLocalDpi xmlns:a14="http://schemas.microsoft.com/office/drawing/2010/main" val="0"/>
+                </a:ext>
+              </a:extLst>
+            </a:blip>
+            <a:stretch>
+              <a:fillRect/>
+            </a:stretch>
+          </p:blipFill>
+          <p:spPr>
+            <a:xfrm flipH="1">
+              <a:off x="6215896" y="3630069"/>
+              <a:ext cx="873651" cy="842245"/>
+            </a:xfrm>
+            <a:prstGeom prst="rect">
+              <a:avLst/>
+            </a:prstGeom>
+            <a:effectLst>
+              <a:glow rad="127000">
+                <a:srgbClr val="FFFF00">
+                  <a:alpha val="67000"/>
+                </a:srgbClr>
+              </a:glow>
+            </a:effectLst>
+          </p:spPr>
+        </p:pic>
+        <p:sp>
+          <p:nvSpPr>
+            <p:cNvPr id="32" name="正方形/長方形 31">
+              <a:extLst>
+                <a:ext uri="{FF2B5EF4-FFF2-40B4-BE49-F238E27FC236}">
+                  <a16:creationId xmlns:a16="http://schemas.microsoft.com/office/drawing/2014/main" id="{61DA4733-20DE-D207-5F5C-6BFAFF3E24B7}"/>
+                </a:ext>
+              </a:extLst>
+            </p:cNvPr>
+            <p:cNvSpPr/>
+            <p:nvPr/>
+          </p:nvSpPr>
+          <p:spPr>
+            <a:xfrm>
+              <a:off x="7563209" y="3253800"/>
+              <a:ext cx="200220" cy="194499"/>
+            </a:xfrm>
+            <a:prstGeom prst="rect">
+              <a:avLst/>
+            </a:prstGeom>
+            <a:solidFill>
+              <a:schemeClr val="tx1">
+                <a:lumMod val="95000"/>
+                <a:lumOff val="5000"/>
+              </a:schemeClr>
+            </a:solidFill>
+            <a:ln w="38100">
+              <a:solidFill>
+                <a:srgbClr val="FFC000"/>
+              </a:solidFill>
+            </a:ln>
+          </p:spPr>
+          <p:style>
+            <a:lnRef idx="2">
+              <a:schemeClr val="accent1">
+                <a:shade val="15000"/>
+              </a:schemeClr>
+            </a:lnRef>
+            <a:fillRef idx="1">
+              <a:schemeClr val="accent1"/>
+            </a:fillRef>
+            <a:effectRef idx="0">
+              <a:schemeClr val="accent1"/>
+            </a:effectRef>
+            <a:fontRef idx="minor">
+              <a:schemeClr val="lt1"/>
+            </a:fontRef>
+          </p:style>
+          <p:txBody>
+            <a:bodyPr rtlCol="0" anchor="ctr"/>
+            <a:lstStyle/>
+            <a:p>
+              <a:pPr algn="ctr"/>
+              <a:endParaRPr kumimoji="1" lang="ja-JP" altLang="en-US" dirty="0"/>
+            </a:p>
+          </p:txBody>
+        </p:sp>
+        <p:sp>
+          <p:nvSpPr>
+            <p:cNvPr id="33" name="正方形/長方形 32">
+              <a:extLst>
+                <a:ext uri="{FF2B5EF4-FFF2-40B4-BE49-F238E27FC236}">
+                  <a16:creationId xmlns:a16="http://schemas.microsoft.com/office/drawing/2014/main" id="{AD6F648C-2CAA-3E31-59A1-42AAD82C51B0}"/>
+                </a:ext>
+              </a:extLst>
+            </p:cNvPr>
+            <p:cNvSpPr/>
+            <p:nvPr/>
+          </p:nvSpPr>
+          <p:spPr>
+            <a:xfrm>
+              <a:off x="7766840" y="3110488"/>
+              <a:ext cx="45719" cy="863285"/>
+            </a:xfrm>
+            <a:prstGeom prst="rect">
+              <a:avLst/>
+            </a:prstGeom>
+            <a:solidFill>
+              <a:schemeClr val="tx1">
+                <a:lumMod val="95000"/>
+                <a:lumOff val="5000"/>
+              </a:schemeClr>
+            </a:solidFill>
+            <a:ln w="38100">
+              <a:solidFill>
+                <a:schemeClr val="bg1"/>
+              </a:solidFill>
+            </a:ln>
+          </p:spPr>
+          <p:style>
+            <a:lnRef idx="2">
+              <a:schemeClr val="accent1">
+                <a:shade val="15000"/>
+              </a:schemeClr>
+            </a:lnRef>
+            <a:fillRef idx="1">
+              <a:schemeClr val="accent1"/>
+            </a:fillRef>
+            <a:effectRef idx="0">
+              <a:schemeClr val="accent1"/>
+            </a:effectRef>
+            <a:fontRef idx="minor">
+              <a:schemeClr val="lt1"/>
+            </a:fontRef>
+          </p:style>
+          <p:txBody>
+            <a:bodyPr rtlCol="0" anchor="ctr"/>
+            <a:lstStyle/>
+            <a:p>
+              <a:pPr algn="ctr"/>
+              <a:endParaRPr kumimoji="1" lang="ja-JP" altLang="en-US" dirty="0"/>
+            </a:p>
+          </p:txBody>
+        </p:sp>
+        <p:pic>
+          <p:nvPicPr>
+            <p:cNvPr id="34" name="図 33" descr="図形&#10;&#10;低い精度で自動的に生成された説明">
+              <a:extLst>
+                <a:ext uri="{FF2B5EF4-FFF2-40B4-BE49-F238E27FC236}">
+                  <a16:creationId xmlns:a16="http://schemas.microsoft.com/office/drawing/2014/main" id="{D1C7DBEC-8C6F-3417-40D0-4A2E975EFEB2}"/>
+                </a:ext>
+              </a:extLst>
+            </p:cNvPr>
+            <p:cNvPicPr>
+              <a:picLocks noChangeAspect="1"/>
+            </p:cNvPicPr>
+            <p:nvPr/>
+          </p:nvPicPr>
+          <p:blipFill>
+            <a:blip r:embed="rId6">
+              <a:extLst>
+                <a:ext uri="{28A0092B-C50C-407E-A947-70E740481C1C}">
+                  <a14:useLocalDpi xmlns:a14="http://schemas.microsoft.com/office/drawing/2010/main" val="0"/>
+                </a:ext>
+              </a:extLst>
+            </a:blip>
+            <a:stretch>
+              <a:fillRect/>
+            </a:stretch>
+          </p:blipFill>
+          <p:spPr>
+            <a:xfrm>
+              <a:off x="6866165" y="3216726"/>
+              <a:ext cx="873652" cy="842245"/>
+            </a:xfrm>
+            <a:prstGeom prst="rect">
+              <a:avLst/>
+            </a:prstGeom>
+            <a:effectLst>
+              <a:glow rad="127000">
+                <a:srgbClr val="FFFF00">
+                  <a:alpha val="67000"/>
+                </a:srgbClr>
+              </a:glow>
+            </a:effectLst>
+          </p:spPr>
+        </p:pic>
+      </p:grpSp>
+      <p:grpSp>
+        <p:nvGrpSpPr>
+          <p:cNvPr id="35" name="グループ化 34">
+            <a:extLst>
+              <a:ext uri="{FF2B5EF4-FFF2-40B4-BE49-F238E27FC236}">
+                <a16:creationId xmlns:a16="http://schemas.microsoft.com/office/drawing/2014/main" id="{9A5A5164-CB58-1E34-1ED7-1BECF7BC8924}"/>
+              </a:ext>
+            </a:extLst>
+          </p:cNvPr>
+          <p:cNvGrpSpPr/>
+          <p:nvPr/>
+        </p:nvGrpSpPr>
+        <p:grpSpPr>
+          <a:xfrm>
+            <a:off x="9540180" y="3414858"/>
+            <a:ext cx="1877710" cy="2472443"/>
+            <a:chOff x="6614024" y="2993764"/>
+            <a:chExt cx="1430657" cy="1883793"/>
+          </a:xfrm>
+          <a:effectLst/>
+        </p:grpSpPr>
+        <p:pic>
+          <p:nvPicPr>
+            <p:cNvPr id="36" name="図 35" descr="木, 挿絵 が含まれている画像&#10;&#10;自動的に生成された説明">
+              <a:extLst>
+                <a:ext uri="{FF2B5EF4-FFF2-40B4-BE49-F238E27FC236}">
+                  <a16:creationId xmlns:a16="http://schemas.microsoft.com/office/drawing/2014/main" id="{2D2847DD-76CC-973D-6D79-96BA4AE83D3E}"/>
+                </a:ext>
+              </a:extLst>
+            </p:cNvPr>
+            <p:cNvPicPr>
+              <a:picLocks noChangeAspect="1"/>
+            </p:cNvPicPr>
+            <p:nvPr/>
+          </p:nvPicPr>
+          <p:blipFill>
+            <a:blip r:embed="rId7">
+              <a:extLst>
+                <a:ext uri="{28A0092B-C50C-407E-A947-70E740481C1C}">
+                  <a14:useLocalDpi xmlns:a14="http://schemas.microsoft.com/office/drawing/2010/main" val="0"/>
+                </a:ext>
+              </a:extLst>
+            </a:blip>
+            <a:stretch>
+              <a:fillRect/>
+            </a:stretch>
+          </p:blipFill>
+          <p:spPr>
+            <a:xfrm>
+              <a:off x="7294072" y="4126948"/>
+              <a:ext cx="750609" cy="750609"/>
+            </a:xfrm>
+            <a:prstGeom prst="rect">
+              <a:avLst/>
+            </a:prstGeom>
+            <a:effectLst>
+              <a:glow rad="127000">
+                <a:schemeClr val="accent2">
+                  <a:alpha val="70000"/>
+                </a:schemeClr>
+              </a:glow>
+            </a:effectLst>
+          </p:spPr>
+        </p:pic>
+        <p:pic>
+          <p:nvPicPr>
+            <p:cNvPr id="37" name="図 36" descr="木, 挿絵 が含まれている画像&#10;&#10;自動的に生成された説明">
+              <a:extLst>
+                <a:ext uri="{FF2B5EF4-FFF2-40B4-BE49-F238E27FC236}">
+                  <a16:creationId xmlns:a16="http://schemas.microsoft.com/office/drawing/2014/main" id="{BF274E89-30A2-89D1-2F9B-F16F5BDA9390}"/>
+                </a:ext>
+              </a:extLst>
+            </p:cNvPr>
+            <p:cNvPicPr>
+              <a:picLocks noChangeAspect="1"/>
+            </p:cNvPicPr>
+            <p:nvPr/>
+          </p:nvPicPr>
+          <p:blipFill>
+            <a:blip r:embed="rId7">
+              <a:extLst>
+                <a:ext uri="{28A0092B-C50C-407E-A947-70E740481C1C}">
+                  <a14:useLocalDpi xmlns:a14="http://schemas.microsoft.com/office/drawing/2010/main" val="0"/>
+                </a:ext>
+              </a:extLst>
+            </a:blip>
+            <a:stretch>
+              <a:fillRect/>
+            </a:stretch>
+          </p:blipFill>
+          <p:spPr>
+            <a:xfrm flipH="1">
+              <a:off x="6614024" y="4123662"/>
+              <a:ext cx="785219" cy="750609"/>
+            </a:xfrm>
+            <a:prstGeom prst="rect">
+              <a:avLst/>
+            </a:prstGeom>
+            <a:effectLst>
+              <a:glow rad="127000">
+                <a:schemeClr val="accent2">
+                  <a:alpha val="70000"/>
+                </a:schemeClr>
+              </a:glow>
+            </a:effectLst>
+          </p:spPr>
+        </p:pic>
+        <p:pic>
+          <p:nvPicPr>
+            <p:cNvPr id="38" name="図 37" descr="黒い背景と男性の絵&#10;&#10;低い精度で自動的に生成された説明">
+              <a:extLst>
+                <a:ext uri="{FF2B5EF4-FFF2-40B4-BE49-F238E27FC236}">
+                  <a16:creationId xmlns:a16="http://schemas.microsoft.com/office/drawing/2014/main" id="{EA5A1B16-7599-C40E-6E4D-FB263D157339}"/>
+                </a:ext>
+              </a:extLst>
+            </p:cNvPr>
+            <p:cNvPicPr>
+              <a:picLocks noChangeAspect="1"/>
+            </p:cNvPicPr>
+            <p:nvPr/>
+          </p:nvPicPr>
+          <p:blipFill rotWithShape="1">
+            <a:blip r:embed="rId8">
+              <a:extLst>
+                <a:ext uri="{28A0092B-C50C-407E-A947-70E740481C1C}">
+                  <a14:useLocalDpi xmlns:a14="http://schemas.microsoft.com/office/drawing/2010/main" val="0"/>
+                </a:ext>
+              </a:extLst>
+            </a:blip>
+            <a:srcRect l="16528"/>
+            <a:stretch/>
+          </p:blipFill>
+          <p:spPr>
+            <a:xfrm>
+              <a:off x="6979650" y="2993764"/>
+              <a:ext cx="785218" cy="705520"/>
+            </a:xfrm>
+            <a:prstGeom prst="rect">
+              <a:avLst/>
+            </a:prstGeom>
+            <a:effectLst>
+              <a:glow rad="127000">
+                <a:schemeClr val="accent2"/>
+              </a:glow>
+            </a:effectLst>
+          </p:spPr>
+        </p:pic>
+        <p:cxnSp>
+          <p:nvCxnSpPr>
+            <p:cNvPr id="39" name="直線コネクタ 38">
+              <a:extLst>
+                <a:ext uri="{FF2B5EF4-FFF2-40B4-BE49-F238E27FC236}">
+                  <a16:creationId xmlns:a16="http://schemas.microsoft.com/office/drawing/2014/main" id="{121B19DC-C7FD-5AB8-E775-4BA01E4088BD}"/>
+                </a:ext>
+              </a:extLst>
+            </p:cNvPr>
+            <p:cNvCxnSpPr>
+              <a:cxnSpLocks/>
+            </p:cNvCxnSpPr>
+            <p:nvPr/>
+          </p:nvCxnSpPr>
+          <p:spPr>
+            <a:xfrm>
+              <a:off x="7165354" y="3760160"/>
+              <a:ext cx="0" cy="275976"/>
+            </a:xfrm>
+            <a:prstGeom prst="line">
+              <a:avLst/>
+            </a:prstGeom>
+            <a:ln w="38100">
+              <a:solidFill>
+                <a:schemeClr val="bg1"/>
+              </a:solidFill>
+            </a:ln>
+          </p:spPr>
+          <p:style>
+            <a:lnRef idx="2">
+              <a:schemeClr val="accent1"/>
+            </a:lnRef>
+            <a:fillRef idx="0">
+              <a:schemeClr val="accent1"/>
+            </a:fillRef>
+            <a:effectRef idx="1">
+              <a:schemeClr val="accent1"/>
+            </a:effectRef>
+            <a:fontRef idx="minor">
+              <a:schemeClr val="tx1"/>
+            </a:fontRef>
+          </p:style>
+        </p:cxnSp>
+        <p:cxnSp>
+          <p:nvCxnSpPr>
+            <p:cNvPr id="40" name="直線コネクタ 39">
+              <a:extLst>
+                <a:ext uri="{FF2B5EF4-FFF2-40B4-BE49-F238E27FC236}">
+                  <a16:creationId xmlns:a16="http://schemas.microsoft.com/office/drawing/2014/main" id="{468BED4A-AA4D-D67D-9B4E-843ADD6D156D}"/>
+                </a:ext>
+              </a:extLst>
+            </p:cNvPr>
+            <p:cNvCxnSpPr>
+              <a:cxnSpLocks/>
+            </p:cNvCxnSpPr>
+            <p:nvPr/>
+          </p:nvCxnSpPr>
+          <p:spPr>
+            <a:xfrm>
+              <a:off x="7294072" y="3712816"/>
+              <a:ext cx="0" cy="275976"/>
+            </a:xfrm>
+            <a:prstGeom prst="line">
+              <a:avLst/>
+            </a:prstGeom>
+            <a:ln w="38100">
+              <a:solidFill>
+                <a:schemeClr val="bg1"/>
+              </a:solidFill>
+            </a:ln>
+          </p:spPr>
+          <p:style>
+            <a:lnRef idx="2">
+              <a:schemeClr val="accent1"/>
+            </a:lnRef>
+            <a:fillRef idx="0">
+              <a:schemeClr val="accent1"/>
+            </a:fillRef>
+            <a:effectRef idx="1">
+              <a:schemeClr val="accent1"/>
+            </a:effectRef>
+            <a:fontRef idx="minor">
+              <a:schemeClr val="tx1"/>
+            </a:fontRef>
+          </p:style>
+        </p:cxnSp>
+        <p:cxnSp>
+          <p:nvCxnSpPr>
+            <p:cNvPr id="41" name="直線コネクタ 40">
+              <a:extLst>
+                <a:ext uri="{FF2B5EF4-FFF2-40B4-BE49-F238E27FC236}">
+                  <a16:creationId xmlns:a16="http://schemas.microsoft.com/office/drawing/2014/main" id="{A6D7E775-B8F2-ECEC-9DEA-44908835DFE0}"/>
+                </a:ext>
+              </a:extLst>
+            </p:cNvPr>
+            <p:cNvCxnSpPr>
+              <a:cxnSpLocks/>
+            </p:cNvCxnSpPr>
+            <p:nvPr/>
+          </p:nvCxnSpPr>
+          <p:spPr>
+            <a:xfrm>
+              <a:off x="7427180" y="3743664"/>
+              <a:ext cx="0" cy="275976"/>
+            </a:xfrm>
+            <a:prstGeom prst="line">
+              <a:avLst/>
+            </a:prstGeom>
+            <a:ln w="38100">
+              <a:solidFill>
+                <a:schemeClr val="bg1"/>
+              </a:solidFill>
+            </a:ln>
+          </p:spPr>
+          <p:style>
+            <a:lnRef idx="2">
+              <a:schemeClr val="accent1"/>
+            </a:lnRef>
+            <a:fillRef idx="0">
+              <a:schemeClr val="accent1"/>
+            </a:fillRef>
+            <a:effectRef idx="1">
+              <a:schemeClr val="accent1"/>
+            </a:effectRef>
+            <a:fontRef idx="minor">
+              <a:schemeClr val="tx1"/>
+            </a:fontRef>
+          </p:style>
+        </p:cxnSp>
+      </p:grpSp>
+      <p:grpSp>
+        <p:nvGrpSpPr>
+          <p:cNvPr id="42" name="グループ化 41">
+            <a:extLst>
+              <a:ext uri="{FF2B5EF4-FFF2-40B4-BE49-F238E27FC236}">
+                <a16:creationId xmlns:a16="http://schemas.microsoft.com/office/drawing/2014/main" id="{FDF79A57-B6A0-1EC1-9CE9-2B4D3994759F}"/>
+              </a:ext>
+            </a:extLst>
+          </p:cNvPr>
+          <p:cNvGrpSpPr/>
+          <p:nvPr/>
+        </p:nvGrpSpPr>
+        <p:grpSpPr>
+          <a:xfrm>
+            <a:off x="4597378" y="1354882"/>
+            <a:ext cx="2852485" cy="2093078"/>
+            <a:chOff x="9426735" y="1880885"/>
+            <a:chExt cx="2196201" cy="1611514"/>
+          </a:xfrm>
+          <a:effectLst/>
+        </p:grpSpPr>
+        <p:sp>
+          <p:nvSpPr>
+            <p:cNvPr id="43" name="正方形/長方形 42">
+              <a:extLst>
+                <a:ext uri="{FF2B5EF4-FFF2-40B4-BE49-F238E27FC236}">
+                  <a16:creationId xmlns:a16="http://schemas.microsoft.com/office/drawing/2014/main" id="{9403DB2A-F8A7-6C98-7499-6E851B66F604}"/>
+                </a:ext>
+              </a:extLst>
+            </p:cNvPr>
+            <p:cNvSpPr/>
+            <p:nvPr/>
+          </p:nvSpPr>
+          <p:spPr>
+            <a:xfrm>
+              <a:off x="11426196" y="2413211"/>
+              <a:ext cx="144078" cy="1062380"/>
+            </a:xfrm>
+            <a:prstGeom prst="rect">
+              <a:avLst/>
+            </a:prstGeom>
+            <a:solidFill>
+              <a:schemeClr val="tx1">
+                <a:lumMod val="95000"/>
+                <a:lumOff val="5000"/>
+              </a:schemeClr>
+            </a:solidFill>
+            <a:ln w="38100">
+              <a:solidFill>
+                <a:schemeClr val="bg1"/>
+              </a:solidFill>
+            </a:ln>
+          </p:spPr>
+          <p:style>
+            <a:lnRef idx="2">
+              <a:schemeClr val="accent1">
+                <a:shade val="15000"/>
+              </a:schemeClr>
+            </a:lnRef>
+            <a:fillRef idx="1">
+              <a:schemeClr val="accent1"/>
+            </a:fillRef>
+            <a:effectRef idx="0">
+              <a:schemeClr val="accent1"/>
+            </a:effectRef>
+            <a:fontRef idx="minor">
+              <a:schemeClr val="lt1"/>
+            </a:fontRef>
+          </p:style>
+          <p:txBody>
+            <a:bodyPr rtlCol="0" anchor="ctr"/>
+            <a:lstStyle/>
+            <a:p>
+              <a:pPr algn="ctr"/>
+              <a:endParaRPr kumimoji="1" lang="ja-JP" altLang="en-US" dirty="0"/>
+            </a:p>
+          </p:txBody>
+        </p:sp>
+        <p:sp>
+          <p:nvSpPr>
+            <p:cNvPr id="44" name="正方形/長方形 43">
+              <a:extLst>
+                <a:ext uri="{FF2B5EF4-FFF2-40B4-BE49-F238E27FC236}">
+                  <a16:creationId xmlns:a16="http://schemas.microsoft.com/office/drawing/2014/main" id="{BB85ABB2-F9B8-3861-66FD-39206D9A29AE}"/>
+                </a:ext>
+              </a:extLst>
+            </p:cNvPr>
+            <p:cNvSpPr/>
+            <p:nvPr/>
+          </p:nvSpPr>
+          <p:spPr>
+            <a:xfrm>
+              <a:off x="9548940" y="2430019"/>
+              <a:ext cx="144078" cy="1062380"/>
+            </a:xfrm>
+            <a:prstGeom prst="rect">
+              <a:avLst/>
+            </a:prstGeom>
+            <a:solidFill>
+              <a:schemeClr val="tx1">
+                <a:lumMod val="95000"/>
+                <a:lumOff val="5000"/>
+              </a:schemeClr>
+            </a:solidFill>
+            <a:ln w="38100">
+              <a:solidFill>
+                <a:schemeClr val="bg1"/>
+              </a:solidFill>
+            </a:ln>
+          </p:spPr>
+          <p:style>
+            <a:lnRef idx="2">
+              <a:schemeClr val="accent1">
+                <a:shade val="15000"/>
+              </a:schemeClr>
+            </a:lnRef>
+            <a:fillRef idx="1">
+              <a:schemeClr val="accent1"/>
+            </a:fillRef>
+            <a:effectRef idx="0">
+              <a:schemeClr val="accent1"/>
+            </a:effectRef>
+            <a:fontRef idx="minor">
+              <a:schemeClr val="lt1"/>
+            </a:fontRef>
+          </p:style>
+          <p:txBody>
+            <a:bodyPr rtlCol="0" anchor="ctr"/>
+            <a:lstStyle/>
+            <a:p>
+              <a:pPr algn="ctr"/>
+              <a:endParaRPr kumimoji="1" lang="ja-JP" altLang="en-US" dirty="0"/>
+            </a:p>
+          </p:txBody>
+        </p:sp>
+        <p:pic>
+          <p:nvPicPr>
+            <p:cNvPr id="45" name="図 44" descr="図形&#10;&#10;低い精度で自動的に生成された説明">
+              <a:extLst>
+                <a:ext uri="{FF2B5EF4-FFF2-40B4-BE49-F238E27FC236}">
+                  <a16:creationId xmlns:a16="http://schemas.microsoft.com/office/drawing/2014/main" id="{6C74B32B-9908-B194-9D7F-DCD68FB56F5C}"/>
+                </a:ext>
+              </a:extLst>
+            </p:cNvPr>
+            <p:cNvPicPr>
+              <a:picLocks noChangeAspect="1"/>
+            </p:cNvPicPr>
+            <p:nvPr/>
+          </p:nvPicPr>
+          <p:blipFill rotWithShape="1">
+            <a:blip r:embed="rId2">
+              <a:extLst>
+                <a:ext uri="{28A0092B-C50C-407E-A947-70E740481C1C}">
+                  <a14:useLocalDpi xmlns:a14="http://schemas.microsoft.com/office/drawing/2010/main" val="0"/>
+                </a:ext>
+              </a:extLst>
+            </a:blip>
+            <a:srcRect l="25383" r="23202"/>
+            <a:stretch/>
+          </p:blipFill>
+          <p:spPr>
+            <a:xfrm rot="5400000">
+              <a:off x="9720000" y="2168542"/>
+              <a:ext cx="349262" cy="596507"/>
+            </a:xfrm>
+            <a:prstGeom prst="rect">
+              <a:avLst/>
+            </a:prstGeom>
+            <a:effectLst>
+              <a:glow rad="50800">
+                <a:srgbClr val="FFFF00">
+                  <a:alpha val="70000"/>
+                </a:srgbClr>
+              </a:glow>
+              <a:softEdge rad="31750"/>
+            </a:effectLst>
+          </p:spPr>
+        </p:pic>
+        <p:pic>
+          <p:nvPicPr>
+            <p:cNvPr id="46" name="図 45" descr="図形&#10;&#10;低い精度で自動的に生成された説明">
+              <a:extLst>
+                <a:ext uri="{FF2B5EF4-FFF2-40B4-BE49-F238E27FC236}">
+                  <a16:creationId xmlns:a16="http://schemas.microsoft.com/office/drawing/2014/main" id="{DA063AC1-95F9-8965-81B2-F44C258C936D}"/>
+                </a:ext>
+              </a:extLst>
+            </p:cNvPr>
+            <p:cNvPicPr>
+              <a:picLocks noChangeAspect="1"/>
+            </p:cNvPicPr>
+            <p:nvPr/>
+          </p:nvPicPr>
+          <p:blipFill rotWithShape="1">
+            <a:blip r:embed="rId2">
+              <a:extLst>
+                <a:ext uri="{28A0092B-C50C-407E-A947-70E740481C1C}">
+                  <a14:useLocalDpi xmlns:a14="http://schemas.microsoft.com/office/drawing/2010/main" val="0"/>
+                </a:ext>
+              </a:extLst>
+            </a:blip>
+            <a:srcRect l="25383" r="23202"/>
+            <a:stretch/>
+          </p:blipFill>
+          <p:spPr>
+            <a:xfrm rot="5400000">
+              <a:off x="10065690" y="2175662"/>
+              <a:ext cx="349262" cy="596507"/>
+            </a:xfrm>
+            <a:prstGeom prst="rect">
+              <a:avLst/>
+            </a:prstGeom>
+            <a:effectLst>
+              <a:glow rad="50800">
+                <a:srgbClr val="FFFF00">
+                  <a:alpha val="70000"/>
+                </a:srgbClr>
+              </a:glow>
+              <a:softEdge rad="31750"/>
+            </a:effectLst>
+          </p:spPr>
+        </p:pic>
+        <p:pic>
+          <p:nvPicPr>
+            <p:cNvPr id="47" name="図 46" descr="図形&#10;&#10;低い精度で自動的に生成された説明">
+              <a:extLst>
+                <a:ext uri="{FF2B5EF4-FFF2-40B4-BE49-F238E27FC236}">
+                  <a16:creationId xmlns:a16="http://schemas.microsoft.com/office/drawing/2014/main" id="{3079BBC8-4FF2-FD98-F829-B81F6B7ADBF8}"/>
+                </a:ext>
+              </a:extLst>
+            </p:cNvPr>
+            <p:cNvPicPr>
+              <a:picLocks noChangeAspect="1"/>
+            </p:cNvPicPr>
+            <p:nvPr/>
+          </p:nvPicPr>
+          <p:blipFill rotWithShape="1">
+            <a:blip r:embed="rId2">
+              <a:extLst>
+                <a:ext uri="{28A0092B-C50C-407E-A947-70E740481C1C}">
+                  <a14:useLocalDpi xmlns:a14="http://schemas.microsoft.com/office/drawing/2010/main" val="0"/>
+                </a:ext>
+              </a:extLst>
+            </a:blip>
+            <a:srcRect l="25383" r="23202"/>
+            <a:stretch/>
+          </p:blipFill>
+          <p:spPr>
+            <a:xfrm rot="5400000">
+              <a:off x="10411157" y="2189087"/>
+              <a:ext cx="349262" cy="596507"/>
+            </a:xfrm>
+            <a:prstGeom prst="rect">
+              <a:avLst/>
+            </a:prstGeom>
+            <a:effectLst>
+              <a:glow rad="50800">
+                <a:srgbClr val="FFFF00">
+                  <a:alpha val="70000"/>
+                </a:srgbClr>
+              </a:glow>
+              <a:softEdge rad="31750"/>
+            </a:effectLst>
+          </p:spPr>
+        </p:pic>
+        <p:pic>
+          <p:nvPicPr>
+            <p:cNvPr id="48" name="図 47" descr="図形&#10;&#10;低い精度で自動的に生成された説明">
+              <a:extLst>
+                <a:ext uri="{FF2B5EF4-FFF2-40B4-BE49-F238E27FC236}">
+                  <a16:creationId xmlns:a16="http://schemas.microsoft.com/office/drawing/2014/main" id="{7978846A-26A3-11A6-D178-C8AFB06E67C0}"/>
+                </a:ext>
+              </a:extLst>
+            </p:cNvPr>
+            <p:cNvPicPr>
+              <a:picLocks noChangeAspect="1"/>
+            </p:cNvPicPr>
+            <p:nvPr/>
+          </p:nvPicPr>
+          <p:blipFill rotWithShape="1">
+            <a:blip r:embed="rId2">
+              <a:extLst>
+                <a:ext uri="{28A0092B-C50C-407E-A947-70E740481C1C}">
+                  <a14:useLocalDpi xmlns:a14="http://schemas.microsoft.com/office/drawing/2010/main" val="0"/>
+                </a:ext>
+              </a:extLst>
+            </a:blip>
+            <a:srcRect l="25383" r="23202"/>
+            <a:stretch/>
+          </p:blipFill>
+          <p:spPr>
+            <a:xfrm rot="5400000">
+              <a:off x="10745176" y="2176872"/>
+              <a:ext cx="349262" cy="596507"/>
+            </a:xfrm>
+            <a:prstGeom prst="rect">
+              <a:avLst/>
+            </a:prstGeom>
+            <a:effectLst>
+              <a:glow rad="50800">
+                <a:srgbClr val="FFFF00">
+                  <a:alpha val="70000"/>
+                </a:srgbClr>
+              </a:glow>
+              <a:softEdge rad="31750"/>
+            </a:effectLst>
+          </p:spPr>
+        </p:pic>
+        <p:pic>
+          <p:nvPicPr>
+            <p:cNvPr id="49" name="図 48" descr="図形&#10;&#10;低い精度で自動的に生成された説明">
+              <a:extLst>
+                <a:ext uri="{FF2B5EF4-FFF2-40B4-BE49-F238E27FC236}">
+                  <a16:creationId xmlns:a16="http://schemas.microsoft.com/office/drawing/2014/main" id="{E8C5EC2E-BE0D-9F55-D5EF-EB626BE631DF}"/>
+                </a:ext>
+              </a:extLst>
+            </p:cNvPr>
+            <p:cNvPicPr>
+              <a:picLocks noChangeAspect="1"/>
+            </p:cNvPicPr>
+            <p:nvPr/>
+          </p:nvPicPr>
+          <p:blipFill rotWithShape="1">
+            <a:blip r:embed="rId2">
+              <a:extLst>
+                <a:ext uri="{28A0092B-C50C-407E-A947-70E740481C1C}">
+                  <a14:useLocalDpi xmlns:a14="http://schemas.microsoft.com/office/drawing/2010/main" val="0"/>
+                </a:ext>
+              </a:extLst>
+            </a:blip>
+            <a:srcRect l="25383" r="23202"/>
+            <a:stretch/>
+          </p:blipFill>
+          <p:spPr>
+            <a:xfrm rot="5400000">
+              <a:off x="11107000" y="2189087"/>
+              <a:ext cx="349262" cy="596507"/>
+            </a:xfrm>
+            <a:prstGeom prst="rect">
+              <a:avLst/>
+            </a:prstGeom>
+            <a:effectLst>
+              <a:glow rad="50800">
+                <a:srgbClr val="FFFF00">
+                  <a:alpha val="70000"/>
+                </a:srgbClr>
+              </a:glow>
+              <a:softEdge rad="31750"/>
+            </a:effectLst>
+          </p:spPr>
+        </p:pic>
+        <p:pic>
+          <p:nvPicPr>
+            <p:cNvPr id="50" name="図 49" descr="図形&#10;&#10;低い精度で自動的に生成された説明">
+              <a:extLst>
+                <a:ext uri="{FF2B5EF4-FFF2-40B4-BE49-F238E27FC236}">
+                  <a16:creationId xmlns:a16="http://schemas.microsoft.com/office/drawing/2014/main" id="{A57EEA10-1E9D-F35E-E997-50CB2DDF572F}"/>
+                </a:ext>
+              </a:extLst>
+            </p:cNvPr>
+            <p:cNvPicPr>
+              <a:picLocks noChangeAspect="1"/>
+            </p:cNvPicPr>
+            <p:nvPr/>
+          </p:nvPicPr>
+          <p:blipFill>
+            <a:blip r:embed="rId2">
+              <a:extLst>
+                <a:ext uri="{28A0092B-C50C-407E-A947-70E740481C1C}">
+                  <a14:useLocalDpi xmlns:a14="http://schemas.microsoft.com/office/drawing/2010/main" val="0"/>
+                </a:ext>
+              </a:extLst>
+            </a:blip>
+            <a:stretch>
+              <a:fillRect/>
+            </a:stretch>
+          </p:blipFill>
+          <p:spPr>
+            <a:xfrm flipH="1">
+              <a:off x="11042163" y="1893026"/>
+              <a:ext cx="580773" cy="550913"/>
+            </a:xfrm>
+            <a:prstGeom prst="rect">
+              <a:avLst/>
+            </a:prstGeom>
+            <a:effectLst>
+              <a:glow rad="127000">
+                <a:srgbClr val="FFFF00"/>
+              </a:glow>
+            </a:effectLst>
+          </p:spPr>
+        </p:pic>
+        <p:pic>
+          <p:nvPicPr>
+            <p:cNvPr id="51" name="図 50" descr="図形&#10;&#10;低い精度で自動的に生成された説明">
+              <a:extLst>
+                <a:ext uri="{FF2B5EF4-FFF2-40B4-BE49-F238E27FC236}">
+                  <a16:creationId xmlns:a16="http://schemas.microsoft.com/office/drawing/2014/main" id="{EE1F4661-6DE5-E83F-5FC8-70713A279525}"/>
+                </a:ext>
+              </a:extLst>
+            </p:cNvPr>
+            <p:cNvPicPr>
+              <a:picLocks noChangeAspect="1"/>
+            </p:cNvPicPr>
+            <p:nvPr/>
+          </p:nvPicPr>
+          <p:blipFill>
+            <a:blip r:embed="rId2">
+              <a:extLst>
+                <a:ext uri="{28A0092B-C50C-407E-A947-70E740481C1C}">
+                  <a14:useLocalDpi xmlns:a14="http://schemas.microsoft.com/office/drawing/2010/main" val="0"/>
+                </a:ext>
+              </a:extLst>
+            </a:blip>
+            <a:stretch>
+              <a:fillRect/>
+            </a:stretch>
+          </p:blipFill>
+          <p:spPr>
+            <a:xfrm flipH="1">
+              <a:off x="9426735" y="1880885"/>
+              <a:ext cx="580773" cy="550913"/>
+            </a:xfrm>
+            <a:prstGeom prst="rect">
+              <a:avLst/>
+            </a:prstGeom>
+            <a:effectLst>
+              <a:glow rad="50800">
+                <a:srgbClr val="FFFF00">
+                  <a:alpha val="70000"/>
+                </a:srgbClr>
+              </a:glow>
+            </a:effectLst>
+          </p:spPr>
+        </p:pic>
+        <p:sp>
+          <p:nvSpPr>
+            <p:cNvPr id="52" name="矢印: 右 51">
+              <a:extLst>
+                <a:ext uri="{FF2B5EF4-FFF2-40B4-BE49-F238E27FC236}">
+                  <a16:creationId xmlns:a16="http://schemas.microsoft.com/office/drawing/2014/main" id="{D21FF760-C6E4-92CC-8FEE-F686153F388F}"/>
+                </a:ext>
+              </a:extLst>
+            </p:cNvPr>
+            <p:cNvSpPr/>
+            <p:nvPr/>
+          </p:nvSpPr>
+          <p:spPr>
+            <a:xfrm>
+              <a:off x="9923220" y="2003000"/>
+              <a:ext cx="1230710" cy="248851"/>
+            </a:xfrm>
+            <a:prstGeom prst="rightArrow">
+              <a:avLst/>
+            </a:prstGeom>
+            <a:solidFill>
+              <a:schemeClr val="tx1"/>
+            </a:solidFill>
+            <a:ln w="28575">
+              <a:solidFill>
+                <a:srgbClr val="FFFF00"/>
+              </a:solidFill>
+            </a:ln>
+          </p:spPr>
+          <p:style>
+            <a:lnRef idx="2">
+              <a:schemeClr val="accent1">
+                <a:shade val="15000"/>
+              </a:schemeClr>
+            </a:lnRef>
+            <a:fillRef idx="1">
+              <a:schemeClr val="accent1"/>
+            </a:fillRef>
+            <a:effectRef idx="0">
+              <a:schemeClr val="accent1"/>
+            </a:effectRef>
+            <a:fontRef idx="minor">
+              <a:schemeClr val="lt1"/>
+            </a:fontRef>
+          </p:style>
+          <p:txBody>
+            <a:bodyPr rtlCol="0" anchor="ctr"/>
+            <a:lstStyle/>
+            <a:p>
+              <a:pPr algn="ctr"/>
+              <a:endParaRPr kumimoji="1" lang="ja-JP" altLang="en-US"/>
+            </a:p>
+          </p:txBody>
+        </p:sp>
+      </p:grpSp>
+      <p:sp>
+        <p:nvSpPr>
+          <p:cNvPr id="53" name="テキスト ボックス 52">
+            <a:extLst>
+              <a:ext uri="{FF2B5EF4-FFF2-40B4-BE49-F238E27FC236}">
+                <a16:creationId xmlns:a16="http://schemas.microsoft.com/office/drawing/2014/main" id="{43F3B022-BEAE-5BC6-3DC1-1F1447EF3D92}"/>
+              </a:ext>
+            </a:extLst>
+          </p:cNvPr>
+          <p:cNvSpPr txBox="1"/>
+          <p:nvPr/>
+        </p:nvSpPr>
+        <p:spPr>
+          <a:xfrm>
+            <a:off x="571076" y="3147867"/>
+            <a:ext cx="2351914" cy="830997"/>
+          </a:xfrm>
+          <a:prstGeom prst="rect">
+            <a:avLst/>
+          </a:prstGeom>
+          <a:noFill/>
+          <a:effectLst>
+            <a:glow rad="127000">
+              <a:schemeClr val="bg1"/>
+            </a:glow>
+          </a:effectLst>
+        </p:spPr>
+        <p:txBody>
+          <a:bodyPr wrap="square" rtlCol="0">
+            <a:spAutoFit/>
+          </a:bodyPr>
+          <a:lstStyle/>
+          <a:p>
+            <a:r>
+              <a:rPr kumimoji="1" lang="ja-JP" altLang="en-US" sz="4800" dirty="0">
+                <a:solidFill>
+                  <a:srgbClr val="FF0000"/>
+                </a:solidFill>
+                <a:effectLst>
+                  <a:glow rad="101600">
+                    <a:schemeClr val="bg1">
+                      <a:alpha val="90000"/>
+                    </a:schemeClr>
+                  </a:glow>
+                </a:effectLst>
+                <a:latin typeface="HG正楷書体-PRO" panose="03000600000000000000" pitchFamily="66" charset="-128"/>
+                <a:ea typeface="HG正楷書体-PRO" panose="03000600000000000000" pitchFamily="66" charset="-128"/>
+              </a:rPr>
+              <a:t>踏み台</a:t>
+            </a:r>
+            <a:endParaRPr kumimoji="1" lang="ja-JP" altLang="en-US" sz="3200" dirty="0">
+              <a:solidFill>
+                <a:srgbClr val="FF0000"/>
+              </a:solidFill>
+              <a:effectLst>
+                <a:glow rad="101600">
+                  <a:schemeClr val="bg1">
+                    <a:alpha val="90000"/>
+                  </a:schemeClr>
+                </a:glow>
+              </a:effectLst>
+              <a:latin typeface="HG正楷書体-PRO" panose="03000600000000000000" pitchFamily="66" charset="-128"/>
+              <a:ea typeface="HG正楷書体-PRO" panose="03000600000000000000" pitchFamily="66" charset="-128"/>
+            </a:endParaRPr>
+          </a:p>
+        </p:txBody>
+      </p:sp>
+      <p:sp>
+        <p:nvSpPr>
+          <p:cNvPr id="54" name="テキスト ボックス 53">
+            <a:extLst>
+              <a:ext uri="{FF2B5EF4-FFF2-40B4-BE49-F238E27FC236}">
+                <a16:creationId xmlns:a16="http://schemas.microsoft.com/office/drawing/2014/main" id="{257C3204-D0B9-F0EE-F6AF-1046950C4AF9}"/>
+              </a:ext>
+            </a:extLst>
+          </p:cNvPr>
+          <p:cNvSpPr txBox="1"/>
+          <p:nvPr/>
+        </p:nvSpPr>
+        <p:spPr>
+          <a:xfrm>
+            <a:off x="5699255" y="1862945"/>
+            <a:ext cx="769086" cy="830997"/>
+          </a:xfrm>
+          <a:prstGeom prst="rect">
+            <a:avLst/>
+          </a:prstGeom>
+          <a:noFill/>
+          <a:effectLst>
+            <a:glow rad="127000">
+              <a:schemeClr val="bg1"/>
+            </a:glow>
+          </a:effectLst>
+        </p:spPr>
+        <p:txBody>
+          <a:bodyPr wrap="square" rtlCol="0">
+            <a:spAutoFit/>
+          </a:bodyPr>
+          <a:lstStyle/>
+          <a:p>
+            <a:r>
+              <a:rPr kumimoji="1" lang="ja-JP" altLang="en-US" sz="4800" dirty="0">
+                <a:solidFill>
+                  <a:srgbClr val="FF0000"/>
+                </a:solidFill>
+                <a:effectLst>
+                  <a:glow rad="101600">
+                    <a:schemeClr val="bg1">
+                      <a:alpha val="90000"/>
+                    </a:schemeClr>
+                  </a:glow>
+                </a:effectLst>
+                <a:latin typeface="HG正楷書体-PRO" panose="03000600000000000000" pitchFamily="66" charset="-128"/>
+                <a:ea typeface="HG正楷書体-PRO" panose="03000600000000000000" pitchFamily="66" charset="-128"/>
+              </a:rPr>
+              <a:t>橋</a:t>
+            </a:r>
+            <a:endParaRPr kumimoji="1" lang="ja-JP" altLang="en-US" sz="3200" dirty="0">
+              <a:solidFill>
+                <a:srgbClr val="FF0000"/>
+              </a:solidFill>
+              <a:effectLst>
+                <a:glow rad="101600">
+                  <a:schemeClr val="bg1">
+                    <a:alpha val="90000"/>
+                  </a:schemeClr>
+                </a:glow>
+              </a:effectLst>
+              <a:latin typeface="HG正楷書体-PRO" panose="03000600000000000000" pitchFamily="66" charset="-128"/>
+              <a:ea typeface="HG正楷書体-PRO" panose="03000600000000000000" pitchFamily="66" charset="-128"/>
+            </a:endParaRPr>
+          </a:p>
+        </p:txBody>
+      </p:sp>
+      <p:sp>
+        <p:nvSpPr>
+          <p:cNvPr id="55" name="テキスト ボックス 54">
+            <a:extLst>
+              <a:ext uri="{FF2B5EF4-FFF2-40B4-BE49-F238E27FC236}">
+                <a16:creationId xmlns:a16="http://schemas.microsoft.com/office/drawing/2014/main" id="{B5CB6C8A-4A29-8BE2-76D7-300FCBA87D22}"/>
+              </a:ext>
+            </a:extLst>
+          </p:cNvPr>
+          <p:cNvSpPr txBox="1"/>
+          <p:nvPr/>
+        </p:nvSpPr>
+        <p:spPr>
+          <a:xfrm>
+            <a:off x="8688293" y="3982288"/>
+            <a:ext cx="3694112" cy="830997"/>
+          </a:xfrm>
+          <a:prstGeom prst="rect">
+            <a:avLst/>
+          </a:prstGeom>
+          <a:noFill/>
+          <a:effectLst>
+            <a:glow rad="127000">
+              <a:schemeClr val="bg1"/>
+            </a:glow>
+          </a:effectLst>
+        </p:spPr>
+        <p:txBody>
+          <a:bodyPr wrap="square" rtlCol="0">
+            <a:spAutoFit/>
+          </a:bodyPr>
+          <a:lstStyle/>
+          <a:p>
+            <a:r>
+              <a:rPr kumimoji="1" lang="ja-JP" altLang="en-US" sz="4800" dirty="0">
+                <a:solidFill>
+                  <a:srgbClr val="FF0000"/>
+                </a:solidFill>
+                <a:effectLst>
+                  <a:glow rad="101600">
+                    <a:schemeClr val="bg1">
+                      <a:alpha val="90000"/>
+                    </a:schemeClr>
+                  </a:glow>
+                </a:effectLst>
+                <a:latin typeface="HG正楷書体-PRO" panose="03000600000000000000" pitchFamily="66" charset="-128"/>
+                <a:ea typeface="HG正楷書体-PRO" panose="03000600000000000000" pitchFamily="66" charset="-128"/>
+              </a:rPr>
+              <a:t>ジャンプ台</a:t>
+            </a:r>
+            <a:endParaRPr kumimoji="1" lang="ja-JP" altLang="en-US" sz="3200" dirty="0">
+              <a:solidFill>
+                <a:srgbClr val="FF0000"/>
+              </a:solidFill>
+              <a:effectLst>
+                <a:glow rad="101600">
+                  <a:schemeClr val="bg1">
+                    <a:alpha val="90000"/>
+                  </a:schemeClr>
+                </a:glow>
+              </a:effectLst>
+              <a:latin typeface="HG正楷書体-PRO" panose="03000600000000000000" pitchFamily="66" charset="-128"/>
+              <a:ea typeface="HG正楷書体-PRO" panose="03000600000000000000" pitchFamily="66" charset="-128"/>
+            </a:endParaRPr>
+          </a:p>
+        </p:txBody>
+      </p:sp>
+      <p:sp>
+        <p:nvSpPr>
+          <p:cNvPr id="56" name="テキスト ボックス 55">
+            <a:extLst>
+              <a:ext uri="{FF2B5EF4-FFF2-40B4-BE49-F238E27FC236}">
+                <a16:creationId xmlns:a16="http://schemas.microsoft.com/office/drawing/2014/main" id="{66877257-91E2-40CD-EC94-FCEE0518769E}"/>
+              </a:ext>
+            </a:extLst>
+          </p:cNvPr>
+          <p:cNvSpPr txBox="1"/>
+          <p:nvPr/>
+        </p:nvSpPr>
+        <p:spPr>
+          <a:xfrm>
+            <a:off x="4937020" y="5142841"/>
+            <a:ext cx="3892348" cy="830997"/>
+          </a:xfrm>
+          <a:prstGeom prst="rect">
+            <a:avLst/>
+          </a:prstGeom>
+          <a:noFill/>
+          <a:effectLst>
+            <a:glow rad="127000">
+              <a:schemeClr val="bg1"/>
+            </a:glow>
+          </a:effectLst>
+        </p:spPr>
+        <p:txBody>
+          <a:bodyPr wrap="square" rtlCol="0">
+            <a:spAutoFit/>
+          </a:bodyPr>
+          <a:lstStyle/>
+          <a:p>
+            <a:r>
+              <a:rPr kumimoji="1" lang="ja-JP" altLang="en-US" sz="4800" dirty="0">
+                <a:solidFill>
+                  <a:srgbClr val="FF0000"/>
+                </a:solidFill>
+                <a:effectLst>
+                  <a:glow rad="101600">
+                    <a:schemeClr val="bg1">
+                      <a:alpha val="90000"/>
+                    </a:schemeClr>
+                  </a:glow>
+                </a:effectLst>
+                <a:latin typeface="HG正楷書体-PRO" panose="03000600000000000000" pitchFamily="66" charset="-128"/>
+                <a:ea typeface="HG正楷書体-PRO" panose="03000600000000000000" pitchFamily="66" charset="-128"/>
+              </a:rPr>
+              <a:t>複数のボタン</a:t>
+            </a:r>
+            <a:endParaRPr kumimoji="1" lang="ja-JP" altLang="en-US" sz="3200" dirty="0">
+              <a:solidFill>
+                <a:srgbClr val="FF0000"/>
+              </a:solidFill>
+              <a:effectLst>
+                <a:glow rad="101600">
+                  <a:schemeClr val="bg1">
+                    <a:alpha val="90000"/>
+                  </a:schemeClr>
+                </a:glow>
+              </a:effectLst>
+              <a:latin typeface="HG正楷書体-PRO" panose="03000600000000000000" pitchFamily="66" charset="-128"/>
+              <a:ea typeface="HG正楷書体-PRO" panose="03000600000000000000" pitchFamily="66" charset="-128"/>
+            </a:endParaRPr>
+          </a:p>
+        </p:txBody>
+      </p:sp>
+      <p:sp>
+        <p:nvSpPr>
+          <p:cNvPr id="57" name="テキスト ボックス 56">
+            <a:extLst>
+              <a:ext uri="{FF2B5EF4-FFF2-40B4-BE49-F238E27FC236}">
+                <a16:creationId xmlns:a16="http://schemas.microsoft.com/office/drawing/2014/main" id="{C60AFBE0-6103-C0A3-3A0A-6CF7AFF4EBAF}"/>
+              </a:ext>
+            </a:extLst>
+          </p:cNvPr>
+          <p:cNvSpPr txBox="1"/>
+          <p:nvPr/>
+        </p:nvSpPr>
+        <p:spPr>
+          <a:xfrm>
+            <a:off x="11852563" y="4691138"/>
+            <a:ext cx="2662597" cy="830997"/>
+          </a:xfrm>
+          <a:prstGeom prst="rect">
+            <a:avLst/>
+          </a:prstGeom>
+          <a:noFill/>
+          <a:effectLst>
+            <a:glow rad="127000">
+              <a:schemeClr val="bg1"/>
+            </a:glow>
+          </a:effectLst>
+        </p:spPr>
+        <p:txBody>
+          <a:bodyPr wrap="square" rtlCol="0">
+            <a:spAutoFit/>
+          </a:bodyPr>
+          <a:lstStyle/>
+          <a:p>
+            <a:r>
+              <a:rPr lang="ja-JP" altLang="en-US" sz="4800" dirty="0">
+                <a:solidFill>
+                  <a:srgbClr val="FF0000"/>
+                </a:solidFill>
+                <a:effectLst>
+                  <a:glow rad="101600">
+                    <a:schemeClr val="bg1">
+                      <a:alpha val="90000"/>
+                    </a:schemeClr>
+                  </a:glow>
+                </a:effectLst>
+                <a:latin typeface="HG正楷書体-PRO" panose="03000600000000000000" pitchFamily="66" charset="-128"/>
+                <a:ea typeface="HG正楷書体-PRO" panose="03000600000000000000" pitchFamily="66" charset="-128"/>
+              </a:rPr>
+              <a:t>身代わり</a:t>
+            </a:r>
+            <a:endParaRPr kumimoji="1" lang="ja-JP" altLang="en-US" sz="3200" dirty="0">
+              <a:solidFill>
+                <a:srgbClr val="FF0000"/>
+              </a:solidFill>
+              <a:effectLst>
+                <a:glow rad="101600">
+                  <a:schemeClr val="bg1">
+                    <a:alpha val="90000"/>
+                  </a:schemeClr>
+                </a:glow>
+              </a:effectLst>
+              <a:latin typeface="HG正楷書体-PRO" panose="03000600000000000000" pitchFamily="66" charset="-128"/>
+              <a:ea typeface="HG正楷書体-PRO" panose="03000600000000000000" pitchFamily="66" charset="-128"/>
+            </a:endParaRPr>
+          </a:p>
+        </p:txBody>
+      </p:sp>
+      <p:sp>
+        <p:nvSpPr>
+          <p:cNvPr id="58" name="テキスト ボックス 57">
+            <a:extLst>
+              <a:ext uri="{FF2B5EF4-FFF2-40B4-BE49-F238E27FC236}">
+                <a16:creationId xmlns:a16="http://schemas.microsoft.com/office/drawing/2014/main" id="{9EE9805A-0120-205C-2663-C03889D14FAE}"/>
+              </a:ext>
+            </a:extLst>
+          </p:cNvPr>
+          <p:cNvSpPr txBox="1"/>
+          <p:nvPr/>
+        </p:nvSpPr>
+        <p:spPr>
+          <a:xfrm>
+            <a:off x="8206546" y="825940"/>
+            <a:ext cx="3813491" cy="307777"/>
+          </a:xfrm>
+          <a:prstGeom prst="rect">
+            <a:avLst/>
+          </a:prstGeom>
+          <a:noFill/>
+        </p:spPr>
+        <p:txBody>
+          <a:bodyPr wrap="square" rtlCol="0">
+            <a:spAutoFit/>
+          </a:bodyPr>
+          <a:lstStyle/>
+          <a:p>
+            <a:r>
+              <a:rPr lang="ja-JP" altLang="en-US" sz="1400" dirty="0">
+                <a:solidFill>
+                  <a:srgbClr val="7030A0"/>
+                </a:solidFill>
+                <a:effectLst>
+                  <a:glow rad="127000">
+                    <a:schemeClr val="bg1"/>
+                  </a:glow>
+                </a:effectLst>
+                <a:latin typeface="HG正楷書体-PRO" panose="03000600000000000000" pitchFamily="66" charset="-128"/>
+                <a:ea typeface="HG正楷書体-PRO" panose="03000600000000000000" pitchFamily="66" charset="-128"/>
+              </a:rPr>
+              <a:t>踏み台、橋、ジャンプ、ボタン、身代わり</a:t>
+            </a:r>
+            <a:endParaRPr kumimoji="1" lang="ja-JP" altLang="en-US" sz="1400" dirty="0">
+              <a:solidFill>
+                <a:srgbClr val="7030A0"/>
+              </a:solidFill>
+              <a:effectLst>
+                <a:glow rad="127000">
+                  <a:schemeClr val="bg1"/>
+                </a:glow>
+              </a:effectLst>
+              <a:latin typeface="HG正楷書体-PRO" panose="03000600000000000000" pitchFamily="66" charset="-128"/>
+              <a:ea typeface="HG正楷書体-PRO" panose="03000600000000000000" pitchFamily="66" charset="-128"/>
+            </a:endParaRPr>
+          </a:p>
+        </p:txBody>
+      </p:sp>
+    </p:spTree>
+    <p:extLst>
+      <p:ext uri="{BB962C8B-B14F-4D97-AF65-F5344CB8AC3E}">
+        <p14:creationId xmlns:p14="http://schemas.microsoft.com/office/powerpoint/2010/main" val="305870096"/>
+      </p:ext>
+    </p:extLst>
+  </p:cSld>
+  <p:clrMapOvr>
+    <a:masterClrMapping/>
+  </p:clrMapOvr>
+  <p:timing>
+    <p:tnLst>
+      <p:par>
+        <p:cTn id="1" dur="indefinite" restart="never" nodeType="tmRoot">
+          <p:childTnLst>
+            <p:seq concurrent="1" nextAc="seek">
+              <p:cTn id="2" dur="indefinite" nodeType="mainSeq">
+                <p:childTnLst>
+                  <p:par>
+                    <p:cTn id="3" fill="hold">
+                      <p:stCondLst>
+                        <p:cond delay="indefinite"/>
+                      </p:stCondLst>
+                      <p:childTnLst>
+                        <p:par>
+                          <p:cTn id="4" fill="hold">
+                            <p:stCondLst>
+                              <p:cond delay="0"/>
+                            </p:stCondLst>
+                            <p:childTnLst>
+                              <p:par>
+                                <p:cTn id="5" presetID="10" presetClass="entr" presetSubtype="0" fill="hold" grpId="0" nodeType="clickEffect">
+                                  <p:stCondLst>
+                                    <p:cond delay="0"/>
+                                  </p:stCondLst>
+                                  <p:childTnLst>
+                                    <p:set>
+                                      <p:cBhvr>
+                                        <p:cTn id="6" dur="1" fill="hold">
+                                          <p:stCondLst>
+                                            <p:cond delay="0"/>
+                                          </p:stCondLst>
+                                        </p:cTn>
+                                        <p:tgtEl>
+                                          <p:spTgt spid="57"/>
+                                        </p:tgtEl>
+                                        <p:attrNameLst>
+                                          <p:attrName>style.visibility</p:attrName>
+                                        </p:attrNameLst>
+                                      </p:cBhvr>
+                                      <p:to>
+                                        <p:strVal val="visible"/>
+                                      </p:to>
+                                    </p:set>
+                                    <p:animEffect transition="in" filter="fade">
+                                      <p:cBhvr>
+                                        <p:cTn id="7" dur="500"/>
+                                        <p:tgtEl>
+                                          <p:spTgt spid="57"/>
+                                        </p:tgtEl>
+                                      </p:cBhvr>
+                                    </p:animEffect>
+                                  </p:childTnLst>
+                                </p:cTn>
+                              </p:par>
+                              <p:par>
+                                <p:cTn id="8" presetID="10" presetClass="entr" presetSubtype="0" fill="hold" nodeType="withEffect">
+                                  <p:stCondLst>
+                                    <p:cond delay="0"/>
+                                  </p:stCondLst>
+                                  <p:childTnLst>
+                                    <p:set>
+                                      <p:cBhvr>
+                                        <p:cTn id="9" dur="1" fill="hold">
+                                          <p:stCondLst>
+                                            <p:cond delay="0"/>
+                                          </p:stCondLst>
+                                        </p:cTn>
+                                        <p:tgtEl>
+                                          <p:spTgt spid="7"/>
+                                        </p:tgtEl>
+                                        <p:attrNameLst>
+                                          <p:attrName>style.visibility</p:attrName>
+                                        </p:attrNameLst>
+                                      </p:cBhvr>
+                                      <p:to>
+                                        <p:strVal val="visible"/>
+                                      </p:to>
+                                    </p:set>
+                                    <p:animEffect transition="in" filter="fade">
+                                      <p:cBhvr>
+                                        <p:cTn id="10" dur="500"/>
+                                        <p:tgtEl>
+                                          <p:spTgt spid="7"/>
+                                        </p:tgtEl>
+                                      </p:cBhvr>
+                                    </p:animEffect>
+                                  </p:childTnLst>
+                                </p:cTn>
+                              </p:par>
+                            </p:childTnLst>
+                          </p:cTn>
+                        </p:par>
+                      </p:childTnLst>
+                    </p:cTn>
+                  </p:par>
+                  <p:par>
+                    <p:cTn id="11" fill="hold">
+                      <p:stCondLst>
+                        <p:cond delay="indefinite"/>
+                      </p:stCondLst>
+                      <p:childTnLst>
+                        <p:par>
+                          <p:cTn id="12" fill="hold">
+                            <p:stCondLst>
+                              <p:cond delay="0"/>
+                            </p:stCondLst>
+                            <p:childTnLst>
+                              <p:par>
+                                <p:cTn id="13" presetID="10" presetClass="entr" presetSubtype="0" fill="hold" nodeType="clickEffect">
+                                  <p:stCondLst>
+                                    <p:cond delay="0"/>
+                                  </p:stCondLst>
+                                  <p:childTnLst>
+                                    <p:set>
+                                      <p:cBhvr>
+                                        <p:cTn id="14" dur="1" fill="hold">
+                                          <p:stCondLst>
+                                            <p:cond delay="0"/>
+                                          </p:stCondLst>
+                                        </p:cTn>
+                                        <p:tgtEl>
+                                          <p:spTgt spid="16"/>
+                                        </p:tgtEl>
+                                        <p:attrNameLst>
+                                          <p:attrName>style.visibility</p:attrName>
+                                        </p:attrNameLst>
+                                      </p:cBhvr>
+                                      <p:to>
+                                        <p:strVal val="visible"/>
+                                      </p:to>
+                                    </p:set>
+                                    <p:animEffect transition="in" filter="fade">
+                                      <p:cBhvr>
+                                        <p:cTn id="15" dur="500"/>
+                                        <p:tgtEl>
+                                          <p:spTgt spid="16"/>
+                                        </p:tgtEl>
+                                      </p:cBhvr>
+                                    </p:animEffect>
+                                  </p:childTnLst>
+                                </p:cTn>
+                              </p:par>
+                              <p:par>
+                                <p:cTn id="16" presetID="10" presetClass="entr" presetSubtype="0" fill="hold" grpId="0" nodeType="withEffect">
+                                  <p:stCondLst>
+                                    <p:cond delay="0"/>
+                                  </p:stCondLst>
+                                  <p:childTnLst>
+                                    <p:set>
+                                      <p:cBhvr>
+                                        <p:cTn id="17" dur="1" fill="hold">
+                                          <p:stCondLst>
+                                            <p:cond delay="0"/>
+                                          </p:stCondLst>
+                                        </p:cTn>
+                                        <p:tgtEl>
+                                          <p:spTgt spid="53"/>
+                                        </p:tgtEl>
+                                        <p:attrNameLst>
+                                          <p:attrName>style.visibility</p:attrName>
+                                        </p:attrNameLst>
+                                      </p:cBhvr>
+                                      <p:to>
+                                        <p:strVal val="visible"/>
+                                      </p:to>
+                                    </p:set>
+                                    <p:animEffect transition="in" filter="fade">
+                                      <p:cBhvr>
+                                        <p:cTn id="18" dur="500"/>
+                                        <p:tgtEl>
+                                          <p:spTgt spid="53"/>
+                                        </p:tgtEl>
+                                      </p:cBhvr>
+                                    </p:animEffect>
+                                  </p:childTnLst>
+                                </p:cTn>
+                              </p:par>
+                            </p:childTnLst>
+                          </p:cTn>
+                        </p:par>
+                      </p:childTnLst>
+                    </p:cTn>
+                  </p:par>
+                  <p:par>
+                    <p:cTn id="19" fill="hold">
+                      <p:stCondLst>
+                        <p:cond delay="indefinite"/>
+                      </p:stCondLst>
+                      <p:childTnLst>
+                        <p:par>
+                          <p:cTn id="20" fill="hold">
+                            <p:stCondLst>
+                              <p:cond delay="0"/>
+                            </p:stCondLst>
+                            <p:childTnLst>
+                              <p:par>
+                                <p:cTn id="21" presetID="10" presetClass="entr" presetSubtype="0" fill="hold" grpId="0" nodeType="clickEffect">
+                                  <p:stCondLst>
+                                    <p:cond delay="0"/>
+                                  </p:stCondLst>
+                                  <p:childTnLst>
+                                    <p:set>
+                                      <p:cBhvr>
+                                        <p:cTn id="22" dur="1" fill="hold">
+                                          <p:stCondLst>
+                                            <p:cond delay="0"/>
+                                          </p:stCondLst>
+                                        </p:cTn>
+                                        <p:tgtEl>
+                                          <p:spTgt spid="54"/>
+                                        </p:tgtEl>
+                                        <p:attrNameLst>
+                                          <p:attrName>style.visibility</p:attrName>
+                                        </p:attrNameLst>
+                                      </p:cBhvr>
+                                      <p:to>
+                                        <p:strVal val="visible"/>
+                                      </p:to>
+                                    </p:set>
+                                    <p:animEffect transition="in" filter="fade">
+                                      <p:cBhvr>
+                                        <p:cTn id="23" dur="500"/>
+                                        <p:tgtEl>
+                                          <p:spTgt spid="54"/>
+                                        </p:tgtEl>
+                                      </p:cBhvr>
+                                    </p:animEffect>
+                                  </p:childTnLst>
+                                </p:cTn>
+                              </p:par>
+                              <p:par>
+                                <p:cTn id="24" presetID="10" presetClass="entr" presetSubtype="0" fill="hold" nodeType="withEffect">
+                                  <p:stCondLst>
+                                    <p:cond delay="0"/>
+                                  </p:stCondLst>
+                                  <p:childTnLst>
+                                    <p:set>
+                                      <p:cBhvr>
+                                        <p:cTn id="25" dur="1" fill="hold">
+                                          <p:stCondLst>
+                                            <p:cond delay="0"/>
+                                          </p:stCondLst>
+                                        </p:cTn>
+                                        <p:tgtEl>
+                                          <p:spTgt spid="42"/>
+                                        </p:tgtEl>
+                                        <p:attrNameLst>
+                                          <p:attrName>style.visibility</p:attrName>
+                                        </p:attrNameLst>
+                                      </p:cBhvr>
+                                      <p:to>
+                                        <p:strVal val="visible"/>
+                                      </p:to>
+                                    </p:set>
+                                    <p:animEffect transition="in" filter="fade">
+                                      <p:cBhvr>
+                                        <p:cTn id="26" dur="500"/>
+                                        <p:tgtEl>
+                                          <p:spTgt spid="42"/>
+                                        </p:tgtEl>
+                                      </p:cBhvr>
+                                    </p:animEffect>
+                                  </p:childTnLst>
+                                </p:cTn>
+                              </p:par>
+                            </p:childTnLst>
+                          </p:cTn>
+                        </p:par>
+                      </p:childTnLst>
+                    </p:cTn>
+                  </p:par>
+                  <p:par>
+                    <p:cTn id="27" fill="hold">
+                      <p:stCondLst>
+                        <p:cond delay="indefinite"/>
+                      </p:stCondLst>
+                      <p:childTnLst>
+                        <p:par>
+                          <p:cTn id="28" fill="hold">
+                            <p:stCondLst>
+                              <p:cond delay="0"/>
+                            </p:stCondLst>
+                            <p:childTnLst>
+                              <p:par>
+                                <p:cTn id="29" presetID="10" presetClass="entr" presetSubtype="0" fill="hold" nodeType="clickEffect">
+                                  <p:stCondLst>
+                                    <p:cond delay="0"/>
+                                  </p:stCondLst>
+                                  <p:childTnLst>
+                                    <p:set>
+                                      <p:cBhvr>
+                                        <p:cTn id="30" dur="1" fill="hold">
+                                          <p:stCondLst>
+                                            <p:cond delay="0"/>
+                                          </p:stCondLst>
+                                        </p:cTn>
+                                        <p:tgtEl>
+                                          <p:spTgt spid="28"/>
+                                        </p:tgtEl>
+                                        <p:attrNameLst>
+                                          <p:attrName>style.visibility</p:attrName>
+                                        </p:attrNameLst>
+                                      </p:cBhvr>
+                                      <p:to>
+                                        <p:strVal val="visible"/>
+                                      </p:to>
+                                    </p:set>
+                                    <p:animEffect transition="in" filter="fade">
+                                      <p:cBhvr>
+                                        <p:cTn id="31" dur="500"/>
+                                        <p:tgtEl>
+                                          <p:spTgt spid="28"/>
+                                        </p:tgtEl>
+                                      </p:cBhvr>
+                                    </p:animEffect>
+                                  </p:childTnLst>
+                                </p:cTn>
+                              </p:par>
+                              <p:par>
+                                <p:cTn id="32" presetID="10" presetClass="entr" presetSubtype="0" fill="hold" grpId="0" nodeType="withEffect">
+                                  <p:stCondLst>
+                                    <p:cond delay="0"/>
+                                  </p:stCondLst>
+                                  <p:childTnLst>
+                                    <p:set>
+                                      <p:cBhvr>
+                                        <p:cTn id="33" dur="1" fill="hold">
+                                          <p:stCondLst>
+                                            <p:cond delay="0"/>
+                                          </p:stCondLst>
+                                        </p:cTn>
+                                        <p:tgtEl>
+                                          <p:spTgt spid="56"/>
+                                        </p:tgtEl>
+                                        <p:attrNameLst>
+                                          <p:attrName>style.visibility</p:attrName>
+                                        </p:attrNameLst>
+                                      </p:cBhvr>
+                                      <p:to>
+                                        <p:strVal val="visible"/>
+                                      </p:to>
+                                    </p:set>
+                                    <p:animEffect transition="in" filter="fade">
+                                      <p:cBhvr>
+                                        <p:cTn id="34" dur="500"/>
+                                        <p:tgtEl>
+                                          <p:spTgt spid="56"/>
+                                        </p:tgtEl>
+                                      </p:cBhvr>
+                                    </p:animEffect>
+                                  </p:childTnLst>
+                                </p:cTn>
+                              </p:par>
+                            </p:childTnLst>
+                          </p:cTn>
+                        </p:par>
+                      </p:childTnLst>
+                    </p:cTn>
+                  </p:par>
+                  <p:par>
+                    <p:cTn id="35" fill="hold">
+                      <p:stCondLst>
+                        <p:cond delay="indefinite"/>
+                      </p:stCondLst>
+                      <p:childTnLst>
+                        <p:par>
+                          <p:cTn id="36" fill="hold">
+                            <p:stCondLst>
+                              <p:cond delay="0"/>
+                            </p:stCondLst>
+                            <p:childTnLst>
+                              <p:par>
+                                <p:cTn id="37" presetID="10" presetClass="entr" presetSubtype="0" fill="hold" grpId="0" nodeType="clickEffect">
+                                  <p:stCondLst>
+                                    <p:cond delay="0"/>
+                                  </p:stCondLst>
+                                  <p:childTnLst>
+                                    <p:set>
+                                      <p:cBhvr>
+                                        <p:cTn id="38" dur="1" fill="hold">
+                                          <p:stCondLst>
+                                            <p:cond delay="0"/>
+                                          </p:stCondLst>
+                                        </p:cTn>
+                                        <p:tgtEl>
+                                          <p:spTgt spid="55"/>
+                                        </p:tgtEl>
+                                        <p:attrNameLst>
+                                          <p:attrName>style.visibility</p:attrName>
+                                        </p:attrNameLst>
+                                      </p:cBhvr>
+                                      <p:to>
+                                        <p:strVal val="visible"/>
+                                      </p:to>
+                                    </p:set>
+                                    <p:animEffect transition="in" filter="fade">
+                                      <p:cBhvr>
+                                        <p:cTn id="39" dur="500"/>
+                                        <p:tgtEl>
+                                          <p:spTgt spid="55"/>
+                                        </p:tgtEl>
+                                      </p:cBhvr>
+                                    </p:animEffect>
+                                  </p:childTnLst>
+                                </p:cTn>
+                              </p:par>
+                              <p:par>
+                                <p:cTn id="40" presetID="10" presetClass="entr" presetSubtype="0" fill="hold" nodeType="withEffect">
+                                  <p:stCondLst>
+                                    <p:cond delay="0"/>
+                                  </p:stCondLst>
+                                  <p:childTnLst>
+                                    <p:set>
+                                      <p:cBhvr>
+                                        <p:cTn id="41" dur="1" fill="hold">
+                                          <p:stCondLst>
+                                            <p:cond delay="0"/>
+                                          </p:stCondLst>
+                                        </p:cTn>
+                                        <p:tgtEl>
+                                          <p:spTgt spid="35"/>
+                                        </p:tgtEl>
+                                        <p:attrNameLst>
+                                          <p:attrName>style.visibility</p:attrName>
+                                        </p:attrNameLst>
+                                      </p:cBhvr>
+                                      <p:to>
+                                        <p:strVal val="visible"/>
+                                      </p:to>
+                                    </p:set>
+                                    <p:animEffect transition="in" filter="fade">
+                                      <p:cBhvr>
+                                        <p:cTn id="42" dur="500"/>
+                                        <p:tgtEl>
+                                          <p:spTgt spid="35"/>
+                                        </p:tgtEl>
+                                      </p:cBhvr>
+                                    </p:animEffect>
+                                  </p:childTnLst>
+                                </p:cTn>
+                              </p:par>
+                            </p:childTnLst>
+                          </p:cTn>
+                        </p:par>
+                      </p:childTnLst>
+                    </p:cTn>
+                  </p:par>
+                </p:childTnLst>
+              </p:cTn>
+              <p:prevCondLst>
+                <p:cond evt="onPrev" delay="0">
+                  <p:tgtEl>
+                    <p:sldTgt/>
+                  </p:tgtEl>
+                </p:cond>
+              </p:prevCondLst>
+              <p:nextCondLst>
+                <p:cond evt="onNext" delay="0">
+                  <p:tgtEl>
+                    <p:sldTgt/>
+                  </p:tgtEl>
+                </p:cond>
+              </p:nextCondLst>
+            </p:seq>
+          </p:childTnLst>
+        </p:cTn>
+      </p:par>
+    </p:tnLst>
+    <p:bldLst>
+      <p:bldP spid="53" grpId="0"/>
+      <p:bldP spid="54" grpId="0"/>
+      <p:bldP spid="55" grpId="0"/>
+      <p:bldP spid="56" grpId="0"/>
+      <p:bldP spid="57" grpId="0"/>
+    </p:bldLst>
+  </p:timing>
+</p:sld>
+</file>
+
+<file path=ppt/slides/slide5.xml><?xml version="1.0" encoding="utf-8"?>
+<p:sld xmlns:a="http://schemas.openxmlformats.org/drawingml/2006/main" xmlns:r="http://schemas.openxmlformats.org/officeDocument/2006/relationships" xmlns:p="http://schemas.openxmlformats.org/presentationml/2006/main">
+  <p:cSld>
+    <p:spTree>
+      <p:nvGrpSpPr>
+        <p:cNvPr id="1" name=""/>
+        <p:cNvGrpSpPr/>
+        <p:nvPr/>
+      </p:nvGrpSpPr>
+      <p:grpSpPr>
+        <a:xfrm>
+          <a:off x="0" y="0"/>
+          <a:ext cx="0" cy="0"/>
+          <a:chOff x="0" y="0"/>
+          <a:chExt cx="0" cy="0"/>
+        </a:xfrm>
+      </p:grpSpPr>
+      <p:sp>
+        <p:nvSpPr>
+          <p:cNvPr id="4" name="テキスト ボックス 3">
+            <a:extLst>
+              <a:ext uri="{FF2B5EF4-FFF2-40B4-BE49-F238E27FC236}">
+                <a16:creationId xmlns:a16="http://schemas.microsoft.com/office/drawing/2014/main" id="{90C587FD-1DFF-5989-82FE-EFC2930A75B9}"/>
+              </a:ext>
+            </a:extLst>
+          </p:cNvPr>
+          <p:cNvSpPr txBox="1"/>
+          <p:nvPr/>
+        </p:nvSpPr>
+        <p:spPr>
+          <a:xfrm>
+            <a:off x="0" y="0"/>
+            <a:ext cx="1713263" cy="1015663"/>
+          </a:xfrm>
+          <a:prstGeom prst="rect">
+            <a:avLst/>
+          </a:prstGeom>
+          <a:noFill/>
+        </p:spPr>
+        <p:txBody>
+          <a:bodyPr wrap="square" rtlCol="0">
+            <a:spAutoFit/>
+          </a:bodyPr>
+          <a:lstStyle/>
+          <a:p>
+            <a:r>
+              <a:rPr kumimoji="1" lang="ja-JP" altLang="en-US" sz="6000" b="1" dirty="0">
+                <a:solidFill>
+                  <a:srgbClr val="7030A0"/>
+                </a:solidFill>
+                <a:effectLst>
+                  <a:glow rad="127000">
+                    <a:schemeClr val="bg1"/>
+                  </a:glow>
+                </a:effectLst>
+                <a:latin typeface="HG正楷書体-PRO" panose="03000600000000000000" pitchFamily="66" charset="-128"/>
+                <a:ea typeface="HG正楷書体-PRO" panose="03000600000000000000" pitchFamily="66" charset="-128"/>
+              </a:rPr>
+              <a:t>概要</a:t>
+            </a:r>
+          </a:p>
+        </p:txBody>
+      </p:sp>
+      <p:sp>
+        <p:nvSpPr>
+          <p:cNvPr id="2" name="テキスト ボックス 1">
+            <a:extLst>
+              <a:ext uri="{FF2B5EF4-FFF2-40B4-BE49-F238E27FC236}">
+                <a16:creationId xmlns:a16="http://schemas.microsoft.com/office/drawing/2014/main" id="{99516924-5C6B-8017-E80A-6AEEF9B6E5D1}"/>
+              </a:ext>
+            </a:extLst>
+          </p:cNvPr>
+          <p:cNvSpPr txBox="1"/>
+          <p:nvPr/>
+        </p:nvSpPr>
+        <p:spPr>
+          <a:xfrm>
+            <a:off x="9488128" y="106148"/>
+            <a:ext cx="2703871" cy="461665"/>
+          </a:xfrm>
+          <a:prstGeom prst="rect">
+            <a:avLst/>
+          </a:prstGeom>
+          <a:noFill/>
+        </p:spPr>
+        <p:txBody>
+          <a:bodyPr wrap="square" rtlCol="0">
+            <a:spAutoFit/>
+          </a:bodyPr>
+          <a:lstStyle/>
+          <a:p>
+            <a:r>
+              <a:rPr lang="ja-JP" altLang="en-US" sz="2400" dirty="0">
+                <a:solidFill>
+                  <a:srgbClr val="7030A0"/>
+                </a:solidFill>
+                <a:effectLst>
+                  <a:glow rad="127000">
+                    <a:schemeClr val="bg1"/>
+                  </a:glow>
+                </a:effectLst>
+                <a:latin typeface="HG正楷書体-PRO" panose="03000600000000000000" pitchFamily="66" charset="-128"/>
+                <a:ea typeface="HG正楷書体-PRO" panose="03000600000000000000" pitchFamily="66" charset="-128"/>
+              </a:rPr>
+              <a:t>舞台、目的、進行</a:t>
+            </a:r>
+            <a:endParaRPr kumimoji="1" lang="ja-JP" altLang="en-US" sz="2400" dirty="0">
+              <a:solidFill>
+                <a:srgbClr val="7030A0"/>
+              </a:solidFill>
+              <a:effectLst>
+                <a:glow rad="127000">
+                  <a:schemeClr val="bg1"/>
+                </a:glow>
+              </a:effectLst>
+              <a:latin typeface="HG正楷書体-PRO" panose="03000600000000000000" pitchFamily="66" charset="-128"/>
+              <a:ea typeface="HG正楷書体-PRO" panose="03000600000000000000" pitchFamily="66" charset="-128"/>
+            </a:endParaRPr>
+          </a:p>
+        </p:txBody>
+      </p:sp>
+      <p:sp>
+        <p:nvSpPr>
+          <p:cNvPr id="3" name="テキスト ボックス 2">
+            <a:extLst>
+              <a:ext uri="{FF2B5EF4-FFF2-40B4-BE49-F238E27FC236}">
+                <a16:creationId xmlns:a16="http://schemas.microsoft.com/office/drawing/2014/main" id="{4EC20DA6-97BF-AF33-750F-CAA4293E0FDE}"/>
+              </a:ext>
+            </a:extLst>
+          </p:cNvPr>
+          <p:cNvSpPr txBox="1"/>
+          <p:nvPr/>
+        </p:nvSpPr>
+        <p:spPr>
+          <a:xfrm>
+            <a:off x="374498" y="1194035"/>
+            <a:ext cx="4453141" cy="923330"/>
+          </a:xfrm>
+          <a:prstGeom prst="rect">
+            <a:avLst/>
+          </a:prstGeom>
+          <a:noFill/>
+        </p:spPr>
+        <p:txBody>
+          <a:bodyPr wrap="square" rtlCol="0">
+            <a:spAutoFit/>
+          </a:bodyPr>
+          <a:lstStyle/>
+          <a:p>
+            <a:r>
+              <a:rPr kumimoji="1" lang="ja-JP" altLang="en-US" sz="5400" dirty="0">
+                <a:solidFill>
+                  <a:srgbClr val="FFC000"/>
+                </a:solidFill>
+                <a:effectLst>
+                  <a:glow rad="127000">
+                    <a:schemeClr val="accent5"/>
+                  </a:glow>
+                </a:effectLst>
+                <a:latin typeface="HG正楷書体-PRO" panose="03000600000000000000" pitchFamily="66" charset="-128"/>
+                <a:ea typeface="HG正楷書体-PRO" panose="03000600000000000000" pitchFamily="66" charset="-128"/>
+              </a:rPr>
+              <a:t>士気</a:t>
+            </a:r>
+            <a:r>
+              <a:rPr lang="ja-JP" altLang="en-US" sz="5400" dirty="0">
+                <a:solidFill>
+                  <a:schemeClr val="bg1"/>
+                </a:solidFill>
+                <a:effectLst>
+                  <a:glow rad="127000">
+                    <a:schemeClr val="accent5"/>
+                  </a:glow>
+                </a:effectLst>
+                <a:latin typeface="HG正楷書体-PRO" panose="03000600000000000000" pitchFamily="66" charset="-128"/>
+                <a:ea typeface="HG正楷書体-PRO" panose="03000600000000000000" pitchFamily="66" charset="-128"/>
+              </a:rPr>
+              <a:t>システム</a:t>
+            </a:r>
+            <a:endParaRPr kumimoji="1" lang="ja-JP" altLang="en-US" sz="5400" dirty="0">
+              <a:solidFill>
+                <a:schemeClr val="bg1"/>
+              </a:solidFill>
+              <a:effectLst>
+                <a:glow rad="127000">
+                  <a:schemeClr val="accent5"/>
+                </a:glow>
+              </a:effectLst>
+              <a:latin typeface="HG正楷書体-PRO" panose="03000600000000000000" pitchFamily="66" charset="-128"/>
+              <a:ea typeface="HG正楷書体-PRO" panose="03000600000000000000" pitchFamily="66" charset="-128"/>
+            </a:endParaRPr>
+          </a:p>
+        </p:txBody>
+      </p:sp>
+    </p:spTree>
+    <p:extLst>
+      <p:ext uri="{BB962C8B-B14F-4D97-AF65-F5344CB8AC3E}">
+        <p14:creationId xmlns:p14="http://schemas.microsoft.com/office/powerpoint/2010/main" val="1906173996"/>
+      </p:ext>
+    </p:extLst>
+  </p:cSld>
+  <p:clrMapOvr>
+    <a:masterClrMapping/>
+  </p:clrMapOvr>
+  <p:timing>
+    <p:tnLst>
+      <p:par>
+        <p:cTn id="1" dur="indefinite" restart="never" nodeType="tmRoot">
+          <p:childTnLst>
+            <p:seq concurrent="1" nextAc="seek">
+              <p:cTn id="2" dur="indefinite" nodeType="mainSeq">
+                <p:childTnLst>
+                  <p:par>
+                    <p:cTn id="3" fill="hold">
+                      <p:stCondLst>
+                        <p:cond delay="indefinite"/>
+                        <p:cond evt="onBegin" delay="0">
+                          <p:tn val="2"/>
+                        </p:cond>
+                      </p:stCondLst>
+                      <p:childTnLst>
+                        <p:par>
+                          <p:cTn id="4" fill="hold">
+                            <p:stCondLst>
+                              <p:cond delay="0"/>
+                            </p:stCondLst>
+                            <p:childTnLst>
+                              <p:par>
+                                <p:cTn id="5" presetID="16" presetClass="entr" presetSubtype="37" fill="hold" grpId="0" nodeType="withEffect">
+                                  <p:stCondLst>
+                                    <p:cond delay="0"/>
+                                  </p:stCondLst>
+                                  <p:childTnLst>
+                                    <p:set>
+                                      <p:cBhvr>
+                                        <p:cTn id="6" dur="1" fill="hold">
+                                          <p:stCondLst>
+                                            <p:cond delay="0"/>
+                                          </p:stCondLst>
+                                        </p:cTn>
+                                        <p:tgtEl>
+                                          <p:spTgt spid="3"/>
+                                        </p:tgtEl>
+                                        <p:attrNameLst>
+                                          <p:attrName>style.visibility</p:attrName>
+                                        </p:attrNameLst>
+                                      </p:cBhvr>
+                                      <p:to>
+                                        <p:strVal val="visible"/>
+                                      </p:to>
+                                    </p:set>
+                                    <p:animEffect transition="in" filter="barn(outVertical)">
+                                      <p:cBhvr>
+                                        <p:cTn id="7" dur="500"/>
+                                        <p:tgtEl>
+                                          <p:spTgt spid="3"/>
+                                        </p:tgtEl>
+                                      </p:cBhvr>
+                                    </p:animEffect>
+                                  </p:childTnLst>
+                                </p:cTn>
+                              </p:par>
+                            </p:childTnLst>
+                          </p:cTn>
+                        </p:par>
+                      </p:childTnLst>
+                    </p:cTn>
+                  </p:par>
+                </p:childTnLst>
+              </p:cTn>
+              <p:prevCondLst>
+                <p:cond evt="onPrev" delay="0">
+                  <p:tgtEl>
+                    <p:sldTgt/>
+                  </p:tgtEl>
+                </p:cond>
+              </p:prevCondLst>
+              <p:nextCondLst>
+                <p:cond evt="onNext" delay="0">
+                  <p:tgtEl>
+                    <p:sldTgt/>
+                  </p:tgtEl>
+                </p:cond>
+              </p:nextCondLst>
+            </p:seq>
+          </p:childTnLst>
+        </p:cTn>
+      </p:par>
+    </p:tnLst>
+    <p:bldLst>
+      <p:bldP spid="3" grpId="0"/>
+    </p:bldLst>
+  </p:timing>
+</p:sld>
+</file>
+
+<file path=ppt/slides/slide6.xml><?xml version="1.0" encoding="utf-8"?>
+<p:sld xmlns:a="http://schemas.openxmlformats.org/drawingml/2006/main" xmlns:r="http://schemas.openxmlformats.org/officeDocument/2006/relationships" xmlns:p="http://schemas.openxmlformats.org/presentationml/2006/main">
+  <p:cSld>
+    <p:spTree>
+      <p:nvGrpSpPr>
+        <p:cNvPr id="1" name=""/>
+        <p:cNvGrpSpPr/>
+        <p:nvPr/>
+      </p:nvGrpSpPr>
+      <p:grpSpPr>
+        <a:xfrm>
+          <a:off x="0" y="0"/>
+          <a:ext cx="0" cy="0"/>
+          <a:chOff x="0" y="0"/>
+          <a:chExt cx="0" cy="0"/>
+        </a:xfrm>
+      </p:grpSpPr>
+      <p:sp>
+        <p:nvSpPr>
+          <p:cNvPr id="4" name="テキスト ボックス 3">
+            <a:extLst>
+              <a:ext uri="{FF2B5EF4-FFF2-40B4-BE49-F238E27FC236}">
+                <a16:creationId xmlns:a16="http://schemas.microsoft.com/office/drawing/2014/main" id="{90C587FD-1DFF-5989-82FE-EFC2930A75B9}"/>
+              </a:ext>
+            </a:extLst>
+          </p:cNvPr>
+          <p:cNvSpPr txBox="1"/>
+          <p:nvPr/>
+        </p:nvSpPr>
+        <p:spPr>
+          <a:xfrm>
+            <a:off x="0" y="0"/>
+            <a:ext cx="1713263" cy="1015663"/>
+          </a:xfrm>
+          <a:prstGeom prst="rect">
+            <a:avLst/>
+          </a:prstGeom>
+          <a:noFill/>
+        </p:spPr>
+        <p:txBody>
+          <a:bodyPr wrap="square" rtlCol="0">
+            <a:spAutoFit/>
+          </a:bodyPr>
+          <a:lstStyle/>
+          <a:p>
+            <a:r>
+              <a:rPr kumimoji="1" lang="ja-JP" altLang="en-US" sz="6000" b="1" dirty="0">
+                <a:solidFill>
+                  <a:srgbClr val="7030A0"/>
+                </a:solidFill>
+                <a:effectLst>
+                  <a:glow rad="127000">
+                    <a:schemeClr val="bg1"/>
+                  </a:glow>
+                </a:effectLst>
+                <a:latin typeface="HG正楷書体-PRO" panose="03000600000000000000" pitchFamily="66" charset="-128"/>
+                <a:ea typeface="HG正楷書体-PRO" panose="03000600000000000000" pitchFamily="66" charset="-128"/>
+              </a:rPr>
+              <a:t>概要</a:t>
+            </a:r>
+          </a:p>
+        </p:txBody>
+      </p:sp>
+      <p:sp>
+        <p:nvSpPr>
+          <p:cNvPr id="2" name="テキスト ボックス 1">
+            <a:extLst>
+              <a:ext uri="{FF2B5EF4-FFF2-40B4-BE49-F238E27FC236}">
+                <a16:creationId xmlns:a16="http://schemas.microsoft.com/office/drawing/2014/main" id="{99516924-5C6B-8017-E80A-6AEEF9B6E5D1}"/>
+              </a:ext>
+            </a:extLst>
+          </p:cNvPr>
+          <p:cNvSpPr txBox="1"/>
+          <p:nvPr/>
+        </p:nvSpPr>
+        <p:spPr>
+          <a:xfrm>
+            <a:off x="9488128" y="106148"/>
+            <a:ext cx="2703871" cy="461665"/>
+          </a:xfrm>
+          <a:prstGeom prst="rect">
+            <a:avLst/>
+          </a:prstGeom>
+          <a:noFill/>
+        </p:spPr>
+        <p:txBody>
+          <a:bodyPr wrap="square" rtlCol="0">
+            <a:spAutoFit/>
+          </a:bodyPr>
+          <a:lstStyle/>
+          <a:p>
+            <a:r>
+              <a:rPr lang="ja-JP" altLang="en-US" sz="2400" dirty="0">
+                <a:solidFill>
+                  <a:srgbClr val="7030A0"/>
+                </a:solidFill>
+                <a:effectLst>
+                  <a:glow rad="127000">
+                    <a:schemeClr val="bg1"/>
+                  </a:glow>
+                </a:effectLst>
+                <a:latin typeface="HG正楷書体-PRO" panose="03000600000000000000" pitchFamily="66" charset="-128"/>
+                <a:ea typeface="HG正楷書体-PRO" panose="03000600000000000000" pitchFamily="66" charset="-128"/>
+              </a:rPr>
+              <a:t>舞台、目的、進行</a:t>
+            </a:r>
+            <a:endParaRPr kumimoji="1" lang="ja-JP" altLang="en-US" sz="2400" dirty="0">
+              <a:solidFill>
+                <a:srgbClr val="7030A0"/>
+              </a:solidFill>
+              <a:effectLst>
+                <a:glow rad="127000">
+                  <a:schemeClr val="bg1"/>
+                </a:glow>
+              </a:effectLst>
+              <a:latin typeface="HG正楷書体-PRO" panose="03000600000000000000" pitchFamily="66" charset="-128"/>
+              <a:ea typeface="HG正楷書体-PRO" panose="03000600000000000000" pitchFamily="66" charset="-128"/>
+            </a:endParaRPr>
+          </a:p>
+        </p:txBody>
+      </p:sp>
+      <p:sp>
+        <p:nvSpPr>
+          <p:cNvPr id="3" name="テキスト ボックス 2">
+            <a:extLst>
+              <a:ext uri="{FF2B5EF4-FFF2-40B4-BE49-F238E27FC236}">
+                <a16:creationId xmlns:a16="http://schemas.microsoft.com/office/drawing/2014/main" id="{AAA457AB-8167-C829-6F41-5D963E010842}"/>
+              </a:ext>
+            </a:extLst>
+          </p:cNvPr>
+          <p:cNvSpPr txBox="1"/>
+          <p:nvPr/>
+        </p:nvSpPr>
+        <p:spPr>
+          <a:xfrm>
+            <a:off x="282836" y="1228773"/>
+            <a:ext cx="7229009" cy="830997"/>
+          </a:xfrm>
+          <a:prstGeom prst="rect">
+            <a:avLst/>
+          </a:prstGeom>
+          <a:noFill/>
+        </p:spPr>
+        <p:txBody>
+          <a:bodyPr wrap="square" rtlCol="0">
+            <a:spAutoFit/>
+          </a:bodyPr>
+          <a:lstStyle/>
+          <a:p>
+            <a:r>
+              <a:rPr kumimoji="1" lang="ja-JP" altLang="en-US" sz="4800" b="1" dirty="0">
+                <a:solidFill>
+                  <a:srgbClr val="7030A0"/>
+                </a:solidFill>
+                <a:effectLst>
+                  <a:glow rad="127000">
+                    <a:schemeClr val="bg1"/>
+                  </a:glow>
+                </a:effectLst>
+                <a:latin typeface="HG正楷書体-PRO" panose="03000600000000000000" pitchFamily="66" charset="-128"/>
+                <a:ea typeface="HG正楷書体-PRO" panose="03000600000000000000" pitchFamily="66" charset="-128"/>
+              </a:rPr>
+              <a:t>複数のチェックポイント</a:t>
+            </a:r>
+          </a:p>
+        </p:txBody>
+      </p:sp>
+      <p:sp>
+        <p:nvSpPr>
+          <p:cNvPr id="5" name="テキスト ボックス 4">
+            <a:extLst>
+              <a:ext uri="{FF2B5EF4-FFF2-40B4-BE49-F238E27FC236}">
+                <a16:creationId xmlns:a16="http://schemas.microsoft.com/office/drawing/2014/main" id="{78E97748-9B73-8F4F-051A-219FA9219C47}"/>
+              </a:ext>
+            </a:extLst>
+          </p:cNvPr>
+          <p:cNvSpPr txBox="1"/>
+          <p:nvPr/>
+        </p:nvSpPr>
+        <p:spPr>
+          <a:xfrm>
+            <a:off x="6816373" y="5629227"/>
+            <a:ext cx="5159318" cy="830997"/>
+          </a:xfrm>
+          <a:prstGeom prst="rect">
+            <a:avLst/>
+          </a:prstGeom>
+          <a:noFill/>
+        </p:spPr>
+        <p:txBody>
+          <a:bodyPr wrap="square" rtlCol="0">
+            <a:spAutoFit/>
+          </a:bodyPr>
+          <a:lstStyle/>
+          <a:p>
+            <a:r>
+              <a:rPr kumimoji="1" lang="ja-JP" altLang="en-US" sz="4800" b="1" dirty="0">
+                <a:solidFill>
+                  <a:srgbClr val="7030A0"/>
+                </a:solidFill>
+                <a:effectLst>
+                  <a:glow rad="127000">
+                    <a:schemeClr val="bg1"/>
+                  </a:glow>
+                </a:effectLst>
+                <a:latin typeface="HG正楷書体-PRO" panose="03000600000000000000" pitchFamily="66" charset="-128"/>
+                <a:ea typeface="HG正楷書体-PRO" panose="03000600000000000000" pitchFamily="66" charset="-128"/>
+              </a:rPr>
+              <a:t>何度もやり直せる</a:t>
+            </a:r>
+          </a:p>
+        </p:txBody>
+      </p:sp>
+      <p:sp>
+        <p:nvSpPr>
+          <p:cNvPr id="6" name="テキスト ボックス 5">
+            <a:extLst>
+              <a:ext uri="{FF2B5EF4-FFF2-40B4-BE49-F238E27FC236}">
+                <a16:creationId xmlns:a16="http://schemas.microsoft.com/office/drawing/2014/main" id="{F3E2DB78-B396-CABA-7865-45D7983F9A95}"/>
+              </a:ext>
+            </a:extLst>
+          </p:cNvPr>
+          <p:cNvSpPr txBox="1"/>
+          <p:nvPr/>
+        </p:nvSpPr>
+        <p:spPr>
+          <a:xfrm>
+            <a:off x="91107" y="3429000"/>
+            <a:ext cx="7229009" cy="830997"/>
+          </a:xfrm>
+          <a:prstGeom prst="rect">
+            <a:avLst/>
+          </a:prstGeom>
+          <a:noFill/>
+        </p:spPr>
+        <p:txBody>
+          <a:bodyPr wrap="square" rtlCol="0">
+            <a:spAutoFit/>
+          </a:bodyPr>
+          <a:lstStyle/>
+          <a:p>
+            <a:r>
+              <a:rPr kumimoji="1" lang="ja-JP" altLang="en-US" sz="4800" b="1" dirty="0">
+                <a:solidFill>
+                  <a:srgbClr val="7030A0"/>
+                </a:solidFill>
+                <a:effectLst>
+                  <a:glow rad="127000">
+                    <a:schemeClr val="bg1"/>
+                  </a:glow>
+                </a:effectLst>
+                <a:latin typeface="HG正楷書体-PRO" panose="03000600000000000000" pitchFamily="66" charset="-128"/>
+                <a:ea typeface="HG正楷書体-PRO" panose="03000600000000000000" pitchFamily="66" charset="-128"/>
+              </a:rPr>
+              <a:t>複数のチェックポイント</a:t>
+            </a:r>
+          </a:p>
+        </p:txBody>
+      </p:sp>
+    </p:spTree>
+    <p:extLst>
+      <p:ext uri="{BB962C8B-B14F-4D97-AF65-F5344CB8AC3E}">
+        <p14:creationId xmlns:p14="http://schemas.microsoft.com/office/powerpoint/2010/main" val="3594443426"/>
+      </p:ext>
+    </p:extLst>
+  </p:cSld>
+  <p:clrMapOvr>
+    <a:masterClrMapping/>
+  </p:clrMapOvr>
+</p:sld>
+</file>
+
+<file path=ppt/slides/slide7.xml><?xml version="1.0" encoding="utf-8"?>
+<p:sld xmlns:a="http://schemas.openxmlformats.org/drawingml/2006/main" xmlns:r="http://schemas.openxmlformats.org/officeDocument/2006/relationships" xmlns:p="http://schemas.openxmlformats.org/presentationml/2006/main">
+  <p:cSld>
+    <p:spTree>
+      <p:nvGrpSpPr>
+        <p:cNvPr id="1" name=""/>
+        <p:cNvGrpSpPr/>
+        <p:nvPr/>
+      </p:nvGrpSpPr>
+      <p:grpSpPr>
+        <a:xfrm>
+          <a:off x="0" y="0"/>
+          <a:ext cx="0" cy="0"/>
+          <a:chOff x="0" y="0"/>
+          <a:chExt cx="0" cy="0"/>
+        </a:xfrm>
+      </p:grpSpPr>
+      <p:sp>
+        <p:nvSpPr>
+          <p:cNvPr id="4" name="テキスト ボックス 3">
+            <a:extLst>
+              <a:ext uri="{FF2B5EF4-FFF2-40B4-BE49-F238E27FC236}">
+                <a16:creationId xmlns:a16="http://schemas.microsoft.com/office/drawing/2014/main" id="{90C587FD-1DFF-5989-82FE-EFC2930A75B9}"/>
+              </a:ext>
+            </a:extLst>
+          </p:cNvPr>
+          <p:cNvSpPr txBox="1"/>
+          <p:nvPr/>
+        </p:nvSpPr>
+        <p:spPr>
+          <a:xfrm>
+            <a:off x="0" y="0"/>
+            <a:ext cx="8281212" cy="1015663"/>
+          </a:xfrm>
+          <a:prstGeom prst="rect">
+            <a:avLst/>
+          </a:prstGeom>
+          <a:noFill/>
+        </p:spPr>
+        <p:txBody>
+          <a:bodyPr wrap="square" rtlCol="0">
+            <a:spAutoFit/>
+          </a:bodyPr>
+          <a:lstStyle/>
+          <a:p>
+            <a:r>
+              <a:rPr kumimoji="1" lang="ja-JP" altLang="en-US" sz="6000" b="1" dirty="0">
+                <a:solidFill>
+                  <a:srgbClr val="7030A0"/>
+                </a:solidFill>
+                <a:effectLst>
+                  <a:glow rad="127000">
+                    <a:schemeClr val="bg1"/>
+                  </a:glow>
+                </a:effectLst>
+                <a:latin typeface="HG正楷書体-PRO" panose="03000600000000000000" pitchFamily="66" charset="-128"/>
+                <a:ea typeface="HG正楷書体-PRO" panose="03000600000000000000" pitchFamily="66" charset="-128"/>
+              </a:rPr>
+              <a:t>ゲーム画面のイメージ</a:t>
+            </a:r>
+          </a:p>
+        </p:txBody>
+      </p:sp>
+      <p:sp>
+        <p:nvSpPr>
+          <p:cNvPr id="2" name="テキスト ボックス 1">
+            <a:extLst>
+              <a:ext uri="{FF2B5EF4-FFF2-40B4-BE49-F238E27FC236}">
+                <a16:creationId xmlns:a16="http://schemas.microsoft.com/office/drawing/2014/main" id="{99516924-5C6B-8017-E80A-6AEEF9B6E5D1}"/>
+              </a:ext>
+            </a:extLst>
+          </p:cNvPr>
+          <p:cNvSpPr txBox="1"/>
+          <p:nvPr/>
+        </p:nvSpPr>
+        <p:spPr>
+          <a:xfrm>
+            <a:off x="10766323" y="106148"/>
+            <a:ext cx="1425676" cy="461665"/>
+          </a:xfrm>
+          <a:prstGeom prst="rect">
+            <a:avLst/>
+          </a:prstGeom>
+          <a:noFill/>
+        </p:spPr>
+        <p:txBody>
+          <a:bodyPr wrap="square" rtlCol="0">
+            <a:spAutoFit/>
+          </a:bodyPr>
+          <a:lstStyle/>
+          <a:p>
+            <a:r>
+              <a:rPr kumimoji="1" lang="ja-JP" altLang="en-US" sz="2400" dirty="0">
+                <a:solidFill>
+                  <a:srgbClr val="7030A0"/>
+                </a:solidFill>
+                <a:effectLst>
+                  <a:glow rad="127000">
+                    <a:schemeClr val="bg1"/>
+                  </a:glow>
+                </a:effectLst>
+                <a:latin typeface="HG正楷書体-PRO" panose="03000600000000000000" pitchFamily="66" charset="-128"/>
+                <a:ea typeface="HG正楷書体-PRO" panose="03000600000000000000" pitchFamily="66" charset="-128"/>
+              </a:rPr>
+              <a:t>操作方法</a:t>
+            </a:r>
+          </a:p>
+        </p:txBody>
+      </p:sp>
+      <p:sp>
+        <p:nvSpPr>
+          <p:cNvPr id="3" name="テキスト ボックス 2">
+            <a:extLst>
+              <a:ext uri="{FF2B5EF4-FFF2-40B4-BE49-F238E27FC236}">
+                <a16:creationId xmlns:a16="http://schemas.microsoft.com/office/drawing/2014/main" id="{C1D94059-2B55-9BA8-AA3B-102A9BAC184F}"/>
+              </a:ext>
+            </a:extLst>
+          </p:cNvPr>
+          <p:cNvSpPr txBox="1"/>
+          <p:nvPr/>
+        </p:nvSpPr>
+        <p:spPr>
+          <a:xfrm>
+            <a:off x="0" y="1308880"/>
+            <a:ext cx="3020954" cy="923330"/>
+          </a:xfrm>
+          <a:prstGeom prst="rect">
+            <a:avLst/>
+          </a:prstGeom>
+          <a:noFill/>
+        </p:spPr>
+        <p:txBody>
+          <a:bodyPr wrap="square" rtlCol="0">
+            <a:spAutoFit/>
+          </a:bodyPr>
+          <a:lstStyle/>
+          <a:p>
+            <a:r>
+              <a:rPr kumimoji="1" lang="ja-JP" altLang="en-US" sz="5400" b="1" dirty="0">
+                <a:solidFill>
+                  <a:srgbClr val="7030A0"/>
+                </a:solidFill>
+                <a:effectLst>
+                  <a:glow rad="127000">
+                    <a:schemeClr val="bg1"/>
+                  </a:glow>
+                </a:effectLst>
+                <a:latin typeface="HG正楷書体-PRO" panose="03000600000000000000" pitchFamily="66" charset="-128"/>
+                <a:ea typeface="HG正楷書体-PRO" panose="03000600000000000000" pitchFamily="66" charset="-128"/>
+              </a:rPr>
+              <a:t>操作方法</a:t>
+            </a:r>
+          </a:p>
+        </p:txBody>
+      </p:sp>
+      <p:sp>
+        <p:nvSpPr>
+          <p:cNvPr id="5" name="テキスト ボックス 4">
+            <a:extLst>
+              <a:ext uri="{FF2B5EF4-FFF2-40B4-BE49-F238E27FC236}">
+                <a16:creationId xmlns:a16="http://schemas.microsoft.com/office/drawing/2014/main" id="{51A5D5BF-4240-753D-EE36-A1298AC563A8}"/>
+              </a:ext>
+            </a:extLst>
+          </p:cNvPr>
+          <p:cNvSpPr txBox="1"/>
+          <p:nvPr/>
+        </p:nvSpPr>
+        <p:spPr>
+          <a:xfrm>
+            <a:off x="437535" y="2320700"/>
+            <a:ext cx="1482705" cy="769441"/>
+          </a:xfrm>
+          <a:prstGeom prst="rect">
+            <a:avLst/>
+          </a:prstGeom>
+          <a:noFill/>
+        </p:spPr>
+        <p:txBody>
+          <a:bodyPr wrap="square" rtlCol="0">
+            <a:spAutoFit/>
+          </a:bodyPr>
+          <a:lstStyle/>
+          <a:p>
+            <a:r>
+              <a:rPr kumimoji="1" lang="ja-JP" altLang="en-US" sz="4400" b="1" dirty="0">
+                <a:solidFill>
+                  <a:srgbClr val="7030A0"/>
+                </a:solidFill>
+                <a:effectLst>
+                  <a:glow rad="127000">
+                    <a:schemeClr val="bg1"/>
+                  </a:glow>
+                </a:effectLst>
+                <a:latin typeface="HG正楷書体-PRO" panose="03000600000000000000" pitchFamily="66" charset="-128"/>
+                <a:ea typeface="HG正楷書体-PRO" panose="03000600000000000000" pitchFamily="66" charset="-128"/>
+              </a:rPr>
+              <a:t>移動</a:t>
+            </a:r>
+          </a:p>
+        </p:txBody>
+      </p:sp>
+      <p:sp>
+        <p:nvSpPr>
+          <p:cNvPr id="6" name="テキスト ボックス 5">
+            <a:extLst>
+              <a:ext uri="{FF2B5EF4-FFF2-40B4-BE49-F238E27FC236}">
+                <a16:creationId xmlns:a16="http://schemas.microsoft.com/office/drawing/2014/main" id="{480AAEC6-2597-9645-3324-3F62F6A8DA8B}"/>
+              </a:ext>
+            </a:extLst>
+          </p:cNvPr>
+          <p:cNvSpPr txBox="1"/>
+          <p:nvPr/>
+        </p:nvSpPr>
+        <p:spPr>
+          <a:xfrm>
+            <a:off x="3935111" y="2320700"/>
+            <a:ext cx="1482705" cy="769441"/>
+          </a:xfrm>
+          <a:prstGeom prst="rect">
+            <a:avLst/>
+          </a:prstGeom>
+          <a:noFill/>
+        </p:spPr>
+        <p:txBody>
+          <a:bodyPr wrap="square" rtlCol="0">
+            <a:spAutoFit/>
+          </a:bodyPr>
+          <a:lstStyle/>
+          <a:p>
+            <a:r>
+              <a:rPr lang="ja-JP" altLang="en-US" sz="4400" b="1" dirty="0">
+                <a:solidFill>
+                  <a:srgbClr val="7030A0"/>
+                </a:solidFill>
+                <a:effectLst>
+                  <a:glow rad="127000">
+                    <a:schemeClr val="bg1"/>
+                  </a:glow>
+                </a:effectLst>
+                <a:latin typeface="HG正楷書体-PRO" panose="03000600000000000000" pitchFamily="66" charset="-128"/>
+                <a:ea typeface="HG正楷書体-PRO" panose="03000600000000000000" pitchFamily="66" charset="-128"/>
+              </a:rPr>
+              <a:t>回避</a:t>
+            </a:r>
+            <a:endParaRPr kumimoji="1" lang="ja-JP" altLang="en-US" sz="4400" b="1" dirty="0">
+              <a:solidFill>
+                <a:srgbClr val="7030A0"/>
+              </a:solidFill>
+              <a:effectLst>
+                <a:glow rad="127000">
+                  <a:schemeClr val="bg1"/>
+                </a:glow>
+              </a:effectLst>
+              <a:latin typeface="HG正楷書体-PRO" panose="03000600000000000000" pitchFamily="66" charset="-128"/>
+              <a:ea typeface="HG正楷書体-PRO" panose="03000600000000000000" pitchFamily="66" charset="-128"/>
+            </a:endParaRPr>
+          </a:p>
+        </p:txBody>
+      </p:sp>
+      <p:sp>
+        <p:nvSpPr>
+          <p:cNvPr id="7" name="テキスト ボックス 6">
+            <a:extLst>
+              <a:ext uri="{FF2B5EF4-FFF2-40B4-BE49-F238E27FC236}">
+                <a16:creationId xmlns:a16="http://schemas.microsoft.com/office/drawing/2014/main" id="{BC976D05-9B1C-F2E5-4E2A-A4407B68773C}"/>
+              </a:ext>
+            </a:extLst>
+          </p:cNvPr>
+          <p:cNvSpPr txBox="1"/>
+          <p:nvPr/>
+        </p:nvSpPr>
+        <p:spPr>
+          <a:xfrm>
+            <a:off x="8664427" y="2530340"/>
+            <a:ext cx="2644636" cy="769441"/>
+          </a:xfrm>
+          <a:prstGeom prst="rect">
+            <a:avLst/>
+          </a:prstGeom>
+          <a:noFill/>
+        </p:spPr>
+        <p:txBody>
+          <a:bodyPr wrap="square" rtlCol="0">
+            <a:spAutoFit/>
+          </a:bodyPr>
+          <a:lstStyle/>
+          <a:p>
+            <a:r>
+              <a:rPr lang="ja-JP" altLang="en-US" sz="4400" b="1" dirty="0">
+                <a:solidFill>
+                  <a:srgbClr val="7030A0"/>
+                </a:solidFill>
+                <a:effectLst>
+                  <a:glow rad="127000">
+                    <a:schemeClr val="bg1"/>
+                  </a:glow>
+                </a:effectLst>
+                <a:latin typeface="HG正楷書体-PRO" panose="03000600000000000000" pitchFamily="66" charset="-128"/>
+                <a:ea typeface="HG正楷書体-PRO" panose="03000600000000000000" pitchFamily="66" charset="-128"/>
+              </a:rPr>
+              <a:t>分身の術</a:t>
+            </a:r>
+            <a:endParaRPr kumimoji="1" lang="ja-JP" altLang="en-US" sz="4400" b="1" dirty="0">
+              <a:solidFill>
+                <a:srgbClr val="7030A0"/>
+              </a:solidFill>
+              <a:effectLst>
+                <a:glow rad="127000">
+                  <a:schemeClr val="bg1"/>
+                </a:glow>
+              </a:effectLst>
+              <a:latin typeface="HG正楷書体-PRO" panose="03000600000000000000" pitchFamily="66" charset="-128"/>
+              <a:ea typeface="HG正楷書体-PRO" panose="03000600000000000000" pitchFamily="66" charset="-128"/>
+            </a:endParaRPr>
+          </a:p>
+        </p:txBody>
+      </p:sp>
+      <p:sp>
+        <p:nvSpPr>
+          <p:cNvPr id="8" name="テキスト ボックス 7">
+            <a:extLst>
+              <a:ext uri="{FF2B5EF4-FFF2-40B4-BE49-F238E27FC236}">
+                <a16:creationId xmlns:a16="http://schemas.microsoft.com/office/drawing/2014/main" id="{5998C648-B197-19D7-199F-1A1A5D9D9C28}"/>
+              </a:ext>
+            </a:extLst>
+          </p:cNvPr>
+          <p:cNvSpPr txBox="1"/>
+          <p:nvPr/>
+        </p:nvSpPr>
+        <p:spPr>
+          <a:xfrm>
+            <a:off x="2598716" y="4492867"/>
+            <a:ext cx="6994568" cy="769441"/>
+          </a:xfrm>
+          <a:prstGeom prst="rect">
+            <a:avLst/>
+          </a:prstGeom>
+          <a:noFill/>
+        </p:spPr>
+        <p:txBody>
+          <a:bodyPr wrap="square" rtlCol="0">
+            <a:spAutoFit/>
+          </a:bodyPr>
+          <a:lstStyle/>
+          <a:p>
+            <a:r>
+              <a:rPr lang="ja-JP" altLang="en-US" sz="4400" b="1" dirty="0">
+                <a:solidFill>
+                  <a:srgbClr val="7030A0"/>
+                </a:solidFill>
+                <a:effectLst>
+                  <a:glow rad="127000">
+                    <a:schemeClr val="bg1"/>
+                  </a:glow>
+                </a:effectLst>
+                <a:latin typeface="HG正楷書体-PRO" panose="03000600000000000000" pitchFamily="66" charset="-128"/>
+                <a:ea typeface="HG正楷書体-PRO" panose="03000600000000000000" pitchFamily="66" charset="-128"/>
+              </a:rPr>
+              <a:t>チェックポイントリセット</a:t>
+            </a:r>
+            <a:endParaRPr kumimoji="1" lang="ja-JP" altLang="en-US" sz="4400" b="1" dirty="0">
+              <a:solidFill>
+                <a:srgbClr val="7030A0"/>
+              </a:solidFill>
+              <a:effectLst>
+                <a:glow rad="127000">
+                  <a:schemeClr val="bg1"/>
+                </a:glow>
+              </a:effectLst>
+              <a:latin typeface="HG正楷書体-PRO" panose="03000600000000000000" pitchFamily="66" charset="-128"/>
+              <a:ea typeface="HG正楷書体-PRO" panose="03000600000000000000" pitchFamily="66" charset="-128"/>
+            </a:endParaRPr>
+          </a:p>
+        </p:txBody>
+      </p:sp>
+    </p:spTree>
+    <p:extLst>
+      <p:ext uri="{BB962C8B-B14F-4D97-AF65-F5344CB8AC3E}">
+        <p14:creationId xmlns:p14="http://schemas.microsoft.com/office/powerpoint/2010/main" val="2420443883"/>
+      </p:ext>
+    </p:extLst>
+  </p:cSld>
+  <p:clrMapOvr>
+    <a:masterClrMapping/>
+  </p:clrMapOvr>
+</p:sld>
+</file>
+
+<file path=ppt/slides/slide8.xml><?xml version="1.0" encoding="utf-8"?>
+<p:sld xmlns:a="http://schemas.openxmlformats.org/drawingml/2006/main" xmlns:r="http://schemas.openxmlformats.org/officeDocument/2006/relationships" xmlns:p="http://schemas.openxmlformats.org/presentationml/2006/main">
+  <p:cSld>
+    <p:spTree>
+      <p:nvGrpSpPr>
+        <p:cNvPr id="1" name=""/>
+        <p:cNvGrpSpPr/>
+        <p:nvPr/>
+      </p:nvGrpSpPr>
+      <p:grpSpPr>
+        <a:xfrm>
+          <a:off x="0" y="0"/>
+          <a:ext cx="0" cy="0"/>
+          <a:chOff x="0" y="0"/>
+          <a:chExt cx="0" cy="0"/>
+        </a:xfrm>
+      </p:grpSpPr>
+      <p:sp>
+        <p:nvSpPr>
+          <p:cNvPr id="4" name="テキスト ボックス 3">
+            <a:extLst>
+              <a:ext uri="{FF2B5EF4-FFF2-40B4-BE49-F238E27FC236}">
+                <a16:creationId xmlns:a16="http://schemas.microsoft.com/office/drawing/2014/main" id="{90C587FD-1DFF-5989-82FE-EFC2930A75B9}"/>
+              </a:ext>
+            </a:extLst>
+          </p:cNvPr>
+          <p:cNvSpPr txBox="1"/>
+          <p:nvPr/>
+        </p:nvSpPr>
+        <p:spPr>
+          <a:xfrm>
+            <a:off x="0" y="-942"/>
+            <a:ext cx="5016902" cy="1015663"/>
+          </a:xfrm>
+          <a:prstGeom prst="rect">
+            <a:avLst/>
+          </a:prstGeom>
+          <a:noFill/>
+        </p:spPr>
+        <p:txBody>
+          <a:bodyPr wrap="square" rtlCol="0">
+            <a:spAutoFit/>
+          </a:bodyPr>
+          <a:lstStyle/>
+          <a:p>
+            <a:r>
+              <a:rPr kumimoji="1" lang="ja-JP" altLang="en-US" sz="6000" b="1" dirty="0">
+                <a:solidFill>
+                  <a:srgbClr val="7030A0"/>
+                </a:solidFill>
+                <a:effectLst>
+                  <a:glow rad="127000">
+                    <a:schemeClr val="bg1"/>
+                  </a:glow>
+                </a:effectLst>
+                <a:latin typeface="HG正楷書体-PRO" panose="03000600000000000000" pitchFamily="66" charset="-128"/>
+                <a:ea typeface="HG正楷書体-PRO" panose="03000600000000000000" pitchFamily="66" charset="-128"/>
+              </a:rPr>
+              <a:t>ゲームの特徴</a:t>
+            </a:r>
+          </a:p>
+        </p:txBody>
+      </p:sp>
+      <p:sp>
+        <p:nvSpPr>
+          <p:cNvPr id="2" name="テキスト ボックス 1">
+            <a:extLst>
+              <a:ext uri="{FF2B5EF4-FFF2-40B4-BE49-F238E27FC236}">
+                <a16:creationId xmlns:a16="http://schemas.microsoft.com/office/drawing/2014/main" id="{99516924-5C6B-8017-E80A-6AEEF9B6E5D1}"/>
+              </a:ext>
+            </a:extLst>
+          </p:cNvPr>
+          <p:cNvSpPr txBox="1"/>
+          <p:nvPr/>
+        </p:nvSpPr>
+        <p:spPr>
+          <a:xfrm>
+            <a:off x="9547123" y="106148"/>
+            <a:ext cx="2644876" cy="461665"/>
+          </a:xfrm>
+          <a:prstGeom prst="rect">
+            <a:avLst/>
+          </a:prstGeom>
+          <a:noFill/>
+        </p:spPr>
+        <p:txBody>
+          <a:bodyPr wrap="square" rtlCol="0">
+            <a:spAutoFit/>
+          </a:bodyPr>
+          <a:lstStyle/>
+          <a:p>
+            <a:r>
+              <a:rPr lang="ja-JP" altLang="en-US" sz="2400" dirty="0">
+                <a:solidFill>
+                  <a:srgbClr val="7030A0"/>
+                </a:solidFill>
+                <a:effectLst>
+                  <a:glow rad="127000">
+                    <a:schemeClr val="bg1"/>
+                  </a:glow>
+                </a:effectLst>
+                <a:latin typeface="HG正楷書体-PRO" panose="03000600000000000000" pitchFamily="66" charset="-128"/>
+                <a:ea typeface="HG正楷書体-PRO" panose="03000600000000000000" pitchFamily="66" charset="-128"/>
+              </a:rPr>
+              <a:t>設定、攻略、展開</a:t>
+            </a:r>
+            <a:endParaRPr kumimoji="1" lang="ja-JP" altLang="en-US" sz="2400" dirty="0">
+              <a:solidFill>
+                <a:srgbClr val="7030A0"/>
+              </a:solidFill>
+              <a:effectLst>
+                <a:glow rad="127000">
+                  <a:schemeClr val="bg1"/>
+                </a:glow>
+              </a:effectLst>
+              <a:latin typeface="HG正楷書体-PRO" panose="03000600000000000000" pitchFamily="66" charset="-128"/>
+              <a:ea typeface="HG正楷書体-PRO" panose="03000600000000000000" pitchFamily="66" charset="-128"/>
+            </a:endParaRPr>
+          </a:p>
+        </p:txBody>
+      </p:sp>
+      <p:sp>
+        <p:nvSpPr>
+          <p:cNvPr id="3" name="テキスト ボックス 2">
+            <a:extLst>
+              <a:ext uri="{FF2B5EF4-FFF2-40B4-BE49-F238E27FC236}">
+                <a16:creationId xmlns:a16="http://schemas.microsoft.com/office/drawing/2014/main" id="{D68AEB84-E2D6-1111-51D3-1210B43353F8}"/>
+              </a:ext>
+            </a:extLst>
+          </p:cNvPr>
+          <p:cNvSpPr txBox="1"/>
+          <p:nvPr/>
+        </p:nvSpPr>
+        <p:spPr>
+          <a:xfrm>
+            <a:off x="3362268" y="2218663"/>
+            <a:ext cx="7676536" cy="830997"/>
+          </a:xfrm>
+          <a:prstGeom prst="rect">
+            <a:avLst/>
+          </a:prstGeom>
+          <a:noFill/>
+        </p:spPr>
+        <p:txBody>
+          <a:bodyPr wrap="square" rtlCol="0">
+            <a:spAutoFit/>
+          </a:bodyPr>
+          <a:lstStyle/>
+          <a:p>
+            <a:r>
+              <a:rPr kumimoji="1" lang="ja-JP" altLang="en-US" sz="4800" b="1" dirty="0">
+                <a:solidFill>
+                  <a:srgbClr val="7030A0"/>
+                </a:solidFill>
+                <a:effectLst>
+                  <a:glow rad="127000">
+                    <a:schemeClr val="bg1"/>
+                  </a:glow>
+                </a:effectLst>
+                <a:latin typeface="HG正楷書体-PRO" panose="03000600000000000000" pitchFamily="66" charset="-128"/>
+                <a:ea typeface="HG正楷書体-PRO" panose="03000600000000000000" pitchFamily="66" charset="-128"/>
+              </a:rPr>
+              <a:t>ジャンプも攻撃もできない</a:t>
+            </a:r>
+          </a:p>
+        </p:txBody>
+      </p:sp>
+      <p:sp>
+        <p:nvSpPr>
+          <p:cNvPr id="5" name="テキスト ボックス 4">
+            <a:extLst>
+              <a:ext uri="{FF2B5EF4-FFF2-40B4-BE49-F238E27FC236}">
+                <a16:creationId xmlns:a16="http://schemas.microsoft.com/office/drawing/2014/main" id="{5A40B912-0600-7A61-6B20-8FBFF7EE0900}"/>
+              </a:ext>
+            </a:extLst>
+          </p:cNvPr>
+          <p:cNvSpPr txBox="1"/>
+          <p:nvPr/>
+        </p:nvSpPr>
+        <p:spPr>
+          <a:xfrm>
+            <a:off x="126157" y="1149946"/>
+            <a:ext cx="3654509" cy="830997"/>
+          </a:xfrm>
+          <a:prstGeom prst="rect">
+            <a:avLst/>
+          </a:prstGeom>
+          <a:noFill/>
+        </p:spPr>
+        <p:txBody>
+          <a:bodyPr wrap="square" rtlCol="0">
+            <a:spAutoFit/>
+          </a:bodyPr>
+          <a:lstStyle/>
+          <a:p>
+            <a:r>
+              <a:rPr kumimoji="1" lang="ja-JP" altLang="en-US" sz="4800" dirty="0">
+                <a:solidFill>
+                  <a:schemeClr val="bg1"/>
+                </a:solidFill>
+                <a:effectLst>
+                  <a:glow rad="76200">
+                    <a:srgbClr val="00B0F0">
+                      <a:alpha val="90000"/>
+                    </a:srgbClr>
+                  </a:glow>
+                </a:effectLst>
+                <a:latin typeface="HG正楷書体-PRO" panose="03000600000000000000" pitchFamily="66" charset="-128"/>
+                <a:ea typeface="HG正楷書体-PRO" panose="03000600000000000000" pitchFamily="66" charset="-128"/>
+              </a:rPr>
+              <a:t>使える術は</a:t>
+            </a:r>
+          </a:p>
+        </p:txBody>
+      </p:sp>
+      <p:sp>
+        <p:nvSpPr>
+          <p:cNvPr id="6" name="テキスト ボックス 5">
+            <a:extLst>
+              <a:ext uri="{FF2B5EF4-FFF2-40B4-BE49-F238E27FC236}">
+                <a16:creationId xmlns:a16="http://schemas.microsoft.com/office/drawing/2014/main" id="{301C01AA-9720-2843-3A21-9F226E1C69C6}"/>
+              </a:ext>
+            </a:extLst>
+          </p:cNvPr>
+          <p:cNvSpPr txBox="1"/>
+          <p:nvPr/>
+        </p:nvSpPr>
+        <p:spPr>
+          <a:xfrm>
+            <a:off x="3780666" y="738609"/>
+            <a:ext cx="3908330" cy="1323439"/>
+          </a:xfrm>
+          <a:prstGeom prst="rect">
+            <a:avLst/>
+          </a:prstGeom>
+          <a:noFill/>
+        </p:spPr>
+        <p:txBody>
+          <a:bodyPr wrap="square" rtlCol="0">
+            <a:spAutoFit/>
+          </a:bodyPr>
+          <a:lstStyle/>
+          <a:p>
+            <a:r>
+              <a:rPr kumimoji="1" lang="ja-JP" altLang="en-US" sz="8000" dirty="0">
+                <a:solidFill>
+                  <a:schemeClr val="accent4"/>
+                </a:solidFill>
+                <a:effectLst>
+                  <a:glow rad="127000">
+                    <a:schemeClr val="bg1"/>
+                  </a:glow>
+                </a:effectLst>
+                <a:latin typeface="HG正楷書体-PRO" panose="03000600000000000000" pitchFamily="66" charset="-128"/>
+                <a:ea typeface="HG正楷書体-PRO" panose="03000600000000000000" pitchFamily="66" charset="-128"/>
+              </a:rPr>
+              <a:t>分身</a:t>
+            </a:r>
+            <a:r>
+              <a:rPr kumimoji="1" lang="ja-JP" altLang="en-US" sz="4800" dirty="0">
+                <a:solidFill>
+                  <a:schemeClr val="bg1"/>
+                </a:solidFill>
+                <a:effectLst>
+                  <a:glow rad="76200">
+                    <a:srgbClr val="00B0F0">
+                      <a:alpha val="90000"/>
+                    </a:srgbClr>
+                  </a:glow>
+                </a:effectLst>
+                <a:latin typeface="HG正楷書体-PRO" panose="03000600000000000000" pitchFamily="66" charset="-128"/>
+                <a:ea typeface="HG正楷書体-PRO" panose="03000600000000000000" pitchFamily="66" charset="-128"/>
+              </a:rPr>
+              <a:t>のみ</a:t>
+            </a:r>
+            <a:endParaRPr kumimoji="1" lang="ja-JP" altLang="en-US" sz="5400" dirty="0">
+              <a:solidFill>
+                <a:schemeClr val="bg1"/>
+              </a:solidFill>
+              <a:effectLst>
+                <a:glow rad="76200">
+                  <a:srgbClr val="00B0F0">
+                    <a:alpha val="90000"/>
+                  </a:srgbClr>
+                </a:glow>
+              </a:effectLst>
+              <a:latin typeface="HG正楷書体-PRO" panose="03000600000000000000" pitchFamily="66" charset="-128"/>
+              <a:ea typeface="HG正楷書体-PRO" panose="03000600000000000000" pitchFamily="66" charset="-128"/>
+            </a:endParaRPr>
+          </a:p>
+        </p:txBody>
+      </p:sp>
+      <p:pic>
+        <p:nvPicPr>
+          <p:cNvPr id="12" name="図 11" descr="図形&#10;&#10;低い精度で自動的に生成された説明">
+            <a:extLst>
+              <a:ext uri="{FF2B5EF4-FFF2-40B4-BE49-F238E27FC236}">
+                <a16:creationId xmlns:a16="http://schemas.microsoft.com/office/drawing/2014/main" id="{9BB1627B-A0C9-0544-339C-03F341F19905}"/>
+              </a:ext>
+            </a:extLst>
+          </p:cNvPr>
+          <p:cNvPicPr>
+            <a:picLocks noChangeAspect="1"/>
+          </p:cNvPicPr>
+          <p:nvPr/>
+        </p:nvPicPr>
+        <p:blipFill rotWithShape="1">
+          <a:blip r:embed="rId2">
+            <a:extLst>
+              <a:ext uri="{28A0092B-C50C-407E-A947-70E740481C1C}">
+                <a14:useLocalDpi xmlns:a14="http://schemas.microsoft.com/office/drawing/2010/main" val="0"/>
+              </a:ext>
+            </a:extLst>
+          </a:blip>
+          <a:srcRect l="19502" r="22763"/>
+          <a:stretch/>
+        </p:blipFill>
+        <p:spPr>
+          <a:xfrm>
+            <a:off x="2603812" y="2105327"/>
+            <a:ext cx="870148" cy="1323439"/>
+          </a:xfrm>
+          <a:prstGeom prst="rect">
+            <a:avLst/>
+          </a:prstGeom>
+          <a:effectLst>
+            <a:glow rad="50800">
+              <a:schemeClr val="bg2"/>
+            </a:glow>
+            <a:softEdge rad="31750"/>
+          </a:effectLst>
+        </p:spPr>
+      </p:pic>
+      <p:pic>
+        <p:nvPicPr>
+          <p:cNvPr id="14" name="図 13" descr="図形&#10;&#10;低い精度で自動的に生成された説明">
+            <a:extLst>
+              <a:ext uri="{FF2B5EF4-FFF2-40B4-BE49-F238E27FC236}">
+                <a16:creationId xmlns:a16="http://schemas.microsoft.com/office/drawing/2014/main" id="{D16C503D-1B8D-A6F6-6029-408F29270655}"/>
+              </a:ext>
+            </a:extLst>
+          </p:cNvPr>
+          <p:cNvPicPr>
+            <a:picLocks noChangeAspect="1"/>
+          </p:cNvPicPr>
+          <p:nvPr/>
+        </p:nvPicPr>
+        <p:blipFill rotWithShape="1">
+          <a:blip r:embed="rId2">
+            <a:extLst>
+              <a:ext uri="{28A0092B-C50C-407E-A947-70E740481C1C}">
+                <a14:useLocalDpi xmlns:a14="http://schemas.microsoft.com/office/drawing/2010/main" val="0"/>
+              </a:ext>
+            </a:extLst>
+          </a:blip>
+          <a:srcRect l="19502" r="22763"/>
+          <a:stretch/>
+        </p:blipFill>
+        <p:spPr>
+          <a:xfrm>
+            <a:off x="2377012" y="2105328"/>
+            <a:ext cx="870148" cy="1323439"/>
+          </a:xfrm>
+          <a:prstGeom prst="rect">
+            <a:avLst/>
+          </a:prstGeom>
+          <a:effectLst>
+            <a:glow rad="50800">
+              <a:schemeClr val="bg2"/>
+            </a:glow>
+            <a:softEdge rad="31750"/>
+          </a:effectLst>
+        </p:spPr>
+      </p:pic>
+      <p:pic>
+        <p:nvPicPr>
+          <p:cNvPr id="15" name="図 14" descr="図形&#10;&#10;低い精度で自動的に生成された説明">
+            <a:extLst>
+              <a:ext uri="{FF2B5EF4-FFF2-40B4-BE49-F238E27FC236}">
+                <a16:creationId xmlns:a16="http://schemas.microsoft.com/office/drawing/2014/main" id="{9F9A5E40-08F1-0B97-33CE-C85F7B762945}"/>
+              </a:ext>
+            </a:extLst>
+          </p:cNvPr>
+          <p:cNvPicPr>
+            <a:picLocks noChangeAspect="1"/>
+          </p:cNvPicPr>
+          <p:nvPr/>
+        </p:nvPicPr>
+        <p:blipFill rotWithShape="1">
+          <a:blip r:embed="rId2">
+            <a:extLst>
+              <a:ext uri="{28A0092B-C50C-407E-A947-70E740481C1C}">
+                <a14:useLocalDpi xmlns:a14="http://schemas.microsoft.com/office/drawing/2010/main" val="0"/>
+              </a:ext>
+            </a:extLst>
+          </a:blip>
+          <a:srcRect l="19502" r="22763"/>
+          <a:stretch/>
+        </p:blipFill>
+        <p:spPr>
+          <a:xfrm>
+            <a:off x="2147056" y="2105328"/>
+            <a:ext cx="870148" cy="1323439"/>
+          </a:xfrm>
+          <a:prstGeom prst="rect">
+            <a:avLst/>
+          </a:prstGeom>
+          <a:effectLst>
+            <a:glow rad="50800">
+              <a:schemeClr val="bg2"/>
+            </a:glow>
+            <a:softEdge rad="31750"/>
+          </a:effectLst>
+        </p:spPr>
+      </p:pic>
+      <p:pic>
+        <p:nvPicPr>
+          <p:cNvPr id="16" name="図 15" descr="図形&#10;&#10;低い精度で自動的に生成された説明">
+            <a:extLst>
+              <a:ext uri="{FF2B5EF4-FFF2-40B4-BE49-F238E27FC236}">
+                <a16:creationId xmlns:a16="http://schemas.microsoft.com/office/drawing/2014/main" id="{A5BAB7E9-A69D-D2C5-03F1-EA3E8ECB7A78}"/>
+              </a:ext>
+            </a:extLst>
+          </p:cNvPr>
+          <p:cNvPicPr>
+            <a:picLocks noChangeAspect="1"/>
+          </p:cNvPicPr>
+          <p:nvPr/>
+        </p:nvPicPr>
+        <p:blipFill rotWithShape="1">
+          <a:blip r:embed="rId2">
+            <a:extLst>
+              <a:ext uri="{28A0092B-C50C-407E-A947-70E740481C1C}">
+                <a14:useLocalDpi xmlns:a14="http://schemas.microsoft.com/office/drawing/2010/main" val="0"/>
+              </a:ext>
+            </a:extLst>
+          </a:blip>
+          <a:srcRect l="19502" r="22763"/>
+          <a:stretch/>
+        </p:blipFill>
+        <p:spPr>
+          <a:xfrm>
+            <a:off x="1898591" y="2105560"/>
+            <a:ext cx="870148" cy="1323439"/>
+          </a:xfrm>
+          <a:prstGeom prst="rect">
+            <a:avLst/>
+          </a:prstGeom>
+          <a:effectLst>
+            <a:glow rad="50800">
+              <a:schemeClr val="bg2"/>
+            </a:glow>
+            <a:softEdge rad="31750"/>
+          </a:effectLst>
+        </p:spPr>
+      </p:pic>
+      <p:pic>
+        <p:nvPicPr>
+          <p:cNvPr id="17" name="図 16" descr="図形&#10;&#10;低い精度で自動的に生成された説明">
+            <a:extLst>
+              <a:ext uri="{FF2B5EF4-FFF2-40B4-BE49-F238E27FC236}">
+                <a16:creationId xmlns:a16="http://schemas.microsoft.com/office/drawing/2014/main" id="{C10D844F-B61E-C796-23CF-C5246E47B3B4}"/>
+              </a:ext>
+            </a:extLst>
+          </p:cNvPr>
+          <p:cNvPicPr>
+            <a:picLocks noChangeAspect="1"/>
+          </p:cNvPicPr>
+          <p:nvPr/>
+        </p:nvPicPr>
+        <p:blipFill rotWithShape="1">
+          <a:blip r:embed="rId2">
+            <a:extLst>
+              <a:ext uri="{28A0092B-C50C-407E-A947-70E740481C1C}">
+                <a14:useLocalDpi xmlns:a14="http://schemas.microsoft.com/office/drawing/2010/main" val="0"/>
+              </a:ext>
+            </a:extLst>
+          </a:blip>
+          <a:srcRect l="19502" r="22763"/>
+          <a:stretch/>
+        </p:blipFill>
+        <p:spPr>
+          <a:xfrm>
+            <a:off x="1650126" y="2105561"/>
+            <a:ext cx="870148" cy="1323439"/>
+          </a:xfrm>
+          <a:prstGeom prst="rect">
+            <a:avLst/>
+          </a:prstGeom>
+          <a:effectLst>
+            <a:glow rad="50800">
+              <a:schemeClr val="bg2"/>
+            </a:glow>
+            <a:softEdge rad="31750"/>
+          </a:effectLst>
+        </p:spPr>
+      </p:pic>
+      <p:pic>
+        <p:nvPicPr>
+          <p:cNvPr id="18" name="図 17" descr="図形&#10;&#10;低い精度で自動的に生成された説明">
+            <a:extLst>
+              <a:ext uri="{FF2B5EF4-FFF2-40B4-BE49-F238E27FC236}">
+                <a16:creationId xmlns:a16="http://schemas.microsoft.com/office/drawing/2014/main" id="{E39395BD-01E5-5AE9-B8CC-EC8BFF5A81C5}"/>
+              </a:ext>
+            </a:extLst>
+          </p:cNvPr>
+          <p:cNvPicPr>
+            <a:picLocks noChangeAspect="1"/>
+          </p:cNvPicPr>
+          <p:nvPr/>
+        </p:nvPicPr>
+        <p:blipFill rotWithShape="1">
+          <a:blip r:embed="rId2">
+            <a:extLst>
+              <a:ext uri="{28A0092B-C50C-407E-A947-70E740481C1C}">
+                <a14:useLocalDpi xmlns:a14="http://schemas.microsoft.com/office/drawing/2010/main" val="0"/>
+              </a:ext>
+            </a:extLst>
+          </a:blip>
+          <a:srcRect l="19502" r="22763"/>
+          <a:stretch/>
+        </p:blipFill>
+        <p:spPr>
+          <a:xfrm>
+            <a:off x="1401661" y="2105561"/>
+            <a:ext cx="870148" cy="1323439"/>
+          </a:xfrm>
+          <a:prstGeom prst="rect">
+            <a:avLst/>
+          </a:prstGeom>
+          <a:effectLst>
+            <a:glow rad="50800">
+              <a:schemeClr val="bg2"/>
+            </a:glow>
+            <a:softEdge rad="31750"/>
+          </a:effectLst>
+        </p:spPr>
+      </p:pic>
+      <p:pic>
+        <p:nvPicPr>
+          <p:cNvPr id="19" name="図 18" descr="図形&#10;&#10;低い精度で自動的に生成された説明">
+            <a:extLst>
+              <a:ext uri="{FF2B5EF4-FFF2-40B4-BE49-F238E27FC236}">
+                <a16:creationId xmlns:a16="http://schemas.microsoft.com/office/drawing/2014/main" id="{FEEFF1FF-7CA6-E57D-F28F-05492D9DADBB}"/>
+              </a:ext>
+            </a:extLst>
+          </p:cNvPr>
+          <p:cNvPicPr>
+            <a:picLocks noChangeAspect="1"/>
+          </p:cNvPicPr>
+          <p:nvPr/>
+        </p:nvPicPr>
+        <p:blipFill rotWithShape="1">
+          <a:blip r:embed="rId2">
+            <a:extLst>
+              <a:ext uri="{28A0092B-C50C-407E-A947-70E740481C1C}">
+                <a14:useLocalDpi xmlns:a14="http://schemas.microsoft.com/office/drawing/2010/main" val="0"/>
+              </a:ext>
+            </a:extLst>
+          </a:blip>
+          <a:srcRect l="19502" r="22763"/>
+          <a:stretch/>
+        </p:blipFill>
+        <p:spPr>
+          <a:xfrm>
+            <a:off x="1153196" y="2105793"/>
+            <a:ext cx="870148" cy="1323439"/>
+          </a:xfrm>
+          <a:prstGeom prst="rect">
+            <a:avLst/>
+          </a:prstGeom>
+          <a:effectLst>
+            <a:glow rad="50800">
+              <a:schemeClr val="bg2"/>
+            </a:glow>
+            <a:softEdge rad="31750"/>
+          </a:effectLst>
+        </p:spPr>
+      </p:pic>
+      <p:pic>
+        <p:nvPicPr>
+          <p:cNvPr id="20" name="図 19" descr="図形&#10;&#10;低い精度で自動的に生成された説明">
+            <a:extLst>
+              <a:ext uri="{FF2B5EF4-FFF2-40B4-BE49-F238E27FC236}">
+                <a16:creationId xmlns:a16="http://schemas.microsoft.com/office/drawing/2014/main" id="{58DFD0DB-169E-6F59-37E5-1E87A80CF8DA}"/>
+              </a:ext>
+            </a:extLst>
+          </p:cNvPr>
+          <p:cNvPicPr>
+            <a:picLocks noChangeAspect="1"/>
+          </p:cNvPicPr>
+          <p:nvPr/>
+        </p:nvPicPr>
+        <p:blipFill rotWithShape="1">
+          <a:blip r:embed="rId2">
+            <a:extLst>
+              <a:ext uri="{28A0092B-C50C-407E-A947-70E740481C1C}">
+                <a14:useLocalDpi xmlns:a14="http://schemas.microsoft.com/office/drawing/2010/main" val="0"/>
+              </a:ext>
+            </a:extLst>
+          </a:blip>
+          <a:srcRect l="19502" r="22763"/>
+          <a:stretch/>
+        </p:blipFill>
+        <p:spPr>
+          <a:xfrm>
+            <a:off x="904731" y="2105561"/>
+            <a:ext cx="870148" cy="1323439"/>
+          </a:xfrm>
+          <a:prstGeom prst="rect">
+            <a:avLst/>
+          </a:prstGeom>
+          <a:effectLst>
+            <a:glow rad="50800">
+              <a:schemeClr val="bg2"/>
+            </a:glow>
+            <a:softEdge rad="31750"/>
+          </a:effectLst>
+        </p:spPr>
+      </p:pic>
+      <p:pic>
+        <p:nvPicPr>
+          <p:cNvPr id="13" name="図 12" descr="図形&#10;&#10;低い精度で自動的に生成された説明">
+            <a:extLst>
+              <a:ext uri="{FF2B5EF4-FFF2-40B4-BE49-F238E27FC236}">
+                <a16:creationId xmlns:a16="http://schemas.microsoft.com/office/drawing/2014/main" id="{24625D16-D15A-710C-7930-74CABB13D6F9}"/>
+              </a:ext>
+            </a:extLst>
+          </p:cNvPr>
+          <p:cNvPicPr>
+            <a:picLocks noChangeAspect="1"/>
+          </p:cNvPicPr>
+          <p:nvPr/>
+        </p:nvPicPr>
+        <p:blipFill rotWithShape="1">
+          <a:blip r:embed="rId2">
+            <a:extLst>
+              <a:ext uri="{28A0092B-C50C-407E-A947-70E740481C1C}">
+                <a14:useLocalDpi xmlns:a14="http://schemas.microsoft.com/office/drawing/2010/main" val="0"/>
+              </a:ext>
+            </a:extLst>
+          </a:blip>
+          <a:srcRect l="27061" r="20097"/>
+          <a:stretch/>
+        </p:blipFill>
+        <p:spPr>
+          <a:xfrm>
+            <a:off x="738734" y="2137846"/>
+            <a:ext cx="796414" cy="1323439"/>
+          </a:xfrm>
+          <a:prstGeom prst="rect">
+            <a:avLst/>
+          </a:prstGeom>
+          <a:effectLst>
+            <a:glow rad="279400">
+              <a:srgbClr val="00B0F0"/>
+            </a:glow>
+          </a:effectLst>
+        </p:spPr>
+      </p:pic>
+      <p:sp>
+        <p:nvSpPr>
+          <p:cNvPr id="21" name="テキスト ボックス 20">
+            <a:extLst>
+              <a:ext uri="{FF2B5EF4-FFF2-40B4-BE49-F238E27FC236}">
+                <a16:creationId xmlns:a16="http://schemas.microsoft.com/office/drawing/2014/main" id="{EE3F879D-55A4-7011-50FD-F9B77E5DC551}"/>
+              </a:ext>
+            </a:extLst>
+          </p:cNvPr>
+          <p:cNvSpPr txBox="1"/>
+          <p:nvPr/>
+        </p:nvSpPr>
+        <p:spPr>
+          <a:xfrm>
+            <a:off x="126157" y="3808341"/>
+            <a:ext cx="7017614" cy="830997"/>
+          </a:xfrm>
+          <a:prstGeom prst="rect">
+            <a:avLst/>
+          </a:prstGeom>
+          <a:noFill/>
+        </p:spPr>
+        <p:txBody>
+          <a:bodyPr wrap="square" rtlCol="0">
+            <a:spAutoFit/>
+          </a:bodyPr>
+          <a:lstStyle/>
+          <a:p>
+            <a:r>
+              <a:rPr kumimoji="1" lang="ja-JP" altLang="en-US" sz="4800" b="1" dirty="0">
+                <a:solidFill>
+                  <a:srgbClr val="7030A0"/>
+                </a:solidFill>
+                <a:effectLst>
+                  <a:glow rad="127000">
+                    <a:schemeClr val="bg1"/>
+                  </a:glow>
+                </a:effectLst>
+                <a:latin typeface="HG正楷書体-PRO" panose="03000600000000000000" pitchFamily="66" charset="-128"/>
+                <a:ea typeface="HG正楷書体-PRO" panose="03000600000000000000" pitchFamily="66" charset="-128"/>
+              </a:rPr>
+              <a:t>複数のチェックポイント</a:t>
+            </a:r>
+          </a:p>
+        </p:txBody>
+      </p:sp>
+      <p:sp>
+        <p:nvSpPr>
+          <p:cNvPr id="22" name="テキスト ボックス 21">
+            <a:extLst>
+              <a:ext uri="{FF2B5EF4-FFF2-40B4-BE49-F238E27FC236}">
+                <a16:creationId xmlns:a16="http://schemas.microsoft.com/office/drawing/2014/main" id="{388EC76B-4BD5-5800-BBDE-724EE1700E56}"/>
+              </a:ext>
+            </a:extLst>
+          </p:cNvPr>
+          <p:cNvSpPr txBox="1"/>
+          <p:nvPr/>
+        </p:nvSpPr>
+        <p:spPr>
+          <a:xfrm>
+            <a:off x="6943284" y="5089448"/>
+            <a:ext cx="4617741" cy="830997"/>
+          </a:xfrm>
+          <a:prstGeom prst="rect">
+            <a:avLst/>
+          </a:prstGeom>
+          <a:noFill/>
+        </p:spPr>
+        <p:txBody>
+          <a:bodyPr wrap="square" rtlCol="0">
+            <a:spAutoFit/>
+          </a:bodyPr>
+          <a:lstStyle/>
+          <a:p>
+            <a:r>
+              <a:rPr kumimoji="1" lang="ja-JP" altLang="en-US" sz="4800" b="1" dirty="0">
+                <a:solidFill>
+                  <a:srgbClr val="7030A0"/>
+                </a:solidFill>
+                <a:effectLst>
+                  <a:glow rad="127000">
+                    <a:schemeClr val="bg1"/>
+                  </a:glow>
+                </a:effectLst>
+                <a:latin typeface="HG正楷書体-PRO" panose="03000600000000000000" pitchFamily="66" charset="-128"/>
+                <a:ea typeface="HG正楷書体-PRO" panose="03000600000000000000" pitchFamily="66" charset="-128"/>
+              </a:rPr>
+              <a:t>タイムアタック</a:t>
+            </a:r>
+          </a:p>
+        </p:txBody>
+      </p:sp>
+    </p:spTree>
+    <p:extLst>
+      <p:ext uri="{BB962C8B-B14F-4D97-AF65-F5344CB8AC3E}">
+        <p14:creationId xmlns:p14="http://schemas.microsoft.com/office/powerpoint/2010/main" val="2211769980"/>
+      </p:ext>
+    </p:extLst>
+  </p:cSld>
+  <p:clrMapOvr>
+    <a:masterClrMapping/>
+  </p:clrMapOvr>
+  <p:timing>
+    <p:tnLst>
+      <p:par>
+        <p:cTn id="1" dur="indefinite" restart="never" nodeType="tmRoot">
+          <p:childTnLst>
+            <p:seq concurrent="1" nextAc="seek">
+              <p:cTn id="2" dur="indefinite" nodeType="mainSeq">
+                <p:childTnLst>
+                  <p:par>
+                    <p:cTn id="3" fill="hold">
+                      <p:stCondLst>
+                        <p:cond delay="indefinite"/>
+                        <p:cond evt="onBegin" delay="0">
+                          <p:tn val="2"/>
+                        </p:cond>
+                      </p:stCondLst>
+                      <p:childTnLst>
+                        <p:par>
+                          <p:cTn id="4" fill="hold">
+                            <p:stCondLst>
+                              <p:cond delay="0"/>
+                            </p:stCondLst>
+                            <p:childTnLst>
+                              <p:par>
+                                <p:cTn id="5" presetID="14" presetClass="entr" presetSubtype="10" fill="hold" grpId="0" nodeType="withEffect">
+                                  <p:stCondLst>
+                                    <p:cond delay="0"/>
+                                  </p:stCondLst>
+                                  <p:childTnLst>
+                                    <p:set>
+                                      <p:cBhvr>
+                                        <p:cTn id="6" dur="1" fill="hold">
+                                          <p:stCondLst>
+                                            <p:cond delay="0"/>
+                                          </p:stCondLst>
+                                        </p:cTn>
+                                        <p:tgtEl>
+                                          <p:spTgt spid="6"/>
+                                        </p:tgtEl>
+                                        <p:attrNameLst>
+                                          <p:attrName>style.visibility</p:attrName>
+                                        </p:attrNameLst>
+                                      </p:cBhvr>
+                                      <p:to>
+                                        <p:strVal val="visible"/>
+                                      </p:to>
+                                    </p:set>
+                                    <p:animEffect transition="in" filter="randombar(horizontal)">
+                                      <p:cBhvr>
+                                        <p:cTn id="7" dur="500"/>
+                                        <p:tgtEl>
+                                          <p:spTgt spid="6"/>
+                                        </p:tgtEl>
+                                      </p:cBhvr>
+                                    </p:animEffect>
+                                  </p:childTnLst>
+                                </p:cTn>
+                              </p:par>
+                            </p:childTnLst>
+                          </p:cTn>
+                        </p:par>
+                      </p:childTnLst>
+                    </p:cTn>
+                  </p:par>
+                </p:childTnLst>
+              </p:cTn>
+              <p:prevCondLst>
+                <p:cond evt="onPrev" delay="0">
+                  <p:tgtEl>
+                    <p:sldTgt/>
+                  </p:tgtEl>
+                </p:cond>
+              </p:prevCondLst>
+              <p:nextCondLst>
+                <p:cond evt="onNext" delay="0">
+                  <p:tgtEl>
+                    <p:sldTgt/>
+                  </p:tgtEl>
+                </p:cond>
+              </p:nextCondLst>
+            </p:seq>
+          </p:childTnLst>
+        </p:cTn>
+      </p:par>
+    </p:tnLst>
+    <p:bldLst>
+      <p:bldP spid="6" grpId="0"/>
+    </p:bldLst>
+  </p:timing>
+</p:sld>
+</file>
+
+<file path=ppt/slides/slide9.xml><?xml version="1.0" encoding="utf-8"?>
+<p:sld xmlns:a="http://schemas.openxmlformats.org/drawingml/2006/main" xmlns:r="http://schemas.openxmlformats.org/officeDocument/2006/relationships" xmlns:p="http://schemas.openxmlformats.org/presentationml/2006/main">
+  <p:cSld>
+    <p:spTree>
+      <p:nvGrpSpPr>
+        <p:cNvPr id="1" name=""/>
+        <p:cNvGrpSpPr/>
+        <p:nvPr/>
+      </p:nvGrpSpPr>
+      <p:grpSpPr>
+        <a:xfrm>
+          <a:off x="0" y="0"/>
+          <a:ext cx="0" cy="0"/>
+          <a:chOff x="0" y="0"/>
+          <a:chExt cx="0" cy="0"/>
+        </a:xfrm>
+      </p:grpSpPr>
+      <p:sp>
+        <p:nvSpPr>
+          <p:cNvPr id="4" name="テキスト ボックス 3">
+            <a:extLst>
+              <a:ext uri="{FF2B5EF4-FFF2-40B4-BE49-F238E27FC236}">
+                <a16:creationId xmlns:a16="http://schemas.microsoft.com/office/drawing/2014/main" id="{90C587FD-1DFF-5989-82FE-EFC2930A75B9}"/>
+              </a:ext>
+            </a:extLst>
+          </p:cNvPr>
+          <p:cNvSpPr txBox="1"/>
+          <p:nvPr/>
+        </p:nvSpPr>
+        <p:spPr>
+          <a:xfrm>
+            <a:off x="0" y="0"/>
+            <a:ext cx="6363921" cy="1015663"/>
+          </a:xfrm>
+          <a:prstGeom prst="rect">
+            <a:avLst/>
+          </a:prstGeom>
+          <a:noFill/>
+        </p:spPr>
+        <p:txBody>
+          <a:bodyPr wrap="square" rtlCol="0">
+            <a:spAutoFit/>
+          </a:bodyPr>
+          <a:lstStyle/>
+          <a:p>
+            <a:r>
+              <a:rPr kumimoji="1" lang="ja-JP" altLang="en-US" sz="6000" b="1" dirty="0">
+                <a:solidFill>
+                  <a:srgbClr val="7030A0"/>
+                </a:solidFill>
+                <a:effectLst>
+                  <a:glow rad="127000">
+                    <a:schemeClr val="bg1"/>
+                  </a:glow>
+                </a:effectLst>
+                <a:latin typeface="HG正楷書体-PRO" panose="03000600000000000000" pitchFamily="66" charset="-128"/>
+                <a:ea typeface="HG正楷書体-PRO" panose="03000600000000000000" pitchFamily="66" charset="-128"/>
+              </a:rPr>
+              <a:t>アピールポイント</a:t>
+            </a:r>
+          </a:p>
+        </p:txBody>
+      </p:sp>
+      <p:sp>
+        <p:nvSpPr>
+          <p:cNvPr id="2" name="テキスト ボックス 1">
+            <a:extLst>
+              <a:ext uri="{FF2B5EF4-FFF2-40B4-BE49-F238E27FC236}">
+                <a16:creationId xmlns:a16="http://schemas.microsoft.com/office/drawing/2014/main" id="{99516924-5C6B-8017-E80A-6AEEF9B6E5D1}"/>
+              </a:ext>
+            </a:extLst>
+          </p:cNvPr>
+          <p:cNvSpPr txBox="1"/>
+          <p:nvPr/>
+        </p:nvSpPr>
+        <p:spPr>
+          <a:xfrm>
+            <a:off x="7698658" y="17893"/>
+            <a:ext cx="4493341" cy="461665"/>
+          </a:xfrm>
+          <a:prstGeom prst="rect">
+            <a:avLst/>
+          </a:prstGeom>
+          <a:noFill/>
+        </p:spPr>
+        <p:txBody>
+          <a:bodyPr wrap="square" rtlCol="0">
+            <a:spAutoFit/>
+          </a:bodyPr>
+          <a:lstStyle/>
+          <a:p>
+            <a:r>
+              <a:rPr lang="ja-JP" altLang="en-US" sz="2400" dirty="0">
+                <a:solidFill>
+                  <a:srgbClr val="7030A0"/>
+                </a:solidFill>
+                <a:effectLst>
+                  <a:glow rad="127000">
+                    <a:schemeClr val="bg1"/>
+                  </a:glow>
+                </a:effectLst>
+                <a:latin typeface="HG正楷書体-PRO" panose="03000600000000000000" pitchFamily="66" charset="-128"/>
+                <a:ea typeface="HG正楷書体-PRO" panose="03000600000000000000" pitchFamily="66" charset="-128"/>
+              </a:rPr>
+              <a:t>ユーザーにどう感じてもらうか</a:t>
+            </a:r>
+            <a:endParaRPr kumimoji="1" lang="ja-JP" altLang="en-US" sz="2400" dirty="0">
+              <a:solidFill>
+                <a:srgbClr val="7030A0"/>
+              </a:solidFill>
+              <a:effectLst>
+                <a:glow rad="127000">
+                  <a:schemeClr val="bg1"/>
+                </a:glow>
+              </a:effectLst>
+              <a:latin typeface="HG正楷書体-PRO" panose="03000600000000000000" pitchFamily="66" charset="-128"/>
+              <a:ea typeface="HG正楷書体-PRO" panose="03000600000000000000" pitchFamily="66" charset="-128"/>
+            </a:endParaRPr>
+          </a:p>
+        </p:txBody>
+      </p:sp>
+      <p:grpSp>
+        <p:nvGrpSpPr>
+          <p:cNvPr id="3" name="グループ化 2">
+            <a:extLst>
+              <a:ext uri="{FF2B5EF4-FFF2-40B4-BE49-F238E27FC236}">
+                <a16:creationId xmlns:a16="http://schemas.microsoft.com/office/drawing/2014/main" id="{954DAC53-DFA8-9034-1058-48DD5BB64C10}"/>
+              </a:ext>
+            </a:extLst>
+          </p:cNvPr>
+          <p:cNvGrpSpPr/>
+          <p:nvPr/>
+        </p:nvGrpSpPr>
+        <p:grpSpPr>
+          <a:xfrm>
+            <a:off x="9715941" y="321396"/>
+            <a:ext cx="4967393" cy="1601167"/>
+            <a:chOff x="96351" y="3175948"/>
+            <a:chExt cx="11423041" cy="3682052"/>
+          </a:xfrm>
+        </p:grpSpPr>
+        <p:pic>
+          <p:nvPicPr>
+            <p:cNvPr id="5" name="図 4" descr="図形&#10;&#10;低い精度で自動的に生成された説明">
+              <a:extLst>
+                <a:ext uri="{FF2B5EF4-FFF2-40B4-BE49-F238E27FC236}">
+                  <a16:creationId xmlns:a16="http://schemas.microsoft.com/office/drawing/2014/main" id="{04D6B20F-84F6-6858-05C0-511A73BCAAAD}"/>
+                </a:ext>
+              </a:extLst>
+            </p:cNvPr>
+            <p:cNvPicPr>
+              <a:picLocks noChangeAspect="1"/>
+            </p:cNvPicPr>
+            <p:nvPr/>
+          </p:nvPicPr>
+          <p:blipFill>
+            <a:blip r:embed="rId2">
+              <a:extLst>
+                <a:ext uri="{28A0092B-C50C-407E-A947-70E740481C1C}">
+                  <a14:useLocalDpi xmlns:a14="http://schemas.microsoft.com/office/drawing/2010/main" val="0"/>
+                </a:ext>
+              </a:extLst>
+            </a:blip>
+            <a:stretch>
+              <a:fillRect/>
+            </a:stretch>
+          </p:blipFill>
+          <p:spPr>
+            <a:xfrm>
+              <a:off x="7425044" y="3202761"/>
+              <a:ext cx="4094348" cy="3595260"/>
+            </a:xfrm>
+            <a:prstGeom prst="rect">
+              <a:avLst/>
+            </a:prstGeom>
+            <a:effectLst>
+              <a:glow rad="50800">
+                <a:schemeClr val="bg2"/>
+              </a:glow>
+              <a:softEdge rad="31750"/>
+            </a:effectLst>
+          </p:spPr>
+        </p:pic>
+        <p:pic>
+          <p:nvPicPr>
+            <p:cNvPr id="6" name="図 5" descr="図形&#10;&#10;低い精度で自動的に生成された説明">
+              <a:extLst>
+                <a:ext uri="{FF2B5EF4-FFF2-40B4-BE49-F238E27FC236}">
+                  <a16:creationId xmlns:a16="http://schemas.microsoft.com/office/drawing/2014/main" id="{885DDBD7-BD18-9C10-B3E7-078BCC237047}"/>
+                </a:ext>
+              </a:extLst>
+            </p:cNvPr>
+            <p:cNvPicPr>
+              <a:picLocks noChangeAspect="1"/>
+            </p:cNvPicPr>
+            <p:nvPr/>
+          </p:nvPicPr>
+          <p:blipFill>
+            <a:blip r:embed="rId2">
+              <a:extLst>
+                <a:ext uri="{28A0092B-C50C-407E-A947-70E740481C1C}">
+                  <a14:useLocalDpi xmlns:a14="http://schemas.microsoft.com/office/drawing/2010/main" val="0"/>
+                </a:ext>
+              </a:extLst>
+            </a:blip>
+            <a:stretch>
+              <a:fillRect/>
+            </a:stretch>
+          </p:blipFill>
+          <p:spPr>
+            <a:xfrm>
+              <a:off x="6201812" y="3213936"/>
+              <a:ext cx="4094348" cy="3595260"/>
+            </a:xfrm>
+            <a:prstGeom prst="rect">
+              <a:avLst/>
+            </a:prstGeom>
+            <a:effectLst>
+              <a:glow rad="50800">
+                <a:schemeClr val="bg2"/>
+              </a:glow>
+              <a:softEdge rad="31750"/>
+            </a:effectLst>
+          </p:spPr>
+        </p:pic>
+        <p:grpSp>
+          <p:nvGrpSpPr>
+            <p:cNvPr id="7" name="グループ化 6">
+              <a:extLst>
+                <a:ext uri="{FF2B5EF4-FFF2-40B4-BE49-F238E27FC236}">
+                  <a16:creationId xmlns:a16="http://schemas.microsoft.com/office/drawing/2014/main" id="{B407FFA9-A75B-DC1A-898A-B3F5D19F4BD1}"/>
+                </a:ext>
+              </a:extLst>
+            </p:cNvPr>
+            <p:cNvGrpSpPr/>
+            <p:nvPr/>
+          </p:nvGrpSpPr>
+          <p:grpSpPr>
+            <a:xfrm>
+              <a:off x="3872541" y="3175948"/>
+              <a:ext cx="5334802" cy="3606435"/>
+              <a:chOff x="1571259" y="3355161"/>
+              <a:chExt cx="5334802" cy="3606435"/>
+            </a:xfrm>
+          </p:grpSpPr>
+          <p:pic>
+            <p:nvPicPr>
+              <p:cNvPr id="12" name="図 11" descr="図形&#10;&#10;低い精度で自動的に生成された説明">
+                <a:extLst>
+                  <a:ext uri="{FF2B5EF4-FFF2-40B4-BE49-F238E27FC236}">
+                    <a16:creationId xmlns:a16="http://schemas.microsoft.com/office/drawing/2014/main" id="{F0690FEF-DE18-E189-6690-0D072C59E17E}"/>
+                  </a:ext>
+                </a:extLst>
+              </p:cNvPr>
+              <p:cNvPicPr>
+                <a:picLocks noChangeAspect="1"/>
+              </p:cNvPicPr>
+              <p:nvPr/>
+            </p:nvPicPr>
+            <p:blipFill>
+              <a:blip r:embed="rId2">
+                <a:extLst>
+                  <a:ext uri="{28A0092B-C50C-407E-A947-70E740481C1C}">
+                    <a14:useLocalDpi xmlns:a14="http://schemas.microsoft.com/office/drawing/2010/main" val="0"/>
+                  </a:ext>
+                </a:extLst>
+              </a:blip>
+              <a:stretch>
+                <a:fillRect/>
+              </a:stretch>
+            </p:blipFill>
+            <p:spPr>
+              <a:xfrm>
+                <a:off x="2811713" y="3355161"/>
+                <a:ext cx="4094348" cy="3595260"/>
+              </a:xfrm>
+              <a:prstGeom prst="rect">
+                <a:avLst/>
+              </a:prstGeom>
+              <a:effectLst>
+                <a:glow rad="50800">
+                  <a:schemeClr val="bg2"/>
+                </a:glow>
+                <a:softEdge rad="31750"/>
+              </a:effectLst>
+            </p:spPr>
+          </p:pic>
+          <p:pic>
+            <p:nvPicPr>
+              <p:cNvPr id="13" name="図 12" descr="図形&#10;&#10;低い精度で自動的に生成された説明">
+                <a:extLst>
+                  <a:ext uri="{FF2B5EF4-FFF2-40B4-BE49-F238E27FC236}">
+                    <a16:creationId xmlns:a16="http://schemas.microsoft.com/office/drawing/2014/main" id="{3656BAF4-4DCE-8500-241D-239A476B88ED}"/>
+                  </a:ext>
+                </a:extLst>
+              </p:cNvPr>
+              <p:cNvPicPr>
+                <a:picLocks noChangeAspect="1"/>
+              </p:cNvPicPr>
+              <p:nvPr/>
+            </p:nvPicPr>
+            <p:blipFill>
+              <a:blip r:embed="rId2">
+                <a:extLst>
+                  <a:ext uri="{28A0092B-C50C-407E-A947-70E740481C1C}">
+                    <a14:useLocalDpi xmlns:a14="http://schemas.microsoft.com/office/drawing/2010/main" val="0"/>
+                  </a:ext>
+                </a:extLst>
+              </a:blip>
+              <a:stretch>
+                <a:fillRect/>
+              </a:stretch>
+            </p:blipFill>
+            <p:spPr>
+              <a:xfrm>
+                <a:off x="1571259" y="3366336"/>
+                <a:ext cx="4094348" cy="3595260"/>
+              </a:xfrm>
+              <a:prstGeom prst="rect">
+                <a:avLst/>
+              </a:prstGeom>
+              <a:effectLst>
+                <a:glow rad="50800">
+                  <a:schemeClr val="bg2"/>
+                </a:glow>
+                <a:softEdge rad="31750"/>
+              </a:effectLst>
+            </p:spPr>
+          </p:pic>
+        </p:grpSp>
+        <p:grpSp>
+          <p:nvGrpSpPr>
+            <p:cNvPr id="8" name="グループ化 7">
+              <a:extLst>
+                <a:ext uri="{FF2B5EF4-FFF2-40B4-BE49-F238E27FC236}">
+                  <a16:creationId xmlns:a16="http://schemas.microsoft.com/office/drawing/2014/main" id="{AB0DF373-71D1-4CF6-AEE1-DE38BE988B52}"/>
+                </a:ext>
+              </a:extLst>
+            </p:cNvPr>
+            <p:cNvGrpSpPr/>
+            <p:nvPr/>
+          </p:nvGrpSpPr>
+          <p:grpSpPr>
+            <a:xfrm>
+              <a:off x="96351" y="3202761"/>
+              <a:ext cx="6657310" cy="3655239"/>
+              <a:chOff x="-232482" y="2204856"/>
+              <a:chExt cx="3164396" cy="1978619"/>
+            </a:xfrm>
+            <a:effectLst>
+              <a:outerShdw blurRad="50800" dist="38100" dir="2700000" algn="tl" rotWithShape="0">
+                <a:prstClr val="black">
+                  <a:alpha val="40000"/>
+                </a:prstClr>
+              </a:outerShdw>
+            </a:effectLst>
+          </p:grpSpPr>
+          <p:pic>
+            <p:nvPicPr>
+              <p:cNvPr id="9" name="図 8" descr="図形&#10;&#10;低い精度で自動的に生成された説明">
+                <a:extLst>
+                  <a:ext uri="{FF2B5EF4-FFF2-40B4-BE49-F238E27FC236}">
+                    <a16:creationId xmlns:a16="http://schemas.microsoft.com/office/drawing/2014/main" id="{45357945-FA00-8A87-44DD-52C73FC41640}"/>
+                  </a:ext>
+                </a:extLst>
+              </p:cNvPr>
+              <p:cNvPicPr>
+                <a:picLocks noChangeAspect="1"/>
+              </p:cNvPicPr>
+              <p:nvPr/>
+            </p:nvPicPr>
+            <p:blipFill>
+              <a:blip r:embed="rId2">
+                <a:extLst>
+                  <a:ext uri="{28A0092B-C50C-407E-A947-70E740481C1C}">
+                    <a14:useLocalDpi xmlns:a14="http://schemas.microsoft.com/office/drawing/2010/main" val="0"/>
+                  </a:ext>
+                </a:extLst>
+              </a:blip>
+              <a:stretch>
+                <a:fillRect/>
+              </a:stretch>
+            </p:blipFill>
+            <p:spPr>
+              <a:xfrm>
+                <a:off x="985762" y="2204856"/>
+                <a:ext cx="1946152" cy="1946152"/>
+              </a:xfrm>
+              <a:prstGeom prst="rect">
+                <a:avLst/>
+              </a:prstGeom>
+              <a:effectLst>
+                <a:glow rad="50800">
+                  <a:schemeClr val="bg2"/>
+                </a:glow>
+                <a:softEdge rad="31750"/>
+              </a:effectLst>
+            </p:spPr>
+          </p:pic>
+          <p:pic>
+            <p:nvPicPr>
+              <p:cNvPr id="10" name="図 9" descr="図形&#10;&#10;低い精度で自動的に生成された説明">
+                <a:extLst>
+                  <a:ext uri="{FF2B5EF4-FFF2-40B4-BE49-F238E27FC236}">
+                    <a16:creationId xmlns:a16="http://schemas.microsoft.com/office/drawing/2014/main" id="{1B78D185-D576-1569-2576-85E6283318B5}"/>
+                  </a:ext>
+                </a:extLst>
+              </p:cNvPr>
+              <p:cNvPicPr>
+                <a:picLocks noChangeAspect="1"/>
+              </p:cNvPicPr>
+              <p:nvPr/>
+            </p:nvPicPr>
+            <p:blipFill>
+              <a:blip r:embed="rId2">
+                <a:extLst>
+                  <a:ext uri="{28A0092B-C50C-407E-A947-70E740481C1C}">
+                    <a14:useLocalDpi xmlns:a14="http://schemas.microsoft.com/office/drawing/2010/main" val="0"/>
+                  </a:ext>
+                </a:extLst>
+              </a:blip>
+              <a:stretch>
+                <a:fillRect/>
+              </a:stretch>
+            </p:blipFill>
+            <p:spPr>
+              <a:xfrm>
+                <a:off x="396141" y="2210905"/>
+                <a:ext cx="1946152" cy="1946152"/>
+              </a:xfrm>
+              <a:prstGeom prst="rect">
+                <a:avLst/>
+              </a:prstGeom>
+              <a:effectLst>
+                <a:glow rad="50800">
+                  <a:schemeClr val="bg2"/>
+                </a:glow>
+                <a:softEdge rad="31750"/>
+              </a:effectLst>
+            </p:spPr>
+          </p:pic>
+          <p:pic>
+            <p:nvPicPr>
+              <p:cNvPr id="11" name="図 10" descr="図形&#10;&#10;低い精度で自動的に生成された説明">
+                <a:extLst>
+                  <a:ext uri="{FF2B5EF4-FFF2-40B4-BE49-F238E27FC236}">
+                    <a16:creationId xmlns:a16="http://schemas.microsoft.com/office/drawing/2014/main" id="{14AB2785-B8BA-8FD7-2661-8D2A8E591515}"/>
+                  </a:ext>
+                </a:extLst>
+              </p:cNvPr>
+              <p:cNvPicPr>
+                <a:picLocks noChangeAspect="1"/>
+              </p:cNvPicPr>
+              <p:nvPr/>
+            </p:nvPicPr>
+            <p:blipFill>
+              <a:blip r:embed="rId2">
+                <a:extLst>
+                  <a:ext uri="{28A0092B-C50C-407E-A947-70E740481C1C}">
+                    <a14:useLocalDpi xmlns:a14="http://schemas.microsoft.com/office/drawing/2010/main" val="0"/>
+                  </a:ext>
+                </a:extLst>
+              </a:blip>
+              <a:stretch>
+                <a:fillRect/>
+              </a:stretch>
+            </p:blipFill>
+            <p:spPr>
+              <a:xfrm>
+                <a:off x="-232482" y="2237323"/>
+                <a:ext cx="1946152" cy="1946152"/>
+              </a:xfrm>
+              <a:prstGeom prst="rect">
+                <a:avLst/>
+              </a:prstGeom>
+              <a:effectLst>
+                <a:glow rad="279400">
+                  <a:srgbClr val="00B0F0"/>
+                </a:glow>
+              </a:effectLst>
+            </p:spPr>
+          </p:pic>
+        </p:grpSp>
+      </p:grpSp>
+      <p:grpSp>
+        <p:nvGrpSpPr>
+          <p:cNvPr id="14" name="グループ化 13">
+            <a:extLst>
+              <a:ext uri="{FF2B5EF4-FFF2-40B4-BE49-F238E27FC236}">
+                <a16:creationId xmlns:a16="http://schemas.microsoft.com/office/drawing/2014/main" id="{0B72FC72-FBA5-1F71-C292-48AF22D59269}"/>
+              </a:ext>
+            </a:extLst>
+          </p:cNvPr>
+          <p:cNvGrpSpPr/>
+          <p:nvPr/>
+        </p:nvGrpSpPr>
+        <p:grpSpPr>
+          <a:xfrm>
+            <a:off x="9676848" y="3144968"/>
+            <a:ext cx="3422561" cy="1596307"/>
+            <a:chOff x="96351" y="3187124"/>
+            <a:chExt cx="7870538" cy="3670876"/>
+          </a:xfrm>
+        </p:grpSpPr>
+        <p:pic>
+          <p:nvPicPr>
+            <p:cNvPr id="15" name="図 14" descr="図形&#10;&#10;低い精度で自動的に生成された説明">
+              <a:extLst>
+                <a:ext uri="{FF2B5EF4-FFF2-40B4-BE49-F238E27FC236}">
+                  <a16:creationId xmlns:a16="http://schemas.microsoft.com/office/drawing/2014/main" id="{68D13782-1329-36B2-D215-416F4C925C6F}"/>
+                </a:ext>
+              </a:extLst>
+            </p:cNvPr>
+            <p:cNvPicPr>
+              <a:picLocks noChangeAspect="1"/>
+            </p:cNvPicPr>
+            <p:nvPr/>
+          </p:nvPicPr>
+          <p:blipFill>
+            <a:blip r:embed="rId2">
+              <a:extLst>
+                <a:ext uri="{28A0092B-C50C-407E-A947-70E740481C1C}">
+                  <a14:useLocalDpi xmlns:a14="http://schemas.microsoft.com/office/drawing/2010/main" val="0"/>
+                </a:ext>
+              </a:extLst>
+            </a:blip>
+            <a:stretch>
+              <a:fillRect/>
+            </a:stretch>
+          </p:blipFill>
+          <p:spPr>
+            <a:xfrm>
+              <a:off x="3872541" y="3187124"/>
+              <a:ext cx="4094348" cy="3595258"/>
+            </a:xfrm>
+            <a:prstGeom prst="rect">
+              <a:avLst/>
+            </a:prstGeom>
+            <a:effectLst>
+              <a:glow rad="50800">
+                <a:schemeClr val="bg2"/>
+              </a:glow>
+              <a:softEdge rad="31750"/>
+            </a:effectLst>
+          </p:spPr>
+        </p:pic>
+        <p:grpSp>
+          <p:nvGrpSpPr>
+            <p:cNvPr id="16" name="グループ化 15">
+              <a:extLst>
+                <a:ext uri="{FF2B5EF4-FFF2-40B4-BE49-F238E27FC236}">
+                  <a16:creationId xmlns:a16="http://schemas.microsoft.com/office/drawing/2014/main" id="{0E926FC8-8F4C-D978-E286-414D639E2078}"/>
+                </a:ext>
+              </a:extLst>
+            </p:cNvPr>
+            <p:cNvGrpSpPr/>
+            <p:nvPr/>
+          </p:nvGrpSpPr>
+          <p:grpSpPr>
+            <a:xfrm>
+              <a:off x="96351" y="3202761"/>
+              <a:ext cx="6657310" cy="3655239"/>
+              <a:chOff x="-232482" y="2204856"/>
+              <a:chExt cx="3164396" cy="1978619"/>
+            </a:xfrm>
+            <a:effectLst>
+              <a:outerShdw blurRad="50800" dist="38100" dir="2700000" algn="tl" rotWithShape="0">
+                <a:prstClr val="black">
+                  <a:alpha val="40000"/>
+                </a:prstClr>
+              </a:outerShdw>
+            </a:effectLst>
+          </p:grpSpPr>
+          <p:pic>
+            <p:nvPicPr>
+              <p:cNvPr id="17" name="図 16" descr="図形&#10;&#10;低い精度で自動的に生成された説明">
+                <a:extLst>
+                  <a:ext uri="{FF2B5EF4-FFF2-40B4-BE49-F238E27FC236}">
+                    <a16:creationId xmlns:a16="http://schemas.microsoft.com/office/drawing/2014/main" id="{18A3B32B-B1B6-9E6F-1D81-AF363FCEA11A}"/>
+                  </a:ext>
+                </a:extLst>
+              </p:cNvPr>
+              <p:cNvPicPr>
+                <a:picLocks noChangeAspect="1"/>
+              </p:cNvPicPr>
+              <p:nvPr/>
+            </p:nvPicPr>
+            <p:blipFill>
+              <a:blip r:embed="rId2">
+                <a:extLst>
+                  <a:ext uri="{28A0092B-C50C-407E-A947-70E740481C1C}">
+                    <a14:useLocalDpi xmlns:a14="http://schemas.microsoft.com/office/drawing/2010/main" val="0"/>
+                  </a:ext>
+                </a:extLst>
+              </a:blip>
+              <a:stretch>
+                <a:fillRect/>
+              </a:stretch>
+            </p:blipFill>
+            <p:spPr>
+              <a:xfrm>
+                <a:off x="985762" y="2204856"/>
+                <a:ext cx="1946152" cy="1946152"/>
+              </a:xfrm>
+              <a:prstGeom prst="rect">
+                <a:avLst/>
+              </a:prstGeom>
+              <a:effectLst>
+                <a:glow rad="50800">
+                  <a:schemeClr val="bg2"/>
+                </a:glow>
+                <a:softEdge rad="31750"/>
+              </a:effectLst>
+            </p:spPr>
+          </p:pic>
+          <p:pic>
+            <p:nvPicPr>
+              <p:cNvPr id="18" name="図 17" descr="図形&#10;&#10;低い精度で自動的に生成された説明">
+                <a:extLst>
+                  <a:ext uri="{FF2B5EF4-FFF2-40B4-BE49-F238E27FC236}">
+                    <a16:creationId xmlns:a16="http://schemas.microsoft.com/office/drawing/2014/main" id="{86A76D2E-B712-BF22-2B97-18CABE87D3F4}"/>
+                  </a:ext>
+                </a:extLst>
+              </p:cNvPr>
+              <p:cNvPicPr>
+                <a:picLocks noChangeAspect="1"/>
+              </p:cNvPicPr>
+              <p:nvPr/>
+            </p:nvPicPr>
+            <p:blipFill>
+              <a:blip r:embed="rId2">
+                <a:extLst>
+                  <a:ext uri="{28A0092B-C50C-407E-A947-70E740481C1C}">
+                    <a14:useLocalDpi xmlns:a14="http://schemas.microsoft.com/office/drawing/2010/main" val="0"/>
+                  </a:ext>
+                </a:extLst>
+              </a:blip>
+              <a:stretch>
+                <a:fillRect/>
+              </a:stretch>
+            </p:blipFill>
+            <p:spPr>
+              <a:xfrm>
+                <a:off x="396141" y="2210905"/>
+                <a:ext cx="1946152" cy="1946152"/>
+              </a:xfrm>
+              <a:prstGeom prst="rect">
+                <a:avLst/>
+              </a:prstGeom>
+              <a:effectLst>
+                <a:glow rad="50800">
+                  <a:schemeClr val="bg2"/>
+                </a:glow>
+                <a:softEdge rad="31750"/>
+              </a:effectLst>
+            </p:spPr>
+          </p:pic>
+          <p:pic>
+            <p:nvPicPr>
+              <p:cNvPr id="19" name="図 18" descr="図形&#10;&#10;低い精度で自動的に生成された説明">
+                <a:extLst>
+                  <a:ext uri="{FF2B5EF4-FFF2-40B4-BE49-F238E27FC236}">
+                    <a16:creationId xmlns:a16="http://schemas.microsoft.com/office/drawing/2014/main" id="{9B4CBCF7-5551-7A66-B966-DDD21F159E20}"/>
+                  </a:ext>
+                </a:extLst>
+              </p:cNvPr>
+              <p:cNvPicPr>
+                <a:picLocks noChangeAspect="1"/>
+              </p:cNvPicPr>
+              <p:nvPr/>
+            </p:nvPicPr>
+            <p:blipFill>
+              <a:blip r:embed="rId2">
+                <a:extLst>
+                  <a:ext uri="{28A0092B-C50C-407E-A947-70E740481C1C}">
+                    <a14:useLocalDpi xmlns:a14="http://schemas.microsoft.com/office/drawing/2010/main" val="0"/>
+                  </a:ext>
+                </a:extLst>
+              </a:blip>
+              <a:stretch>
+                <a:fillRect/>
+              </a:stretch>
+            </p:blipFill>
+            <p:spPr>
+              <a:xfrm>
+                <a:off x="-232482" y="2237323"/>
+                <a:ext cx="1946152" cy="1946152"/>
+              </a:xfrm>
+              <a:prstGeom prst="rect">
+                <a:avLst/>
+              </a:prstGeom>
+              <a:effectLst>
+                <a:glow rad="279400">
+                  <a:srgbClr val="00B0F0"/>
+                </a:glow>
+              </a:effectLst>
+            </p:spPr>
+          </p:pic>
+        </p:grpSp>
+      </p:grpSp>
+      <p:sp>
+        <p:nvSpPr>
+          <p:cNvPr id="21" name="正方形/長方形 20">
+            <a:extLst>
+              <a:ext uri="{FF2B5EF4-FFF2-40B4-BE49-F238E27FC236}">
+                <a16:creationId xmlns:a16="http://schemas.microsoft.com/office/drawing/2014/main" id="{847C99FC-53EA-3C34-DDAE-0CF007F31373}"/>
+              </a:ext>
+            </a:extLst>
+          </p:cNvPr>
+          <p:cNvSpPr/>
+          <p:nvPr/>
+        </p:nvSpPr>
+        <p:spPr>
+          <a:xfrm>
+            <a:off x="12373420" y="3647767"/>
+            <a:ext cx="317018" cy="1633219"/>
+          </a:xfrm>
+          <a:prstGeom prst="rect">
+            <a:avLst/>
+          </a:prstGeom>
+          <a:solidFill>
+            <a:schemeClr val="tx1">
+              <a:lumMod val="95000"/>
+              <a:lumOff val="5000"/>
+            </a:schemeClr>
+          </a:solidFill>
+          <a:ln w="38100">
+            <a:solidFill>
+              <a:schemeClr val="bg1"/>
+            </a:solidFill>
+          </a:ln>
+        </p:spPr>
+        <p:style>
+          <a:lnRef idx="2">
+            <a:schemeClr val="accent1">
+              <a:shade val="15000"/>
+            </a:schemeClr>
+          </a:lnRef>
+          <a:fillRef idx="1">
+            <a:schemeClr val="accent1"/>
+          </a:fillRef>
+          <a:effectRef idx="0">
+            <a:schemeClr val="accent1"/>
+          </a:effectRef>
+          <a:fontRef idx="minor">
+            <a:schemeClr val="lt1"/>
+          </a:fontRef>
+        </p:style>
+        <p:txBody>
+          <a:bodyPr rtlCol="0" anchor="ctr"/>
+          <a:lstStyle/>
+          <a:p>
+            <a:pPr algn="ctr"/>
+            <a:endParaRPr kumimoji="1" lang="ja-JP" altLang="en-US" dirty="0"/>
+          </a:p>
+        </p:txBody>
+      </p:sp>
+      <p:sp>
+        <p:nvSpPr>
+          <p:cNvPr id="22" name="正方形/長方形 21">
+            <a:extLst>
+              <a:ext uri="{FF2B5EF4-FFF2-40B4-BE49-F238E27FC236}">
+                <a16:creationId xmlns:a16="http://schemas.microsoft.com/office/drawing/2014/main" id="{864DA8A4-25E8-2B6E-415A-F2E64AF2CF49}"/>
+              </a:ext>
+            </a:extLst>
+          </p:cNvPr>
+          <p:cNvSpPr/>
+          <p:nvPr/>
+        </p:nvSpPr>
+        <p:spPr>
+          <a:xfrm>
+            <a:off x="15387008" y="3647767"/>
+            <a:ext cx="317018" cy="1633219"/>
+          </a:xfrm>
+          <a:prstGeom prst="rect">
+            <a:avLst/>
+          </a:prstGeom>
+          <a:solidFill>
+            <a:schemeClr val="tx1">
+              <a:lumMod val="95000"/>
+              <a:lumOff val="5000"/>
+            </a:schemeClr>
+          </a:solidFill>
+          <a:ln w="38100">
+            <a:solidFill>
+              <a:schemeClr val="bg1"/>
+            </a:solidFill>
+          </a:ln>
+        </p:spPr>
+        <p:style>
+          <a:lnRef idx="2">
+            <a:schemeClr val="accent1">
+              <a:shade val="15000"/>
+            </a:schemeClr>
+          </a:lnRef>
+          <a:fillRef idx="1">
+            <a:schemeClr val="accent1"/>
+          </a:fillRef>
+          <a:effectRef idx="0">
+            <a:schemeClr val="accent1"/>
+          </a:effectRef>
+          <a:fontRef idx="minor">
+            <a:schemeClr val="lt1"/>
+          </a:fontRef>
+        </p:style>
+        <p:txBody>
+          <a:bodyPr rtlCol="0" anchor="ctr"/>
+          <a:lstStyle/>
+          <a:p>
+            <a:pPr algn="ctr"/>
+            <a:endParaRPr kumimoji="1" lang="ja-JP" altLang="en-US" dirty="0"/>
+          </a:p>
+        </p:txBody>
+      </p:sp>
+      <p:sp>
+        <p:nvSpPr>
+          <p:cNvPr id="23" name="正方形/長方形 22">
+            <a:extLst>
+              <a:ext uri="{FF2B5EF4-FFF2-40B4-BE49-F238E27FC236}">
+                <a16:creationId xmlns:a16="http://schemas.microsoft.com/office/drawing/2014/main" id="{9FCB27E3-1857-97E3-BE3D-3E9CF5F93035}"/>
+              </a:ext>
+            </a:extLst>
+          </p:cNvPr>
+          <p:cNvSpPr/>
+          <p:nvPr/>
+        </p:nvSpPr>
+        <p:spPr>
+          <a:xfrm>
+            <a:off x="9097472" y="5280986"/>
+            <a:ext cx="6606554" cy="152400"/>
+          </a:xfrm>
+          <a:prstGeom prst="rect">
+            <a:avLst/>
+          </a:prstGeom>
+          <a:solidFill>
+            <a:schemeClr val="tx1">
+              <a:lumMod val="95000"/>
+              <a:lumOff val="5000"/>
+            </a:schemeClr>
+          </a:solidFill>
+          <a:ln w="38100">
+            <a:solidFill>
+              <a:schemeClr val="bg1"/>
+            </a:solidFill>
+          </a:ln>
+        </p:spPr>
+        <p:style>
+          <a:lnRef idx="2">
+            <a:schemeClr val="accent1">
+              <a:shade val="15000"/>
+            </a:schemeClr>
+          </a:lnRef>
+          <a:fillRef idx="1">
+            <a:schemeClr val="accent1"/>
+          </a:fillRef>
+          <a:effectRef idx="0">
+            <a:schemeClr val="accent1"/>
+          </a:effectRef>
+          <a:fontRef idx="minor">
+            <a:schemeClr val="lt1"/>
+          </a:fontRef>
+        </p:style>
+        <p:txBody>
+          <a:bodyPr rtlCol="0" anchor="ctr"/>
+          <a:lstStyle/>
+          <a:p>
+            <a:pPr algn="ctr"/>
+            <a:endParaRPr kumimoji="1" lang="ja-JP" altLang="en-US" dirty="0"/>
+          </a:p>
+        </p:txBody>
+      </p:sp>
+      <p:sp>
+        <p:nvSpPr>
+          <p:cNvPr id="24" name="正方形/長方形 23">
+            <a:extLst>
+              <a:ext uri="{FF2B5EF4-FFF2-40B4-BE49-F238E27FC236}">
+                <a16:creationId xmlns:a16="http://schemas.microsoft.com/office/drawing/2014/main" id="{5B79455C-DEEF-7CFB-7A74-AF4E4955EAC3}"/>
+              </a:ext>
+            </a:extLst>
+          </p:cNvPr>
+          <p:cNvSpPr/>
+          <p:nvPr/>
+        </p:nvSpPr>
+        <p:spPr>
+          <a:xfrm>
+            <a:off x="15359679" y="1233948"/>
+            <a:ext cx="317018" cy="1633219"/>
+          </a:xfrm>
+          <a:prstGeom prst="rect">
+            <a:avLst/>
+          </a:prstGeom>
+          <a:solidFill>
+            <a:schemeClr val="tx1">
+              <a:lumMod val="95000"/>
+              <a:lumOff val="5000"/>
+            </a:schemeClr>
+          </a:solidFill>
+          <a:ln w="38100">
+            <a:solidFill>
+              <a:schemeClr val="bg1"/>
+            </a:solidFill>
+          </a:ln>
+        </p:spPr>
+        <p:style>
+          <a:lnRef idx="2">
+            <a:schemeClr val="accent1">
+              <a:shade val="15000"/>
+            </a:schemeClr>
+          </a:lnRef>
+          <a:fillRef idx="1">
+            <a:schemeClr val="accent1"/>
+          </a:fillRef>
+          <a:effectRef idx="0">
+            <a:schemeClr val="accent1"/>
+          </a:effectRef>
+          <a:fontRef idx="minor">
+            <a:schemeClr val="lt1"/>
+          </a:fontRef>
+        </p:style>
+        <p:txBody>
+          <a:bodyPr rtlCol="0" anchor="ctr"/>
+          <a:lstStyle/>
+          <a:p>
+            <a:pPr algn="ctr"/>
+            <a:endParaRPr kumimoji="1" lang="ja-JP" altLang="en-US" dirty="0"/>
+          </a:p>
+        </p:txBody>
+      </p:sp>
+      <p:sp>
+        <p:nvSpPr>
+          <p:cNvPr id="25" name="正方形/長方形 24">
+            <a:extLst>
+              <a:ext uri="{FF2B5EF4-FFF2-40B4-BE49-F238E27FC236}">
+                <a16:creationId xmlns:a16="http://schemas.microsoft.com/office/drawing/2014/main" id="{1A79AD98-3B92-48F3-293F-F05AAA120FA8}"/>
+              </a:ext>
+            </a:extLst>
+          </p:cNvPr>
+          <p:cNvSpPr/>
+          <p:nvPr/>
+        </p:nvSpPr>
+        <p:spPr>
+          <a:xfrm>
+            <a:off x="9070143" y="2867167"/>
+            <a:ext cx="6606554" cy="152400"/>
+          </a:xfrm>
+          <a:prstGeom prst="rect">
+            <a:avLst/>
+          </a:prstGeom>
+          <a:solidFill>
+            <a:schemeClr val="tx1">
+              <a:lumMod val="95000"/>
+              <a:lumOff val="5000"/>
+            </a:schemeClr>
+          </a:solidFill>
+          <a:ln w="38100">
+            <a:solidFill>
+              <a:schemeClr val="bg1"/>
+            </a:solidFill>
+          </a:ln>
+        </p:spPr>
+        <p:style>
+          <a:lnRef idx="2">
+            <a:schemeClr val="accent1">
+              <a:shade val="15000"/>
+            </a:schemeClr>
+          </a:lnRef>
+          <a:fillRef idx="1">
+            <a:schemeClr val="accent1"/>
+          </a:fillRef>
+          <a:effectRef idx="0">
+            <a:schemeClr val="accent1"/>
+          </a:effectRef>
+          <a:fontRef idx="minor">
+            <a:schemeClr val="lt1"/>
+          </a:fontRef>
+        </p:style>
+        <p:txBody>
+          <a:bodyPr rtlCol="0" anchor="ctr"/>
+          <a:lstStyle/>
+          <a:p>
+            <a:pPr algn="ctr"/>
+            <a:endParaRPr kumimoji="1" lang="ja-JP" altLang="en-US" dirty="0"/>
+          </a:p>
+        </p:txBody>
+      </p:sp>
+      <p:pic>
+        <p:nvPicPr>
+          <p:cNvPr id="26" name="図 25" descr="図形&#10;&#10;低い精度で自動的に生成された説明">
+            <a:extLst>
+              <a:ext uri="{FF2B5EF4-FFF2-40B4-BE49-F238E27FC236}">
+                <a16:creationId xmlns:a16="http://schemas.microsoft.com/office/drawing/2014/main" id="{48A638FC-3F70-039B-11BE-AACFD8B23E9F}"/>
+              </a:ext>
+            </a:extLst>
+          </p:cNvPr>
+          <p:cNvPicPr>
+            <a:picLocks noChangeAspect="1"/>
+          </p:cNvPicPr>
+          <p:nvPr/>
+        </p:nvPicPr>
+        <p:blipFill>
+          <a:blip r:embed="rId3">
+            <a:extLst>
+              <a:ext uri="{28A0092B-C50C-407E-A947-70E740481C1C}">
+                <a14:useLocalDpi xmlns:a14="http://schemas.microsoft.com/office/drawing/2010/main" val="0"/>
+              </a:ext>
+            </a:extLst>
+          </a:blip>
+          <a:stretch>
+            <a:fillRect/>
+          </a:stretch>
+        </p:blipFill>
+        <p:spPr>
+          <a:xfrm flipH="1">
+            <a:off x="13159809" y="1871316"/>
+            <a:ext cx="278668" cy="278668"/>
+          </a:xfrm>
+          <a:prstGeom prst="rect">
+            <a:avLst/>
+          </a:prstGeom>
+          <a:effectLst>
+            <a:glow rad="50800">
+              <a:srgbClr val="FF0000"/>
+            </a:glow>
+          </a:effectLst>
+        </p:spPr>
+      </p:pic>
+      <p:pic>
+        <p:nvPicPr>
+          <p:cNvPr id="27" name="図 26" descr="図形&#10;&#10;低い精度で自動的に生成された説明">
+            <a:extLst>
+              <a:ext uri="{FF2B5EF4-FFF2-40B4-BE49-F238E27FC236}">
+                <a16:creationId xmlns:a16="http://schemas.microsoft.com/office/drawing/2014/main" id="{E49FEB16-8E28-7AFF-9AE0-8F36D1E09FF2}"/>
+              </a:ext>
+            </a:extLst>
+          </p:cNvPr>
+          <p:cNvPicPr>
+            <a:picLocks noChangeAspect="1"/>
+          </p:cNvPicPr>
+          <p:nvPr/>
+        </p:nvPicPr>
+        <p:blipFill>
+          <a:blip r:embed="rId3">
+            <a:extLst>
+              <a:ext uri="{28A0092B-C50C-407E-A947-70E740481C1C}">
+                <a14:useLocalDpi xmlns:a14="http://schemas.microsoft.com/office/drawing/2010/main" val="0"/>
+              </a:ext>
+            </a:extLst>
+          </a:blip>
+          <a:stretch>
+            <a:fillRect/>
+          </a:stretch>
+        </p:blipFill>
+        <p:spPr>
+          <a:xfrm flipH="1">
+            <a:off x="14190077" y="1829067"/>
+            <a:ext cx="278668" cy="278668"/>
+          </a:xfrm>
+          <a:prstGeom prst="rect">
+            <a:avLst/>
+          </a:prstGeom>
+          <a:effectLst>
+            <a:glow rad="50800">
+              <a:srgbClr val="FF0000"/>
+            </a:glow>
+          </a:effectLst>
+        </p:spPr>
+      </p:pic>
+      <p:pic>
+        <p:nvPicPr>
+          <p:cNvPr id="28" name="図 27" descr="図形&#10;&#10;低い精度で自動的に生成された説明">
+            <a:extLst>
+              <a:ext uri="{FF2B5EF4-FFF2-40B4-BE49-F238E27FC236}">
+                <a16:creationId xmlns:a16="http://schemas.microsoft.com/office/drawing/2014/main" id="{64C148E5-771D-6D6B-2A5E-078BADD988B7}"/>
+              </a:ext>
+            </a:extLst>
+          </p:cNvPr>
+          <p:cNvPicPr>
+            <a:picLocks noChangeAspect="1"/>
+          </p:cNvPicPr>
+          <p:nvPr/>
+        </p:nvPicPr>
+        <p:blipFill>
+          <a:blip r:embed="rId3">
+            <a:extLst>
+              <a:ext uri="{28A0092B-C50C-407E-A947-70E740481C1C}">
+                <a14:useLocalDpi xmlns:a14="http://schemas.microsoft.com/office/drawing/2010/main" val="0"/>
+              </a:ext>
+            </a:extLst>
+          </a:blip>
+          <a:stretch>
+            <a:fillRect/>
+          </a:stretch>
+        </p:blipFill>
+        <p:spPr>
+          <a:xfrm flipH="1">
+            <a:off x="13674943" y="1707002"/>
+            <a:ext cx="278668" cy="278668"/>
+          </a:xfrm>
+          <a:prstGeom prst="rect">
+            <a:avLst/>
+          </a:prstGeom>
+          <a:effectLst>
+            <a:glow rad="50800">
+              <a:srgbClr val="FF0000"/>
+            </a:glow>
+          </a:effectLst>
+        </p:spPr>
+      </p:pic>
+      <p:pic>
+        <p:nvPicPr>
+          <p:cNvPr id="29" name="図 28" descr="マップ が含まれている画像&#10;&#10;自動的に生成された説明">
+            <a:extLst>
+              <a:ext uri="{FF2B5EF4-FFF2-40B4-BE49-F238E27FC236}">
+                <a16:creationId xmlns:a16="http://schemas.microsoft.com/office/drawing/2014/main" id="{9B03F5CB-7417-5DF0-0FDB-8125EAE1B508}"/>
+              </a:ext>
+            </a:extLst>
+          </p:cNvPr>
+          <p:cNvPicPr>
+            <a:picLocks noChangeAspect="1"/>
+          </p:cNvPicPr>
+          <p:nvPr/>
+        </p:nvPicPr>
+        <p:blipFill>
+          <a:blip r:embed="rId4">
+            <a:extLst>
+              <a:ext uri="{28A0092B-C50C-407E-A947-70E740481C1C}">
+                <a14:useLocalDpi xmlns:a14="http://schemas.microsoft.com/office/drawing/2010/main" val="0"/>
+              </a:ext>
+            </a:extLst>
+          </a:blip>
+          <a:stretch>
+            <a:fillRect/>
+          </a:stretch>
+        </p:blipFill>
+        <p:spPr>
+          <a:xfrm>
+            <a:off x="14530565" y="1533984"/>
+            <a:ext cx="627960" cy="1255919"/>
+          </a:xfrm>
+          <a:prstGeom prst="rect">
+            <a:avLst/>
+          </a:prstGeom>
+          <a:effectLst>
+            <a:glow rad="50800">
+              <a:srgbClr val="FF0000"/>
+            </a:glow>
+          </a:effectLst>
+        </p:spPr>
+      </p:pic>
+      <p:sp>
+        <p:nvSpPr>
+          <p:cNvPr id="30" name="テキスト ボックス 29">
+            <a:extLst>
+              <a:ext uri="{FF2B5EF4-FFF2-40B4-BE49-F238E27FC236}">
+                <a16:creationId xmlns:a16="http://schemas.microsoft.com/office/drawing/2014/main" id="{EE8EA864-526D-D348-DE81-ECFEA3354D48}"/>
+              </a:ext>
+            </a:extLst>
+          </p:cNvPr>
+          <p:cNvSpPr txBox="1"/>
+          <p:nvPr/>
+        </p:nvSpPr>
+        <p:spPr>
+          <a:xfrm>
+            <a:off x="4373472" y="1789205"/>
+            <a:ext cx="4350355" cy="923330"/>
+          </a:xfrm>
+          <a:prstGeom prst="rect">
+            <a:avLst/>
+          </a:prstGeom>
+          <a:noFill/>
+        </p:spPr>
+        <p:txBody>
+          <a:bodyPr wrap="square" rtlCol="0">
+            <a:spAutoFit/>
+          </a:bodyPr>
+          <a:lstStyle/>
+          <a:p>
+            <a:r>
+              <a:rPr lang="ja-JP" altLang="en-US" sz="5400" b="1" dirty="0">
+                <a:solidFill>
+                  <a:srgbClr val="FF0000"/>
+                </a:solidFill>
+                <a:effectLst>
+                  <a:glow rad="127000">
+                    <a:schemeClr val="bg1"/>
+                  </a:glow>
+                </a:effectLst>
+                <a:latin typeface="HG正楷書体-PRO" panose="03000600000000000000" pitchFamily="66" charset="-128"/>
+                <a:ea typeface="HG正楷書体-PRO" panose="03000600000000000000" pitchFamily="66" charset="-128"/>
+              </a:rPr>
+              <a:t>難しいルート</a:t>
+            </a:r>
+            <a:endParaRPr lang="en-US" altLang="ja-JP" sz="5400" b="1" dirty="0">
+              <a:solidFill>
+                <a:srgbClr val="FF0000"/>
+              </a:solidFill>
+              <a:effectLst>
+                <a:glow rad="127000">
+                  <a:schemeClr val="bg1"/>
+                </a:glow>
+              </a:effectLst>
+              <a:latin typeface="HG正楷書体-PRO" panose="03000600000000000000" pitchFamily="66" charset="-128"/>
+              <a:ea typeface="HG正楷書体-PRO" panose="03000600000000000000" pitchFamily="66" charset="-128"/>
+            </a:endParaRPr>
+          </a:p>
+        </p:txBody>
+      </p:sp>
+      <p:sp>
+        <p:nvSpPr>
+          <p:cNvPr id="31" name="テキスト ボックス 30">
+            <a:extLst>
+              <a:ext uri="{FF2B5EF4-FFF2-40B4-BE49-F238E27FC236}">
+                <a16:creationId xmlns:a16="http://schemas.microsoft.com/office/drawing/2014/main" id="{9A21EF34-4E43-49FB-D5BD-06A1FEB37972}"/>
+              </a:ext>
+            </a:extLst>
+          </p:cNvPr>
+          <p:cNvSpPr txBox="1"/>
+          <p:nvPr/>
+        </p:nvSpPr>
+        <p:spPr>
+          <a:xfrm>
+            <a:off x="4373472" y="4357656"/>
+            <a:ext cx="4426699" cy="923330"/>
+          </a:xfrm>
+          <a:prstGeom prst="rect">
+            <a:avLst/>
+          </a:prstGeom>
+          <a:noFill/>
+        </p:spPr>
+        <p:txBody>
+          <a:bodyPr wrap="square" rtlCol="0">
+            <a:spAutoFit/>
+          </a:bodyPr>
+          <a:lstStyle/>
+          <a:p>
+            <a:r>
+              <a:rPr lang="ja-JP" altLang="en-US" sz="5400" b="1" dirty="0">
+                <a:solidFill>
+                  <a:srgbClr val="00B0F0"/>
+                </a:solidFill>
+                <a:effectLst>
+                  <a:glow rad="127000">
+                    <a:schemeClr val="bg1"/>
+                  </a:glow>
+                </a:effectLst>
+                <a:latin typeface="HG正楷書体-PRO" panose="03000600000000000000" pitchFamily="66" charset="-128"/>
+                <a:ea typeface="HG正楷書体-PRO" panose="03000600000000000000" pitchFamily="66" charset="-128"/>
+              </a:rPr>
+              <a:t>簡単なルート</a:t>
+            </a:r>
+            <a:endParaRPr lang="en-US" altLang="ja-JP" sz="5400" b="1" dirty="0">
+              <a:solidFill>
+                <a:srgbClr val="00B0F0"/>
+              </a:solidFill>
+              <a:effectLst>
+                <a:glow rad="127000">
+                  <a:schemeClr val="bg1"/>
+                </a:glow>
+              </a:effectLst>
+              <a:latin typeface="HG正楷書体-PRO" panose="03000600000000000000" pitchFamily="66" charset="-128"/>
+              <a:ea typeface="HG正楷書体-PRO" panose="03000600000000000000" pitchFamily="66" charset="-128"/>
+            </a:endParaRPr>
+          </a:p>
+        </p:txBody>
+      </p:sp>
+      <p:sp>
+        <p:nvSpPr>
+          <p:cNvPr id="32" name="テキスト ボックス 31">
+            <a:extLst>
+              <a:ext uri="{FF2B5EF4-FFF2-40B4-BE49-F238E27FC236}">
+                <a16:creationId xmlns:a16="http://schemas.microsoft.com/office/drawing/2014/main" id="{46965E4B-9FEE-510F-DEEB-0ED0E3B95EBB}"/>
+              </a:ext>
+            </a:extLst>
+          </p:cNvPr>
+          <p:cNvSpPr txBox="1"/>
+          <p:nvPr/>
+        </p:nvSpPr>
+        <p:spPr>
+          <a:xfrm>
+            <a:off x="10368335" y="1789205"/>
+            <a:ext cx="4327187" cy="923330"/>
+          </a:xfrm>
+          <a:prstGeom prst="rect">
+            <a:avLst/>
+          </a:prstGeom>
+          <a:noFill/>
+        </p:spPr>
+        <p:txBody>
+          <a:bodyPr wrap="square" rtlCol="0">
+            <a:spAutoFit/>
+          </a:bodyPr>
+          <a:lstStyle/>
+          <a:p>
+            <a:r>
+              <a:rPr lang="ja-JP" altLang="en-US" sz="5400" b="1" dirty="0">
+                <a:solidFill>
+                  <a:srgbClr val="7030A0"/>
+                </a:solidFill>
+                <a:effectLst>
+                  <a:glow rad="127000">
+                    <a:schemeClr val="bg1"/>
+                  </a:glow>
+                </a:effectLst>
+                <a:latin typeface="HG正楷書体-PRO" panose="03000600000000000000" pitchFamily="66" charset="-128"/>
+                <a:ea typeface="HG正楷書体-PRO" panose="03000600000000000000" pitchFamily="66" charset="-128"/>
+              </a:rPr>
+              <a:t>分身が</a:t>
+            </a:r>
+            <a:r>
+              <a:rPr lang="ja-JP" altLang="en-US" sz="5400" b="1" dirty="0">
+                <a:solidFill>
+                  <a:srgbClr val="FF0000"/>
+                </a:solidFill>
+                <a:effectLst>
+                  <a:glow rad="127000">
+                    <a:schemeClr val="bg1"/>
+                  </a:glow>
+                </a:effectLst>
+                <a:latin typeface="HG正楷書体-PRO" panose="03000600000000000000" pitchFamily="66" charset="-128"/>
+                <a:ea typeface="HG正楷書体-PRO" panose="03000600000000000000" pitchFamily="66" charset="-128"/>
+              </a:rPr>
+              <a:t>増える</a:t>
+            </a:r>
+            <a:endParaRPr lang="en-US" altLang="ja-JP" sz="5400" b="1" dirty="0">
+              <a:solidFill>
+                <a:srgbClr val="FF0000"/>
+              </a:solidFill>
+              <a:effectLst>
+                <a:glow rad="127000">
+                  <a:schemeClr val="bg1"/>
+                </a:glow>
+              </a:effectLst>
+              <a:latin typeface="HG正楷書体-PRO" panose="03000600000000000000" pitchFamily="66" charset="-128"/>
+              <a:ea typeface="HG正楷書体-PRO" panose="03000600000000000000" pitchFamily="66" charset="-128"/>
+            </a:endParaRPr>
+          </a:p>
+        </p:txBody>
+      </p:sp>
+      <p:sp>
+        <p:nvSpPr>
+          <p:cNvPr id="33" name="テキスト ボックス 32">
+            <a:extLst>
+              <a:ext uri="{FF2B5EF4-FFF2-40B4-BE49-F238E27FC236}">
+                <a16:creationId xmlns:a16="http://schemas.microsoft.com/office/drawing/2014/main" id="{D1D54DC9-38F5-1F45-439C-C9BD7173CAC9}"/>
+              </a:ext>
+            </a:extLst>
+          </p:cNvPr>
+          <p:cNvSpPr txBox="1"/>
+          <p:nvPr/>
+        </p:nvSpPr>
+        <p:spPr>
+          <a:xfrm>
+            <a:off x="10658037" y="4367384"/>
+            <a:ext cx="3747782" cy="923330"/>
+          </a:xfrm>
+          <a:prstGeom prst="rect">
+            <a:avLst/>
+          </a:prstGeom>
+          <a:noFill/>
+        </p:spPr>
+        <p:txBody>
+          <a:bodyPr wrap="square" rtlCol="0">
+            <a:spAutoFit/>
+          </a:bodyPr>
+          <a:lstStyle/>
+          <a:p>
+            <a:r>
+              <a:rPr lang="ja-JP" altLang="en-US" sz="5400" b="1" dirty="0">
+                <a:solidFill>
+                  <a:srgbClr val="7030A0"/>
+                </a:solidFill>
+                <a:effectLst>
+                  <a:glow rad="127000">
+                    <a:schemeClr val="bg1"/>
+                  </a:glow>
+                </a:effectLst>
+                <a:latin typeface="HG正楷書体-PRO" panose="03000600000000000000" pitchFamily="66" charset="-128"/>
+                <a:ea typeface="HG正楷書体-PRO" panose="03000600000000000000" pitchFamily="66" charset="-128"/>
+              </a:rPr>
+              <a:t>分身が</a:t>
+            </a:r>
+            <a:r>
+              <a:rPr lang="ja-JP" altLang="en-US" sz="5400" b="1" dirty="0">
+                <a:solidFill>
+                  <a:srgbClr val="00B0F0"/>
+                </a:solidFill>
+                <a:effectLst>
+                  <a:glow rad="127000">
+                    <a:schemeClr val="bg1"/>
+                  </a:glow>
+                </a:effectLst>
+                <a:latin typeface="HG正楷書体-PRO" panose="03000600000000000000" pitchFamily="66" charset="-128"/>
+                <a:ea typeface="HG正楷書体-PRO" panose="03000600000000000000" pitchFamily="66" charset="-128"/>
+              </a:rPr>
+              <a:t>減る</a:t>
+            </a:r>
+            <a:endParaRPr lang="en-US" altLang="ja-JP" sz="5400" b="1" dirty="0">
+              <a:solidFill>
+                <a:srgbClr val="00B0F0"/>
+              </a:solidFill>
+              <a:effectLst>
+                <a:glow rad="127000">
+                  <a:schemeClr val="bg1"/>
+                </a:glow>
+              </a:effectLst>
+              <a:latin typeface="HG正楷書体-PRO" panose="03000600000000000000" pitchFamily="66" charset="-128"/>
+              <a:ea typeface="HG正楷書体-PRO" panose="03000600000000000000" pitchFamily="66" charset="-128"/>
+            </a:endParaRPr>
+          </a:p>
+        </p:txBody>
+      </p:sp>
+      <p:sp>
+        <p:nvSpPr>
+          <p:cNvPr id="34" name="矢印: 右 33">
+            <a:extLst>
+              <a:ext uri="{FF2B5EF4-FFF2-40B4-BE49-F238E27FC236}">
+                <a16:creationId xmlns:a16="http://schemas.microsoft.com/office/drawing/2014/main" id="{3073D4AA-F4B7-93BD-8D7F-93BD1497F61A}"/>
+              </a:ext>
+            </a:extLst>
+          </p:cNvPr>
+          <p:cNvSpPr/>
+          <p:nvPr/>
+        </p:nvSpPr>
+        <p:spPr>
+          <a:xfrm>
+            <a:off x="8785647" y="1823249"/>
+            <a:ext cx="1553191" cy="923330"/>
+          </a:xfrm>
+          <a:prstGeom prst="rightArrow">
+            <a:avLst/>
+          </a:prstGeom>
+          <a:solidFill>
+            <a:srgbClr val="FF0000"/>
+          </a:solidFill>
+          <a:ln w="38100">
+            <a:solidFill>
+              <a:srgbClr val="FFFF00"/>
+            </a:solidFill>
+          </a:ln>
+        </p:spPr>
+        <p:style>
+          <a:lnRef idx="2">
+            <a:schemeClr val="accent1">
+              <a:shade val="15000"/>
+            </a:schemeClr>
+          </a:lnRef>
+          <a:fillRef idx="1">
+            <a:schemeClr val="accent1"/>
+          </a:fillRef>
+          <a:effectRef idx="0">
+            <a:schemeClr val="accent1"/>
+          </a:effectRef>
+          <a:fontRef idx="minor">
+            <a:schemeClr val="lt1"/>
+          </a:fontRef>
+        </p:style>
+        <p:txBody>
+          <a:bodyPr rtlCol="0" anchor="ctr"/>
+          <a:lstStyle/>
+          <a:p>
+            <a:pPr algn="ctr"/>
+            <a:endParaRPr kumimoji="1" lang="ja-JP" altLang="en-US"/>
+          </a:p>
+        </p:txBody>
+      </p:sp>
+      <p:sp>
+        <p:nvSpPr>
+          <p:cNvPr id="35" name="矢印: 右 34">
+            <a:extLst>
+              <a:ext uri="{FF2B5EF4-FFF2-40B4-BE49-F238E27FC236}">
+                <a16:creationId xmlns:a16="http://schemas.microsoft.com/office/drawing/2014/main" id="{75B58907-2F89-E6C8-20DB-E5BD0FD7FF5E}"/>
+              </a:ext>
+            </a:extLst>
+          </p:cNvPr>
+          <p:cNvSpPr/>
+          <p:nvPr/>
+        </p:nvSpPr>
+        <p:spPr>
+          <a:xfrm>
+            <a:off x="8785646" y="4367384"/>
+            <a:ext cx="1553191" cy="923330"/>
+          </a:xfrm>
+          <a:prstGeom prst="rightArrow">
+            <a:avLst/>
+          </a:prstGeom>
+          <a:solidFill>
+            <a:srgbClr val="FF0000"/>
+          </a:solidFill>
+          <a:ln w="38100">
+            <a:solidFill>
+              <a:srgbClr val="FFFF00"/>
+            </a:solidFill>
+          </a:ln>
+        </p:spPr>
+        <p:style>
+          <a:lnRef idx="2">
+            <a:schemeClr val="accent1">
+              <a:shade val="15000"/>
+            </a:schemeClr>
+          </a:lnRef>
+          <a:fillRef idx="1">
+            <a:schemeClr val="accent1"/>
+          </a:fillRef>
+          <a:effectRef idx="0">
+            <a:schemeClr val="accent1"/>
+          </a:effectRef>
+          <a:fontRef idx="minor">
+            <a:schemeClr val="lt1"/>
+          </a:fontRef>
+        </p:style>
+        <p:txBody>
+          <a:bodyPr rtlCol="0" anchor="ctr"/>
+          <a:lstStyle/>
+          <a:p>
+            <a:pPr algn="ctr"/>
+            <a:endParaRPr kumimoji="1" lang="ja-JP" altLang="en-US"/>
+          </a:p>
+        </p:txBody>
+      </p:sp>
+      <p:sp>
+        <p:nvSpPr>
+          <p:cNvPr id="36" name="テキスト ボックス 35">
+            <a:extLst>
+              <a:ext uri="{FF2B5EF4-FFF2-40B4-BE49-F238E27FC236}">
+                <a16:creationId xmlns:a16="http://schemas.microsoft.com/office/drawing/2014/main" id="{3B96750D-9DCB-D72E-8587-87EAA19FC19A}"/>
+              </a:ext>
+            </a:extLst>
+          </p:cNvPr>
+          <p:cNvSpPr txBox="1"/>
+          <p:nvPr/>
+        </p:nvSpPr>
+        <p:spPr>
+          <a:xfrm>
+            <a:off x="7273649" y="5501800"/>
+            <a:ext cx="6679962" cy="1323439"/>
+          </a:xfrm>
+          <a:prstGeom prst="rect">
+            <a:avLst/>
+          </a:prstGeom>
+          <a:noFill/>
+        </p:spPr>
+        <p:txBody>
+          <a:bodyPr wrap="square" rtlCol="0">
+            <a:spAutoFit/>
+          </a:bodyPr>
+          <a:lstStyle/>
+          <a:p>
+            <a:r>
+              <a:rPr lang="ja-JP" altLang="en-US" sz="6600" b="1" dirty="0">
+                <a:solidFill>
+                  <a:schemeClr val="bg1"/>
+                </a:solidFill>
+                <a:effectLst>
+                  <a:glow rad="127000">
+                    <a:srgbClr val="FF0000"/>
+                  </a:glow>
+                </a:effectLst>
+                <a:latin typeface="HG正楷書体-PRO" panose="03000600000000000000" pitchFamily="66" charset="-128"/>
+                <a:ea typeface="HG正楷書体-PRO" panose="03000600000000000000" pitchFamily="66" charset="-128"/>
+              </a:rPr>
+              <a:t>攻略方法は</a:t>
+            </a:r>
+            <a:r>
+              <a:rPr lang="ja-JP" altLang="en-US" sz="8000" b="1" dirty="0">
+                <a:solidFill>
+                  <a:srgbClr val="FF0000"/>
+                </a:solidFill>
+                <a:effectLst>
+                  <a:glow rad="127000">
+                    <a:schemeClr val="bg1"/>
+                  </a:glow>
+                </a:effectLst>
+                <a:latin typeface="HG正楷書体-PRO" panose="03000600000000000000" pitchFamily="66" charset="-128"/>
+                <a:ea typeface="HG正楷書体-PRO" panose="03000600000000000000" pitchFamily="66" charset="-128"/>
+              </a:rPr>
+              <a:t>自由</a:t>
+            </a:r>
+            <a:endParaRPr lang="en-US" altLang="ja-JP" sz="6600" b="1" dirty="0">
+              <a:solidFill>
+                <a:srgbClr val="FF0000"/>
+              </a:solidFill>
+              <a:effectLst>
+                <a:glow rad="127000">
+                  <a:schemeClr val="bg1"/>
+                </a:glow>
+              </a:effectLst>
+              <a:latin typeface="HG正楷書体-PRO" panose="03000600000000000000" pitchFamily="66" charset="-128"/>
+              <a:ea typeface="HG正楷書体-PRO" panose="03000600000000000000" pitchFamily="66" charset="-128"/>
+            </a:endParaRPr>
+          </a:p>
+        </p:txBody>
+      </p:sp>
+    </p:spTree>
+    <p:extLst>
+      <p:ext uri="{BB962C8B-B14F-4D97-AF65-F5344CB8AC3E}">
+        <p14:creationId xmlns:p14="http://schemas.microsoft.com/office/powerpoint/2010/main" val="4155568600"/>
+      </p:ext>
+    </p:extLst>
+  </p:cSld>
+  <p:clrMapOvr>
+    <a:masterClrMapping/>
+  </p:clrMapOvr>
+  <p:timing>
+    <p:tnLst>
+      <p:par>
+        <p:cTn id="1" dur="indefinite" restart="never" nodeType="tmRoot">
+          <p:childTnLst>
+            <p:seq concurrent="1" nextAc="seek">
+              <p:cTn id="2" dur="indefinite" nodeType="mainSeq">
+                <p:childTnLst>
+                  <p:par>
+                    <p:cTn id="3" fill="hold">
+                      <p:stCondLst>
+                        <p:cond delay="indefinite"/>
+                      </p:stCondLst>
+                      <p:childTnLst>
+                        <p:par>
+                          <p:cTn id="4" fill="hold">
+                            <p:stCondLst>
+                              <p:cond delay="0"/>
+                            </p:stCondLst>
+                            <p:childTnLst>
+                              <p:par>
+                                <p:cTn id="5" presetID="10" presetClass="entr" presetSubtype="0" fill="hold" grpId="0" nodeType="clickEffect">
+                                  <p:stCondLst>
+                                    <p:cond delay="0"/>
+                                  </p:stCondLst>
+                                  <p:childTnLst>
+                                    <p:set>
+                                      <p:cBhvr>
+                                        <p:cTn id="6" dur="1" fill="hold">
+                                          <p:stCondLst>
+                                            <p:cond delay="0"/>
+                                          </p:stCondLst>
+                                        </p:cTn>
+                                        <p:tgtEl>
+                                          <p:spTgt spid="30"/>
+                                        </p:tgtEl>
+                                        <p:attrNameLst>
+                                          <p:attrName>style.visibility</p:attrName>
+                                        </p:attrNameLst>
+                                      </p:cBhvr>
+                                      <p:to>
+                                        <p:strVal val="visible"/>
+                                      </p:to>
+                                    </p:set>
+                                    <p:animEffect transition="in" filter="fade">
+                                      <p:cBhvr>
+                                        <p:cTn id="7" dur="500"/>
+                                        <p:tgtEl>
+                                          <p:spTgt spid="30"/>
+                                        </p:tgtEl>
+                                      </p:cBhvr>
+                                    </p:animEffect>
+                                  </p:childTnLst>
+                                </p:cTn>
+                              </p:par>
+                              <p:par>
+                                <p:cTn id="8" presetID="10" presetClass="entr" presetSubtype="0" fill="hold" grpId="0" nodeType="withEffect">
+                                  <p:stCondLst>
+                                    <p:cond delay="0"/>
+                                  </p:stCondLst>
+                                  <p:childTnLst>
+                                    <p:set>
+                                      <p:cBhvr>
+                                        <p:cTn id="9" dur="1" fill="hold">
+                                          <p:stCondLst>
+                                            <p:cond delay="0"/>
+                                          </p:stCondLst>
+                                        </p:cTn>
+                                        <p:tgtEl>
+                                          <p:spTgt spid="24"/>
+                                        </p:tgtEl>
+                                        <p:attrNameLst>
+                                          <p:attrName>style.visibility</p:attrName>
+                                        </p:attrNameLst>
+                                      </p:cBhvr>
+                                      <p:to>
+                                        <p:strVal val="visible"/>
+                                      </p:to>
+                                    </p:set>
+                                    <p:animEffect transition="in" filter="fade">
+                                      <p:cBhvr>
+                                        <p:cTn id="10" dur="500"/>
+                                        <p:tgtEl>
+                                          <p:spTgt spid="24"/>
+                                        </p:tgtEl>
+                                      </p:cBhvr>
+                                    </p:animEffect>
+                                  </p:childTnLst>
+                                </p:cTn>
+                              </p:par>
+                              <p:par>
+                                <p:cTn id="11" presetID="10" presetClass="entr" presetSubtype="0" fill="hold" grpId="0" nodeType="withEffect">
+                                  <p:stCondLst>
+                                    <p:cond delay="0"/>
+                                  </p:stCondLst>
+                                  <p:childTnLst>
+                                    <p:set>
+                                      <p:cBhvr>
+                                        <p:cTn id="12" dur="1" fill="hold">
+                                          <p:stCondLst>
+                                            <p:cond delay="0"/>
+                                          </p:stCondLst>
+                                        </p:cTn>
+                                        <p:tgtEl>
+                                          <p:spTgt spid="25"/>
+                                        </p:tgtEl>
+                                        <p:attrNameLst>
+                                          <p:attrName>style.visibility</p:attrName>
+                                        </p:attrNameLst>
+                                      </p:cBhvr>
+                                      <p:to>
+                                        <p:strVal val="visible"/>
+                                      </p:to>
+                                    </p:set>
+                                    <p:animEffect transition="in" filter="fade">
+                                      <p:cBhvr>
+                                        <p:cTn id="13" dur="500"/>
+                                        <p:tgtEl>
+                                          <p:spTgt spid="25"/>
+                                        </p:tgtEl>
+                                      </p:cBhvr>
+                                    </p:animEffect>
+                                  </p:childTnLst>
+                                </p:cTn>
+                              </p:par>
+                              <p:par>
+                                <p:cTn id="14" presetID="10" presetClass="entr" presetSubtype="0" fill="hold" nodeType="withEffect">
+                                  <p:stCondLst>
+                                    <p:cond delay="0"/>
+                                  </p:stCondLst>
+                                  <p:childTnLst>
+                                    <p:set>
+                                      <p:cBhvr>
+                                        <p:cTn id="15" dur="1" fill="hold">
+                                          <p:stCondLst>
+                                            <p:cond delay="0"/>
+                                          </p:stCondLst>
+                                        </p:cTn>
+                                        <p:tgtEl>
+                                          <p:spTgt spid="26"/>
+                                        </p:tgtEl>
+                                        <p:attrNameLst>
+                                          <p:attrName>style.visibility</p:attrName>
+                                        </p:attrNameLst>
+                                      </p:cBhvr>
+                                      <p:to>
+                                        <p:strVal val="visible"/>
+                                      </p:to>
+                                    </p:set>
+                                    <p:animEffect transition="in" filter="fade">
+                                      <p:cBhvr>
+                                        <p:cTn id="16" dur="500"/>
+                                        <p:tgtEl>
+                                          <p:spTgt spid="26"/>
+                                        </p:tgtEl>
+                                      </p:cBhvr>
+                                    </p:animEffect>
+                                  </p:childTnLst>
+                                </p:cTn>
+                              </p:par>
+                              <p:par>
+                                <p:cTn id="17" presetID="10" presetClass="entr" presetSubtype="0" fill="hold" nodeType="withEffect">
+                                  <p:stCondLst>
+                                    <p:cond delay="0"/>
+                                  </p:stCondLst>
+                                  <p:childTnLst>
+                                    <p:set>
+                                      <p:cBhvr>
+                                        <p:cTn id="18" dur="1" fill="hold">
+                                          <p:stCondLst>
+                                            <p:cond delay="0"/>
+                                          </p:stCondLst>
+                                        </p:cTn>
+                                        <p:tgtEl>
+                                          <p:spTgt spid="27"/>
+                                        </p:tgtEl>
+                                        <p:attrNameLst>
+                                          <p:attrName>style.visibility</p:attrName>
+                                        </p:attrNameLst>
+                                      </p:cBhvr>
+                                      <p:to>
+                                        <p:strVal val="visible"/>
+                                      </p:to>
+                                    </p:set>
+                                    <p:animEffect transition="in" filter="fade">
+                                      <p:cBhvr>
+                                        <p:cTn id="19" dur="500"/>
+                                        <p:tgtEl>
+                                          <p:spTgt spid="27"/>
+                                        </p:tgtEl>
+                                      </p:cBhvr>
+                                    </p:animEffect>
+                                  </p:childTnLst>
+                                </p:cTn>
+                              </p:par>
+                              <p:par>
+                                <p:cTn id="20" presetID="10" presetClass="entr" presetSubtype="0" fill="hold" nodeType="withEffect">
+                                  <p:stCondLst>
+                                    <p:cond delay="0"/>
+                                  </p:stCondLst>
+                                  <p:childTnLst>
+                                    <p:set>
+                                      <p:cBhvr>
+                                        <p:cTn id="21" dur="1" fill="hold">
+                                          <p:stCondLst>
+                                            <p:cond delay="0"/>
+                                          </p:stCondLst>
+                                        </p:cTn>
+                                        <p:tgtEl>
+                                          <p:spTgt spid="28"/>
+                                        </p:tgtEl>
+                                        <p:attrNameLst>
+                                          <p:attrName>style.visibility</p:attrName>
+                                        </p:attrNameLst>
+                                      </p:cBhvr>
+                                      <p:to>
+                                        <p:strVal val="visible"/>
+                                      </p:to>
+                                    </p:set>
+                                    <p:animEffect transition="in" filter="fade">
+                                      <p:cBhvr>
+                                        <p:cTn id="22" dur="500"/>
+                                        <p:tgtEl>
+                                          <p:spTgt spid="28"/>
+                                        </p:tgtEl>
+                                      </p:cBhvr>
+                                    </p:animEffect>
+                                  </p:childTnLst>
+                                </p:cTn>
+                              </p:par>
+                              <p:par>
+                                <p:cTn id="23" presetID="10" presetClass="entr" presetSubtype="0" fill="hold" nodeType="withEffect">
+                                  <p:stCondLst>
+                                    <p:cond delay="0"/>
+                                  </p:stCondLst>
+                                  <p:childTnLst>
+                                    <p:set>
+                                      <p:cBhvr>
+                                        <p:cTn id="24" dur="1" fill="hold">
+                                          <p:stCondLst>
+                                            <p:cond delay="0"/>
+                                          </p:stCondLst>
+                                        </p:cTn>
+                                        <p:tgtEl>
+                                          <p:spTgt spid="29"/>
+                                        </p:tgtEl>
+                                        <p:attrNameLst>
+                                          <p:attrName>style.visibility</p:attrName>
+                                        </p:attrNameLst>
+                                      </p:cBhvr>
+                                      <p:to>
+                                        <p:strVal val="visible"/>
+                                      </p:to>
+                                    </p:set>
+                                    <p:animEffect transition="in" filter="fade">
+                                      <p:cBhvr>
+                                        <p:cTn id="25" dur="500"/>
+                                        <p:tgtEl>
+                                          <p:spTgt spid="29"/>
+                                        </p:tgtEl>
+                                      </p:cBhvr>
+                                    </p:animEffect>
+                                  </p:childTnLst>
+                                </p:cTn>
+                              </p:par>
+                            </p:childTnLst>
+                          </p:cTn>
+                        </p:par>
+                      </p:childTnLst>
+                    </p:cTn>
+                  </p:par>
+                  <p:par>
+                    <p:cTn id="26" fill="hold">
+                      <p:stCondLst>
+                        <p:cond delay="indefinite"/>
+                      </p:stCondLst>
+                      <p:childTnLst>
+                        <p:par>
+                          <p:cTn id="27" fill="hold">
+                            <p:stCondLst>
+                              <p:cond delay="0"/>
+                            </p:stCondLst>
+                            <p:childTnLst>
+                              <p:par>
+                                <p:cTn id="28" presetID="10" presetClass="entr" presetSubtype="0" fill="hold" grpId="0" nodeType="clickEffect">
+                                  <p:stCondLst>
+                                    <p:cond delay="0"/>
+                                  </p:stCondLst>
+                                  <p:childTnLst>
+                                    <p:set>
+                                      <p:cBhvr>
+                                        <p:cTn id="29" dur="1" fill="hold">
+                                          <p:stCondLst>
+                                            <p:cond delay="0"/>
+                                          </p:stCondLst>
+                                        </p:cTn>
+                                        <p:tgtEl>
+                                          <p:spTgt spid="23"/>
+                                        </p:tgtEl>
+                                        <p:attrNameLst>
+                                          <p:attrName>style.visibility</p:attrName>
+                                        </p:attrNameLst>
+                                      </p:cBhvr>
+                                      <p:to>
+                                        <p:strVal val="visible"/>
+                                      </p:to>
+                                    </p:set>
+                                    <p:animEffect transition="in" filter="fade">
+                                      <p:cBhvr>
+                                        <p:cTn id="30" dur="500"/>
+                                        <p:tgtEl>
+                                          <p:spTgt spid="23"/>
+                                        </p:tgtEl>
+                                      </p:cBhvr>
+                                    </p:animEffect>
+                                  </p:childTnLst>
+                                </p:cTn>
+                              </p:par>
+                              <p:par>
+                                <p:cTn id="31" presetID="10" presetClass="entr" presetSubtype="0" fill="hold" grpId="0" nodeType="withEffect">
+                                  <p:stCondLst>
+                                    <p:cond delay="0"/>
+                                  </p:stCondLst>
+                                  <p:childTnLst>
+                                    <p:set>
+                                      <p:cBhvr>
+                                        <p:cTn id="32" dur="1" fill="hold">
+                                          <p:stCondLst>
+                                            <p:cond delay="0"/>
+                                          </p:stCondLst>
+                                        </p:cTn>
+                                        <p:tgtEl>
+                                          <p:spTgt spid="31"/>
+                                        </p:tgtEl>
+                                        <p:attrNameLst>
+                                          <p:attrName>style.visibility</p:attrName>
+                                        </p:attrNameLst>
+                                      </p:cBhvr>
+                                      <p:to>
+                                        <p:strVal val="visible"/>
+                                      </p:to>
+                                    </p:set>
+                                    <p:animEffect transition="in" filter="fade">
+                                      <p:cBhvr>
+                                        <p:cTn id="33" dur="500"/>
+                                        <p:tgtEl>
+                                          <p:spTgt spid="31"/>
+                                        </p:tgtEl>
+                                      </p:cBhvr>
+                                    </p:animEffect>
+                                  </p:childTnLst>
+                                </p:cTn>
+                              </p:par>
+                              <p:par>
+                                <p:cTn id="34" presetID="10" presetClass="entr" presetSubtype="0" fill="hold" grpId="0" nodeType="withEffect">
+                                  <p:stCondLst>
+                                    <p:cond delay="0"/>
+                                  </p:stCondLst>
+                                  <p:childTnLst>
+                                    <p:set>
+                                      <p:cBhvr>
+                                        <p:cTn id="35" dur="1" fill="hold">
+                                          <p:stCondLst>
+                                            <p:cond delay="0"/>
+                                          </p:stCondLst>
+                                        </p:cTn>
+                                        <p:tgtEl>
+                                          <p:spTgt spid="21"/>
+                                        </p:tgtEl>
+                                        <p:attrNameLst>
+                                          <p:attrName>style.visibility</p:attrName>
+                                        </p:attrNameLst>
+                                      </p:cBhvr>
+                                      <p:to>
+                                        <p:strVal val="visible"/>
+                                      </p:to>
+                                    </p:set>
+                                    <p:animEffect transition="in" filter="fade">
+                                      <p:cBhvr>
+                                        <p:cTn id="36" dur="500"/>
+                                        <p:tgtEl>
+                                          <p:spTgt spid="21"/>
+                                        </p:tgtEl>
+                                      </p:cBhvr>
+                                    </p:animEffect>
+                                  </p:childTnLst>
+                                </p:cTn>
+                              </p:par>
+                              <p:par>
+                                <p:cTn id="37" presetID="10" presetClass="entr" presetSubtype="0" fill="hold" grpId="0" nodeType="withEffect">
+                                  <p:stCondLst>
+                                    <p:cond delay="0"/>
+                                  </p:stCondLst>
+                                  <p:childTnLst>
+                                    <p:set>
+                                      <p:cBhvr>
+                                        <p:cTn id="38" dur="1" fill="hold">
+                                          <p:stCondLst>
+                                            <p:cond delay="0"/>
+                                          </p:stCondLst>
+                                        </p:cTn>
+                                        <p:tgtEl>
+                                          <p:spTgt spid="22"/>
+                                        </p:tgtEl>
+                                        <p:attrNameLst>
+                                          <p:attrName>style.visibility</p:attrName>
+                                        </p:attrNameLst>
+                                      </p:cBhvr>
+                                      <p:to>
+                                        <p:strVal val="visible"/>
+                                      </p:to>
+                                    </p:set>
+                                    <p:animEffect transition="in" filter="fade">
+                                      <p:cBhvr>
+                                        <p:cTn id="39" dur="500"/>
+                                        <p:tgtEl>
+                                          <p:spTgt spid="22"/>
+                                        </p:tgtEl>
+                                      </p:cBhvr>
+                                    </p:animEffect>
+                                  </p:childTnLst>
+                                </p:cTn>
+                              </p:par>
+                            </p:childTnLst>
+                          </p:cTn>
+                        </p:par>
+                      </p:childTnLst>
+                    </p:cTn>
+                  </p:par>
+                  <p:par>
+                    <p:cTn id="40" fill="hold">
+                      <p:stCondLst>
+                        <p:cond delay="indefinite"/>
+                      </p:stCondLst>
+                      <p:childTnLst>
+                        <p:par>
+                          <p:cTn id="41" fill="hold">
+                            <p:stCondLst>
+                              <p:cond delay="0"/>
+                            </p:stCondLst>
+                            <p:childTnLst>
+                              <p:par>
+                                <p:cTn id="42" presetID="10" presetClass="entr" presetSubtype="0" fill="hold" grpId="0" nodeType="clickEffect">
+                                  <p:stCondLst>
+                                    <p:cond delay="0"/>
+                                  </p:stCondLst>
+                                  <p:childTnLst>
+                                    <p:set>
+                                      <p:cBhvr>
+                                        <p:cTn id="43" dur="1" fill="hold">
+                                          <p:stCondLst>
+                                            <p:cond delay="0"/>
+                                          </p:stCondLst>
+                                        </p:cTn>
+                                        <p:tgtEl>
+                                          <p:spTgt spid="34"/>
+                                        </p:tgtEl>
+                                        <p:attrNameLst>
+                                          <p:attrName>style.visibility</p:attrName>
+                                        </p:attrNameLst>
+                                      </p:cBhvr>
+                                      <p:to>
+                                        <p:strVal val="visible"/>
+                                      </p:to>
+                                    </p:set>
+                                    <p:animEffect transition="in" filter="fade">
+                                      <p:cBhvr>
+                                        <p:cTn id="44" dur="500"/>
+                                        <p:tgtEl>
+                                          <p:spTgt spid="34"/>
+                                        </p:tgtEl>
+                                      </p:cBhvr>
+                                    </p:animEffect>
+                                  </p:childTnLst>
+                                </p:cTn>
+                              </p:par>
+                              <p:par>
+                                <p:cTn id="45" presetID="10" presetClass="entr" presetSubtype="0" fill="hold" grpId="0" nodeType="withEffect">
+                                  <p:stCondLst>
+                                    <p:cond delay="0"/>
+                                  </p:stCondLst>
+                                  <p:childTnLst>
+                                    <p:set>
+                                      <p:cBhvr>
+                                        <p:cTn id="46" dur="1" fill="hold">
+                                          <p:stCondLst>
+                                            <p:cond delay="0"/>
+                                          </p:stCondLst>
+                                        </p:cTn>
+                                        <p:tgtEl>
+                                          <p:spTgt spid="32"/>
+                                        </p:tgtEl>
+                                        <p:attrNameLst>
+                                          <p:attrName>style.visibility</p:attrName>
+                                        </p:attrNameLst>
+                                      </p:cBhvr>
+                                      <p:to>
+                                        <p:strVal val="visible"/>
+                                      </p:to>
+                                    </p:set>
+                                    <p:animEffect transition="in" filter="fade">
+                                      <p:cBhvr>
+                                        <p:cTn id="47" dur="500"/>
+                                        <p:tgtEl>
+                                          <p:spTgt spid="32"/>
+                                        </p:tgtEl>
+                                      </p:cBhvr>
+                                    </p:animEffect>
+                                  </p:childTnLst>
+                                </p:cTn>
+                              </p:par>
+                              <p:par>
+                                <p:cTn id="48" presetID="10" presetClass="entr" presetSubtype="0" fill="hold" nodeType="withEffect">
+                                  <p:stCondLst>
+                                    <p:cond delay="0"/>
+                                  </p:stCondLst>
+                                  <p:childTnLst>
+                                    <p:set>
+                                      <p:cBhvr>
+                                        <p:cTn id="49" dur="1" fill="hold">
+                                          <p:stCondLst>
+                                            <p:cond delay="0"/>
+                                          </p:stCondLst>
+                                        </p:cTn>
+                                        <p:tgtEl>
+                                          <p:spTgt spid="3"/>
+                                        </p:tgtEl>
+                                        <p:attrNameLst>
+                                          <p:attrName>style.visibility</p:attrName>
+                                        </p:attrNameLst>
+                                      </p:cBhvr>
+                                      <p:to>
+                                        <p:strVal val="visible"/>
+                                      </p:to>
+                                    </p:set>
+                                    <p:animEffect transition="in" filter="fade">
+                                      <p:cBhvr>
+                                        <p:cTn id="50" dur="500"/>
+                                        <p:tgtEl>
+                                          <p:spTgt spid="3"/>
+                                        </p:tgtEl>
+                                      </p:cBhvr>
+                                    </p:animEffect>
+                                  </p:childTnLst>
+                                </p:cTn>
+                              </p:par>
+                            </p:childTnLst>
+                          </p:cTn>
+                        </p:par>
+                      </p:childTnLst>
+                    </p:cTn>
+                  </p:par>
+                  <p:par>
+                    <p:cTn id="51" fill="hold">
+                      <p:stCondLst>
+                        <p:cond delay="indefinite"/>
+                      </p:stCondLst>
+                      <p:childTnLst>
+                        <p:par>
+                          <p:cTn id="52" fill="hold">
+                            <p:stCondLst>
+                              <p:cond delay="0"/>
+                            </p:stCondLst>
+                            <p:childTnLst>
+                              <p:par>
+                                <p:cTn id="53" presetID="10" presetClass="entr" presetSubtype="0" fill="hold" grpId="0" nodeType="clickEffect">
+                                  <p:stCondLst>
+                                    <p:cond delay="0"/>
+                                  </p:stCondLst>
+                                  <p:childTnLst>
+                                    <p:set>
+                                      <p:cBhvr>
+                                        <p:cTn id="54" dur="1" fill="hold">
+                                          <p:stCondLst>
+                                            <p:cond delay="0"/>
+                                          </p:stCondLst>
+                                        </p:cTn>
+                                        <p:tgtEl>
+                                          <p:spTgt spid="35"/>
+                                        </p:tgtEl>
+                                        <p:attrNameLst>
+                                          <p:attrName>style.visibility</p:attrName>
+                                        </p:attrNameLst>
+                                      </p:cBhvr>
+                                      <p:to>
+                                        <p:strVal val="visible"/>
+                                      </p:to>
+                                    </p:set>
+                                    <p:animEffect transition="in" filter="fade">
+                                      <p:cBhvr>
+                                        <p:cTn id="55" dur="500"/>
+                                        <p:tgtEl>
+                                          <p:spTgt spid="35"/>
+                                        </p:tgtEl>
+                                      </p:cBhvr>
+                                    </p:animEffect>
+                                  </p:childTnLst>
+                                </p:cTn>
+                              </p:par>
+                              <p:par>
+                                <p:cTn id="56" presetID="10" presetClass="entr" presetSubtype="0" fill="hold" grpId="0" nodeType="withEffect">
+                                  <p:stCondLst>
+                                    <p:cond delay="0"/>
+                                  </p:stCondLst>
+                                  <p:childTnLst>
+                                    <p:set>
+                                      <p:cBhvr>
+                                        <p:cTn id="57" dur="1" fill="hold">
+                                          <p:stCondLst>
+                                            <p:cond delay="0"/>
+                                          </p:stCondLst>
+                                        </p:cTn>
+                                        <p:tgtEl>
+                                          <p:spTgt spid="33"/>
+                                        </p:tgtEl>
+                                        <p:attrNameLst>
+                                          <p:attrName>style.visibility</p:attrName>
+                                        </p:attrNameLst>
+                                      </p:cBhvr>
+                                      <p:to>
+                                        <p:strVal val="visible"/>
+                                      </p:to>
+                                    </p:set>
+                                    <p:animEffect transition="in" filter="fade">
+                                      <p:cBhvr>
+                                        <p:cTn id="58" dur="500"/>
+                                        <p:tgtEl>
+                                          <p:spTgt spid="33"/>
+                                        </p:tgtEl>
+                                      </p:cBhvr>
+                                    </p:animEffect>
+                                  </p:childTnLst>
+                                </p:cTn>
+                              </p:par>
+                              <p:par>
+                                <p:cTn id="59" presetID="10" presetClass="entr" presetSubtype="0" fill="hold" nodeType="withEffect">
+                                  <p:stCondLst>
+                                    <p:cond delay="0"/>
+                                  </p:stCondLst>
+                                  <p:childTnLst>
+                                    <p:set>
+                                      <p:cBhvr>
+                                        <p:cTn id="60" dur="1" fill="hold">
+                                          <p:stCondLst>
+                                            <p:cond delay="0"/>
+                                          </p:stCondLst>
+                                        </p:cTn>
+                                        <p:tgtEl>
+                                          <p:spTgt spid="14"/>
+                                        </p:tgtEl>
+                                        <p:attrNameLst>
+                                          <p:attrName>style.visibility</p:attrName>
+                                        </p:attrNameLst>
+                                      </p:cBhvr>
+                                      <p:to>
+                                        <p:strVal val="visible"/>
+                                      </p:to>
+                                    </p:set>
+                                    <p:animEffect transition="in" filter="fade">
+                                      <p:cBhvr>
+                                        <p:cTn id="61" dur="500"/>
+                                        <p:tgtEl>
+                                          <p:spTgt spid="14"/>
+                                        </p:tgtEl>
+                                      </p:cBhvr>
+                                    </p:animEffect>
+                                  </p:childTnLst>
+                                </p:cTn>
+                              </p:par>
+                            </p:childTnLst>
+                          </p:cTn>
+                        </p:par>
+                      </p:childTnLst>
+                    </p:cTn>
+                  </p:par>
+                  <p:par>
+                    <p:cTn id="62" fill="hold">
+                      <p:stCondLst>
+                        <p:cond delay="indefinite"/>
+                      </p:stCondLst>
+                      <p:childTnLst>
+                        <p:par>
+                          <p:cTn id="63" fill="hold">
+                            <p:stCondLst>
+                              <p:cond delay="0"/>
+                            </p:stCondLst>
+                            <p:childTnLst>
+                              <p:par>
+                                <p:cTn id="64" presetID="14" presetClass="entr" presetSubtype="10" fill="hold" grpId="0" nodeType="clickEffect">
+                                  <p:stCondLst>
+                                    <p:cond delay="0"/>
+                                  </p:stCondLst>
+                                  <p:childTnLst>
+                                    <p:set>
+                                      <p:cBhvr>
+                                        <p:cTn id="65" dur="1" fill="hold">
+                                          <p:stCondLst>
+                                            <p:cond delay="0"/>
+                                          </p:stCondLst>
+                                        </p:cTn>
+                                        <p:tgtEl>
+                                          <p:spTgt spid="36"/>
+                                        </p:tgtEl>
+                                        <p:attrNameLst>
+                                          <p:attrName>style.visibility</p:attrName>
+                                        </p:attrNameLst>
+                                      </p:cBhvr>
+                                      <p:to>
+                                        <p:strVal val="visible"/>
+                                      </p:to>
+                                    </p:set>
+                                    <p:animEffect transition="in" filter="randombar(horizontal)">
+                                      <p:cBhvr>
+                                        <p:cTn id="66" dur="500"/>
+                                        <p:tgtEl>
+                                          <p:spTgt spid="36"/>
+                                        </p:tgtEl>
+                                      </p:cBhvr>
+                                    </p:animEffect>
+                                  </p:childTnLst>
+                                </p:cTn>
+                              </p:par>
+                            </p:childTnLst>
+                          </p:cTn>
+                        </p:par>
+                      </p:childTnLst>
+                    </p:cTn>
+                  </p:par>
+                </p:childTnLst>
+              </p:cTn>
+              <p:prevCondLst>
+                <p:cond evt="onPrev" delay="0">
+                  <p:tgtEl>
+                    <p:sldTgt/>
+                  </p:tgtEl>
+                </p:cond>
+              </p:prevCondLst>
+              <p:nextCondLst>
+                <p:cond evt="onNext" delay="0">
+                  <p:tgtEl>
+                    <p:sldTgt/>
+                  </p:tgtEl>
+                </p:cond>
+              </p:nextCondLst>
+            </p:seq>
+          </p:childTnLst>
+        </p:cTn>
+      </p:par>
+    </p:tnLst>
+    <p:bldLst>
+      <p:bldP spid="21" grpId="0" animBg="1"/>
+      <p:bldP spid="22" grpId="0" animBg="1"/>
+      <p:bldP spid="23" grpId="0" animBg="1"/>
+      <p:bldP spid="24" grpId="0" animBg="1"/>
+      <p:bldP spid="25" grpId="0" animBg="1"/>
+      <p:bldP spid="30" grpId="0"/>
+      <p:bldP spid="31" grpId="0"/>
+      <p:bldP spid="32" grpId="0"/>
+      <p:bldP spid="33" grpId="0"/>
+      <p:bldP spid="34" grpId="0" animBg="1"/>
+      <p:bldP spid="35" grpId="0" animBg="1"/>
+      <p:bldP spid="36" grpId="0"/>
+    </p:bldLst>
+  </p:timing>
 </p:sld>
 </file>
 

--- a/98_plan/00_pptx/100_mainplan.pptx
+++ b/98_plan/00_pptx/100_mainplan.pptx
@@ -5,18 +5,19 @@
     <p:sldMasterId id="2147483648" r:id="rId1"/>
   </p:sldMasterIdLst>
   <p:notesMasterIdLst>
-    <p:notesMasterId r:id="rId11"/>
+    <p:notesMasterId r:id="rId12"/>
   </p:notesMasterIdLst>
   <p:sldIdLst>
-    <p:sldId id="256" r:id="rId2"/>
-    <p:sldId id="258" r:id="rId3"/>
-    <p:sldId id="263" r:id="rId4"/>
-    <p:sldId id="264" r:id="rId5"/>
-    <p:sldId id="259" r:id="rId6"/>
-    <p:sldId id="260" r:id="rId7"/>
-    <p:sldId id="272" r:id="rId8"/>
-    <p:sldId id="267" r:id="rId9"/>
-    <p:sldId id="261" r:id="rId10"/>
+    <p:sldId id="273" r:id="rId2"/>
+    <p:sldId id="256" r:id="rId3"/>
+    <p:sldId id="258" r:id="rId4"/>
+    <p:sldId id="263" r:id="rId5"/>
+    <p:sldId id="264" r:id="rId6"/>
+    <p:sldId id="259" r:id="rId7"/>
+    <p:sldId id="260" r:id="rId8"/>
+    <p:sldId id="272" r:id="rId9"/>
+    <p:sldId id="267" r:id="rId10"/>
+    <p:sldId id="261" r:id="rId11"/>
   </p:sldIdLst>
   <p:sldSz cx="12192000" cy="6858000"/>
   <p:notesSz cx="6858000" cy="9144000"/>
@@ -569,7 +570,7 @@
           <a:p>
             <a:fld id="{8B4C1D23-4C97-47CD-848F-7ECFEEAA5281}" type="slidenum">
               <a:rPr kumimoji="1" lang="ja-JP" altLang="en-US" smtClean="0"/>
-              <a:t>3</a:t>
+              <a:t>4</a:t>
             </a:fld>
             <a:endParaRPr kumimoji="1" lang="ja-JP" altLang="en-US"/>
           </a:p>
@@ -653,7 +654,7 @@
           <a:p>
             <a:fld id="{8B4C1D23-4C97-47CD-848F-7ECFEEAA5281}" type="slidenum">
               <a:rPr kumimoji="1" lang="ja-JP" altLang="en-US" smtClean="0"/>
-              <a:t>4</a:t>
+              <a:t>5</a:t>
             </a:fld>
             <a:endParaRPr kumimoji="1" lang="ja-JP" altLang="en-US"/>
           </a:p>
@@ -737,7 +738,7 @@
           <a:p>
             <a:fld id="{8B4C1D23-4C97-47CD-848F-7ECFEEAA5281}" type="slidenum">
               <a:rPr kumimoji="1" lang="ja-JP" altLang="en-US" smtClean="0"/>
-              <a:t>6</a:t>
+              <a:t>7</a:t>
             </a:fld>
             <a:endParaRPr kumimoji="1" lang="ja-JP" altLang="en-US"/>
           </a:p>
@@ -821,7 +822,7 @@
           <a:p>
             <a:fld id="{8B4C1D23-4C97-47CD-848F-7ECFEEAA5281}" type="slidenum">
               <a:rPr kumimoji="1" lang="ja-JP" altLang="en-US" smtClean="0"/>
-              <a:t>7</a:t>
+              <a:t>8</a:t>
             </a:fld>
             <a:endParaRPr kumimoji="1" lang="ja-JP" altLang="en-US"/>
           </a:p>
@@ -4056,6 +4057,42 @@
           </a:prstGeom>
         </p:spPr>
       </p:pic>
+      <p:pic>
+        <p:nvPicPr>
+          <p:cNvPr id="9" name="図 8" descr="黒板の文字と絵が描かれた絵&#10;&#10;低い精度で自動的に生成された説明">
+            <a:extLst>
+              <a:ext uri="{FF2B5EF4-FFF2-40B4-BE49-F238E27FC236}">
+                <a16:creationId xmlns:a16="http://schemas.microsoft.com/office/drawing/2014/main" id="{3E819416-B5C2-FC85-5D84-1DE88349B1F8}"/>
+              </a:ext>
+            </a:extLst>
+          </p:cNvPr>
+          <p:cNvPicPr>
+            <a:picLocks noChangeAspect="1"/>
+          </p:cNvPicPr>
+          <p:nvPr userDrawn="1"/>
+        </p:nvPicPr>
+        <p:blipFill>
+          <a:blip r:embed="rId14">
+            <a:extLst>
+              <a:ext uri="{28A0092B-C50C-407E-A947-70E740481C1C}">
+                <a14:useLocalDpi xmlns:a14="http://schemas.microsoft.com/office/drawing/2010/main" val="0"/>
+              </a:ext>
+            </a:extLst>
+          </a:blip>
+          <a:stretch>
+            <a:fillRect/>
+          </a:stretch>
+        </p:blipFill>
+        <p:spPr>
+          <a:xfrm>
+            <a:off x="2342341" y="-241762"/>
+            <a:ext cx="7507317" cy="7507317"/>
+          </a:xfrm>
+          <a:prstGeom prst="rect">
+            <a:avLst/>
+          </a:prstGeom>
+        </p:spPr>
+      </p:pic>
       <p:sp>
         <p:nvSpPr>
           <p:cNvPr id="8" name="正方形/長方形 7">
@@ -4078,7 +4115,7 @@
           </a:prstGeom>
           <a:solidFill>
             <a:schemeClr val="tx1">
-              <a:alpha val="80000"/>
+              <a:alpha val="90000"/>
             </a:schemeClr>
           </a:solidFill>
           <a:ln>
@@ -4431,12 +4468,856 @@
           <a:chExt cx="0" cy="0"/>
         </a:xfrm>
       </p:grpSpPr>
+      <p:pic>
+        <p:nvPicPr>
+          <p:cNvPr id="17" name="図 16" descr="黒板の文字と絵が描かれた絵&#10;&#10;低い精度で自動的に生成された説明">
+            <a:extLst>
+              <a:ext uri="{FF2B5EF4-FFF2-40B4-BE49-F238E27FC236}">
+                <a16:creationId xmlns:a16="http://schemas.microsoft.com/office/drawing/2014/main" id="{E6623457-794F-65A5-90D8-FB3B94B5FF1B}"/>
+              </a:ext>
+            </a:extLst>
+          </p:cNvPr>
+          <p:cNvPicPr>
+            <a:picLocks noChangeAspect="1"/>
+          </p:cNvPicPr>
+          <p:nvPr/>
+        </p:nvPicPr>
+        <p:blipFill>
+          <a:blip r:embed="rId2">
+            <a:extLst>
+              <a:ext uri="{28A0092B-C50C-407E-A947-70E740481C1C}">
+                <a14:useLocalDpi xmlns:a14="http://schemas.microsoft.com/office/drawing/2010/main" val="0"/>
+              </a:ext>
+            </a:extLst>
+          </a:blip>
+          <a:stretch>
+            <a:fillRect/>
+          </a:stretch>
+        </p:blipFill>
+        <p:spPr>
+          <a:xfrm>
+            <a:off x="2804753" y="137753"/>
+            <a:ext cx="6582494" cy="6582494"/>
+          </a:xfrm>
+          <a:prstGeom prst="rect">
+            <a:avLst/>
+          </a:prstGeom>
+          <a:effectLst>
+            <a:glow>
+              <a:srgbClr val="7030A0"/>
+            </a:glow>
+          </a:effectLst>
+        </p:spPr>
+      </p:pic>
+    </p:spTree>
+    <p:extLst>
+      <p:ext uri="{BB962C8B-B14F-4D97-AF65-F5344CB8AC3E}">
+        <p14:creationId xmlns:p14="http://schemas.microsoft.com/office/powerpoint/2010/main" val="1155414752"/>
+      </p:ext>
+    </p:extLst>
+  </p:cSld>
+  <p:clrMapOvr>
+    <a:masterClrMapping/>
+  </p:clrMapOvr>
+</p:sld>
+</file>
+
+<file path=ppt/slides/slide10.xml><?xml version="1.0" encoding="utf-8"?>
+<p:sld xmlns:a="http://schemas.openxmlformats.org/drawingml/2006/main" xmlns:r="http://schemas.openxmlformats.org/officeDocument/2006/relationships" xmlns:p="http://schemas.openxmlformats.org/presentationml/2006/main">
+  <p:cSld>
+    <p:spTree>
+      <p:nvGrpSpPr>
+        <p:cNvPr id="1" name=""/>
+        <p:cNvGrpSpPr/>
+        <p:nvPr/>
+      </p:nvGrpSpPr>
+      <p:grpSpPr>
+        <a:xfrm>
+          <a:off x="0" y="0"/>
+          <a:ext cx="0" cy="0"/>
+          <a:chOff x="0" y="0"/>
+          <a:chExt cx="0" cy="0"/>
+        </a:xfrm>
+      </p:grpSpPr>
+      <p:grpSp>
+        <p:nvGrpSpPr>
+          <p:cNvPr id="112" name="グループ化 111">
+            <a:extLst>
+              <a:ext uri="{FF2B5EF4-FFF2-40B4-BE49-F238E27FC236}">
+                <a16:creationId xmlns:a16="http://schemas.microsoft.com/office/drawing/2014/main" id="{484B9948-223F-D76B-93C1-FBF5F71A59CB}"/>
+              </a:ext>
+            </a:extLst>
+          </p:cNvPr>
+          <p:cNvGrpSpPr/>
+          <p:nvPr/>
+        </p:nvGrpSpPr>
+        <p:grpSpPr>
+          <a:xfrm>
+            <a:off x="3263156" y="3526422"/>
+            <a:ext cx="2693570" cy="374210"/>
+            <a:chOff x="6729442" y="3799668"/>
+            <a:chExt cx="3981180" cy="553094"/>
+          </a:xfrm>
+        </p:grpSpPr>
+        <p:grpSp>
+          <p:nvGrpSpPr>
+            <p:cNvPr id="113" name="グループ化 112">
+              <a:extLst>
+                <a:ext uri="{FF2B5EF4-FFF2-40B4-BE49-F238E27FC236}">
+                  <a16:creationId xmlns:a16="http://schemas.microsoft.com/office/drawing/2014/main" id="{0DCC9921-D0D8-BAD4-46DE-7A895C23EFD6}"/>
+                </a:ext>
+              </a:extLst>
+            </p:cNvPr>
+            <p:cNvGrpSpPr/>
+            <p:nvPr/>
+          </p:nvGrpSpPr>
+          <p:grpSpPr>
+            <a:xfrm>
+              <a:off x="6730390" y="3799668"/>
+              <a:ext cx="3980232" cy="553094"/>
+              <a:chOff x="6730390" y="3799668"/>
+              <a:chExt cx="3980232" cy="553094"/>
+            </a:xfrm>
+          </p:grpSpPr>
+          <p:grpSp>
+            <p:nvGrpSpPr>
+              <p:cNvPr id="115" name="グループ化 114">
+                <a:extLst>
+                  <a:ext uri="{FF2B5EF4-FFF2-40B4-BE49-F238E27FC236}">
+                    <a16:creationId xmlns:a16="http://schemas.microsoft.com/office/drawing/2014/main" id="{75A2D3CC-BC6B-9AD0-5B9B-2BA9CA1EAF5A}"/>
+                  </a:ext>
+                </a:extLst>
+              </p:cNvPr>
+              <p:cNvGrpSpPr/>
+              <p:nvPr/>
+            </p:nvGrpSpPr>
+            <p:grpSpPr>
+              <a:xfrm>
+                <a:off x="6730390" y="3799668"/>
+                <a:ext cx="3980232" cy="553094"/>
+                <a:chOff x="6729442" y="293195"/>
+                <a:chExt cx="3980232" cy="553094"/>
+              </a:xfrm>
+            </p:grpSpPr>
+            <p:sp>
+              <p:nvSpPr>
+                <p:cNvPr id="119" name="正方形/長方形 118">
+                  <a:extLst>
+                    <a:ext uri="{FF2B5EF4-FFF2-40B4-BE49-F238E27FC236}">
+                      <a16:creationId xmlns:a16="http://schemas.microsoft.com/office/drawing/2014/main" id="{CE99CFD8-AE5A-C079-0A55-0B59FB9DB85B}"/>
+                    </a:ext>
+                  </a:extLst>
+                </p:cNvPr>
+                <p:cNvSpPr/>
+                <p:nvPr/>
+              </p:nvSpPr>
+              <p:spPr>
+                <a:xfrm>
+                  <a:off x="6729442" y="293195"/>
+                  <a:ext cx="3980232" cy="545623"/>
+                </a:xfrm>
+                <a:prstGeom prst="rect">
+                  <a:avLst/>
+                </a:prstGeom>
+                <a:solidFill>
+                  <a:schemeClr val="tx1">
+                    <a:lumMod val="95000"/>
+                    <a:lumOff val="5000"/>
+                  </a:schemeClr>
+                </a:solidFill>
+                <a:ln w="38100">
+                  <a:solidFill>
+                    <a:srgbClr val="7030A0"/>
+                  </a:solidFill>
+                </a:ln>
+              </p:spPr>
+              <p:style>
+                <a:lnRef idx="2">
+                  <a:schemeClr val="accent1">
+                    <a:shade val="15000"/>
+                  </a:schemeClr>
+                </a:lnRef>
+                <a:fillRef idx="1">
+                  <a:schemeClr val="accent1"/>
+                </a:fillRef>
+                <a:effectRef idx="0">
+                  <a:schemeClr val="accent1"/>
+                </a:effectRef>
+                <a:fontRef idx="minor">
+                  <a:schemeClr val="lt1"/>
+                </a:fontRef>
+              </p:style>
+              <p:txBody>
+                <a:bodyPr rtlCol="0" anchor="ctr"/>
+                <a:lstStyle/>
+                <a:p>
+                  <a:pPr algn="ctr"/>
+                  <a:endParaRPr kumimoji="1" lang="ja-JP" altLang="en-US" dirty="0"/>
+                </a:p>
+              </p:txBody>
+            </p:sp>
+            <p:sp>
+              <p:nvSpPr>
+                <p:cNvPr id="120" name="正方形/長方形 119">
+                  <a:extLst>
+                    <a:ext uri="{FF2B5EF4-FFF2-40B4-BE49-F238E27FC236}">
+                      <a16:creationId xmlns:a16="http://schemas.microsoft.com/office/drawing/2014/main" id="{BD26E536-C123-6AAE-A21F-E0699DE52E3C}"/>
+                    </a:ext>
+                  </a:extLst>
+                </p:cNvPr>
+                <p:cNvSpPr/>
+                <p:nvPr/>
+              </p:nvSpPr>
+              <p:spPr>
+                <a:xfrm>
+                  <a:off x="6729446" y="326570"/>
+                  <a:ext cx="1205861" cy="519719"/>
+                </a:xfrm>
+                <a:prstGeom prst="rect">
+                  <a:avLst/>
+                </a:prstGeom>
+                <a:solidFill>
+                  <a:srgbClr val="00B0F0"/>
+                </a:solidFill>
+                <a:ln w="38100">
+                  <a:noFill/>
+                </a:ln>
+              </p:spPr>
+              <p:style>
+                <a:lnRef idx="2">
+                  <a:schemeClr val="accent1">
+                    <a:shade val="15000"/>
+                  </a:schemeClr>
+                </a:lnRef>
+                <a:fillRef idx="1">
+                  <a:schemeClr val="accent1"/>
+                </a:fillRef>
+                <a:effectRef idx="0">
+                  <a:schemeClr val="accent1"/>
+                </a:effectRef>
+                <a:fontRef idx="minor">
+                  <a:schemeClr val="lt1"/>
+                </a:fontRef>
+              </p:style>
+              <p:txBody>
+                <a:bodyPr rtlCol="0" anchor="ctr"/>
+                <a:lstStyle/>
+                <a:p>
+                  <a:pPr algn="ctr"/>
+                  <a:endParaRPr kumimoji="1" lang="ja-JP" altLang="en-US" dirty="0"/>
+                </a:p>
+              </p:txBody>
+            </p:sp>
+          </p:grpSp>
+          <p:sp>
+            <p:nvSpPr>
+              <p:cNvPr id="116" name="正方形/長方形 115">
+                <a:extLst>
+                  <a:ext uri="{FF2B5EF4-FFF2-40B4-BE49-F238E27FC236}">
+                    <a16:creationId xmlns:a16="http://schemas.microsoft.com/office/drawing/2014/main" id="{725E597F-6958-F00C-CEC0-E39E63A4B515}"/>
+                  </a:ext>
+                </a:extLst>
+              </p:cNvPr>
+              <p:cNvSpPr/>
+              <p:nvPr/>
+            </p:nvSpPr>
+            <p:spPr>
+              <a:xfrm>
+                <a:off x="7936256" y="3830382"/>
+                <a:ext cx="1061071" cy="519719"/>
+              </a:xfrm>
+              <a:prstGeom prst="rect">
+                <a:avLst/>
+              </a:prstGeom>
+              <a:solidFill>
+                <a:srgbClr val="00B0F0">
+                  <a:alpha val="50000"/>
+                </a:srgbClr>
+              </a:solidFill>
+              <a:ln w="38100">
+                <a:noFill/>
+              </a:ln>
+            </p:spPr>
+            <p:style>
+              <a:lnRef idx="2">
+                <a:schemeClr val="accent1">
+                  <a:shade val="15000"/>
+                </a:schemeClr>
+              </a:lnRef>
+              <a:fillRef idx="1">
+                <a:schemeClr val="accent1"/>
+              </a:fillRef>
+              <a:effectRef idx="0">
+                <a:schemeClr val="accent1"/>
+              </a:effectRef>
+              <a:fontRef idx="minor">
+                <a:schemeClr val="lt1"/>
+              </a:fontRef>
+            </p:style>
+            <p:txBody>
+              <a:bodyPr rtlCol="0" anchor="ctr"/>
+              <a:lstStyle/>
+              <a:p>
+                <a:pPr algn="ctr"/>
+                <a:endParaRPr kumimoji="1" lang="ja-JP" altLang="en-US" dirty="0"/>
+              </a:p>
+            </p:txBody>
+          </p:sp>
+          <p:sp>
+            <p:nvSpPr>
+              <p:cNvPr id="117" name="正方形/長方形 116">
+                <a:extLst>
+                  <a:ext uri="{FF2B5EF4-FFF2-40B4-BE49-F238E27FC236}">
+                    <a16:creationId xmlns:a16="http://schemas.microsoft.com/office/drawing/2014/main" id="{97D8841E-8AB9-4CB5-583B-7F7DBCAAC6FD}"/>
+                  </a:ext>
+                </a:extLst>
+              </p:cNvPr>
+              <p:cNvSpPr/>
+              <p:nvPr/>
+            </p:nvSpPr>
+            <p:spPr>
+              <a:xfrm>
+                <a:off x="7936257" y="3830382"/>
+                <a:ext cx="732608" cy="519719"/>
+              </a:xfrm>
+              <a:prstGeom prst="rect">
+                <a:avLst/>
+              </a:prstGeom>
+              <a:solidFill>
+                <a:srgbClr val="00B0F0">
+                  <a:alpha val="50000"/>
+                </a:srgbClr>
+              </a:solidFill>
+              <a:ln w="38100">
+                <a:noFill/>
+              </a:ln>
+            </p:spPr>
+            <p:style>
+              <a:lnRef idx="2">
+                <a:schemeClr val="accent1">
+                  <a:shade val="15000"/>
+                </a:schemeClr>
+              </a:lnRef>
+              <a:fillRef idx="1">
+                <a:schemeClr val="accent1"/>
+              </a:fillRef>
+              <a:effectRef idx="0">
+                <a:schemeClr val="accent1"/>
+              </a:effectRef>
+              <a:fontRef idx="minor">
+                <a:schemeClr val="lt1"/>
+              </a:fontRef>
+            </p:style>
+            <p:txBody>
+              <a:bodyPr rtlCol="0" anchor="ctr"/>
+              <a:lstStyle/>
+              <a:p>
+                <a:pPr algn="ctr"/>
+                <a:endParaRPr kumimoji="1" lang="ja-JP" altLang="en-US" dirty="0"/>
+              </a:p>
+            </p:txBody>
+          </p:sp>
+          <p:sp>
+            <p:nvSpPr>
+              <p:cNvPr id="118" name="正方形/長方形 117">
+                <a:extLst>
+                  <a:ext uri="{FF2B5EF4-FFF2-40B4-BE49-F238E27FC236}">
+                    <a16:creationId xmlns:a16="http://schemas.microsoft.com/office/drawing/2014/main" id="{CADDAA5A-6309-7059-99BC-B08C8259A4A0}"/>
+                  </a:ext>
+                </a:extLst>
+              </p:cNvPr>
+              <p:cNvSpPr/>
+              <p:nvPr/>
+            </p:nvSpPr>
+            <p:spPr>
+              <a:xfrm>
+                <a:off x="7936255" y="3830382"/>
+                <a:ext cx="397539" cy="519719"/>
+              </a:xfrm>
+              <a:prstGeom prst="rect">
+                <a:avLst/>
+              </a:prstGeom>
+              <a:solidFill>
+                <a:srgbClr val="00B0F0">
+                  <a:alpha val="50000"/>
+                </a:srgbClr>
+              </a:solidFill>
+              <a:ln w="38100">
+                <a:noFill/>
+              </a:ln>
+            </p:spPr>
+            <p:style>
+              <a:lnRef idx="2">
+                <a:schemeClr val="accent1">
+                  <a:shade val="15000"/>
+                </a:schemeClr>
+              </a:lnRef>
+              <a:fillRef idx="1">
+                <a:schemeClr val="accent1"/>
+              </a:fillRef>
+              <a:effectRef idx="0">
+                <a:schemeClr val="accent1"/>
+              </a:effectRef>
+              <a:fontRef idx="minor">
+                <a:schemeClr val="lt1"/>
+              </a:fontRef>
+            </p:style>
+            <p:txBody>
+              <a:bodyPr rtlCol="0" anchor="ctr"/>
+              <a:lstStyle/>
+              <a:p>
+                <a:pPr algn="ctr"/>
+                <a:endParaRPr kumimoji="1" lang="ja-JP" altLang="en-US" dirty="0"/>
+              </a:p>
+            </p:txBody>
+          </p:sp>
+        </p:grpSp>
+        <p:sp>
+          <p:nvSpPr>
+            <p:cNvPr id="114" name="矢印: 右 113">
+              <a:extLst>
+                <a:ext uri="{FF2B5EF4-FFF2-40B4-BE49-F238E27FC236}">
+                  <a16:creationId xmlns:a16="http://schemas.microsoft.com/office/drawing/2014/main" id="{C6A68873-2641-B666-9411-768E3818EA65}"/>
+                </a:ext>
+              </a:extLst>
+            </p:cNvPr>
+            <p:cNvSpPr/>
+            <p:nvPr/>
+          </p:nvSpPr>
+          <p:spPr>
+            <a:xfrm flipH="1">
+              <a:off x="6729442" y="3845132"/>
+              <a:ext cx="2267885" cy="490264"/>
+            </a:xfrm>
+            <a:prstGeom prst="rightArrow">
+              <a:avLst/>
+            </a:prstGeom>
+            <a:gradFill flip="none" rotWithShape="1">
+              <a:gsLst>
+                <a:gs pos="0">
+                  <a:schemeClr val="tx1"/>
+                </a:gs>
+                <a:gs pos="100000">
+                  <a:schemeClr val="accent4"/>
+                </a:gs>
+              </a:gsLst>
+              <a:lin ang="0" scaled="1"/>
+              <a:tileRect/>
+            </a:gradFill>
+            <a:ln>
+              <a:solidFill>
+                <a:schemeClr val="bg1"/>
+              </a:solidFill>
+            </a:ln>
+          </p:spPr>
+          <p:style>
+            <a:lnRef idx="2">
+              <a:schemeClr val="accent1">
+                <a:shade val="15000"/>
+              </a:schemeClr>
+            </a:lnRef>
+            <a:fillRef idx="1">
+              <a:schemeClr val="accent1"/>
+            </a:fillRef>
+            <a:effectRef idx="0">
+              <a:schemeClr val="accent1"/>
+            </a:effectRef>
+            <a:fontRef idx="minor">
+              <a:schemeClr val="lt1"/>
+            </a:fontRef>
+          </p:style>
+          <p:txBody>
+            <a:bodyPr rtlCol="0" anchor="ctr"/>
+            <a:lstStyle/>
+            <a:p>
+              <a:pPr algn="ctr"/>
+              <a:endParaRPr kumimoji="1" lang="ja-JP" altLang="en-US" dirty="0"/>
+            </a:p>
+          </p:txBody>
+        </p:sp>
+      </p:grpSp>
+      <p:grpSp>
+        <p:nvGrpSpPr>
+          <p:cNvPr id="97" name="グループ化 96">
+            <a:extLst>
+              <a:ext uri="{FF2B5EF4-FFF2-40B4-BE49-F238E27FC236}">
+                <a16:creationId xmlns:a16="http://schemas.microsoft.com/office/drawing/2014/main" id="{7C9DE53A-1F18-251F-8C3A-B055457BFA6D}"/>
+              </a:ext>
+            </a:extLst>
+          </p:cNvPr>
+          <p:cNvGrpSpPr/>
+          <p:nvPr/>
+        </p:nvGrpSpPr>
+        <p:grpSpPr>
+          <a:xfrm>
+            <a:off x="8987560" y="930932"/>
+            <a:ext cx="2702862" cy="375590"/>
+            <a:chOff x="6729442" y="293195"/>
+            <a:chExt cx="3980232" cy="553094"/>
+          </a:xfrm>
+        </p:grpSpPr>
+        <p:grpSp>
+          <p:nvGrpSpPr>
+            <p:cNvPr id="98" name="グループ化 97">
+              <a:extLst>
+                <a:ext uri="{FF2B5EF4-FFF2-40B4-BE49-F238E27FC236}">
+                  <a16:creationId xmlns:a16="http://schemas.microsoft.com/office/drawing/2014/main" id="{131E56A0-2C9D-1BD8-A2F1-C0BC8ED89172}"/>
+                </a:ext>
+              </a:extLst>
+            </p:cNvPr>
+            <p:cNvGrpSpPr/>
+            <p:nvPr/>
+          </p:nvGrpSpPr>
+          <p:grpSpPr>
+            <a:xfrm>
+              <a:off x="6729442" y="293195"/>
+              <a:ext cx="3980232" cy="553094"/>
+              <a:chOff x="6729442" y="293195"/>
+              <a:chExt cx="3980232" cy="553094"/>
+            </a:xfrm>
+          </p:grpSpPr>
+          <p:sp>
+            <p:nvSpPr>
+              <p:cNvPr id="100" name="正方形/長方形 99">
+                <a:extLst>
+                  <a:ext uri="{FF2B5EF4-FFF2-40B4-BE49-F238E27FC236}">
+                    <a16:creationId xmlns:a16="http://schemas.microsoft.com/office/drawing/2014/main" id="{91872DD4-8BEF-9E68-5A61-ADFF3AE1D1D2}"/>
+                  </a:ext>
+                </a:extLst>
+              </p:cNvPr>
+              <p:cNvSpPr/>
+              <p:nvPr/>
+            </p:nvSpPr>
+            <p:spPr>
+              <a:xfrm>
+                <a:off x="6729442" y="293195"/>
+                <a:ext cx="3980232" cy="545623"/>
+              </a:xfrm>
+              <a:prstGeom prst="rect">
+                <a:avLst/>
+              </a:prstGeom>
+              <a:solidFill>
+                <a:schemeClr val="tx1">
+                  <a:lumMod val="95000"/>
+                  <a:lumOff val="5000"/>
+                </a:schemeClr>
+              </a:solidFill>
+              <a:ln w="38100">
+                <a:solidFill>
+                  <a:srgbClr val="7030A0"/>
+                </a:solidFill>
+              </a:ln>
+            </p:spPr>
+            <p:style>
+              <a:lnRef idx="2">
+                <a:schemeClr val="accent1">
+                  <a:shade val="15000"/>
+                </a:schemeClr>
+              </a:lnRef>
+              <a:fillRef idx="1">
+                <a:schemeClr val="accent1"/>
+              </a:fillRef>
+              <a:effectRef idx="0">
+                <a:schemeClr val="accent1"/>
+              </a:effectRef>
+              <a:fontRef idx="minor">
+                <a:schemeClr val="lt1"/>
+              </a:fontRef>
+            </p:style>
+            <p:txBody>
+              <a:bodyPr rtlCol="0" anchor="ctr"/>
+              <a:lstStyle/>
+              <a:p>
+                <a:pPr algn="ctr"/>
+                <a:endParaRPr kumimoji="1" lang="ja-JP" altLang="en-US" dirty="0"/>
+              </a:p>
+            </p:txBody>
+          </p:sp>
+          <p:sp>
+            <p:nvSpPr>
+              <p:cNvPr id="101" name="正方形/長方形 100">
+                <a:extLst>
+                  <a:ext uri="{FF2B5EF4-FFF2-40B4-BE49-F238E27FC236}">
+                    <a16:creationId xmlns:a16="http://schemas.microsoft.com/office/drawing/2014/main" id="{7ADC5EC3-10D6-8EEB-DFB3-1BBC574DE414}"/>
+                  </a:ext>
+                </a:extLst>
+              </p:cNvPr>
+              <p:cNvSpPr/>
+              <p:nvPr/>
+            </p:nvSpPr>
+            <p:spPr>
+              <a:xfrm>
+                <a:off x="6729446" y="326570"/>
+                <a:ext cx="2267883" cy="519719"/>
+              </a:xfrm>
+              <a:prstGeom prst="rect">
+                <a:avLst/>
+              </a:prstGeom>
+              <a:solidFill>
+                <a:srgbClr val="FFFF00"/>
+              </a:solidFill>
+              <a:ln w="38100">
+                <a:noFill/>
+              </a:ln>
+            </p:spPr>
+            <p:style>
+              <a:lnRef idx="2">
+                <a:schemeClr val="accent1">
+                  <a:shade val="15000"/>
+                </a:schemeClr>
+              </a:lnRef>
+              <a:fillRef idx="1">
+                <a:schemeClr val="accent1"/>
+              </a:fillRef>
+              <a:effectRef idx="0">
+                <a:schemeClr val="accent1"/>
+              </a:effectRef>
+              <a:fontRef idx="minor">
+                <a:schemeClr val="lt1"/>
+              </a:fontRef>
+            </p:style>
+            <p:txBody>
+              <a:bodyPr rtlCol="0" anchor="ctr"/>
+              <a:lstStyle/>
+              <a:p>
+                <a:pPr algn="ctr"/>
+                <a:endParaRPr kumimoji="1" lang="ja-JP" altLang="en-US" dirty="0"/>
+              </a:p>
+            </p:txBody>
+          </p:sp>
+          <p:sp>
+            <p:nvSpPr>
+              <p:cNvPr id="102" name="正方形/長方形 101">
+                <a:extLst>
+                  <a:ext uri="{FF2B5EF4-FFF2-40B4-BE49-F238E27FC236}">
+                    <a16:creationId xmlns:a16="http://schemas.microsoft.com/office/drawing/2014/main" id="{92C471F3-7DA2-9BB1-2130-0224578C4C76}"/>
+                  </a:ext>
+                </a:extLst>
+              </p:cNvPr>
+              <p:cNvSpPr/>
+              <p:nvPr/>
+            </p:nvSpPr>
+            <p:spPr>
+              <a:xfrm>
+                <a:off x="8997328" y="326570"/>
+                <a:ext cx="1061071" cy="519719"/>
+              </a:xfrm>
+              <a:prstGeom prst="rect">
+                <a:avLst/>
+              </a:prstGeom>
+              <a:solidFill>
+                <a:srgbClr val="FFFF00">
+                  <a:alpha val="50000"/>
+                </a:srgbClr>
+              </a:solidFill>
+              <a:ln w="38100">
+                <a:noFill/>
+              </a:ln>
+            </p:spPr>
+            <p:style>
+              <a:lnRef idx="2">
+                <a:schemeClr val="accent1">
+                  <a:shade val="15000"/>
+                </a:schemeClr>
+              </a:lnRef>
+              <a:fillRef idx="1">
+                <a:schemeClr val="accent1"/>
+              </a:fillRef>
+              <a:effectRef idx="0">
+                <a:schemeClr val="accent1"/>
+              </a:effectRef>
+              <a:fontRef idx="minor">
+                <a:schemeClr val="lt1"/>
+              </a:fontRef>
+            </p:style>
+            <p:txBody>
+              <a:bodyPr rtlCol="0" anchor="ctr"/>
+              <a:lstStyle/>
+              <a:p>
+                <a:pPr algn="ctr"/>
+                <a:endParaRPr kumimoji="1" lang="ja-JP" altLang="en-US" dirty="0"/>
+              </a:p>
+            </p:txBody>
+          </p:sp>
+          <p:sp>
+            <p:nvSpPr>
+              <p:cNvPr id="103" name="正方形/長方形 102">
+                <a:extLst>
+                  <a:ext uri="{FF2B5EF4-FFF2-40B4-BE49-F238E27FC236}">
+                    <a16:creationId xmlns:a16="http://schemas.microsoft.com/office/drawing/2014/main" id="{71791663-A4F0-4958-5203-4062FA0A0D2C}"/>
+                  </a:ext>
+                </a:extLst>
+              </p:cNvPr>
+              <p:cNvSpPr/>
+              <p:nvPr/>
+            </p:nvSpPr>
+            <p:spPr>
+              <a:xfrm>
+                <a:off x="8997329" y="326570"/>
+                <a:ext cx="732608" cy="519719"/>
+              </a:xfrm>
+              <a:prstGeom prst="rect">
+                <a:avLst/>
+              </a:prstGeom>
+              <a:solidFill>
+                <a:srgbClr val="FFFF00">
+                  <a:alpha val="50000"/>
+                </a:srgbClr>
+              </a:solidFill>
+              <a:ln w="38100">
+                <a:noFill/>
+              </a:ln>
+            </p:spPr>
+            <p:style>
+              <a:lnRef idx="2">
+                <a:schemeClr val="accent1">
+                  <a:shade val="15000"/>
+                </a:schemeClr>
+              </a:lnRef>
+              <a:fillRef idx="1">
+                <a:schemeClr val="accent1"/>
+              </a:fillRef>
+              <a:effectRef idx="0">
+                <a:schemeClr val="accent1"/>
+              </a:effectRef>
+              <a:fontRef idx="minor">
+                <a:schemeClr val="lt1"/>
+              </a:fontRef>
+            </p:style>
+            <p:txBody>
+              <a:bodyPr rtlCol="0" anchor="ctr"/>
+              <a:lstStyle/>
+              <a:p>
+                <a:pPr algn="ctr"/>
+                <a:endParaRPr kumimoji="1" lang="ja-JP" altLang="en-US" dirty="0"/>
+              </a:p>
+            </p:txBody>
+          </p:sp>
+          <p:sp>
+            <p:nvSpPr>
+              <p:cNvPr id="104" name="正方形/長方形 103">
+                <a:extLst>
+                  <a:ext uri="{FF2B5EF4-FFF2-40B4-BE49-F238E27FC236}">
+                    <a16:creationId xmlns:a16="http://schemas.microsoft.com/office/drawing/2014/main" id="{50AB78E5-7D5E-6784-D4C9-AB3F2EBD5A77}"/>
+                  </a:ext>
+                </a:extLst>
+              </p:cNvPr>
+              <p:cNvSpPr/>
+              <p:nvPr/>
+            </p:nvSpPr>
+            <p:spPr>
+              <a:xfrm>
+                <a:off x="8997327" y="324136"/>
+                <a:ext cx="397539" cy="519719"/>
+              </a:xfrm>
+              <a:prstGeom prst="rect">
+                <a:avLst/>
+              </a:prstGeom>
+              <a:solidFill>
+                <a:srgbClr val="FFFF00">
+                  <a:alpha val="50000"/>
+                </a:srgbClr>
+              </a:solidFill>
+              <a:ln w="38100">
+                <a:noFill/>
+              </a:ln>
+            </p:spPr>
+            <p:style>
+              <a:lnRef idx="2">
+                <a:schemeClr val="accent1">
+                  <a:shade val="15000"/>
+                </a:schemeClr>
+              </a:lnRef>
+              <a:fillRef idx="1">
+                <a:schemeClr val="accent1"/>
+              </a:fillRef>
+              <a:effectRef idx="0">
+                <a:schemeClr val="accent1"/>
+              </a:effectRef>
+              <a:fontRef idx="minor">
+                <a:schemeClr val="lt1"/>
+              </a:fontRef>
+            </p:style>
+            <p:txBody>
+              <a:bodyPr rtlCol="0" anchor="ctr"/>
+              <a:lstStyle/>
+              <a:p>
+                <a:pPr algn="ctr"/>
+                <a:endParaRPr kumimoji="1" lang="ja-JP" altLang="en-US" dirty="0"/>
+              </a:p>
+            </p:txBody>
+          </p:sp>
+        </p:grpSp>
+        <p:sp>
+          <p:nvSpPr>
+            <p:cNvPr id="99" name="矢印: 右 98">
+              <a:extLst>
+                <a:ext uri="{FF2B5EF4-FFF2-40B4-BE49-F238E27FC236}">
+                  <a16:creationId xmlns:a16="http://schemas.microsoft.com/office/drawing/2014/main" id="{19237893-26BE-767E-3D3D-C42F9BB75897}"/>
+                </a:ext>
+              </a:extLst>
+            </p:cNvPr>
+            <p:cNvSpPr/>
+            <p:nvPr/>
+          </p:nvSpPr>
+          <p:spPr>
+            <a:xfrm>
+              <a:off x="8997327" y="343760"/>
+              <a:ext cx="1632706" cy="490264"/>
+            </a:xfrm>
+            <a:prstGeom prst="rightArrow">
+              <a:avLst/>
+            </a:prstGeom>
+            <a:gradFill flip="none" rotWithShape="1">
+              <a:gsLst>
+                <a:gs pos="0">
+                  <a:schemeClr val="tx1"/>
+                </a:gs>
+                <a:gs pos="100000">
+                  <a:srgbClr val="FFFF00"/>
+                </a:gs>
+              </a:gsLst>
+              <a:lin ang="0" scaled="1"/>
+              <a:tileRect/>
+            </a:gradFill>
+            <a:ln>
+              <a:solidFill>
+                <a:schemeClr val="bg1"/>
+              </a:solidFill>
+            </a:ln>
+          </p:spPr>
+          <p:style>
+            <a:lnRef idx="2">
+              <a:schemeClr val="accent1">
+                <a:shade val="15000"/>
+              </a:schemeClr>
+            </a:lnRef>
+            <a:fillRef idx="1">
+              <a:schemeClr val="accent1"/>
+            </a:fillRef>
+            <a:effectRef idx="0">
+              <a:schemeClr val="accent1"/>
+            </a:effectRef>
+            <a:fontRef idx="minor">
+              <a:schemeClr val="lt1"/>
+            </a:fontRef>
+          </p:style>
+          <p:txBody>
+            <a:bodyPr rtlCol="0" anchor="ctr"/>
+            <a:lstStyle/>
+            <a:p>
+              <a:pPr algn="ctr"/>
+              <a:endParaRPr kumimoji="1" lang="ja-JP" altLang="en-US" dirty="0"/>
+            </a:p>
+          </p:txBody>
+        </p:sp>
+      </p:grpSp>
       <p:sp>
         <p:nvSpPr>
-          <p:cNvPr id="6" name="テキスト ボックス 5">
-            <a:extLst>
-              <a:ext uri="{FF2B5EF4-FFF2-40B4-BE49-F238E27FC236}">
-                <a16:creationId xmlns:a16="http://schemas.microsoft.com/office/drawing/2014/main" id="{5B5A2F80-B035-6631-3AD3-FDD1BAD71731}"/>
+          <p:cNvPr id="4" name="テキスト ボックス 3">
+            <a:extLst>
+              <a:ext uri="{FF2B5EF4-FFF2-40B4-BE49-F238E27FC236}">
+                <a16:creationId xmlns:a16="http://schemas.microsoft.com/office/drawing/2014/main" id="{90C587FD-1DFF-5989-82FE-EFC2930A75B9}"/>
               </a:ext>
             </a:extLst>
           </p:cNvPr>
@@ -4445,8 +5326,8 @@
         </p:nvSpPr>
         <p:spPr>
           <a:xfrm>
-            <a:off x="550606" y="403054"/>
-            <a:ext cx="11090788" cy="1569660"/>
+            <a:off x="0" y="0"/>
+            <a:ext cx="6363921" cy="1015663"/>
           </a:xfrm>
           <a:prstGeom prst="rect">
             <a:avLst/>
@@ -4459,9 +5340,8 @@
           </a:bodyPr>
           <a:lstStyle/>
           <a:p>
-            <a:pPr algn="ctr"/>
-            <a:r>
-              <a:rPr lang="ja-JP" altLang="en-US" sz="9600" b="1" dirty="0">
+            <a:r>
+              <a:rPr kumimoji="1" lang="ja-JP" altLang="en-US" sz="6000" b="1" dirty="0">
                 <a:solidFill>
                   <a:srgbClr val="7030A0"/>
                 </a:solidFill>
@@ -4473,9 +5353,560 @@
                 <a:latin typeface="HG正楷書体-PRO" panose="03000600000000000000" pitchFamily="66" charset="-128"/>
                 <a:ea typeface="HG正楷書体-PRO" panose="03000600000000000000" pitchFamily="66" charset="-128"/>
               </a:rPr>
-              <a:t>孤軍奮闘</a:t>
-            </a:r>
-            <a:endParaRPr lang="en-US" altLang="ja-JP" sz="9600" b="1" dirty="0">
+              <a:t>アピールポイント</a:t>
+            </a:r>
+          </a:p>
+        </p:txBody>
+      </p:sp>
+      <p:sp>
+        <p:nvSpPr>
+          <p:cNvPr id="36" name="テキスト ボックス 35">
+            <a:extLst>
+              <a:ext uri="{FF2B5EF4-FFF2-40B4-BE49-F238E27FC236}">
+                <a16:creationId xmlns:a16="http://schemas.microsoft.com/office/drawing/2014/main" id="{3B96750D-9DCB-D72E-8587-87EAA19FC19A}"/>
+              </a:ext>
+            </a:extLst>
+          </p:cNvPr>
+          <p:cNvSpPr txBox="1"/>
+          <p:nvPr/>
+        </p:nvSpPr>
+        <p:spPr>
+          <a:xfrm>
+            <a:off x="7994217" y="4607574"/>
+            <a:ext cx="3697038" cy="1754326"/>
+          </a:xfrm>
+          <a:prstGeom prst="rect">
+            <a:avLst/>
+          </a:prstGeom>
+          <a:noFill/>
+        </p:spPr>
+        <p:txBody>
+          <a:bodyPr wrap="square" rtlCol="0">
+            <a:spAutoFit/>
+          </a:bodyPr>
+          <a:lstStyle/>
+          <a:p>
+            <a:r>
+              <a:rPr lang="ja-JP" altLang="en-US" sz="4800" b="1" dirty="0">
+                <a:solidFill>
+                  <a:schemeClr val="bg1"/>
+                </a:solidFill>
+                <a:effectLst>
+                  <a:glow rad="127000">
+                    <a:srgbClr val="FF0000"/>
+                  </a:glow>
+                </a:effectLst>
+                <a:latin typeface="HG正楷書体-PRO" panose="03000600000000000000" pitchFamily="66" charset="-128"/>
+                <a:ea typeface="HG正楷書体-PRO" panose="03000600000000000000" pitchFamily="66" charset="-128"/>
+              </a:rPr>
+              <a:t>攻略方法は</a:t>
+            </a:r>
+            <a:endParaRPr lang="en-US" altLang="ja-JP" sz="4800" b="1" dirty="0">
+              <a:solidFill>
+                <a:schemeClr val="bg1"/>
+              </a:solidFill>
+              <a:effectLst>
+                <a:glow rad="127000">
+                  <a:srgbClr val="FF0000"/>
+                </a:glow>
+              </a:effectLst>
+              <a:latin typeface="HG正楷書体-PRO" panose="03000600000000000000" pitchFamily="66" charset="-128"/>
+              <a:ea typeface="HG正楷書体-PRO" panose="03000600000000000000" pitchFamily="66" charset="-128"/>
+            </a:endParaRPr>
+          </a:p>
+          <a:p>
+            <a:pPr algn="r"/>
+            <a:r>
+              <a:rPr lang="ja-JP" altLang="en-US" sz="6000" b="1" dirty="0">
+                <a:solidFill>
+                  <a:srgbClr val="FF0000"/>
+                </a:solidFill>
+                <a:effectLst>
+                  <a:glow rad="127000">
+                    <a:schemeClr val="bg1"/>
+                  </a:glow>
+                </a:effectLst>
+                <a:latin typeface="HG正楷書体-PRO" panose="03000600000000000000" pitchFamily="66" charset="-128"/>
+                <a:ea typeface="HG正楷書体-PRO" panose="03000600000000000000" pitchFamily="66" charset="-128"/>
+              </a:rPr>
+              <a:t>自由</a:t>
+            </a:r>
+            <a:endParaRPr lang="en-US" altLang="ja-JP" sz="4800" b="1" dirty="0">
+              <a:solidFill>
+                <a:srgbClr val="FF0000"/>
+              </a:solidFill>
+              <a:effectLst>
+                <a:glow rad="127000">
+                  <a:schemeClr val="bg1"/>
+                </a:glow>
+              </a:effectLst>
+              <a:latin typeface="HG正楷書体-PRO" panose="03000600000000000000" pitchFamily="66" charset="-128"/>
+              <a:ea typeface="HG正楷書体-PRO" panose="03000600000000000000" pitchFamily="66" charset="-128"/>
+            </a:endParaRPr>
+          </a:p>
+        </p:txBody>
+      </p:sp>
+      <p:grpSp>
+        <p:nvGrpSpPr>
+          <p:cNvPr id="45" name="グループ化 44">
+            <a:extLst>
+              <a:ext uri="{FF2B5EF4-FFF2-40B4-BE49-F238E27FC236}">
+                <a16:creationId xmlns:a16="http://schemas.microsoft.com/office/drawing/2014/main" id="{8598C834-CC8C-EFD4-2D34-F926435BE3E8}"/>
+              </a:ext>
+            </a:extLst>
+          </p:cNvPr>
+          <p:cNvGrpSpPr/>
+          <p:nvPr/>
+        </p:nvGrpSpPr>
+        <p:grpSpPr>
+          <a:xfrm>
+            <a:off x="5511885" y="447483"/>
+            <a:ext cx="4790662" cy="2116483"/>
+            <a:chOff x="11870186" y="3147843"/>
+            <a:chExt cx="5095262" cy="2251053"/>
+          </a:xfrm>
+        </p:grpSpPr>
+        <p:pic>
+          <p:nvPicPr>
+            <p:cNvPr id="46" name="図 45" descr="図形&#10;&#10;低い精度で自動的に生成された説明">
+              <a:extLst>
+                <a:ext uri="{FF2B5EF4-FFF2-40B4-BE49-F238E27FC236}">
+                  <a16:creationId xmlns:a16="http://schemas.microsoft.com/office/drawing/2014/main" id="{E2F01A5A-9E58-6B57-68D0-F51814CD0302}"/>
+                </a:ext>
+              </a:extLst>
+            </p:cNvPr>
+            <p:cNvPicPr>
+              <a:picLocks noChangeAspect="1"/>
+            </p:cNvPicPr>
+            <p:nvPr/>
+          </p:nvPicPr>
+          <p:blipFill>
+            <a:blip r:embed="rId2">
+              <a:extLst>
+                <a:ext uri="{28A0092B-C50C-407E-A947-70E740481C1C}">
+                  <a14:useLocalDpi xmlns:a14="http://schemas.microsoft.com/office/drawing/2010/main" val="0"/>
+                </a:ext>
+              </a:extLst>
+            </a:blip>
+            <a:stretch>
+              <a:fillRect/>
+            </a:stretch>
+          </p:blipFill>
+          <p:spPr>
+            <a:xfrm flipH="1">
+              <a:off x="14929839" y="3209539"/>
+              <a:ext cx="2035609" cy="2189357"/>
+            </a:xfrm>
+            <a:prstGeom prst="rect">
+              <a:avLst/>
+            </a:prstGeom>
+            <a:effectLst>
+              <a:glow rad="63500">
+                <a:schemeClr val="bg1"/>
+              </a:glow>
+            </a:effectLst>
+          </p:spPr>
+        </p:pic>
+        <p:pic>
+          <p:nvPicPr>
+            <p:cNvPr id="47" name="図 46" descr="マップ が含まれている画像&#10;&#10;自動的に生成された説明">
+              <a:extLst>
+                <a:ext uri="{FF2B5EF4-FFF2-40B4-BE49-F238E27FC236}">
+                  <a16:creationId xmlns:a16="http://schemas.microsoft.com/office/drawing/2014/main" id="{BFA26714-D8D3-84F8-65B2-D983204B88B7}"/>
+                </a:ext>
+              </a:extLst>
+            </p:cNvPr>
+            <p:cNvPicPr>
+              <a:picLocks noChangeAspect="1"/>
+            </p:cNvPicPr>
+            <p:nvPr/>
+          </p:nvPicPr>
+          <p:blipFill>
+            <a:blip r:embed="rId3">
+              <a:extLst>
+                <a:ext uri="{28A0092B-C50C-407E-A947-70E740481C1C}">
+                  <a14:useLocalDpi xmlns:a14="http://schemas.microsoft.com/office/drawing/2010/main" val="0"/>
+                </a:ext>
+              </a:extLst>
+            </a:blip>
+            <a:stretch>
+              <a:fillRect/>
+            </a:stretch>
+          </p:blipFill>
+          <p:spPr>
+            <a:xfrm>
+              <a:off x="13967692" y="3699362"/>
+              <a:ext cx="673079" cy="1346158"/>
+            </a:xfrm>
+            <a:prstGeom prst="rect">
+              <a:avLst/>
+            </a:prstGeom>
+            <a:effectLst>
+              <a:glow rad="50800">
+                <a:srgbClr val="FF0000"/>
+              </a:glow>
+            </a:effectLst>
+          </p:spPr>
+        </p:pic>
+        <p:pic>
+          <p:nvPicPr>
+            <p:cNvPr id="48" name="図 47" descr="図形&#10;&#10;低い精度で自動的に生成された説明">
+              <a:extLst>
+                <a:ext uri="{FF2B5EF4-FFF2-40B4-BE49-F238E27FC236}">
+                  <a16:creationId xmlns:a16="http://schemas.microsoft.com/office/drawing/2014/main" id="{0B119CA3-9FBE-241E-13A9-B8AA92DCB891}"/>
+                </a:ext>
+              </a:extLst>
+            </p:cNvPr>
+            <p:cNvPicPr>
+              <a:picLocks noChangeAspect="1"/>
+            </p:cNvPicPr>
+            <p:nvPr/>
+          </p:nvPicPr>
+          <p:blipFill>
+            <a:blip r:embed="rId4">
+              <a:duotone>
+                <a:schemeClr val="bg2">
+                  <a:shade val="45000"/>
+                  <a:satMod val="135000"/>
+                </a:schemeClr>
+                <a:prstClr val="white"/>
+              </a:duotone>
+              <a:extLst>
+                <a:ext uri="{28A0092B-C50C-407E-A947-70E740481C1C}">
+                  <a14:useLocalDpi xmlns:a14="http://schemas.microsoft.com/office/drawing/2010/main" val="0"/>
+                </a:ext>
+              </a:extLst>
+            </a:blip>
+            <a:stretch>
+              <a:fillRect/>
+            </a:stretch>
+          </p:blipFill>
+          <p:spPr>
+            <a:xfrm flipH="1">
+              <a:off x="12073916" y="3147843"/>
+              <a:ext cx="2035609" cy="2189357"/>
+            </a:xfrm>
+            <a:prstGeom prst="rect">
+              <a:avLst/>
+            </a:prstGeom>
+            <a:noFill/>
+            <a:effectLst>
+              <a:glow rad="63500">
+                <a:schemeClr val="bg1">
+                  <a:alpha val="70000"/>
+                </a:schemeClr>
+              </a:glow>
+            </a:effectLst>
+          </p:spPr>
+        </p:pic>
+        <p:pic>
+          <p:nvPicPr>
+            <p:cNvPr id="49" name="図 48" descr="図形&#10;&#10;低い精度で自動的に生成された説明">
+              <a:extLst>
+                <a:ext uri="{FF2B5EF4-FFF2-40B4-BE49-F238E27FC236}">
+                  <a16:creationId xmlns:a16="http://schemas.microsoft.com/office/drawing/2014/main" id="{5A9E68D5-2DAF-25A4-215B-0D54C0532D4E}"/>
+                </a:ext>
+              </a:extLst>
+            </p:cNvPr>
+            <p:cNvPicPr>
+              <a:picLocks noChangeAspect="1"/>
+            </p:cNvPicPr>
+            <p:nvPr/>
+          </p:nvPicPr>
+          <p:blipFill>
+            <a:blip r:embed="rId5">
+              <a:extLst>
+                <a:ext uri="{28A0092B-C50C-407E-A947-70E740481C1C}">
+                  <a14:useLocalDpi xmlns:a14="http://schemas.microsoft.com/office/drawing/2010/main" val="0"/>
+                </a:ext>
+              </a:extLst>
+            </a:blip>
+            <a:stretch>
+              <a:fillRect/>
+            </a:stretch>
+          </p:blipFill>
+          <p:spPr>
+            <a:xfrm flipH="1">
+              <a:off x="11870186" y="4087933"/>
+              <a:ext cx="315296" cy="315295"/>
+            </a:xfrm>
+            <a:prstGeom prst="rect">
+              <a:avLst/>
+            </a:prstGeom>
+            <a:effectLst>
+              <a:glow rad="50800">
+                <a:srgbClr val="FF0000"/>
+              </a:glow>
+            </a:effectLst>
+          </p:spPr>
+        </p:pic>
+        <p:pic>
+          <p:nvPicPr>
+            <p:cNvPr id="50" name="図 49" descr="図形&#10;&#10;低い精度で自動的に生成された説明">
+              <a:extLst>
+                <a:ext uri="{FF2B5EF4-FFF2-40B4-BE49-F238E27FC236}">
+                  <a16:creationId xmlns:a16="http://schemas.microsoft.com/office/drawing/2014/main" id="{9E2822DC-A85C-CB99-1A1A-0DE1E5CC859F}"/>
+                </a:ext>
+              </a:extLst>
+            </p:cNvPr>
+            <p:cNvPicPr>
+              <a:picLocks noChangeAspect="1"/>
+            </p:cNvPicPr>
+            <p:nvPr/>
+          </p:nvPicPr>
+          <p:blipFill>
+            <a:blip r:embed="rId5">
+              <a:extLst>
+                <a:ext uri="{28A0092B-C50C-407E-A947-70E740481C1C}">
+                  <a14:useLocalDpi xmlns:a14="http://schemas.microsoft.com/office/drawing/2010/main" val="0"/>
+                </a:ext>
+              </a:extLst>
+            </a:blip>
+            <a:stretch>
+              <a:fillRect/>
+            </a:stretch>
+          </p:blipFill>
+          <p:spPr>
+            <a:xfrm flipH="1">
+              <a:off x="13494200" y="4146571"/>
+              <a:ext cx="315296" cy="315295"/>
+            </a:xfrm>
+            <a:prstGeom prst="rect">
+              <a:avLst/>
+            </a:prstGeom>
+            <a:effectLst>
+              <a:glow rad="50800">
+                <a:srgbClr val="FF0000"/>
+              </a:glow>
+            </a:effectLst>
+          </p:spPr>
+        </p:pic>
+        <p:pic>
+          <p:nvPicPr>
+            <p:cNvPr id="51" name="図 50" descr="図形&#10;&#10;低い精度で自動的に生成された説明">
+              <a:extLst>
+                <a:ext uri="{FF2B5EF4-FFF2-40B4-BE49-F238E27FC236}">
+                  <a16:creationId xmlns:a16="http://schemas.microsoft.com/office/drawing/2014/main" id="{CEE0BB9C-026D-6F57-82E2-03963294BA3B}"/>
+                </a:ext>
+              </a:extLst>
+            </p:cNvPr>
+            <p:cNvPicPr>
+              <a:picLocks noChangeAspect="1"/>
+            </p:cNvPicPr>
+            <p:nvPr/>
+          </p:nvPicPr>
+          <p:blipFill>
+            <a:blip r:embed="rId5">
+              <a:extLst>
+                <a:ext uri="{28A0092B-C50C-407E-A947-70E740481C1C}">
+                  <a14:useLocalDpi xmlns:a14="http://schemas.microsoft.com/office/drawing/2010/main" val="0"/>
+                </a:ext>
+              </a:extLst>
+            </a:blip>
+            <a:stretch>
+              <a:fillRect/>
+            </a:stretch>
+          </p:blipFill>
+          <p:spPr>
+            <a:xfrm flipH="1">
+              <a:off x="12620763" y="3969279"/>
+              <a:ext cx="315296" cy="315295"/>
+            </a:xfrm>
+            <a:prstGeom prst="rect">
+              <a:avLst/>
+            </a:prstGeom>
+            <a:effectLst>
+              <a:glow rad="50800">
+                <a:srgbClr val="FF0000"/>
+              </a:glow>
+            </a:effectLst>
+          </p:spPr>
+        </p:pic>
+        <p:pic>
+          <p:nvPicPr>
+            <p:cNvPr id="52" name="図 51" descr="光 が含まれている画像&#10;&#10;自動的に生成された説明">
+              <a:extLst>
+                <a:ext uri="{FF2B5EF4-FFF2-40B4-BE49-F238E27FC236}">
+                  <a16:creationId xmlns:a16="http://schemas.microsoft.com/office/drawing/2014/main" id="{8036C797-2F41-A3FE-FE94-AFD2CBB133AF}"/>
+                </a:ext>
+              </a:extLst>
+            </p:cNvPr>
+            <p:cNvPicPr>
+              <a:picLocks noChangeAspect="1"/>
+            </p:cNvPicPr>
+            <p:nvPr/>
+          </p:nvPicPr>
+          <p:blipFill rotWithShape="1">
+            <a:blip r:embed="rId6">
+              <a:extLst>
+                <a:ext uri="{28A0092B-C50C-407E-A947-70E740481C1C}">
+                  <a14:useLocalDpi xmlns:a14="http://schemas.microsoft.com/office/drawing/2010/main" val="0"/>
+                </a:ext>
+              </a:extLst>
+            </a:blip>
+            <a:srcRect t="22490" b="22204"/>
+            <a:stretch/>
+          </p:blipFill>
+          <p:spPr>
+            <a:xfrm>
+              <a:off x="12185482" y="4205209"/>
+              <a:ext cx="1828270" cy="1011135"/>
+            </a:xfrm>
+            <a:prstGeom prst="rect">
+              <a:avLst/>
+            </a:prstGeom>
+          </p:spPr>
+        </p:pic>
+      </p:grpSp>
+      <p:pic>
+        <p:nvPicPr>
+          <p:cNvPr id="64" name="図 63">
+            <a:extLst>
+              <a:ext uri="{FF2B5EF4-FFF2-40B4-BE49-F238E27FC236}">
+                <a16:creationId xmlns:a16="http://schemas.microsoft.com/office/drawing/2014/main" id="{BE6CCA8E-FE06-4840-2808-986DD074E5E8}"/>
+              </a:ext>
+            </a:extLst>
+          </p:cNvPr>
+          <p:cNvPicPr>
+            <a:picLocks noChangeAspect="1"/>
+          </p:cNvPicPr>
+          <p:nvPr/>
+        </p:nvPicPr>
+        <p:blipFill rotWithShape="1">
+          <a:blip r:embed="rId7">
+            <a:extLst>
+              <a:ext uri="{28A0092B-C50C-407E-A947-70E740481C1C}">
+                <a14:useLocalDpi xmlns:a14="http://schemas.microsoft.com/office/drawing/2010/main" val="0"/>
+              </a:ext>
+            </a:extLst>
+          </a:blip>
+          <a:srcRect l="-309" t="12072" r="53232" b="41591"/>
+          <a:stretch/>
+        </p:blipFill>
+        <p:spPr>
+          <a:xfrm rot="11412314" flipH="1">
+            <a:off x="4549268" y="1800051"/>
+            <a:ext cx="7488439" cy="1474519"/>
+          </a:xfrm>
+          <a:prstGeom prst="rect">
+            <a:avLst/>
+          </a:prstGeom>
+        </p:spPr>
+      </p:pic>
+      <p:pic>
+        <p:nvPicPr>
+          <p:cNvPr id="63" name="図 62" descr="アイコン&#10;&#10;自動的に生成された説明">
+            <a:extLst>
+              <a:ext uri="{FF2B5EF4-FFF2-40B4-BE49-F238E27FC236}">
+                <a16:creationId xmlns:a16="http://schemas.microsoft.com/office/drawing/2014/main" id="{8AE82DB3-F145-139A-E50E-CFAF08DD978B}"/>
+              </a:ext>
+            </a:extLst>
+          </p:cNvPr>
+          <p:cNvPicPr>
+            <a:picLocks noChangeAspect="1"/>
+          </p:cNvPicPr>
+          <p:nvPr/>
+        </p:nvPicPr>
+        <p:blipFill rotWithShape="1">
+          <a:blip r:embed="rId8">
+            <a:extLst>
+              <a:ext uri="{28A0092B-C50C-407E-A947-70E740481C1C}">
+                <a14:useLocalDpi xmlns:a14="http://schemas.microsoft.com/office/drawing/2010/main" val="0"/>
+              </a:ext>
+            </a:extLst>
+          </a:blip>
+          <a:srcRect t="43197" r="51636" b="41455"/>
+          <a:stretch/>
+        </p:blipFill>
+        <p:spPr>
+          <a:xfrm>
+            <a:off x="280016" y="4884282"/>
+            <a:ext cx="2495089" cy="637643"/>
+          </a:xfrm>
+          <a:prstGeom prst="rect">
+            <a:avLst/>
+          </a:prstGeom>
+        </p:spPr>
+      </p:pic>
+      <p:pic>
+        <p:nvPicPr>
+          <p:cNvPr id="87" name="図 86" descr="アイコン&#10;&#10;自動的に生成された説明">
+            <a:extLst>
+              <a:ext uri="{FF2B5EF4-FFF2-40B4-BE49-F238E27FC236}">
+                <a16:creationId xmlns:a16="http://schemas.microsoft.com/office/drawing/2014/main" id="{1D03FDD4-8E89-F58B-557F-34F62579491B}"/>
+              </a:ext>
+            </a:extLst>
+          </p:cNvPr>
+          <p:cNvPicPr>
+            <a:picLocks noChangeAspect="1"/>
+          </p:cNvPicPr>
+          <p:nvPr/>
+        </p:nvPicPr>
+        <p:blipFill rotWithShape="1">
+          <a:blip r:embed="rId8">
+            <a:extLst>
+              <a:ext uri="{28A0092B-C50C-407E-A947-70E740481C1C}">
+                <a14:useLocalDpi xmlns:a14="http://schemas.microsoft.com/office/drawing/2010/main" val="0"/>
+              </a:ext>
+            </a:extLst>
+          </a:blip>
+          <a:srcRect t="43197" r="44166" b="41455"/>
+          <a:stretch/>
+        </p:blipFill>
+        <p:spPr>
+          <a:xfrm>
+            <a:off x="4680815" y="4884282"/>
+            <a:ext cx="2880450" cy="637643"/>
+          </a:xfrm>
+          <a:prstGeom prst="rect">
+            <a:avLst/>
+          </a:prstGeom>
+        </p:spPr>
+      </p:pic>
+      <p:sp>
+        <p:nvSpPr>
+          <p:cNvPr id="44" name="テキスト ボックス 43">
+            <a:extLst>
+              <a:ext uri="{FF2B5EF4-FFF2-40B4-BE49-F238E27FC236}">
+                <a16:creationId xmlns:a16="http://schemas.microsoft.com/office/drawing/2014/main" id="{A759A20F-9FC7-82FC-69EF-39937B2F9D85}"/>
+              </a:ext>
+            </a:extLst>
+          </p:cNvPr>
+          <p:cNvSpPr txBox="1"/>
+          <p:nvPr/>
+        </p:nvSpPr>
+        <p:spPr>
+          <a:xfrm>
+            <a:off x="7168077" y="1770098"/>
+            <a:ext cx="4993068" cy="1446550"/>
+          </a:xfrm>
+          <a:prstGeom prst="rect">
+            <a:avLst/>
+          </a:prstGeom>
+          <a:noFill/>
+        </p:spPr>
+        <p:txBody>
+          <a:bodyPr wrap="square" rtlCol="0">
+            <a:spAutoFit/>
+          </a:bodyPr>
+          <a:lstStyle/>
+          <a:p>
+            <a:r>
+              <a:rPr lang="ja-JP" altLang="en-US" sz="4400" b="1" dirty="0">
+                <a:solidFill>
+                  <a:srgbClr val="7030A0"/>
+                </a:solidFill>
+                <a:effectLst>
+                  <a:glow rad="127000">
+                    <a:schemeClr val="bg1"/>
+                  </a:glow>
+                </a:effectLst>
+                <a:latin typeface="HG正楷書体-PRO" panose="03000600000000000000" pitchFamily="66" charset="-128"/>
+                <a:ea typeface="HG正楷書体-PRO" panose="03000600000000000000" pitchFamily="66" charset="-128"/>
+              </a:rPr>
+              <a:t>危険を顧みず</a:t>
+            </a:r>
+            <a:endParaRPr lang="en-US" altLang="ja-JP" sz="4400" b="1" dirty="0">
               <a:solidFill>
                 <a:srgbClr val="7030A0"/>
               </a:solidFill>
@@ -4488,40 +5919,12 @@
               <a:ea typeface="HG正楷書体-PRO" panose="03000600000000000000" pitchFamily="66" charset="-128"/>
             </a:endParaRPr>
           </a:p>
-        </p:txBody>
-      </p:sp>
-      <p:sp>
-        <p:nvSpPr>
-          <p:cNvPr id="3" name="テキスト ボックス 2">
-            <a:extLst>
-              <a:ext uri="{FF2B5EF4-FFF2-40B4-BE49-F238E27FC236}">
-                <a16:creationId xmlns:a16="http://schemas.microsoft.com/office/drawing/2014/main" id="{BD83356A-07AC-E0BB-1C5D-5D52F1F863DF}"/>
-              </a:ext>
-            </a:extLst>
-          </p:cNvPr>
-          <p:cNvSpPr txBox="1"/>
-          <p:nvPr/>
-        </p:nvSpPr>
-        <p:spPr>
-          <a:xfrm>
-            <a:off x="62685" y="3941473"/>
-            <a:ext cx="2635045" cy="830997"/>
-          </a:xfrm>
-          <a:prstGeom prst="rect">
-            <a:avLst/>
-          </a:prstGeom>
-          <a:noFill/>
-        </p:spPr>
-        <p:txBody>
-          <a:bodyPr wrap="square" rtlCol="0">
-            <a:spAutoFit/>
-          </a:bodyPr>
-          <a:lstStyle/>
-          <a:p>
-            <a:r>
-              <a:rPr lang="ja-JP" altLang="en-US" sz="4800" b="1" dirty="0">
+          <a:p>
+            <a:pPr algn="r"/>
+            <a:r>
+              <a:rPr lang="ja-JP" altLang="en-US" sz="4400" b="1" dirty="0">
                 <a:solidFill>
-                  <a:srgbClr val="7030A0"/>
+                  <a:schemeClr val="accent2"/>
                 </a:solidFill>
                 <a:effectLst>
                   <a:glow rad="127000">
@@ -4531,377 +5934,12 @@
                 <a:latin typeface="HG正楷書体-PRO" panose="03000600000000000000" pitchFamily="66" charset="-128"/>
                 <a:ea typeface="HG正楷書体-PRO" panose="03000600000000000000" pitchFamily="66" charset="-128"/>
               </a:rPr>
-              <a:t>チーム名</a:t>
-            </a:r>
-            <a:endParaRPr kumimoji="1" lang="ja-JP" altLang="en-US" sz="4800" b="1" dirty="0">
-              <a:solidFill>
-                <a:srgbClr val="7030A0"/>
-              </a:solidFill>
-              <a:effectLst>
-                <a:glow rad="127000">
-                  <a:schemeClr val="bg1"/>
-                </a:glow>
-              </a:effectLst>
-              <a:latin typeface="HG正楷書体-PRO" panose="03000600000000000000" pitchFamily="66" charset="-128"/>
-              <a:ea typeface="HG正楷書体-PRO" panose="03000600000000000000" pitchFamily="66" charset="-128"/>
-            </a:endParaRPr>
-          </a:p>
-        </p:txBody>
-      </p:sp>
-      <p:sp>
-        <p:nvSpPr>
-          <p:cNvPr id="4" name="テキスト ボックス 3">
-            <a:extLst>
-              <a:ext uri="{FF2B5EF4-FFF2-40B4-BE49-F238E27FC236}">
-                <a16:creationId xmlns:a16="http://schemas.microsoft.com/office/drawing/2014/main" id="{4202F01B-E18A-93C4-D455-275641C6FC15}"/>
-              </a:ext>
-            </a:extLst>
-          </p:cNvPr>
-          <p:cNvSpPr txBox="1"/>
-          <p:nvPr/>
-        </p:nvSpPr>
-        <p:spPr>
-          <a:xfrm>
-            <a:off x="54076" y="4968114"/>
-            <a:ext cx="2635045" cy="646331"/>
-          </a:xfrm>
-          <a:prstGeom prst="rect">
-            <a:avLst/>
-          </a:prstGeom>
-          <a:noFill/>
-        </p:spPr>
-        <p:txBody>
-          <a:bodyPr wrap="square" rtlCol="0">
-            <a:spAutoFit/>
-          </a:bodyPr>
-          <a:lstStyle/>
-          <a:p>
-            <a:r>
-              <a:rPr kumimoji="1" lang="ja-JP" altLang="en-US" sz="3600" b="1" dirty="0">
+              <a:t>後</a:t>
+            </a:r>
+            <a:r>
+              <a:rPr kumimoji="1" lang="ja-JP" altLang="en-US" sz="4400" b="1" dirty="0">
                 <a:solidFill>
-                  <a:schemeClr val="bg1"/>
-                </a:solidFill>
-                <a:effectLst>
-                  <a:glow rad="330200">
-                    <a:srgbClr val="685D3C"/>
-                  </a:glow>
-                </a:effectLst>
-                <a:latin typeface="HG正楷書体-PRO" panose="03000600000000000000" pitchFamily="66" charset="-128"/>
-                <a:ea typeface="HG正楷書体-PRO" panose="03000600000000000000" pitchFamily="66" charset="-128"/>
-              </a:rPr>
-              <a:t>大野 祥平</a:t>
-            </a:r>
-          </a:p>
-        </p:txBody>
-      </p:sp>
-      <p:sp>
-        <p:nvSpPr>
-          <p:cNvPr id="8" name="テキスト ボックス 7">
-            <a:extLst>
-              <a:ext uri="{FF2B5EF4-FFF2-40B4-BE49-F238E27FC236}">
-                <a16:creationId xmlns:a16="http://schemas.microsoft.com/office/drawing/2014/main" id="{110D6FBF-6F39-FAE3-E32A-06A2D6E4ABA7}"/>
-              </a:ext>
-            </a:extLst>
-          </p:cNvPr>
-          <p:cNvSpPr txBox="1"/>
-          <p:nvPr/>
-        </p:nvSpPr>
-        <p:spPr>
-          <a:xfrm>
-            <a:off x="3510114" y="4968114"/>
-            <a:ext cx="2635045" cy="646331"/>
-          </a:xfrm>
-          <a:prstGeom prst="rect">
-            <a:avLst/>
-          </a:prstGeom>
-          <a:noFill/>
-        </p:spPr>
-        <p:txBody>
-          <a:bodyPr wrap="square" rtlCol="0">
-            <a:spAutoFit/>
-          </a:bodyPr>
-          <a:lstStyle/>
-          <a:p>
-            <a:r>
-              <a:rPr kumimoji="1" lang="ja-JP" altLang="en-US" sz="3600" b="1" dirty="0">
-                <a:solidFill>
-                  <a:schemeClr val="bg1"/>
-                </a:solidFill>
-                <a:effectLst>
-                  <a:glow rad="330200">
-                    <a:srgbClr val="685D3C"/>
-                  </a:glow>
-                </a:effectLst>
-                <a:latin typeface="HG正楷書体-PRO" panose="03000600000000000000" pitchFamily="66" charset="-128"/>
-                <a:ea typeface="HG正楷書体-PRO" panose="03000600000000000000" pitchFamily="66" charset="-128"/>
-              </a:rPr>
-              <a:t>小原 立暉</a:t>
-            </a:r>
-          </a:p>
-        </p:txBody>
-      </p:sp>
-      <p:sp>
-        <p:nvSpPr>
-          <p:cNvPr id="9" name="テキスト ボックス 8">
-            <a:extLst>
-              <a:ext uri="{FF2B5EF4-FFF2-40B4-BE49-F238E27FC236}">
-                <a16:creationId xmlns:a16="http://schemas.microsoft.com/office/drawing/2014/main" id="{A554C90E-3248-DBC2-474C-8C8ABAC6F3DB}"/>
-              </a:ext>
-            </a:extLst>
-          </p:cNvPr>
-          <p:cNvSpPr txBox="1"/>
-          <p:nvPr/>
-        </p:nvSpPr>
-        <p:spPr>
-          <a:xfrm>
-            <a:off x="6937880" y="4968113"/>
-            <a:ext cx="2635045" cy="646331"/>
-          </a:xfrm>
-          <a:prstGeom prst="rect">
-            <a:avLst/>
-          </a:prstGeom>
-          <a:noFill/>
-        </p:spPr>
-        <p:txBody>
-          <a:bodyPr wrap="square" rtlCol="0">
-            <a:spAutoFit/>
-          </a:bodyPr>
-          <a:lstStyle/>
-          <a:p>
-            <a:r>
-              <a:rPr kumimoji="1" lang="ja-JP" altLang="en-US" sz="3600" b="1" dirty="0">
-                <a:solidFill>
-                  <a:schemeClr val="bg1"/>
-                </a:solidFill>
-                <a:effectLst>
-                  <a:glow rad="330200">
-                    <a:srgbClr val="685D3C"/>
-                  </a:glow>
-                </a:effectLst>
-                <a:latin typeface="HG正楷書体-PRO" panose="03000600000000000000" pitchFamily="66" charset="-128"/>
-                <a:ea typeface="HG正楷書体-PRO" panose="03000600000000000000" pitchFamily="66" charset="-128"/>
-              </a:rPr>
-              <a:t>金崎 朋弥</a:t>
-            </a:r>
-          </a:p>
-        </p:txBody>
-      </p:sp>
-      <p:sp>
-        <p:nvSpPr>
-          <p:cNvPr id="10" name="テキスト ボックス 9">
-            <a:extLst>
-              <a:ext uri="{FF2B5EF4-FFF2-40B4-BE49-F238E27FC236}">
-                <a16:creationId xmlns:a16="http://schemas.microsoft.com/office/drawing/2014/main" id="{B3F35728-7297-0A17-1F9D-0834F50712D8}"/>
-              </a:ext>
-            </a:extLst>
-          </p:cNvPr>
-          <p:cNvSpPr txBox="1"/>
-          <p:nvPr/>
-        </p:nvSpPr>
-        <p:spPr>
-          <a:xfrm>
-            <a:off x="135201" y="5758864"/>
-            <a:ext cx="2993923" cy="646331"/>
-          </a:xfrm>
-          <a:prstGeom prst="rect">
-            <a:avLst/>
-          </a:prstGeom>
-          <a:noFill/>
-        </p:spPr>
-        <p:txBody>
-          <a:bodyPr wrap="square" rtlCol="0">
-            <a:spAutoFit/>
-          </a:bodyPr>
-          <a:lstStyle/>
-          <a:p>
-            <a:r>
-              <a:rPr kumimoji="1" lang="ja-JP" altLang="en-US" sz="3600" b="1" dirty="0">
-                <a:solidFill>
-                  <a:schemeClr val="bg1"/>
-                </a:solidFill>
-                <a:effectLst>
-                  <a:glow rad="330200">
-                    <a:srgbClr val="685D3C"/>
-                  </a:glow>
-                </a:effectLst>
-                <a:latin typeface="HG正楷書体-PRO" panose="03000600000000000000" pitchFamily="66" charset="-128"/>
-                <a:ea typeface="HG正楷書体-PRO" panose="03000600000000000000" pitchFamily="66" charset="-128"/>
-              </a:rPr>
-              <a:t>佐藤根 詩音</a:t>
-            </a:r>
-          </a:p>
-        </p:txBody>
-      </p:sp>
-      <p:sp>
-        <p:nvSpPr>
-          <p:cNvPr id="11" name="テキスト ボックス 10">
-            <a:extLst>
-              <a:ext uri="{FF2B5EF4-FFF2-40B4-BE49-F238E27FC236}">
-                <a16:creationId xmlns:a16="http://schemas.microsoft.com/office/drawing/2014/main" id="{44094975-9C92-6B4E-34BE-73AC807740E2}"/>
-              </a:ext>
-            </a:extLst>
-          </p:cNvPr>
-          <p:cNvSpPr txBox="1"/>
-          <p:nvPr/>
-        </p:nvSpPr>
-        <p:spPr>
-          <a:xfrm>
-            <a:off x="3510114" y="5758864"/>
-            <a:ext cx="3254477" cy="646331"/>
-          </a:xfrm>
-          <a:prstGeom prst="rect">
-            <a:avLst/>
-          </a:prstGeom>
-          <a:noFill/>
-        </p:spPr>
-        <p:txBody>
-          <a:bodyPr wrap="square" rtlCol="0">
-            <a:spAutoFit/>
-          </a:bodyPr>
-          <a:lstStyle/>
-          <a:p>
-            <a:r>
-              <a:rPr kumimoji="1" lang="ja-JP" altLang="en-US" sz="3600" b="1" dirty="0">
-                <a:solidFill>
-                  <a:schemeClr val="bg1"/>
-                </a:solidFill>
-                <a:effectLst>
-                  <a:glow rad="330200">
-                    <a:srgbClr val="685D3C"/>
-                  </a:glow>
-                </a:effectLst>
-                <a:latin typeface="HG正楷書体-PRO" panose="03000600000000000000" pitchFamily="66" charset="-128"/>
-                <a:ea typeface="HG正楷書体-PRO" panose="03000600000000000000" pitchFamily="66" charset="-128"/>
-              </a:rPr>
-              <a:t>丹野 竜之介</a:t>
-            </a:r>
-          </a:p>
-        </p:txBody>
-      </p:sp>
-      <p:sp>
-        <p:nvSpPr>
-          <p:cNvPr id="12" name="テキスト ボックス 11">
-            <a:extLst>
-              <a:ext uri="{FF2B5EF4-FFF2-40B4-BE49-F238E27FC236}">
-                <a16:creationId xmlns:a16="http://schemas.microsoft.com/office/drawing/2014/main" id="{75DD0D8F-E7DA-2582-69DC-54C2F1105A3A}"/>
-              </a:ext>
-            </a:extLst>
-          </p:cNvPr>
-          <p:cNvSpPr txBox="1"/>
-          <p:nvPr/>
-        </p:nvSpPr>
-        <p:spPr>
-          <a:xfrm>
-            <a:off x="6937881" y="5758864"/>
-            <a:ext cx="2635045" cy="646331"/>
-          </a:xfrm>
-          <a:prstGeom prst="rect">
-            <a:avLst/>
-          </a:prstGeom>
-          <a:noFill/>
-        </p:spPr>
-        <p:txBody>
-          <a:bodyPr wrap="square" rtlCol="0">
-            <a:spAutoFit/>
-          </a:bodyPr>
-          <a:lstStyle/>
-          <a:p>
-            <a:r>
-              <a:rPr kumimoji="1" lang="ja-JP" altLang="en-US" sz="3600" b="1" dirty="0">
-                <a:solidFill>
-                  <a:schemeClr val="bg1"/>
-                </a:solidFill>
-                <a:effectLst>
-                  <a:glow rad="330200">
-                    <a:srgbClr val="685D3C"/>
-                  </a:glow>
-                </a:effectLst>
-                <a:latin typeface="HG正楷書体-PRO" panose="03000600000000000000" pitchFamily="66" charset="-128"/>
-                <a:ea typeface="HG正楷書体-PRO" panose="03000600000000000000" pitchFamily="66" charset="-128"/>
-              </a:rPr>
-              <a:t>藤田 勇一</a:t>
-            </a:r>
-          </a:p>
-        </p:txBody>
-      </p:sp>
-      <p:sp>
-        <p:nvSpPr>
-          <p:cNvPr id="13" name="テキスト ボックス 12">
-            <a:extLst>
-              <a:ext uri="{FF2B5EF4-FFF2-40B4-BE49-F238E27FC236}">
-                <a16:creationId xmlns:a16="http://schemas.microsoft.com/office/drawing/2014/main" id="{2E8D1CDE-30B0-C5B7-2EAE-806B41ACA997}"/>
-              </a:ext>
-            </a:extLst>
-          </p:cNvPr>
-          <p:cNvSpPr txBox="1"/>
-          <p:nvPr/>
-        </p:nvSpPr>
-        <p:spPr>
-          <a:xfrm>
-            <a:off x="9692140" y="5758864"/>
-            <a:ext cx="2635046" cy="646331"/>
-          </a:xfrm>
-          <a:prstGeom prst="rect">
-            <a:avLst/>
-          </a:prstGeom>
-          <a:noFill/>
-        </p:spPr>
-        <p:txBody>
-          <a:bodyPr wrap="square" rtlCol="0">
-            <a:spAutoFit/>
-          </a:bodyPr>
-          <a:lstStyle/>
-          <a:p>
-            <a:r>
-              <a:rPr kumimoji="1" lang="ja-JP" altLang="en-US" sz="3600" b="1" dirty="0">
-                <a:solidFill>
-                  <a:schemeClr val="bg1"/>
-                </a:solidFill>
-                <a:effectLst>
-                  <a:glow rad="330200">
-                    <a:srgbClr val="685D3C"/>
-                  </a:glow>
-                </a:effectLst>
-                <a:latin typeface="HG正楷書体-PRO" panose="03000600000000000000" pitchFamily="66" charset="-128"/>
-                <a:ea typeface="HG正楷書体-PRO" panose="03000600000000000000" pitchFamily="66" charset="-128"/>
-              </a:rPr>
-              <a:t>渡辺 一基</a:t>
-            </a:r>
-          </a:p>
-        </p:txBody>
-      </p:sp>
-      <p:sp>
-        <p:nvSpPr>
-          <p:cNvPr id="14" name="テキスト ボックス 13">
-            <a:extLst>
-              <a:ext uri="{FF2B5EF4-FFF2-40B4-BE49-F238E27FC236}">
-                <a16:creationId xmlns:a16="http://schemas.microsoft.com/office/drawing/2014/main" id="{E81B8629-6B45-7159-162E-76B418F73FCF}"/>
-              </a:ext>
-            </a:extLst>
-          </p:cNvPr>
-          <p:cNvSpPr txBox="1"/>
-          <p:nvPr/>
-        </p:nvSpPr>
-        <p:spPr>
-          <a:xfrm>
-            <a:off x="1" y="2525304"/>
-            <a:ext cx="2842749" cy="830997"/>
-          </a:xfrm>
-          <a:prstGeom prst="rect">
-            <a:avLst/>
-          </a:prstGeom>
-          <a:noFill/>
-        </p:spPr>
-        <p:txBody>
-          <a:bodyPr wrap="square" rtlCol="0">
-            <a:spAutoFit/>
-          </a:bodyPr>
-          <a:lstStyle/>
-          <a:p>
-            <a:r>
-              <a:rPr lang="ja-JP" altLang="en-US" sz="4800" b="1" dirty="0">
-                <a:solidFill>
-                  <a:srgbClr val="7030A0"/>
+                  <a:schemeClr val="accent2"/>
                 </a:solidFill>
                 <a:effectLst>
                   <a:glow rad="127000">
@@ -4911,51 +5949,8 @@
                 <a:latin typeface="HG正楷書体-PRO" panose="03000600000000000000" pitchFamily="66" charset="-128"/>
                 <a:ea typeface="HG正楷書体-PRO" panose="03000600000000000000" pitchFamily="66" charset="-128"/>
               </a:rPr>
-              <a:t>ジャンル</a:t>
-            </a:r>
-            <a:endParaRPr kumimoji="1" lang="ja-JP" altLang="en-US" sz="4800" b="1" dirty="0">
-              <a:solidFill>
-                <a:srgbClr val="7030A0"/>
-              </a:solidFill>
-              <a:effectLst>
-                <a:glow rad="127000">
-                  <a:schemeClr val="bg1"/>
-                </a:glow>
-              </a:effectLst>
-              <a:latin typeface="HG正楷書体-PRO" panose="03000600000000000000" pitchFamily="66" charset="-128"/>
-              <a:ea typeface="HG正楷書体-PRO" panose="03000600000000000000" pitchFamily="66" charset="-128"/>
-            </a:endParaRPr>
-          </a:p>
-        </p:txBody>
-      </p:sp>
-      <p:sp>
-        <p:nvSpPr>
-          <p:cNvPr id="15" name="テキスト ボックス 14">
-            <a:extLst>
-              <a:ext uri="{FF2B5EF4-FFF2-40B4-BE49-F238E27FC236}">
-                <a16:creationId xmlns:a16="http://schemas.microsoft.com/office/drawing/2014/main" id="{CE951387-B022-500F-F880-8B8F55112765}"/>
-              </a:ext>
-            </a:extLst>
-          </p:cNvPr>
-          <p:cNvSpPr txBox="1"/>
-          <p:nvPr/>
-        </p:nvSpPr>
-        <p:spPr>
-          <a:xfrm>
-            <a:off x="2883302" y="2612371"/>
-            <a:ext cx="6689624" cy="769441"/>
-          </a:xfrm>
-          <a:prstGeom prst="rect">
-            <a:avLst/>
-          </a:prstGeom>
-          <a:noFill/>
-        </p:spPr>
-        <p:txBody>
-          <a:bodyPr wrap="square" rtlCol="0">
-            <a:spAutoFit/>
-          </a:bodyPr>
-          <a:lstStyle/>
-          <a:p>
+              <a:t>を優先</a:t>
+            </a:r>
             <a:r>
               <a:rPr kumimoji="1" lang="ja-JP" altLang="en-US" sz="4400" b="1" dirty="0">
                 <a:solidFill>
@@ -4969,17 +5964,17 @@
                 <a:latin typeface="HG正楷書体-PRO" panose="03000600000000000000" pitchFamily="66" charset="-128"/>
                 <a:ea typeface="HG正楷書体-PRO" panose="03000600000000000000" pitchFamily="66" charset="-128"/>
               </a:rPr>
-              <a:t>パズルアクションゲーム</a:t>
+              <a:t>するか</a:t>
             </a:r>
           </a:p>
         </p:txBody>
       </p:sp>
       <p:pic>
         <p:nvPicPr>
-          <p:cNvPr id="18" name="図 17" descr="ロゴ, アイコン&#10;&#10;自動的に生成された説明">
-            <a:extLst>
-              <a:ext uri="{FF2B5EF4-FFF2-40B4-BE49-F238E27FC236}">
-                <a16:creationId xmlns:a16="http://schemas.microsoft.com/office/drawing/2014/main" id="{80276BF6-F9AD-74E9-4862-3E39355858F0}"/>
+          <p:cNvPr id="90" name="図 89" descr="図形&#10;&#10;低い精度で自動的に生成された説明">
+            <a:extLst>
+              <a:ext uri="{FF2B5EF4-FFF2-40B4-BE49-F238E27FC236}">
+                <a16:creationId xmlns:a16="http://schemas.microsoft.com/office/drawing/2014/main" id="{4F996500-09AE-AD01-8A3C-2218697E05B3}"/>
               </a:ext>
             </a:extLst>
           </p:cNvPr>
@@ -4989,7 +5984,7 @@
           <p:nvPr/>
         </p:nvPicPr>
         <p:blipFill>
-          <a:blip r:embed="rId2">
+          <a:blip r:embed="rId9">
             <a:extLst>
               <a:ext uri="{28A0092B-C50C-407E-A947-70E740481C1C}">
                 <a14:useLocalDpi xmlns:a14="http://schemas.microsoft.com/office/drawing/2010/main" val="0"/>
@@ -5001,24 +5996,155 @@
           </a:stretch>
         </p:blipFill>
         <p:spPr>
-          <a:xfrm>
-            <a:off x="9062878" y="2235752"/>
-            <a:ext cx="3702457" cy="3702457"/>
+          <a:xfrm flipH="1">
+            <a:off x="4470012" y="3376098"/>
+            <a:ext cx="1728682" cy="1639804"/>
           </a:xfrm>
           <a:prstGeom prst="rect">
             <a:avLst/>
           </a:prstGeom>
           <a:effectLst>
-            <a:softEdge rad="241300"/>
+            <a:glow rad="127000">
+              <a:srgbClr val="FFFF00"/>
+            </a:glow>
+          </a:effectLst>
+        </p:spPr>
+      </p:pic>
+      <p:pic>
+        <p:nvPicPr>
+          <p:cNvPr id="91" name="図 90" descr="図形&#10;&#10;低い精度で自動的に生成された説明">
+            <a:extLst>
+              <a:ext uri="{FF2B5EF4-FFF2-40B4-BE49-F238E27FC236}">
+                <a16:creationId xmlns:a16="http://schemas.microsoft.com/office/drawing/2014/main" id="{27C0E1D9-E990-C846-DA69-22E5C308744F}"/>
+              </a:ext>
+            </a:extLst>
+          </p:cNvPr>
+          <p:cNvPicPr>
+            <a:picLocks noChangeAspect="1"/>
+          </p:cNvPicPr>
+          <p:nvPr/>
+        </p:nvPicPr>
+        <p:blipFill rotWithShape="1">
+          <a:blip r:embed="rId9">
+            <a:extLst>
+              <a:ext uri="{28A0092B-C50C-407E-A947-70E740481C1C}">
+                <a14:useLocalDpi xmlns:a14="http://schemas.microsoft.com/office/drawing/2010/main" val="0"/>
+              </a:ext>
+            </a:extLst>
+          </a:blip>
+          <a:srcRect l="25383" r="23202"/>
+          <a:stretch/>
+        </p:blipFill>
+        <p:spPr>
+          <a:xfrm rot="5400000">
+            <a:off x="2850164" y="4491336"/>
+            <a:ext cx="825985" cy="1410704"/>
+          </a:xfrm>
+          <a:prstGeom prst="rect">
+            <a:avLst/>
+          </a:prstGeom>
+          <a:effectLst>
+            <a:glow rad="50800">
+              <a:srgbClr val="FFFF00">
+                <a:alpha val="70000"/>
+              </a:srgbClr>
+            </a:glow>
+            <a:softEdge rad="31750"/>
+          </a:effectLst>
+        </p:spPr>
+      </p:pic>
+      <p:pic>
+        <p:nvPicPr>
+          <p:cNvPr id="94" name="図 93" descr="図形&#10;&#10;低い精度で自動的に生成された説明">
+            <a:extLst>
+              <a:ext uri="{FF2B5EF4-FFF2-40B4-BE49-F238E27FC236}">
+                <a16:creationId xmlns:a16="http://schemas.microsoft.com/office/drawing/2014/main" id="{FE5CBDF8-1671-EED3-A8BE-E3E759005DAF}"/>
+              </a:ext>
+            </a:extLst>
+          </p:cNvPr>
+          <p:cNvPicPr>
+            <a:picLocks noChangeAspect="1"/>
+          </p:cNvPicPr>
+          <p:nvPr/>
+        </p:nvPicPr>
+        <p:blipFill rotWithShape="1">
+          <a:blip r:embed="rId9">
+            <a:extLst>
+              <a:ext uri="{28A0092B-C50C-407E-A947-70E740481C1C}">
+                <a14:useLocalDpi xmlns:a14="http://schemas.microsoft.com/office/drawing/2010/main" val="0"/>
+              </a:ext>
+            </a:extLst>
+          </a:blip>
+          <a:srcRect l="25383" r="23202"/>
+          <a:stretch/>
+        </p:blipFill>
+        <p:spPr>
+          <a:xfrm rot="5400000">
+            <a:off x="3687006" y="4502602"/>
+            <a:ext cx="825985" cy="1410704"/>
+          </a:xfrm>
+          <a:prstGeom prst="rect">
+            <a:avLst/>
+          </a:prstGeom>
+          <a:effectLst>
+            <a:glow rad="50800">
+              <a:srgbClr val="FFFF00">
+                <a:alpha val="70000"/>
+              </a:srgbClr>
+            </a:glow>
+            <a:softEdge rad="31750"/>
+          </a:effectLst>
+        </p:spPr>
+      </p:pic>
+      <p:pic>
+        <p:nvPicPr>
+          <p:cNvPr id="96" name="図 95" descr="図形&#10;&#10;低い精度で自動的に生成された説明">
+            <a:extLst>
+              <a:ext uri="{FF2B5EF4-FFF2-40B4-BE49-F238E27FC236}">
+                <a16:creationId xmlns:a16="http://schemas.microsoft.com/office/drawing/2014/main" id="{460C80AA-EF44-C7BA-A523-196AEB6B5108}"/>
+              </a:ext>
+            </a:extLst>
+          </p:cNvPr>
+          <p:cNvPicPr>
+            <a:picLocks noChangeAspect="1"/>
+          </p:cNvPicPr>
+          <p:nvPr/>
+        </p:nvPicPr>
+        <p:blipFill>
+          <a:blip r:embed="rId9">
+            <a:extLst>
+              <a:ext uri="{28A0092B-C50C-407E-A947-70E740481C1C}">
+                <a14:useLocalDpi xmlns:a14="http://schemas.microsoft.com/office/drawing/2010/main" val="0"/>
+              </a:ext>
+            </a:extLst>
+          </a:blip>
+          <a:stretch>
+            <a:fillRect/>
+          </a:stretch>
+        </p:blipFill>
+        <p:spPr>
+          <a:xfrm flipH="1">
+            <a:off x="1404288" y="3376098"/>
+            <a:ext cx="1728682" cy="1639804"/>
+          </a:xfrm>
+          <a:prstGeom prst="rect">
+            <a:avLst/>
+          </a:prstGeom>
+          <a:effectLst>
+            <a:glow rad="50800">
+              <a:schemeClr val="bg1">
+                <a:alpha val="70000"/>
+              </a:schemeClr>
+            </a:glow>
           </a:effectLst>
         </p:spPr>
       </p:pic>
       <p:sp>
         <p:nvSpPr>
-          <p:cNvPr id="19" name="テキスト ボックス 18">
-            <a:extLst>
-              <a:ext uri="{FF2B5EF4-FFF2-40B4-BE49-F238E27FC236}">
-                <a16:creationId xmlns:a16="http://schemas.microsoft.com/office/drawing/2014/main" id="{8B8AB157-09C7-1155-4589-6E8A91053935}"/>
+          <p:cNvPr id="43" name="テキスト ボックス 42">
+            <a:extLst>
+              <a:ext uri="{FF2B5EF4-FFF2-40B4-BE49-F238E27FC236}">
+                <a16:creationId xmlns:a16="http://schemas.microsoft.com/office/drawing/2014/main" id="{6DFDAA5D-CCE1-57BA-6FE6-4C7AB1D97CF6}"/>
               </a:ext>
             </a:extLst>
           </p:cNvPr>
@@ -5027,8 +6153,8 @@
         </p:nvSpPr>
         <p:spPr>
           <a:xfrm>
-            <a:off x="2896826" y="3907888"/>
-            <a:ext cx="1586684" cy="923330"/>
+            <a:off x="120840" y="5198201"/>
+            <a:ext cx="5821062" cy="769441"/>
           </a:xfrm>
           <a:prstGeom prst="rect">
             <a:avLst/>
@@ -5042,27 +6168,300 @@
           <a:lstStyle/>
           <a:p>
             <a:r>
-              <a:rPr kumimoji="1" lang="ja-JP" altLang="en-US" sz="5400" b="1" dirty="0">
+              <a:rPr kumimoji="1" lang="ja-JP" altLang="en-US" sz="4400" b="1" dirty="0">
                 <a:solidFill>
-                  <a:schemeClr val="bg1"/>
+                  <a:srgbClr val="7030A0"/>
                 </a:solidFill>
                 <a:effectLst>
-                  <a:glow rad="330200">
-                    <a:srgbClr val="685D3C"/>
+                  <a:glow rad="127000">
+                    <a:schemeClr val="bg1"/>
                   </a:glow>
                 </a:effectLst>
                 <a:latin typeface="HG正楷書体-PRO" panose="03000600000000000000" pitchFamily="66" charset="-128"/>
                 <a:ea typeface="HG正楷書体-PRO" panose="03000600000000000000" pitchFamily="66" charset="-128"/>
               </a:rPr>
-              <a:t>七方</a:t>
-            </a:r>
+              <a:t>安全に</a:t>
+            </a:r>
+            <a:r>
+              <a:rPr kumimoji="1" lang="ja-JP" altLang="en-US" sz="4400" b="1" dirty="0">
+                <a:solidFill>
+                  <a:srgbClr val="00B0F0"/>
+                </a:solidFill>
+                <a:effectLst>
+                  <a:glow rad="127000">
+                    <a:schemeClr val="bg1"/>
+                  </a:glow>
+                </a:effectLst>
+                <a:latin typeface="HG正楷書体-PRO" panose="03000600000000000000" pitchFamily="66" charset="-128"/>
+                <a:ea typeface="HG正楷書体-PRO" panose="03000600000000000000" pitchFamily="66" charset="-128"/>
+              </a:rPr>
+              <a:t>今を優先</a:t>
+            </a:r>
+            <a:r>
+              <a:rPr kumimoji="1" lang="ja-JP" altLang="en-US" sz="4400" b="1" dirty="0">
+                <a:solidFill>
+                  <a:srgbClr val="7030A0"/>
+                </a:solidFill>
+                <a:effectLst>
+                  <a:glow rad="127000">
+                    <a:schemeClr val="bg1"/>
+                  </a:glow>
+                </a:effectLst>
+                <a:latin typeface="HG正楷書体-PRO" panose="03000600000000000000" pitchFamily="66" charset="-128"/>
+                <a:ea typeface="HG正楷書体-PRO" panose="03000600000000000000" pitchFamily="66" charset="-128"/>
+              </a:rPr>
+              <a:t>するか</a:t>
+            </a:r>
+          </a:p>
+        </p:txBody>
+      </p:sp>
+      <p:grpSp>
+        <p:nvGrpSpPr>
+          <p:cNvPr id="3" name="グループ化 2">
+            <a:extLst>
+              <a:ext uri="{FF2B5EF4-FFF2-40B4-BE49-F238E27FC236}">
+                <a16:creationId xmlns:a16="http://schemas.microsoft.com/office/drawing/2014/main" id="{E7C1349F-E4ED-226C-09EB-22F2D96E1B62}"/>
+              </a:ext>
+            </a:extLst>
+          </p:cNvPr>
+          <p:cNvGrpSpPr/>
+          <p:nvPr/>
+        </p:nvGrpSpPr>
+        <p:grpSpPr>
+          <a:xfrm>
+            <a:off x="781196" y="2001100"/>
+            <a:ext cx="10629607" cy="2377653"/>
+            <a:chOff x="1201798" y="2057840"/>
+            <a:chExt cx="8497759" cy="2377653"/>
+          </a:xfrm>
+        </p:grpSpPr>
+        <p:sp>
+          <p:nvSpPr>
+            <p:cNvPr id="30" name="テキスト ボックス 29">
+              <a:extLst>
+                <a:ext uri="{FF2B5EF4-FFF2-40B4-BE49-F238E27FC236}">
+                  <a16:creationId xmlns:a16="http://schemas.microsoft.com/office/drawing/2014/main" id="{EE8EA864-526D-D348-DE81-ECFEA3354D48}"/>
+                </a:ext>
+              </a:extLst>
+            </p:cNvPr>
+            <p:cNvSpPr txBox="1"/>
+            <p:nvPr/>
+          </p:nvSpPr>
+          <p:spPr>
+            <a:xfrm>
+              <a:off x="1201798" y="2057840"/>
+              <a:ext cx="2766712" cy="923330"/>
+            </a:xfrm>
+            <a:prstGeom prst="rect">
+              <a:avLst/>
+            </a:prstGeom>
+            <a:noFill/>
+          </p:spPr>
+          <p:txBody>
+            <a:bodyPr wrap="square" rtlCol="0">
+              <a:spAutoFit/>
+            </a:bodyPr>
+            <a:lstStyle/>
+            <a:p>
+              <a:pPr algn="ctr"/>
+              <a:r>
+                <a:rPr lang="ja-JP" altLang="en-US" sz="5400" b="1" dirty="0">
+                  <a:solidFill>
+                    <a:schemeClr val="accent2"/>
+                  </a:solidFill>
+                  <a:effectLst>
+                    <a:glow rad="317500">
+                      <a:schemeClr val="bg1"/>
+                    </a:glow>
+                  </a:effectLst>
+                  <a:latin typeface="HG正楷書体-PRO" panose="03000600000000000000" pitchFamily="66" charset="-128"/>
+                  <a:ea typeface="HG正楷書体-PRO" panose="03000600000000000000" pitchFamily="66" charset="-128"/>
+                </a:rPr>
+                <a:t>難しい道</a:t>
+              </a:r>
+              <a:endParaRPr lang="en-US" altLang="ja-JP" sz="5400" b="1" dirty="0">
+                <a:solidFill>
+                  <a:schemeClr val="accent2"/>
+                </a:solidFill>
+                <a:effectLst>
+                  <a:glow rad="317500">
+                    <a:schemeClr val="bg1"/>
+                  </a:glow>
+                </a:effectLst>
+                <a:latin typeface="HG正楷書体-PRO" panose="03000600000000000000" pitchFamily="66" charset="-128"/>
+                <a:ea typeface="HG正楷書体-PRO" panose="03000600000000000000" pitchFamily="66" charset="-128"/>
+              </a:endParaRPr>
+            </a:p>
+          </p:txBody>
+        </p:sp>
+        <p:sp>
+          <p:nvSpPr>
+            <p:cNvPr id="31" name="テキスト ボックス 30">
+              <a:extLst>
+                <a:ext uri="{FF2B5EF4-FFF2-40B4-BE49-F238E27FC236}">
+                  <a16:creationId xmlns:a16="http://schemas.microsoft.com/office/drawing/2014/main" id="{9A21EF34-4E43-49FB-D5BD-06A1FEB37972}"/>
+                </a:ext>
+              </a:extLst>
+            </p:cNvPr>
+            <p:cNvSpPr txBox="1"/>
+            <p:nvPr/>
+          </p:nvSpPr>
+          <p:spPr>
+            <a:xfrm>
+              <a:off x="6903524" y="3512163"/>
+              <a:ext cx="2796033" cy="923330"/>
+            </a:xfrm>
+            <a:prstGeom prst="rect">
+              <a:avLst/>
+            </a:prstGeom>
+            <a:noFill/>
+          </p:spPr>
+          <p:txBody>
+            <a:bodyPr wrap="square" rtlCol="0">
+              <a:spAutoFit/>
+            </a:bodyPr>
+            <a:lstStyle/>
+            <a:p>
+              <a:pPr algn="ctr"/>
+              <a:r>
+                <a:rPr lang="ja-JP" altLang="en-US" sz="5400" b="1" dirty="0">
+                  <a:solidFill>
+                    <a:srgbClr val="00B0F0"/>
+                  </a:solidFill>
+                  <a:effectLst>
+                    <a:glow rad="317500">
+                      <a:schemeClr val="bg1"/>
+                    </a:glow>
+                  </a:effectLst>
+                  <a:latin typeface="HG正楷書体-PRO" panose="03000600000000000000" pitchFamily="66" charset="-128"/>
+                  <a:ea typeface="HG正楷書体-PRO" panose="03000600000000000000" pitchFamily="66" charset="-128"/>
+                </a:rPr>
+                <a:t>簡単な道</a:t>
+              </a:r>
+              <a:endParaRPr lang="en-US" altLang="ja-JP" sz="5400" b="1" dirty="0">
+                <a:solidFill>
+                  <a:srgbClr val="00B0F0"/>
+                </a:solidFill>
+                <a:effectLst>
+                  <a:glow rad="317500">
+                    <a:schemeClr val="bg1"/>
+                  </a:glow>
+                </a:effectLst>
+                <a:latin typeface="HG正楷書体-PRO" panose="03000600000000000000" pitchFamily="66" charset="-128"/>
+                <a:ea typeface="HG正楷書体-PRO" panose="03000600000000000000" pitchFamily="66" charset="-128"/>
+              </a:endParaRPr>
+            </a:p>
+          </p:txBody>
+        </p:sp>
+        <p:sp>
+          <p:nvSpPr>
+            <p:cNvPr id="122" name="テキスト ボックス 121">
+              <a:extLst>
+                <a:ext uri="{FF2B5EF4-FFF2-40B4-BE49-F238E27FC236}">
+                  <a16:creationId xmlns:a16="http://schemas.microsoft.com/office/drawing/2014/main" id="{AFD83475-22CF-64BF-A516-5BE1F48FC343}"/>
+                </a:ext>
+              </a:extLst>
+            </p:cNvPr>
+            <p:cNvSpPr txBox="1"/>
+            <p:nvPr/>
+          </p:nvSpPr>
+          <p:spPr>
+            <a:xfrm>
+              <a:off x="4487981" y="2637310"/>
+              <a:ext cx="1888703" cy="1754326"/>
+            </a:xfrm>
+            <a:prstGeom prst="rect">
+              <a:avLst/>
+            </a:prstGeom>
+            <a:noFill/>
+          </p:spPr>
+          <p:txBody>
+            <a:bodyPr wrap="square" rtlCol="0">
+              <a:spAutoFit/>
+            </a:bodyPr>
+            <a:lstStyle/>
+            <a:p>
+              <a:r>
+                <a:rPr kumimoji="1" lang="ja-JP" altLang="en-US" sz="5400" b="1" dirty="0">
+                  <a:solidFill>
+                    <a:srgbClr val="7030A0"/>
+                  </a:solidFill>
+                  <a:effectLst>
+                    <a:glow rad="317500">
+                      <a:schemeClr val="bg1"/>
+                    </a:glow>
+                  </a:effectLst>
+                  <a:latin typeface="HG正楷書体-PRO" panose="03000600000000000000" pitchFamily="66" charset="-128"/>
+                  <a:ea typeface="HG正楷書体-PRO" panose="03000600000000000000" pitchFamily="66" charset="-128"/>
+                </a:rPr>
+                <a:t>または</a:t>
+              </a:r>
+            </a:p>
+          </p:txBody>
+        </p:sp>
+      </p:grpSp>
+      <p:sp>
+        <p:nvSpPr>
+          <p:cNvPr id="123" name="テキスト ボックス 122">
+            <a:extLst>
+              <a:ext uri="{FF2B5EF4-FFF2-40B4-BE49-F238E27FC236}">
+                <a16:creationId xmlns:a16="http://schemas.microsoft.com/office/drawing/2014/main" id="{EF723DB6-ED83-C649-0A85-428A4596996B}"/>
+              </a:ext>
+            </a:extLst>
+          </p:cNvPr>
+          <p:cNvSpPr txBox="1"/>
+          <p:nvPr/>
+        </p:nvSpPr>
+        <p:spPr>
+          <a:xfrm>
+            <a:off x="3046195" y="5828580"/>
+            <a:ext cx="5821062" cy="830997"/>
+          </a:xfrm>
+          <a:prstGeom prst="rect">
+            <a:avLst/>
+          </a:prstGeom>
+          <a:noFill/>
+        </p:spPr>
+        <p:txBody>
+          <a:bodyPr wrap="square" rtlCol="0">
+            <a:spAutoFit/>
+          </a:bodyPr>
+          <a:lstStyle/>
+          <a:p>
+            <a:r>
+              <a:rPr lang="ja-JP" altLang="en-US" sz="4800" b="1" dirty="0">
+                <a:solidFill>
+                  <a:schemeClr val="bg1"/>
+                </a:solidFill>
+                <a:effectLst>
+                  <a:glow rad="127000">
+                    <a:srgbClr val="FF0000"/>
+                  </a:glow>
+                </a:effectLst>
+                <a:latin typeface="HG正楷書体-PRO" panose="03000600000000000000" pitchFamily="66" charset="-128"/>
+                <a:ea typeface="HG正楷書体-PRO" panose="03000600000000000000" pitchFamily="66" charset="-128"/>
+              </a:rPr>
+              <a:t>よく考えて道を選べ</a:t>
+            </a:r>
+            <a:endParaRPr lang="en-US" altLang="ja-JP" sz="4800" b="1" dirty="0">
+              <a:solidFill>
+                <a:srgbClr val="FF0000"/>
+              </a:solidFill>
+              <a:effectLst>
+                <a:glow rad="127000">
+                  <a:schemeClr val="bg1"/>
+                </a:glow>
+              </a:effectLst>
+              <a:latin typeface="HG正楷書体-PRO" panose="03000600000000000000" pitchFamily="66" charset="-128"/>
+              <a:ea typeface="HG正楷書体-PRO" panose="03000600000000000000" pitchFamily="66" charset="-128"/>
+            </a:endParaRPr>
           </a:p>
         </p:txBody>
       </p:sp>
     </p:spTree>
     <p:extLst>
       <p:ext uri="{BB962C8B-B14F-4D97-AF65-F5344CB8AC3E}">
-        <p14:creationId xmlns:p14="http://schemas.microsoft.com/office/powerpoint/2010/main" val="987973196"/>
+        <p14:creationId xmlns:p14="http://schemas.microsoft.com/office/powerpoint/2010/main" val="4155568600"/>
       </p:ext>
     </p:extLst>
   </p:cSld>
@@ -5091,6 +6490,716 @@
       </p:grpSpPr>
       <p:sp>
         <p:nvSpPr>
+          <p:cNvPr id="6" name="テキスト ボックス 5">
+            <a:extLst>
+              <a:ext uri="{FF2B5EF4-FFF2-40B4-BE49-F238E27FC236}">
+                <a16:creationId xmlns:a16="http://schemas.microsoft.com/office/drawing/2014/main" id="{5B5A2F80-B035-6631-3AD3-FDD1BAD71731}"/>
+              </a:ext>
+            </a:extLst>
+          </p:cNvPr>
+          <p:cNvSpPr txBox="1"/>
+          <p:nvPr/>
+        </p:nvSpPr>
+        <p:spPr>
+          <a:xfrm>
+            <a:off x="550606" y="403054"/>
+            <a:ext cx="11090788" cy="1569660"/>
+          </a:xfrm>
+          <a:prstGeom prst="rect">
+            <a:avLst/>
+          </a:prstGeom>
+          <a:noFill/>
+        </p:spPr>
+        <p:txBody>
+          <a:bodyPr wrap="square" rtlCol="0">
+            <a:spAutoFit/>
+          </a:bodyPr>
+          <a:lstStyle/>
+          <a:p>
+            <a:pPr algn="ctr"/>
+            <a:r>
+              <a:rPr lang="ja-JP" altLang="en-US" sz="9600" b="1" dirty="0">
+                <a:solidFill>
+                  <a:srgbClr val="7030A0"/>
+                </a:solidFill>
+                <a:effectLst>
+                  <a:glow rad="127000">
+                    <a:schemeClr val="bg1"/>
+                  </a:glow>
+                </a:effectLst>
+                <a:latin typeface="HG正楷書体-PRO" panose="03000600000000000000" pitchFamily="66" charset="-128"/>
+                <a:ea typeface="HG正楷書体-PRO" panose="03000600000000000000" pitchFamily="66" charset="-128"/>
+              </a:rPr>
+              <a:t>孤軍奮闘</a:t>
+            </a:r>
+            <a:endParaRPr lang="en-US" altLang="ja-JP" sz="9600" b="1" dirty="0">
+              <a:solidFill>
+                <a:srgbClr val="7030A0"/>
+              </a:solidFill>
+              <a:effectLst>
+                <a:glow rad="127000">
+                  <a:schemeClr val="bg1"/>
+                </a:glow>
+              </a:effectLst>
+              <a:latin typeface="HG正楷書体-PRO" panose="03000600000000000000" pitchFamily="66" charset="-128"/>
+              <a:ea typeface="HG正楷書体-PRO" panose="03000600000000000000" pitchFamily="66" charset="-128"/>
+            </a:endParaRPr>
+          </a:p>
+        </p:txBody>
+      </p:sp>
+      <p:sp>
+        <p:nvSpPr>
+          <p:cNvPr id="3" name="テキスト ボックス 2">
+            <a:extLst>
+              <a:ext uri="{FF2B5EF4-FFF2-40B4-BE49-F238E27FC236}">
+                <a16:creationId xmlns:a16="http://schemas.microsoft.com/office/drawing/2014/main" id="{BD83356A-07AC-E0BB-1C5D-5D52F1F863DF}"/>
+              </a:ext>
+            </a:extLst>
+          </p:cNvPr>
+          <p:cNvSpPr txBox="1"/>
+          <p:nvPr/>
+        </p:nvSpPr>
+        <p:spPr>
+          <a:xfrm>
+            <a:off x="62685" y="3941473"/>
+            <a:ext cx="2635045" cy="830997"/>
+          </a:xfrm>
+          <a:prstGeom prst="rect">
+            <a:avLst/>
+          </a:prstGeom>
+          <a:noFill/>
+        </p:spPr>
+        <p:txBody>
+          <a:bodyPr wrap="square" rtlCol="0">
+            <a:spAutoFit/>
+          </a:bodyPr>
+          <a:lstStyle/>
+          <a:p>
+            <a:r>
+              <a:rPr lang="ja-JP" altLang="en-US" sz="4800" b="1" dirty="0">
+                <a:solidFill>
+                  <a:srgbClr val="7030A0"/>
+                </a:solidFill>
+                <a:effectLst>
+                  <a:glow rad="127000">
+                    <a:schemeClr val="bg1"/>
+                  </a:glow>
+                </a:effectLst>
+                <a:latin typeface="HG正楷書体-PRO" panose="03000600000000000000" pitchFamily="66" charset="-128"/>
+                <a:ea typeface="HG正楷書体-PRO" panose="03000600000000000000" pitchFamily="66" charset="-128"/>
+              </a:rPr>
+              <a:t>チーム名</a:t>
+            </a:r>
+            <a:endParaRPr kumimoji="1" lang="ja-JP" altLang="en-US" sz="4800" b="1" dirty="0">
+              <a:solidFill>
+                <a:srgbClr val="7030A0"/>
+              </a:solidFill>
+              <a:effectLst>
+                <a:glow rad="127000">
+                  <a:schemeClr val="bg1"/>
+                </a:glow>
+              </a:effectLst>
+              <a:latin typeface="HG正楷書体-PRO" panose="03000600000000000000" pitchFamily="66" charset="-128"/>
+              <a:ea typeface="HG正楷書体-PRO" panose="03000600000000000000" pitchFamily="66" charset="-128"/>
+            </a:endParaRPr>
+          </a:p>
+        </p:txBody>
+      </p:sp>
+      <p:sp>
+        <p:nvSpPr>
+          <p:cNvPr id="4" name="テキスト ボックス 3">
+            <a:extLst>
+              <a:ext uri="{FF2B5EF4-FFF2-40B4-BE49-F238E27FC236}">
+                <a16:creationId xmlns:a16="http://schemas.microsoft.com/office/drawing/2014/main" id="{4202F01B-E18A-93C4-D455-275641C6FC15}"/>
+              </a:ext>
+            </a:extLst>
+          </p:cNvPr>
+          <p:cNvSpPr txBox="1"/>
+          <p:nvPr/>
+        </p:nvSpPr>
+        <p:spPr>
+          <a:xfrm>
+            <a:off x="54076" y="4968114"/>
+            <a:ext cx="2635045" cy="646331"/>
+          </a:xfrm>
+          <a:prstGeom prst="rect">
+            <a:avLst/>
+          </a:prstGeom>
+          <a:noFill/>
+        </p:spPr>
+        <p:txBody>
+          <a:bodyPr wrap="square" rtlCol="0">
+            <a:spAutoFit/>
+          </a:bodyPr>
+          <a:lstStyle/>
+          <a:p>
+            <a:r>
+              <a:rPr kumimoji="1" lang="ja-JP" altLang="en-US" sz="3600" b="1" dirty="0">
+                <a:gradFill>
+                  <a:gsLst>
+                    <a:gs pos="53000">
+                      <a:srgbClr val="FFC000"/>
+                    </a:gs>
+                    <a:gs pos="26000">
+                      <a:schemeClr val="bg1"/>
+                    </a:gs>
+                    <a:gs pos="100000">
+                      <a:srgbClr val="FFFF00"/>
+                    </a:gs>
+                  </a:gsLst>
+                  <a:lin ang="5400000" scaled="1"/>
+                </a:gradFill>
+                <a:effectLst>
+                  <a:glow rad="177800">
+                    <a:schemeClr val="tx1"/>
+                  </a:glow>
+                </a:effectLst>
+                <a:latin typeface="HG正楷書体-PRO" panose="03000600000000000000" pitchFamily="66" charset="-128"/>
+                <a:ea typeface="HG正楷書体-PRO" panose="03000600000000000000" pitchFamily="66" charset="-128"/>
+              </a:rPr>
+              <a:t>大野 祥平</a:t>
+            </a:r>
+          </a:p>
+        </p:txBody>
+      </p:sp>
+      <p:sp>
+        <p:nvSpPr>
+          <p:cNvPr id="8" name="テキスト ボックス 7">
+            <a:extLst>
+              <a:ext uri="{FF2B5EF4-FFF2-40B4-BE49-F238E27FC236}">
+                <a16:creationId xmlns:a16="http://schemas.microsoft.com/office/drawing/2014/main" id="{110D6FBF-6F39-FAE3-E32A-06A2D6E4ABA7}"/>
+              </a:ext>
+            </a:extLst>
+          </p:cNvPr>
+          <p:cNvSpPr txBox="1"/>
+          <p:nvPr/>
+        </p:nvSpPr>
+        <p:spPr>
+          <a:xfrm>
+            <a:off x="3510114" y="4968114"/>
+            <a:ext cx="2635045" cy="646331"/>
+          </a:xfrm>
+          <a:prstGeom prst="rect">
+            <a:avLst/>
+          </a:prstGeom>
+          <a:noFill/>
+        </p:spPr>
+        <p:txBody>
+          <a:bodyPr wrap="square" rtlCol="0">
+            <a:spAutoFit/>
+          </a:bodyPr>
+          <a:lstStyle/>
+          <a:p>
+            <a:r>
+              <a:rPr kumimoji="1" lang="ja-JP" altLang="en-US" sz="3600" b="1" dirty="0">
+                <a:gradFill>
+                  <a:gsLst>
+                    <a:gs pos="0">
+                      <a:srgbClr val="FFFF00"/>
+                    </a:gs>
+                    <a:gs pos="90000">
+                      <a:schemeClr val="accent2"/>
+                    </a:gs>
+                  </a:gsLst>
+                  <a:lin ang="5400000" scaled="1"/>
+                </a:gradFill>
+                <a:effectLst>
+                  <a:glow rad="177800">
+                    <a:schemeClr val="tx1"/>
+                  </a:glow>
+                </a:effectLst>
+                <a:latin typeface="HG正楷書体-PRO" panose="03000600000000000000" pitchFamily="66" charset="-128"/>
+                <a:ea typeface="HG正楷書体-PRO" panose="03000600000000000000" pitchFamily="66" charset="-128"/>
+              </a:rPr>
+              <a:t>小原 立暉</a:t>
+            </a:r>
+          </a:p>
+        </p:txBody>
+      </p:sp>
+      <p:sp>
+        <p:nvSpPr>
+          <p:cNvPr id="9" name="テキスト ボックス 8">
+            <a:extLst>
+              <a:ext uri="{FF2B5EF4-FFF2-40B4-BE49-F238E27FC236}">
+                <a16:creationId xmlns:a16="http://schemas.microsoft.com/office/drawing/2014/main" id="{A554C90E-3248-DBC2-474C-8C8ABAC6F3DB}"/>
+              </a:ext>
+            </a:extLst>
+          </p:cNvPr>
+          <p:cNvSpPr txBox="1"/>
+          <p:nvPr/>
+        </p:nvSpPr>
+        <p:spPr>
+          <a:xfrm>
+            <a:off x="6937880" y="4968113"/>
+            <a:ext cx="2635045" cy="646331"/>
+          </a:xfrm>
+          <a:prstGeom prst="rect">
+            <a:avLst/>
+          </a:prstGeom>
+          <a:noFill/>
+        </p:spPr>
+        <p:txBody>
+          <a:bodyPr wrap="square" rtlCol="0">
+            <a:spAutoFit/>
+          </a:bodyPr>
+          <a:lstStyle/>
+          <a:p>
+            <a:r>
+              <a:rPr kumimoji="1" lang="ja-JP" altLang="en-US" sz="3600" b="1" dirty="0">
+                <a:gradFill>
+                  <a:gsLst>
+                    <a:gs pos="69000">
+                      <a:srgbClr val="49E0F4"/>
+                    </a:gs>
+                    <a:gs pos="0">
+                      <a:schemeClr val="bg1"/>
+                    </a:gs>
+                  </a:gsLst>
+                  <a:lin ang="5400000" scaled="1"/>
+                </a:gradFill>
+                <a:effectLst>
+                  <a:glow rad="177800">
+                    <a:schemeClr val="tx1"/>
+                  </a:glow>
+                </a:effectLst>
+                <a:latin typeface="HG正楷書体-PRO" panose="03000600000000000000" pitchFamily="66" charset="-128"/>
+                <a:ea typeface="HG正楷書体-PRO" panose="03000600000000000000" pitchFamily="66" charset="-128"/>
+              </a:rPr>
+              <a:t>金崎 朋弥</a:t>
+            </a:r>
+          </a:p>
+        </p:txBody>
+      </p:sp>
+      <p:sp>
+        <p:nvSpPr>
+          <p:cNvPr id="10" name="テキスト ボックス 9">
+            <a:extLst>
+              <a:ext uri="{FF2B5EF4-FFF2-40B4-BE49-F238E27FC236}">
+                <a16:creationId xmlns:a16="http://schemas.microsoft.com/office/drawing/2014/main" id="{B3F35728-7297-0A17-1F9D-0834F50712D8}"/>
+              </a:ext>
+            </a:extLst>
+          </p:cNvPr>
+          <p:cNvSpPr txBox="1"/>
+          <p:nvPr/>
+        </p:nvSpPr>
+        <p:spPr>
+          <a:xfrm>
+            <a:off x="135201" y="5758864"/>
+            <a:ext cx="2993923" cy="646331"/>
+          </a:xfrm>
+          <a:prstGeom prst="rect">
+            <a:avLst/>
+          </a:prstGeom>
+          <a:noFill/>
+        </p:spPr>
+        <p:txBody>
+          <a:bodyPr wrap="square" rtlCol="0">
+            <a:spAutoFit/>
+          </a:bodyPr>
+          <a:lstStyle/>
+          <a:p>
+            <a:r>
+              <a:rPr kumimoji="1" lang="ja-JP" altLang="en-US" sz="3600" b="1" dirty="0">
+                <a:gradFill>
+                  <a:gsLst>
+                    <a:gs pos="13000">
+                      <a:schemeClr val="bg1"/>
+                    </a:gs>
+                    <a:gs pos="61000">
+                      <a:srgbClr val="FBE05B"/>
+                    </a:gs>
+                  </a:gsLst>
+                  <a:lin ang="5400000" scaled="1"/>
+                </a:gradFill>
+                <a:effectLst>
+                  <a:glow rad="177800">
+                    <a:schemeClr val="tx1"/>
+                  </a:glow>
+                </a:effectLst>
+                <a:latin typeface="HG正楷書体-PRO" panose="03000600000000000000" pitchFamily="66" charset="-128"/>
+                <a:ea typeface="HG正楷書体-PRO" panose="03000600000000000000" pitchFamily="66" charset="-128"/>
+              </a:rPr>
+              <a:t>佐藤根 詩音</a:t>
+            </a:r>
+          </a:p>
+        </p:txBody>
+      </p:sp>
+      <p:sp>
+        <p:nvSpPr>
+          <p:cNvPr id="11" name="テキスト ボックス 10">
+            <a:extLst>
+              <a:ext uri="{FF2B5EF4-FFF2-40B4-BE49-F238E27FC236}">
+                <a16:creationId xmlns:a16="http://schemas.microsoft.com/office/drawing/2014/main" id="{44094975-9C92-6B4E-34BE-73AC807740E2}"/>
+              </a:ext>
+            </a:extLst>
+          </p:cNvPr>
+          <p:cNvSpPr txBox="1"/>
+          <p:nvPr/>
+        </p:nvSpPr>
+        <p:spPr>
+          <a:xfrm>
+            <a:off x="3510114" y="5758864"/>
+            <a:ext cx="3254477" cy="646331"/>
+          </a:xfrm>
+          <a:prstGeom prst="rect">
+            <a:avLst/>
+          </a:prstGeom>
+          <a:noFill/>
+        </p:spPr>
+        <p:txBody>
+          <a:bodyPr wrap="square" rtlCol="0">
+            <a:spAutoFit/>
+          </a:bodyPr>
+          <a:lstStyle/>
+          <a:p>
+            <a:r>
+              <a:rPr kumimoji="1" lang="ja-JP" altLang="en-US" sz="3600" b="1" dirty="0">
+                <a:gradFill>
+                  <a:gsLst>
+                    <a:gs pos="20000">
+                      <a:srgbClr val="FFFF00"/>
+                    </a:gs>
+                    <a:gs pos="83000">
+                      <a:schemeClr val="accent2">
+                        <a:lumMod val="50000"/>
+                      </a:schemeClr>
+                    </a:gs>
+                    <a:gs pos="63000">
+                      <a:schemeClr val="accent2">
+                        <a:lumMod val="75000"/>
+                      </a:schemeClr>
+                    </a:gs>
+                    <a:gs pos="30000">
+                      <a:schemeClr val="accent2">
+                        <a:lumMod val="40000"/>
+                        <a:lumOff val="60000"/>
+                      </a:schemeClr>
+                    </a:gs>
+                  </a:gsLst>
+                  <a:lin ang="5400000" scaled="1"/>
+                </a:gradFill>
+                <a:effectLst>
+                  <a:glow rad="177800">
+                    <a:schemeClr val="tx1"/>
+                  </a:glow>
+                </a:effectLst>
+                <a:latin typeface="HG正楷書体-PRO" panose="03000600000000000000" pitchFamily="66" charset="-128"/>
+                <a:ea typeface="HG正楷書体-PRO" panose="03000600000000000000" pitchFamily="66" charset="-128"/>
+              </a:rPr>
+              <a:t>丹野 竜之介</a:t>
+            </a:r>
+          </a:p>
+        </p:txBody>
+      </p:sp>
+      <p:sp>
+        <p:nvSpPr>
+          <p:cNvPr id="12" name="テキスト ボックス 11">
+            <a:extLst>
+              <a:ext uri="{FF2B5EF4-FFF2-40B4-BE49-F238E27FC236}">
+                <a16:creationId xmlns:a16="http://schemas.microsoft.com/office/drawing/2014/main" id="{75DD0D8F-E7DA-2582-69DC-54C2F1105A3A}"/>
+              </a:ext>
+            </a:extLst>
+          </p:cNvPr>
+          <p:cNvSpPr txBox="1"/>
+          <p:nvPr/>
+        </p:nvSpPr>
+        <p:spPr>
+          <a:xfrm>
+            <a:off x="6937881" y="5758864"/>
+            <a:ext cx="2635045" cy="646331"/>
+          </a:xfrm>
+          <a:prstGeom prst="rect">
+            <a:avLst/>
+          </a:prstGeom>
+          <a:noFill/>
+        </p:spPr>
+        <p:txBody>
+          <a:bodyPr wrap="square" rtlCol="0">
+            <a:spAutoFit/>
+          </a:bodyPr>
+          <a:lstStyle/>
+          <a:p>
+            <a:r>
+              <a:rPr kumimoji="1" lang="ja-JP" altLang="en-US" sz="3600" b="1" dirty="0">
+                <a:gradFill>
+                  <a:gsLst>
+                    <a:gs pos="44000">
+                      <a:schemeClr val="accent6">
+                        <a:lumMod val="40000"/>
+                        <a:lumOff val="60000"/>
+                      </a:schemeClr>
+                    </a:gs>
+                    <a:gs pos="100000">
+                      <a:schemeClr val="accent6">
+                        <a:lumMod val="75000"/>
+                      </a:schemeClr>
+                    </a:gs>
+                  </a:gsLst>
+                  <a:lin ang="5400000" scaled="1"/>
+                </a:gradFill>
+                <a:effectLst>
+                  <a:glow rad="177800">
+                    <a:schemeClr val="tx1"/>
+                  </a:glow>
+                </a:effectLst>
+                <a:latin typeface="HG正楷書体-PRO" panose="03000600000000000000" pitchFamily="66" charset="-128"/>
+                <a:ea typeface="HG正楷書体-PRO" panose="03000600000000000000" pitchFamily="66" charset="-128"/>
+              </a:rPr>
+              <a:t>藤田 勇一</a:t>
+            </a:r>
+          </a:p>
+        </p:txBody>
+      </p:sp>
+      <p:sp>
+        <p:nvSpPr>
+          <p:cNvPr id="13" name="テキスト ボックス 12">
+            <a:extLst>
+              <a:ext uri="{FF2B5EF4-FFF2-40B4-BE49-F238E27FC236}">
+                <a16:creationId xmlns:a16="http://schemas.microsoft.com/office/drawing/2014/main" id="{2E8D1CDE-30B0-C5B7-2EAE-806B41ACA997}"/>
+              </a:ext>
+            </a:extLst>
+          </p:cNvPr>
+          <p:cNvSpPr txBox="1"/>
+          <p:nvPr/>
+        </p:nvSpPr>
+        <p:spPr>
+          <a:xfrm>
+            <a:off x="9692140" y="5758864"/>
+            <a:ext cx="2635046" cy="646331"/>
+          </a:xfrm>
+          <a:prstGeom prst="rect">
+            <a:avLst/>
+          </a:prstGeom>
+          <a:noFill/>
+        </p:spPr>
+        <p:txBody>
+          <a:bodyPr wrap="square" rtlCol="0">
+            <a:spAutoFit/>
+          </a:bodyPr>
+          <a:lstStyle/>
+          <a:p>
+            <a:r>
+              <a:rPr kumimoji="1" lang="ja-JP" altLang="en-US" sz="3600" b="1" dirty="0">
+                <a:gradFill>
+                  <a:gsLst>
+                    <a:gs pos="16000">
+                      <a:schemeClr val="accent2">
+                        <a:lumMod val="40000"/>
+                        <a:lumOff val="60000"/>
+                      </a:schemeClr>
+                    </a:gs>
+                    <a:gs pos="50000">
+                      <a:srgbClr val="EEAA58"/>
+                    </a:gs>
+                  </a:gsLst>
+                  <a:lin ang="5400000" scaled="1"/>
+                </a:gradFill>
+                <a:effectLst>
+                  <a:glow rad="177800">
+                    <a:schemeClr val="tx1"/>
+                  </a:glow>
+                </a:effectLst>
+                <a:latin typeface="HG正楷書体-PRO" panose="03000600000000000000" pitchFamily="66" charset="-128"/>
+                <a:ea typeface="HG正楷書体-PRO" panose="03000600000000000000" pitchFamily="66" charset="-128"/>
+              </a:rPr>
+              <a:t>渡辺 一基</a:t>
+            </a:r>
+          </a:p>
+        </p:txBody>
+      </p:sp>
+      <p:sp>
+        <p:nvSpPr>
+          <p:cNvPr id="14" name="テキスト ボックス 13">
+            <a:extLst>
+              <a:ext uri="{FF2B5EF4-FFF2-40B4-BE49-F238E27FC236}">
+                <a16:creationId xmlns:a16="http://schemas.microsoft.com/office/drawing/2014/main" id="{E81B8629-6B45-7159-162E-76B418F73FCF}"/>
+              </a:ext>
+            </a:extLst>
+          </p:cNvPr>
+          <p:cNvSpPr txBox="1"/>
+          <p:nvPr/>
+        </p:nvSpPr>
+        <p:spPr>
+          <a:xfrm>
+            <a:off x="1" y="2525304"/>
+            <a:ext cx="2842749" cy="830997"/>
+          </a:xfrm>
+          <a:prstGeom prst="rect">
+            <a:avLst/>
+          </a:prstGeom>
+          <a:noFill/>
+        </p:spPr>
+        <p:txBody>
+          <a:bodyPr wrap="square" rtlCol="0">
+            <a:spAutoFit/>
+          </a:bodyPr>
+          <a:lstStyle/>
+          <a:p>
+            <a:r>
+              <a:rPr lang="ja-JP" altLang="en-US" sz="4800" b="1" dirty="0">
+                <a:solidFill>
+                  <a:srgbClr val="7030A0"/>
+                </a:solidFill>
+                <a:effectLst>
+                  <a:glow rad="127000">
+                    <a:schemeClr val="bg1"/>
+                  </a:glow>
+                </a:effectLst>
+                <a:latin typeface="HG正楷書体-PRO" panose="03000600000000000000" pitchFamily="66" charset="-128"/>
+                <a:ea typeface="HG正楷書体-PRO" panose="03000600000000000000" pitchFamily="66" charset="-128"/>
+              </a:rPr>
+              <a:t>ジャンル</a:t>
+            </a:r>
+            <a:endParaRPr kumimoji="1" lang="ja-JP" altLang="en-US" sz="4800" b="1" dirty="0">
+              <a:solidFill>
+                <a:srgbClr val="7030A0"/>
+              </a:solidFill>
+              <a:effectLst>
+                <a:glow rad="127000">
+                  <a:schemeClr val="bg1"/>
+                </a:glow>
+              </a:effectLst>
+              <a:latin typeface="HG正楷書体-PRO" panose="03000600000000000000" pitchFamily="66" charset="-128"/>
+              <a:ea typeface="HG正楷書体-PRO" panose="03000600000000000000" pitchFamily="66" charset="-128"/>
+            </a:endParaRPr>
+          </a:p>
+        </p:txBody>
+      </p:sp>
+      <p:sp>
+        <p:nvSpPr>
+          <p:cNvPr id="15" name="テキスト ボックス 14">
+            <a:extLst>
+              <a:ext uri="{FF2B5EF4-FFF2-40B4-BE49-F238E27FC236}">
+                <a16:creationId xmlns:a16="http://schemas.microsoft.com/office/drawing/2014/main" id="{CE951387-B022-500F-F880-8B8F55112765}"/>
+              </a:ext>
+            </a:extLst>
+          </p:cNvPr>
+          <p:cNvSpPr txBox="1"/>
+          <p:nvPr/>
+        </p:nvSpPr>
+        <p:spPr>
+          <a:xfrm>
+            <a:off x="2883302" y="2612371"/>
+            <a:ext cx="6689624" cy="769441"/>
+          </a:xfrm>
+          <a:prstGeom prst="rect">
+            <a:avLst/>
+          </a:prstGeom>
+          <a:noFill/>
+        </p:spPr>
+        <p:txBody>
+          <a:bodyPr wrap="square" rtlCol="0">
+            <a:spAutoFit/>
+          </a:bodyPr>
+          <a:lstStyle/>
+          <a:p>
+            <a:r>
+              <a:rPr kumimoji="1" lang="ja-JP" altLang="en-US" sz="4400" b="1" dirty="0">
+                <a:solidFill>
+                  <a:srgbClr val="7030A0"/>
+                </a:solidFill>
+                <a:effectLst>
+                  <a:glow rad="127000">
+                    <a:schemeClr val="bg1"/>
+                  </a:glow>
+                </a:effectLst>
+                <a:latin typeface="HG正楷書体-PRO" panose="03000600000000000000" pitchFamily="66" charset="-128"/>
+                <a:ea typeface="HG正楷書体-PRO" panose="03000600000000000000" pitchFamily="66" charset="-128"/>
+              </a:rPr>
+              <a:t>パズルアクションゲーム</a:t>
+            </a:r>
+          </a:p>
+        </p:txBody>
+      </p:sp>
+      <p:sp>
+        <p:nvSpPr>
+          <p:cNvPr id="19" name="テキスト ボックス 18">
+            <a:extLst>
+              <a:ext uri="{FF2B5EF4-FFF2-40B4-BE49-F238E27FC236}">
+                <a16:creationId xmlns:a16="http://schemas.microsoft.com/office/drawing/2014/main" id="{8B8AB157-09C7-1155-4589-6E8A91053935}"/>
+              </a:ext>
+            </a:extLst>
+          </p:cNvPr>
+          <p:cNvSpPr txBox="1"/>
+          <p:nvPr/>
+        </p:nvSpPr>
+        <p:spPr>
+          <a:xfrm>
+            <a:off x="2889440" y="4001767"/>
+            <a:ext cx="5969425" cy="769441"/>
+          </a:xfrm>
+          <a:prstGeom prst="rect">
+            <a:avLst/>
+          </a:prstGeom>
+          <a:noFill/>
+        </p:spPr>
+        <p:txBody>
+          <a:bodyPr wrap="square" rtlCol="0">
+            <a:spAutoFit/>
+          </a:bodyPr>
+          <a:lstStyle/>
+          <a:p>
+            <a:r>
+              <a:rPr kumimoji="1" lang="ja-JP" altLang="en-US" sz="4400" b="1" dirty="0">
+                <a:gradFill>
+                  <a:gsLst>
+                    <a:gs pos="53000">
+                      <a:srgbClr val="FFC000"/>
+                    </a:gs>
+                    <a:gs pos="36000">
+                      <a:schemeClr val="bg1"/>
+                    </a:gs>
+                    <a:gs pos="100000">
+                      <a:srgbClr val="FFFF00"/>
+                    </a:gs>
+                  </a:gsLst>
+                  <a:lin ang="5400000" scaled="1"/>
+                </a:gradFill>
+                <a:effectLst>
+                  <a:glow rad="101600">
+                    <a:schemeClr val="tx1"/>
+                  </a:glow>
+                </a:effectLst>
+                <a:latin typeface="HG正楷書体-PRO" panose="03000600000000000000" pitchFamily="66" charset="-128"/>
+                <a:ea typeface="HG正楷書体-PRO" panose="03000600000000000000" pitchFamily="66" charset="-128"/>
+              </a:rPr>
+              <a:t>のんだくれぱーりなぃ</a:t>
+            </a:r>
+          </a:p>
+        </p:txBody>
+      </p:sp>
+    </p:spTree>
+    <p:extLst>
+      <p:ext uri="{BB962C8B-B14F-4D97-AF65-F5344CB8AC3E}">
+        <p14:creationId xmlns:p14="http://schemas.microsoft.com/office/powerpoint/2010/main" val="987973196"/>
+      </p:ext>
+    </p:extLst>
+  </p:cSld>
+  <p:clrMapOvr>
+    <a:masterClrMapping/>
+  </p:clrMapOvr>
+</p:sld>
+</file>
+
+<file path=ppt/slides/slide3.xml><?xml version="1.0" encoding="utf-8"?>
+<p:sld xmlns:a="http://schemas.openxmlformats.org/drawingml/2006/main" xmlns:r="http://schemas.openxmlformats.org/officeDocument/2006/relationships" xmlns:p="http://schemas.openxmlformats.org/presentationml/2006/main">
+  <p:cSld>
+    <p:spTree>
+      <p:nvGrpSpPr>
+        <p:cNvPr id="1" name=""/>
+        <p:cNvGrpSpPr/>
+        <p:nvPr/>
+      </p:nvGrpSpPr>
+      <p:grpSpPr>
+        <a:xfrm>
+          <a:off x="0" y="0"/>
+          <a:ext cx="0" cy="0"/>
+          <a:chOff x="0" y="0"/>
+          <a:chExt cx="0" cy="0"/>
+        </a:xfrm>
+      </p:grpSpPr>
+      <p:sp>
+        <p:nvSpPr>
           <p:cNvPr id="3" name="テキスト ボックス 2">
             <a:extLst>
               <a:ext uri="{FF2B5EF4-FFF2-40B4-BE49-F238E27FC236}">
@@ -5381,7 +7490,7 @@
 </p:sld>
 </file>
 
-<file path=ppt/slides/slide3.xml><?xml version="1.0" encoding="utf-8"?>
+<file path=ppt/slides/slide4.xml><?xml version="1.0" encoding="utf-8"?>
 <p:sld xmlns:a="http://schemas.openxmlformats.org/drawingml/2006/main" xmlns:r="http://schemas.openxmlformats.org/officeDocument/2006/relationships" xmlns:p="http://schemas.openxmlformats.org/presentationml/2006/main">
   <p:cSld>
     <p:spTree>
@@ -8615,7 +10724,7 @@
 </p:sld>
 </file>
 
-<file path=ppt/slides/slide4.xml><?xml version="1.0" encoding="utf-8"?>
+<file path=ppt/slides/slide5.xml><?xml version="1.0" encoding="utf-8"?>
 <p:sld xmlns:a="http://schemas.openxmlformats.org/drawingml/2006/main" xmlns:r="http://schemas.openxmlformats.org/officeDocument/2006/relationships" xmlns:p="http://schemas.openxmlformats.org/presentationml/2006/main">
   <p:cSld>
     <p:spTree>
@@ -10513,7 +12622,7 @@
 </p:sld>
 </file>
 
-<file path=ppt/slides/slide5.xml><?xml version="1.0" encoding="utf-8"?>
+<file path=ppt/slides/slide6.xml><?xml version="1.0" encoding="utf-8"?>
 <p:sld xmlns:a="http://schemas.openxmlformats.org/drawingml/2006/main" xmlns:r="http://schemas.openxmlformats.org/officeDocument/2006/relationships" xmlns:p="http://schemas.openxmlformats.org/presentationml/2006/main">
   <p:cSld>
     <p:spTree>
@@ -10671,7 +12780,7 @@
         </p:nvSpPr>
         <p:spPr>
           <a:xfrm>
-            <a:off x="1009638" y="2649482"/>
+            <a:off x="804207" y="2341570"/>
             <a:ext cx="1482705" cy="769441"/>
           </a:xfrm>
           <a:prstGeom prst="rect">
@@ -10729,7 +12838,7 @@
         </p:nvSpPr>
         <p:spPr>
           <a:xfrm>
-            <a:off x="8670405" y="5045282"/>
+            <a:off x="8767171" y="5109299"/>
             <a:ext cx="3193275" cy="769441"/>
           </a:xfrm>
           <a:prstGeom prst="rect">
@@ -10744,7 +12853,7 @@
           <a:lstStyle/>
           <a:p>
             <a:r>
-              <a:rPr lang="ja-JP" altLang="en-US" sz="4400" b="1" dirty="0">
+              <a:rPr kumimoji="1" lang="ja-JP" altLang="en-US" sz="4400" b="1" dirty="0">
                 <a:solidFill>
                   <a:srgbClr val="7030A0"/>
                 </a:solidFill>
@@ -10756,20 +12865,8 @@
                 <a:latin typeface="HG正楷書体-PRO" panose="03000600000000000000" pitchFamily="66" charset="-128"/>
                 <a:ea typeface="HG正楷書体-PRO" panose="03000600000000000000" pitchFamily="66" charset="-128"/>
               </a:rPr>
-              <a:t>カメラ移動</a:t>
-            </a:r>
-            <a:endParaRPr kumimoji="1" lang="ja-JP" altLang="en-US" sz="4400" b="1" dirty="0">
-              <a:solidFill>
-                <a:srgbClr val="7030A0"/>
-              </a:solidFill>
-              <a:effectLst>
-                <a:glow rad="127000">
-                  <a:schemeClr val="bg1"/>
-                </a:glow>
-              </a:effectLst>
-              <a:latin typeface="HG正楷書体-PRO" panose="03000600000000000000" pitchFamily="66" charset="-128"/>
-              <a:ea typeface="HG正楷書体-PRO" panose="03000600000000000000" pitchFamily="66" charset="-128"/>
-            </a:endParaRPr>
+              <a:t>分身の術</a:t>
+            </a:r>
           </a:p>
         </p:txBody>
       </p:sp>
@@ -10787,7 +12884,7 @@
         </p:nvSpPr>
         <p:spPr>
           <a:xfrm>
-            <a:off x="2685803" y="1568142"/>
+            <a:off x="3410042" y="1132243"/>
             <a:ext cx="6994568" cy="769441"/>
           </a:xfrm>
           <a:prstGeom prst="rect">
@@ -10928,64 +13025,6 @@
           </a:p>
         </p:txBody>
       </p:sp>
-      <p:sp>
-        <p:nvSpPr>
-          <p:cNvPr id="24" name="テキスト ボックス 23">
-            <a:extLst>
-              <a:ext uri="{FF2B5EF4-FFF2-40B4-BE49-F238E27FC236}">
-                <a16:creationId xmlns:a16="http://schemas.microsoft.com/office/drawing/2014/main" id="{47700698-B1CA-3B2E-BD5B-E0E1F29AB029}"/>
-              </a:ext>
-            </a:extLst>
-          </p:cNvPr>
-          <p:cNvSpPr txBox="1"/>
-          <p:nvPr/>
-        </p:nvSpPr>
-        <p:spPr>
-          <a:xfrm>
-            <a:off x="9144069" y="3093163"/>
-            <a:ext cx="2644636" cy="769441"/>
-          </a:xfrm>
-          <a:prstGeom prst="rect">
-            <a:avLst/>
-          </a:prstGeom>
-          <a:noFill/>
-        </p:spPr>
-        <p:txBody>
-          <a:bodyPr wrap="square" rtlCol="0">
-            <a:spAutoFit/>
-          </a:bodyPr>
-          <a:lstStyle/>
-          <a:p>
-            <a:r>
-              <a:rPr lang="ja-JP" altLang="en-US" sz="4400" b="1" dirty="0">
-                <a:solidFill>
-                  <a:srgbClr val="7030A0"/>
-                </a:solidFill>
-                <a:effectLst>
-                  <a:glow rad="127000">
-                    <a:schemeClr val="bg1"/>
-                  </a:glow>
-                </a:effectLst>
-                <a:latin typeface="HG正楷書体-PRO" panose="03000600000000000000" pitchFamily="66" charset="-128"/>
-                <a:ea typeface="HG正楷書体-PRO" panose="03000600000000000000" pitchFamily="66" charset="-128"/>
-              </a:rPr>
-              <a:t>分身の術</a:t>
-            </a:r>
-            <a:endParaRPr kumimoji="1" lang="ja-JP" altLang="en-US" sz="4400" b="1" dirty="0">
-              <a:solidFill>
-                <a:srgbClr val="7030A0"/>
-              </a:solidFill>
-              <a:effectLst>
-                <a:glow rad="127000">
-                  <a:schemeClr val="bg1"/>
-                </a:glow>
-              </a:effectLst>
-              <a:latin typeface="HG正楷書体-PRO" panose="03000600000000000000" pitchFamily="66" charset="-128"/>
-              <a:ea typeface="HG正楷書体-PRO" panose="03000600000000000000" pitchFamily="66" charset="-128"/>
-            </a:endParaRPr>
-          </a:p>
-        </p:txBody>
-      </p:sp>
       <p:cxnSp>
         <p:nvCxnSpPr>
           <p:cNvPr id="25" name="直線コネクタ 24">
@@ -10997,15 +13036,15 @@
           </p:cNvPr>
           <p:cNvCxnSpPr>
             <a:cxnSpLocks/>
-            <a:stCxn id="28" idx="2"/>
+            <a:stCxn id="28" idx="1"/>
             <a:endCxn id="7" idx="1"/>
           </p:cNvCxnSpPr>
           <p:nvPr/>
         </p:nvCxnSpPr>
         <p:spPr>
           <a:xfrm>
-            <a:off x="6734692" y="4709125"/>
-            <a:ext cx="1935713" cy="720878"/>
+            <a:off x="7338476" y="4298314"/>
+            <a:ext cx="1428695" cy="1195706"/>
           </a:xfrm>
           <a:prstGeom prst="line">
             <a:avLst/>
@@ -11045,7 +13084,7 @@
         </p:nvSpPr>
         <p:spPr>
           <a:xfrm>
-            <a:off x="6734692" y="4594128"/>
+            <a:off x="7304794" y="4264632"/>
             <a:ext cx="229994" cy="229994"/>
           </a:xfrm>
           <a:prstGeom prst="ellipse">
@@ -11101,8 +13140,8 @@
         </p:nvCxnSpPr>
         <p:spPr>
           <a:xfrm flipH="1" flipV="1">
-            <a:off x="2492343" y="3034203"/>
-            <a:ext cx="2568228" cy="227287"/>
+            <a:off x="2286912" y="2726291"/>
+            <a:ext cx="2690042" cy="563516"/>
           </a:xfrm>
           <a:prstGeom prst="line">
             <a:avLst/>
@@ -11142,7 +13181,7 @@
         </p:nvSpPr>
         <p:spPr>
           <a:xfrm>
-            <a:off x="4830577" y="3146493"/>
+            <a:off x="4746960" y="3174810"/>
             <a:ext cx="229994" cy="229994"/>
           </a:xfrm>
           <a:prstGeom prst="ellipse">
@@ -11180,57 +13219,12 @@
           </a:p>
         </p:txBody>
       </p:sp>
-      <p:cxnSp>
-        <p:nvCxnSpPr>
-          <p:cNvPr id="52" name="直線コネクタ 51">
-            <a:extLst>
-              <a:ext uri="{FF2B5EF4-FFF2-40B4-BE49-F238E27FC236}">
-                <a16:creationId xmlns:a16="http://schemas.microsoft.com/office/drawing/2014/main" id="{B0633D37-3B8D-C9D3-5C84-29DF6AEA1A76}"/>
-              </a:ext>
-            </a:extLst>
-          </p:cNvPr>
-          <p:cNvCxnSpPr>
-            <a:cxnSpLocks/>
-            <a:stCxn id="24" idx="1"/>
-            <a:endCxn id="53" idx="3"/>
-          </p:cNvCxnSpPr>
-          <p:nvPr/>
-        </p:nvCxnSpPr>
-        <p:spPr>
-          <a:xfrm flipH="1">
-            <a:off x="7621233" y="3477884"/>
-            <a:ext cx="1522836" cy="695235"/>
-          </a:xfrm>
-          <a:prstGeom prst="line">
-            <a:avLst/>
-          </a:prstGeom>
-          <a:ln w="76200">
-            <a:solidFill>
-              <a:schemeClr val="accent2"/>
-            </a:solidFill>
-          </a:ln>
-        </p:spPr>
-        <p:style>
-          <a:lnRef idx="2">
-            <a:schemeClr val="accent1"/>
-          </a:lnRef>
-          <a:fillRef idx="0">
-            <a:schemeClr val="accent1"/>
-          </a:fillRef>
-          <a:effectRef idx="1">
-            <a:schemeClr val="accent1"/>
-          </a:effectRef>
-          <a:fontRef idx="minor">
-            <a:schemeClr val="tx1"/>
-          </a:fontRef>
-        </p:style>
-      </p:cxnSp>
       <p:sp>
         <p:nvSpPr>
-          <p:cNvPr id="53" name="楕円 52">
-            <a:extLst>
-              <a:ext uri="{FF2B5EF4-FFF2-40B4-BE49-F238E27FC236}">
-                <a16:creationId xmlns:a16="http://schemas.microsoft.com/office/drawing/2014/main" id="{2DD358A4-A884-783F-B863-CD7850880370}"/>
+          <p:cNvPr id="54" name="楕円 53">
+            <a:extLst>
+              <a:ext uri="{FF2B5EF4-FFF2-40B4-BE49-F238E27FC236}">
+                <a16:creationId xmlns:a16="http://schemas.microsoft.com/office/drawing/2014/main" id="{84B89C88-53D3-8E04-C5A8-5290F88F3F16}"/>
               </a:ext>
             </a:extLst>
           </p:cNvPr>
@@ -11239,7 +13233,7 @@
         </p:nvSpPr>
         <p:spPr>
           <a:xfrm>
-            <a:off x="7587551" y="3976807"/>
+            <a:off x="7304794" y="3702656"/>
             <a:ext cx="229994" cy="229994"/>
           </a:xfrm>
           <a:prstGeom prst="ellipse">
@@ -11277,58 +13271,6 @@
           </a:p>
         </p:txBody>
       </p:sp>
-      <p:sp>
-        <p:nvSpPr>
-          <p:cNvPr id="54" name="楕円 53">
-            <a:extLst>
-              <a:ext uri="{FF2B5EF4-FFF2-40B4-BE49-F238E27FC236}">
-                <a16:creationId xmlns:a16="http://schemas.microsoft.com/office/drawing/2014/main" id="{84B89C88-53D3-8E04-C5A8-5290F88F3F16}"/>
-              </a:ext>
-            </a:extLst>
-          </p:cNvPr>
-          <p:cNvSpPr/>
-          <p:nvPr/>
-        </p:nvSpPr>
-        <p:spPr>
-          <a:xfrm>
-            <a:off x="7304794" y="3702656"/>
-            <a:ext cx="229994" cy="229994"/>
-          </a:xfrm>
-          <a:prstGeom prst="ellipse">
-            <a:avLst/>
-          </a:prstGeom>
-          <a:solidFill>
-            <a:schemeClr val="accent2"/>
-          </a:solidFill>
-          <a:ln>
-            <a:noFill/>
-          </a:ln>
-        </p:spPr>
-        <p:style>
-          <a:lnRef idx="2">
-            <a:schemeClr val="accent1">
-              <a:shade val="15000"/>
-            </a:schemeClr>
-          </a:lnRef>
-          <a:fillRef idx="1">
-            <a:schemeClr val="accent1"/>
-          </a:fillRef>
-          <a:effectRef idx="0">
-            <a:schemeClr val="accent1"/>
-          </a:effectRef>
-          <a:fontRef idx="minor">
-            <a:schemeClr val="lt1"/>
-          </a:fontRef>
-        </p:style>
-        <p:txBody>
-          <a:bodyPr rtlCol="0" anchor="ctr"/>
-          <a:lstStyle/>
-          <a:p>
-            <a:pPr algn="ctr"/>
-            <a:endParaRPr kumimoji="1" lang="ja-JP" altLang="en-US" dirty="0"/>
-          </a:p>
-        </p:txBody>
-      </p:sp>
       <p:cxnSp>
         <p:nvCxnSpPr>
           <p:cNvPr id="57" name="直線コネクタ 56">
@@ -11341,14 +13283,14 @@
           <p:cNvCxnSpPr>
             <a:cxnSpLocks/>
             <a:stCxn id="8" idx="2"/>
-            <a:endCxn id="54" idx="5"/>
+            <a:endCxn id="54" idx="4"/>
           </p:cNvCxnSpPr>
           <p:nvPr/>
         </p:nvCxnSpPr>
         <p:spPr>
           <a:xfrm>
-            <a:off x="6183087" y="2337583"/>
-            <a:ext cx="1318019" cy="1561385"/>
+            <a:off x="6907326" y="1901684"/>
+            <a:ext cx="512465" cy="2030966"/>
           </a:xfrm>
           <a:prstGeom prst="line">
             <a:avLst/>
@@ -11388,7 +13330,7 @@
         </p:nvSpPr>
         <p:spPr>
           <a:xfrm>
-            <a:off x="2704851" y="978026"/>
+            <a:off x="3429090" y="542127"/>
             <a:ext cx="2425908" cy="769441"/>
           </a:xfrm>
           <a:prstGeom prst="rect">
@@ -11461,7 +13403,7 @@
         </p:nvSpPr>
         <p:spPr>
           <a:xfrm>
-            <a:off x="979465" y="2112116"/>
+            <a:off x="774034" y="1804204"/>
             <a:ext cx="1048628" cy="769441"/>
           </a:xfrm>
           <a:prstGeom prst="rect">
@@ -11562,79 +13504,6 @@
                 <a:ea typeface="HG正楷書体-PRO" panose="03000600000000000000" pitchFamily="66" charset="-128"/>
               </a:rPr>
               <a:t>スティック</a:t>
-            </a:r>
-            <a:endParaRPr kumimoji="1" lang="ja-JP" altLang="en-US" sz="4400" b="1" dirty="0">
-              <a:solidFill>
-                <a:srgbClr val="7030A0"/>
-              </a:solidFill>
-              <a:effectLst>
-                <a:glow rad="127000">
-                  <a:schemeClr val="bg1"/>
-                </a:glow>
-              </a:effectLst>
-              <a:latin typeface="HG正楷書体-PRO" panose="03000600000000000000" pitchFamily="66" charset="-128"/>
-              <a:ea typeface="HG正楷書体-PRO" panose="03000600000000000000" pitchFamily="66" charset="-128"/>
-            </a:endParaRPr>
-          </a:p>
-        </p:txBody>
-      </p:sp>
-      <p:sp>
-        <p:nvSpPr>
-          <p:cNvPr id="192" name="テキスト ボックス 191">
-            <a:extLst>
-              <a:ext uri="{FF2B5EF4-FFF2-40B4-BE49-F238E27FC236}">
-                <a16:creationId xmlns:a16="http://schemas.microsoft.com/office/drawing/2014/main" id="{1F1F0D93-964A-E1FD-4743-41AD73C2083B}"/>
-              </a:ext>
-            </a:extLst>
-          </p:cNvPr>
-          <p:cNvSpPr txBox="1"/>
-          <p:nvPr/>
-        </p:nvSpPr>
-        <p:spPr>
-          <a:xfrm>
-            <a:off x="9218413" y="2474597"/>
-            <a:ext cx="2570292" cy="769441"/>
-          </a:xfrm>
-          <a:prstGeom prst="rect">
-            <a:avLst/>
-          </a:prstGeom>
-          <a:noFill/>
-        </p:spPr>
-        <p:txBody>
-          <a:bodyPr wrap="square" rtlCol="0">
-            <a:spAutoFit/>
-          </a:bodyPr>
-          <a:lstStyle/>
-          <a:p>
-            <a:r>
-              <a:rPr lang="en-US" altLang="ja-JP" sz="4400" b="1" dirty="0">
-                <a:solidFill>
-                  <a:srgbClr val="7030A0"/>
-                </a:solidFill>
-                <a:effectLst>
-                  <a:glow rad="127000">
-                    <a:schemeClr val="bg1"/>
-                  </a:glow>
-                </a:effectLst>
-                <a:latin typeface="HG正楷書体-PRO" panose="03000600000000000000" pitchFamily="66" charset="-128"/>
-                <a:ea typeface="HG正楷書体-PRO" panose="03000600000000000000" pitchFamily="66" charset="-128"/>
-              </a:rPr>
-              <a:t>B</a:t>
-            </a:r>
-            <a:r>
-              <a:rPr lang="ja-JP" altLang="en-US" sz="4400" b="1" dirty="0">
-                <a:solidFill>
-                  <a:srgbClr val="7030A0"/>
-                </a:solidFill>
-                <a:effectLst>
-                  <a:glow rad="127000">
-                    <a:schemeClr val="bg1"/>
-                  </a:glow>
-                </a:effectLst>
-                <a:latin typeface="HG正楷書体-PRO" panose="03000600000000000000" pitchFamily="66" charset="-128"/>
-                <a:ea typeface="HG正楷書体-PRO" panose="03000600000000000000" pitchFamily="66" charset="-128"/>
-              </a:rPr>
-              <a:t>ボタン</a:t>
             </a:r>
             <a:endParaRPr kumimoji="1" lang="ja-JP" altLang="en-US" sz="4400" b="1" dirty="0">
               <a:solidFill>
@@ -11725,7 +13594,7 @@
 </p:sld>
 </file>
 
-<file path=ppt/slides/slide6.xml><?xml version="1.0" encoding="utf-8"?>
+<file path=ppt/slides/slide7.xml><?xml version="1.0" encoding="utf-8"?>
 <p:sld xmlns:a="http://schemas.openxmlformats.org/drawingml/2006/main" xmlns:r="http://schemas.openxmlformats.org/officeDocument/2006/relationships" xmlns:p="http://schemas.openxmlformats.org/presentationml/2006/main">
   <p:cSld>
     <p:spTree>
@@ -14397,7 +16266,7 @@
 </p:sld>
 </file>
 
-<file path=ppt/slides/slide7.xml><?xml version="1.0" encoding="utf-8"?>
+<file path=ppt/slides/slide8.xml><?xml version="1.0" encoding="utf-8"?>
 <p:sld xmlns:a="http://schemas.openxmlformats.org/drawingml/2006/main" xmlns:r="http://schemas.openxmlformats.org/officeDocument/2006/relationships" xmlns:p="http://schemas.openxmlformats.org/presentationml/2006/main">
   <p:cSld>
     <p:spTree>
@@ -17463,7 +19332,7 @@
 </p:sld>
 </file>
 
-<file path=ppt/slides/slide8.xml><?xml version="1.0" encoding="utf-8"?>
+<file path=ppt/slides/slide9.xml><?xml version="1.0" encoding="utf-8"?>
 <p:sld xmlns:a="http://schemas.openxmlformats.org/drawingml/2006/main" xmlns:r="http://schemas.openxmlformats.org/officeDocument/2006/relationships" xmlns:p="http://schemas.openxmlformats.org/presentationml/2006/main">
   <p:cSld>
     <p:spTree>
@@ -18666,1955 +20535,6 @@
     <p:extLst>
       <p:ext uri="{BB962C8B-B14F-4D97-AF65-F5344CB8AC3E}">
         <p14:creationId xmlns:p14="http://schemas.microsoft.com/office/powerpoint/2010/main" val="4097384804"/>
-      </p:ext>
-    </p:extLst>
-  </p:cSld>
-  <p:clrMapOvr>
-    <a:masterClrMapping/>
-  </p:clrMapOvr>
-</p:sld>
-</file>
-
-<file path=ppt/slides/slide9.xml><?xml version="1.0" encoding="utf-8"?>
-<p:sld xmlns:a="http://schemas.openxmlformats.org/drawingml/2006/main" xmlns:r="http://schemas.openxmlformats.org/officeDocument/2006/relationships" xmlns:p="http://schemas.openxmlformats.org/presentationml/2006/main">
-  <p:cSld>
-    <p:spTree>
-      <p:nvGrpSpPr>
-        <p:cNvPr id="1" name=""/>
-        <p:cNvGrpSpPr/>
-        <p:nvPr/>
-      </p:nvGrpSpPr>
-      <p:grpSpPr>
-        <a:xfrm>
-          <a:off x="0" y="0"/>
-          <a:ext cx="0" cy="0"/>
-          <a:chOff x="0" y="0"/>
-          <a:chExt cx="0" cy="0"/>
-        </a:xfrm>
-      </p:grpSpPr>
-      <p:grpSp>
-        <p:nvGrpSpPr>
-          <p:cNvPr id="112" name="グループ化 111">
-            <a:extLst>
-              <a:ext uri="{FF2B5EF4-FFF2-40B4-BE49-F238E27FC236}">
-                <a16:creationId xmlns:a16="http://schemas.microsoft.com/office/drawing/2014/main" id="{484B9948-223F-D76B-93C1-FBF5F71A59CB}"/>
-              </a:ext>
-            </a:extLst>
-          </p:cNvPr>
-          <p:cNvGrpSpPr/>
-          <p:nvPr/>
-        </p:nvGrpSpPr>
-        <p:grpSpPr>
-          <a:xfrm>
-            <a:off x="3263156" y="3526422"/>
-            <a:ext cx="2693570" cy="374210"/>
-            <a:chOff x="6729442" y="3799668"/>
-            <a:chExt cx="3981180" cy="553094"/>
-          </a:xfrm>
-        </p:grpSpPr>
-        <p:grpSp>
-          <p:nvGrpSpPr>
-            <p:cNvPr id="113" name="グループ化 112">
-              <a:extLst>
-                <a:ext uri="{FF2B5EF4-FFF2-40B4-BE49-F238E27FC236}">
-                  <a16:creationId xmlns:a16="http://schemas.microsoft.com/office/drawing/2014/main" id="{0DCC9921-D0D8-BAD4-46DE-7A895C23EFD6}"/>
-                </a:ext>
-              </a:extLst>
-            </p:cNvPr>
-            <p:cNvGrpSpPr/>
-            <p:nvPr/>
-          </p:nvGrpSpPr>
-          <p:grpSpPr>
-            <a:xfrm>
-              <a:off x="6730390" y="3799668"/>
-              <a:ext cx="3980232" cy="553094"/>
-              <a:chOff x="6730390" y="3799668"/>
-              <a:chExt cx="3980232" cy="553094"/>
-            </a:xfrm>
-          </p:grpSpPr>
-          <p:grpSp>
-            <p:nvGrpSpPr>
-              <p:cNvPr id="115" name="グループ化 114">
-                <a:extLst>
-                  <a:ext uri="{FF2B5EF4-FFF2-40B4-BE49-F238E27FC236}">
-                    <a16:creationId xmlns:a16="http://schemas.microsoft.com/office/drawing/2014/main" id="{75A2D3CC-BC6B-9AD0-5B9B-2BA9CA1EAF5A}"/>
-                  </a:ext>
-                </a:extLst>
-              </p:cNvPr>
-              <p:cNvGrpSpPr/>
-              <p:nvPr/>
-            </p:nvGrpSpPr>
-            <p:grpSpPr>
-              <a:xfrm>
-                <a:off x="6730390" y="3799668"/>
-                <a:ext cx="3980232" cy="553094"/>
-                <a:chOff x="6729442" y="293195"/>
-                <a:chExt cx="3980232" cy="553094"/>
-              </a:xfrm>
-            </p:grpSpPr>
-            <p:sp>
-              <p:nvSpPr>
-                <p:cNvPr id="119" name="正方形/長方形 118">
-                  <a:extLst>
-                    <a:ext uri="{FF2B5EF4-FFF2-40B4-BE49-F238E27FC236}">
-                      <a16:creationId xmlns:a16="http://schemas.microsoft.com/office/drawing/2014/main" id="{CE99CFD8-AE5A-C079-0A55-0B59FB9DB85B}"/>
-                    </a:ext>
-                  </a:extLst>
-                </p:cNvPr>
-                <p:cNvSpPr/>
-                <p:nvPr/>
-              </p:nvSpPr>
-              <p:spPr>
-                <a:xfrm>
-                  <a:off x="6729442" y="293195"/>
-                  <a:ext cx="3980232" cy="545623"/>
-                </a:xfrm>
-                <a:prstGeom prst="rect">
-                  <a:avLst/>
-                </a:prstGeom>
-                <a:solidFill>
-                  <a:schemeClr val="tx1">
-                    <a:lumMod val="95000"/>
-                    <a:lumOff val="5000"/>
-                  </a:schemeClr>
-                </a:solidFill>
-                <a:ln w="38100">
-                  <a:solidFill>
-                    <a:srgbClr val="7030A0"/>
-                  </a:solidFill>
-                </a:ln>
-              </p:spPr>
-              <p:style>
-                <a:lnRef idx="2">
-                  <a:schemeClr val="accent1">
-                    <a:shade val="15000"/>
-                  </a:schemeClr>
-                </a:lnRef>
-                <a:fillRef idx="1">
-                  <a:schemeClr val="accent1"/>
-                </a:fillRef>
-                <a:effectRef idx="0">
-                  <a:schemeClr val="accent1"/>
-                </a:effectRef>
-                <a:fontRef idx="minor">
-                  <a:schemeClr val="lt1"/>
-                </a:fontRef>
-              </p:style>
-              <p:txBody>
-                <a:bodyPr rtlCol="0" anchor="ctr"/>
-                <a:lstStyle/>
-                <a:p>
-                  <a:pPr algn="ctr"/>
-                  <a:endParaRPr kumimoji="1" lang="ja-JP" altLang="en-US" dirty="0"/>
-                </a:p>
-              </p:txBody>
-            </p:sp>
-            <p:sp>
-              <p:nvSpPr>
-                <p:cNvPr id="120" name="正方形/長方形 119">
-                  <a:extLst>
-                    <a:ext uri="{FF2B5EF4-FFF2-40B4-BE49-F238E27FC236}">
-                      <a16:creationId xmlns:a16="http://schemas.microsoft.com/office/drawing/2014/main" id="{BD26E536-C123-6AAE-A21F-E0699DE52E3C}"/>
-                    </a:ext>
-                  </a:extLst>
-                </p:cNvPr>
-                <p:cNvSpPr/>
-                <p:nvPr/>
-              </p:nvSpPr>
-              <p:spPr>
-                <a:xfrm>
-                  <a:off x="6729446" y="326570"/>
-                  <a:ext cx="1205861" cy="519719"/>
-                </a:xfrm>
-                <a:prstGeom prst="rect">
-                  <a:avLst/>
-                </a:prstGeom>
-                <a:solidFill>
-                  <a:srgbClr val="00B0F0"/>
-                </a:solidFill>
-                <a:ln w="38100">
-                  <a:noFill/>
-                </a:ln>
-              </p:spPr>
-              <p:style>
-                <a:lnRef idx="2">
-                  <a:schemeClr val="accent1">
-                    <a:shade val="15000"/>
-                  </a:schemeClr>
-                </a:lnRef>
-                <a:fillRef idx="1">
-                  <a:schemeClr val="accent1"/>
-                </a:fillRef>
-                <a:effectRef idx="0">
-                  <a:schemeClr val="accent1"/>
-                </a:effectRef>
-                <a:fontRef idx="minor">
-                  <a:schemeClr val="lt1"/>
-                </a:fontRef>
-              </p:style>
-              <p:txBody>
-                <a:bodyPr rtlCol="0" anchor="ctr"/>
-                <a:lstStyle/>
-                <a:p>
-                  <a:pPr algn="ctr"/>
-                  <a:endParaRPr kumimoji="1" lang="ja-JP" altLang="en-US" dirty="0"/>
-                </a:p>
-              </p:txBody>
-            </p:sp>
-          </p:grpSp>
-          <p:sp>
-            <p:nvSpPr>
-              <p:cNvPr id="116" name="正方形/長方形 115">
-                <a:extLst>
-                  <a:ext uri="{FF2B5EF4-FFF2-40B4-BE49-F238E27FC236}">
-                    <a16:creationId xmlns:a16="http://schemas.microsoft.com/office/drawing/2014/main" id="{725E597F-6958-F00C-CEC0-E39E63A4B515}"/>
-                  </a:ext>
-                </a:extLst>
-              </p:cNvPr>
-              <p:cNvSpPr/>
-              <p:nvPr/>
-            </p:nvSpPr>
-            <p:spPr>
-              <a:xfrm>
-                <a:off x="7936256" y="3830382"/>
-                <a:ext cx="1061071" cy="519719"/>
-              </a:xfrm>
-              <a:prstGeom prst="rect">
-                <a:avLst/>
-              </a:prstGeom>
-              <a:solidFill>
-                <a:srgbClr val="00B0F0">
-                  <a:alpha val="50000"/>
-                </a:srgbClr>
-              </a:solidFill>
-              <a:ln w="38100">
-                <a:noFill/>
-              </a:ln>
-            </p:spPr>
-            <p:style>
-              <a:lnRef idx="2">
-                <a:schemeClr val="accent1">
-                  <a:shade val="15000"/>
-                </a:schemeClr>
-              </a:lnRef>
-              <a:fillRef idx="1">
-                <a:schemeClr val="accent1"/>
-              </a:fillRef>
-              <a:effectRef idx="0">
-                <a:schemeClr val="accent1"/>
-              </a:effectRef>
-              <a:fontRef idx="minor">
-                <a:schemeClr val="lt1"/>
-              </a:fontRef>
-            </p:style>
-            <p:txBody>
-              <a:bodyPr rtlCol="0" anchor="ctr"/>
-              <a:lstStyle/>
-              <a:p>
-                <a:pPr algn="ctr"/>
-                <a:endParaRPr kumimoji="1" lang="ja-JP" altLang="en-US" dirty="0"/>
-              </a:p>
-            </p:txBody>
-          </p:sp>
-          <p:sp>
-            <p:nvSpPr>
-              <p:cNvPr id="117" name="正方形/長方形 116">
-                <a:extLst>
-                  <a:ext uri="{FF2B5EF4-FFF2-40B4-BE49-F238E27FC236}">
-                    <a16:creationId xmlns:a16="http://schemas.microsoft.com/office/drawing/2014/main" id="{97D8841E-8AB9-4CB5-583B-7F7DBCAAC6FD}"/>
-                  </a:ext>
-                </a:extLst>
-              </p:cNvPr>
-              <p:cNvSpPr/>
-              <p:nvPr/>
-            </p:nvSpPr>
-            <p:spPr>
-              <a:xfrm>
-                <a:off x="7936257" y="3830382"/>
-                <a:ext cx="732608" cy="519719"/>
-              </a:xfrm>
-              <a:prstGeom prst="rect">
-                <a:avLst/>
-              </a:prstGeom>
-              <a:solidFill>
-                <a:srgbClr val="00B0F0">
-                  <a:alpha val="50000"/>
-                </a:srgbClr>
-              </a:solidFill>
-              <a:ln w="38100">
-                <a:noFill/>
-              </a:ln>
-            </p:spPr>
-            <p:style>
-              <a:lnRef idx="2">
-                <a:schemeClr val="accent1">
-                  <a:shade val="15000"/>
-                </a:schemeClr>
-              </a:lnRef>
-              <a:fillRef idx="1">
-                <a:schemeClr val="accent1"/>
-              </a:fillRef>
-              <a:effectRef idx="0">
-                <a:schemeClr val="accent1"/>
-              </a:effectRef>
-              <a:fontRef idx="minor">
-                <a:schemeClr val="lt1"/>
-              </a:fontRef>
-            </p:style>
-            <p:txBody>
-              <a:bodyPr rtlCol="0" anchor="ctr"/>
-              <a:lstStyle/>
-              <a:p>
-                <a:pPr algn="ctr"/>
-                <a:endParaRPr kumimoji="1" lang="ja-JP" altLang="en-US" dirty="0"/>
-              </a:p>
-            </p:txBody>
-          </p:sp>
-          <p:sp>
-            <p:nvSpPr>
-              <p:cNvPr id="118" name="正方形/長方形 117">
-                <a:extLst>
-                  <a:ext uri="{FF2B5EF4-FFF2-40B4-BE49-F238E27FC236}">
-                    <a16:creationId xmlns:a16="http://schemas.microsoft.com/office/drawing/2014/main" id="{CADDAA5A-6309-7059-99BC-B08C8259A4A0}"/>
-                  </a:ext>
-                </a:extLst>
-              </p:cNvPr>
-              <p:cNvSpPr/>
-              <p:nvPr/>
-            </p:nvSpPr>
-            <p:spPr>
-              <a:xfrm>
-                <a:off x="7936255" y="3830382"/>
-                <a:ext cx="397539" cy="519719"/>
-              </a:xfrm>
-              <a:prstGeom prst="rect">
-                <a:avLst/>
-              </a:prstGeom>
-              <a:solidFill>
-                <a:srgbClr val="00B0F0">
-                  <a:alpha val="50000"/>
-                </a:srgbClr>
-              </a:solidFill>
-              <a:ln w="38100">
-                <a:noFill/>
-              </a:ln>
-            </p:spPr>
-            <p:style>
-              <a:lnRef idx="2">
-                <a:schemeClr val="accent1">
-                  <a:shade val="15000"/>
-                </a:schemeClr>
-              </a:lnRef>
-              <a:fillRef idx="1">
-                <a:schemeClr val="accent1"/>
-              </a:fillRef>
-              <a:effectRef idx="0">
-                <a:schemeClr val="accent1"/>
-              </a:effectRef>
-              <a:fontRef idx="minor">
-                <a:schemeClr val="lt1"/>
-              </a:fontRef>
-            </p:style>
-            <p:txBody>
-              <a:bodyPr rtlCol="0" anchor="ctr"/>
-              <a:lstStyle/>
-              <a:p>
-                <a:pPr algn="ctr"/>
-                <a:endParaRPr kumimoji="1" lang="ja-JP" altLang="en-US" dirty="0"/>
-              </a:p>
-            </p:txBody>
-          </p:sp>
-        </p:grpSp>
-        <p:sp>
-          <p:nvSpPr>
-            <p:cNvPr id="114" name="矢印: 右 113">
-              <a:extLst>
-                <a:ext uri="{FF2B5EF4-FFF2-40B4-BE49-F238E27FC236}">
-                  <a16:creationId xmlns:a16="http://schemas.microsoft.com/office/drawing/2014/main" id="{C6A68873-2641-B666-9411-768E3818EA65}"/>
-                </a:ext>
-              </a:extLst>
-            </p:cNvPr>
-            <p:cNvSpPr/>
-            <p:nvPr/>
-          </p:nvSpPr>
-          <p:spPr>
-            <a:xfrm flipH="1">
-              <a:off x="6729442" y="3845132"/>
-              <a:ext cx="2267885" cy="490264"/>
-            </a:xfrm>
-            <a:prstGeom prst="rightArrow">
-              <a:avLst/>
-            </a:prstGeom>
-            <a:gradFill flip="none" rotWithShape="1">
-              <a:gsLst>
-                <a:gs pos="0">
-                  <a:schemeClr val="tx1"/>
-                </a:gs>
-                <a:gs pos="100000">
-                  <a:schemeClr val="accent4"/>
-                </a:gs>
-              </a:gsLst>
-              <a:lin ang="0" scaled="1"/>
-              <a:tileRect/>
-            </a:gradFill>
-            <a:ln>
-              <a:solidFill>
-                <a:schemeClr val="bg1"/>
-              </a:solidFill>
-            </a:ln>
-          </p:spPr>
-          <p:style>
-            <a:lnRef idx="2">
-              <a:schemeClr val="accent1">
-                <a:shade val="15000"/>
-              </a:schemeClr>
-            </a:lnRef>
-            <a:fillRef idx="1">
-              <a:schemeClr val="accent1"/>
-            </a:fillRef>
-            <a:effectRef idx="0">
-              <a:schemeClr val="accent1"/>
-            </a:effectRef>
-            <a:fontRef idx="minor">
-              <a:schemeClr val="lt1"/>
-            </a:fontRef>
-          </p:style>
-          <p:txBody>
-            <a:bodyPr rtlCol="0" anchor="ctr"/>
-            <a:lstStyle/>
-            <a:p>
-              <a:pPr algn="ctr"/>
-              <a:endParaRPr kumimoji="1" lang="ja-JP" altLang="en-US" dirty="0"/>
-            </a:p>
-          </p:txBody>
-        </p:sp>
-      </p:grpSp>
-      <p:grpSp>
-        <p:nvGrpSpPr>
-          <p:cNvPr id="97" name="グループ化 96">
-            <a:extLst>
-              <a:ext uri="{FF2B5EF4-FFF2-40B4-BE49-F238E27FC236}">
-                <a16:creationId xmlns:a16="http://schemas.microsoft.com/office/drawing/2014/main" id="{7C9DE53A-1F18-251F-8C3A-B055457BFA6D}"/>
-              </a:ext>
-            </a:extLst>
-          </p:cNvPr>
-          <p:cNvGrpSpPr/>
-          <p:nvPr/>
-        </p:nvGrpSpPr>
-        <p:grpSpPr>
-          <a:xfrm>
-            <a:off x="8987560" y="930932"/>
-            <a:ext cx="2702862" cy="375590"/>
-            <a:chOff x="6729442" y="293195"/>
-            <a:chExt cx="3980232" cy="553094"/>
-          </a:xfrm>
-        </p:grpSpPr>
-        <p:grpSp>
-          <p:nvGrpSpPr>
-            <p:cNvPr id="98" name="グループ化 97">
-              <a:extLst>
-                <a:ext uri="{FF2B5EF4-FFF2-40B4-BE49-F238E27FC236}">
-                  <a16:creationId xmlns:a16="http://schemas.microsoft.com/office/drawing/2014/main" id="{131E56A0-2C9D-1BD8-A2F1-C0BC8ED89172}"/>
-                </a:ext>
-              </a:extLst>
-            </p:cNvPr>
-            <p:cNvGrpSpPr/>
-            <p:nvPr/>
-          </p:nvGrpSpPr>
-          <p:grpSpPr>
-            <a:xfrm>
-              <a:off x="6729442" y="293195"/>
-              <a:ext cx="3980232" cy="553094"/>
-              <a:chOff x="6729442" y="293195"/>
-              <a:chExt cx="3980232" cy="553094"/>
-            </a:xfrm>
-          </p:grpSpPr>
-          <p:sp>
-            <p:nvSpPr>
-              <p:cNvPr id="100" name="正方形/長方形 99">
-                <a:extLst>
-                  <a:ext uri="{FF2B5EF4-FFF2-40B4-BE49-F238E27FC236}">
-                    <a16:creationId xmlns:a16="http://schemas.microsoft.com/office/drawing/2014/main" id="{91872DD4-8BEF-9E68-5A61-ADFF3AE1D1D2}"/>
-                  </a:ext>
-                </a:extLst>
-              </p:cNvPr>
-              <p:cNvSpPr/>
-              <p:nvPr/>
-            </p:nvSpPr>
-            <p:spPr>
-              <a:xfrm>
-                <a:off x="6729442" y="293195"/>
-                <a:ext cx="3980232" cy="545623"/>
-              </a:xfrm>
-              <a:prstGeom prst="rect">
-                <a:avLst/>
-              </a:prstGeom>
-              <a:solidFill>
-                <a:schemeClr val="tx1">
-                  <a:lumMod val="95000"/>
-                  <a:lumOff val="5000"/>
-                </a:schemeClr>
-              </a:solidFill>
-              <a:ln w="38100">
-                <a:solidFill>
-                  <a:srgbClr val="7030A0"/>
-                </a:solidFill>
-              </a:ln>
-            </p:spPr>
-            <p:style>
-              <a:lnRef idx="2">
-                <a:schemeClr val="accent1">
-                  <a:shade val="15000"/>
-                </a:schemeClr>
-              </a:lnRef>
-              <a:fillRef idx="1">
-                <a:schemeClr val="accent1"/>
-              </a:fillRef>
-              <a:effectRef idx="0">
-                <a:schemeClr val="accent1"/>
-              </a:effectRef>
-              <a:fontRef idx="minor">
-                <a:schemeClr val="lt1"/>
-              </a:fontRef>
-            </p:style>
-            <p:txBody>
-              <a:bodyPr rtlCol="0" anchor="ctr"/>
-              <a:lstStyle/>
-              <a:p>
-                <a:pPr algn="ctr"/>
-                <a:endParaRPr kumimoji="1" lang="ja-JP" altLang="en-US" dirty="0"/>
-              </a:p>
-            </p:txBody>
-          </p:sp>
-          <p:sp>
-            <p:nvSpPr>
-              <p:cNvPr id="101" name="正方形/長方形 100">
-                <a:extLst>
-                  <a:ext uri="{FF2B5EF4-FFF2-40B4-BE49-F238E27FC236}">
-                    <a16:creationId xmlns:a16="http://schemas.microsoft.com/office/drawing/2014/main" id="{7ADC5EC3-10D6-8EEB-DFB3-1BBC574DE414}"/>
-                  </a:ext>
-                </a:extLst>
-              </p:cNvPr>
-              <p:cNvSpPr/>
-              <p:nvPr/>
-            </p:nvSpPr>
-            <p:spPr>
-              <a:xfrm>
-                <a:off x="6729446" y="326570"/>
-                <a:ext cx="2267883" cy="519719"/>
-              </a:xfrm>
-              <a:prstGeom prst="rect">
-                <a:avLst/>
-              </a:prstGeom>
-              <a:solidFill>
-                <a:srgbClr val="FFFF00"/>
-              </a:solidFill>
-              <a:ln w="38100">
-                <a:noFill/>
-              </a:ln>
-            </p:spPr>
-            <p:style>
-              <a:lnRef idx="2">
-                <a:schemeClr val="accent1">
-                  <a:shade val="15000"/>
-                </a:schemeClr>
-              </a:lnRef>
-              <a:fillRef idx="1">
-                <a:schemeClr val="accent1"/>
-              </a:fillRef>
-              <a:effectRef idx="0">
-                <a:schemeClr val="accent1"/>
-              </a:effectRef>
-              <a:fontRef idx="minor">
-                <a:schemeClr val="lt1"/>
-              </a:fontRef>
-            </p:style>
-            <p:txBody>
-              <a:bodyPr rtlCol="0" anchor="ctr"/>
-              <a:lstStyle/>
-              <a:p>
-                <a:pPr algn="ctr"/>
-                <a:endParaRPr kumimoji="1" lang="ja-JP" altLang="en-US" dirty="0"/>
-              </a:p>
-            </p:txBody>
-          </p:sp>
-          <p:sp>
-            <p:nvSpPr>
-              <p:cNvPr id="102" name="正方形/長方形 101">
-                <a:extLst>
-                  <a:ext uri="{FF2B5EF4-FFF2-40B4-BE49-F238E27FC236}">
-                    <a16:creationId xmlns:a16="http://schemas.microsoft.com/office/drawing/2014/main" id="{92C471F3-7DA2-9BB1-2130-0224578C4C76}"/>
-                  </a:ext>
-                </a:extLst>
-              </p:cNvPr>
-              <p:cNvSpPr/>
-              <p:nvPr/>
-            </p:nvSpPr>
-            <p:spPr>
-              <a:xfrm>
-                <a:off x="8997328" y="326570"/>
-                <a:ext cx="1061071" cy="519719"/>
-              </a:xfrm>
-              <a:prstGeom prst="rect">
-                <a:avLst/>
-              </a:prstGeom>
-              <a:solidFill>
-                <a:srgbClr val="FFFF00">
-                  <a:alpha val="50000"/>
-                </a:srgbClr>
-              </a:solidFill>
-              <a:ln w="38100">
-                <a:noFill/>
-              </a:ln>
-            </p:spPr>
-            <p:style>
-              <a:lnRef idx="2">
-                <a:schemeClr val="accent1">
-                  <a:shade val="15000"/>
-                </a:schemeClr>
-              </a:lnRef>
-              <a:fillRef idx="1">
-                <a:schemeClr val="accent1"/>
-              </a:fillRef>
-              <a:effectRef idx="0">
-                <a:schemeClr val="accent1"/>
-              </a:effectRef>
-              <a:fontRef idx="minor">
-                <a:schemeClr val="lt1"/>
-              </a:fontRef>
-            </p:style>
-            <p:txBody>
-              <a:bodyPr rtlCol="0" anchor="ctr"/>
-              <a:lstStyle/>
-              <a:p>
-                <a:pPr algn="ctr"/>
-                <a:endParaRPr kumimoji="1" lang="ja-JP" altLang="en-US" dirty="0"/>
-              </a:p>
-            </p:txBody>
-          </p:sp>
-          <p:sp>
-            <p:nvSpPr>
-              <p:cNvPr id="103" name="正方形/長方形 102">
-                <a:extLst>
-                  <a:ext uri="{FF2B5EF4-FFF2-40B4-BE49-F238E27FC236}">
-                    <a16:creationId xmlns:a16="http://schemas.microsoft.com/office/drawing/2014/main" id="{71791663-A4F0-4958-5203-4062FA0A0D2C}"/>
-                  </a:ext>
-                </a:extLst>
-              </p:cNvPr>
-              <p:cNvSpPr/>
-              <p:nvPr/>
-            </p:nvSpPr>
-            <p:spPr>
-              <a:xfrm>
-                <a:off x="8997329" y="326570"/>
-                <a:ext cx="732608" cy="519719"/>
-              </a:xfrm>
-              <a:prstGeom prst="rect">
-                <a:avLst/>
-              </a:prstGeom>
-              <a:solidFill>
-                <a:srgbClr val="FFFF00">
-                  <a:alpha val="50000"/>
-                </a:srgbClr>
-              </a:solidFill>
-              <a:ln w="38100">
-                <a:noFill/>
-              </a:ln>
-            </p:spPr>
-            <p:style>
-              <a:lnRef idx="2">
-                <a:schemeClr val="accent1">
-                  <a:shade val="15000"/>
-                </a:schemeClr>
-              </a:lnRef>
-              <a:fillRef idx="1">
-                <a:schemeClr val="accent1"/>
-              </a:fillRef>
-              <a:effectRef idx="0">
-                <a:schemeClr val="accent1"/>
-              </a:effectRef>
-              <a:fontRef idx="minor">
-                <a:schemeClr val="lt1"/>
-              </a:fontRef>
-            </p:style>
-            <p:txBody>
-              <a:bodyPr rtlCol="0" anchor="ctr"/>
-              <a:lstStyle/>
-              <a:p>
-                <a:pPr algn="ctr"/>
-                <a:endParaRPr kumimoji="1" lang="ja-JP" altLang="en-US" dirty="0"/>
-              </a:p>
-            </p:txBody>
-          </p:sp>
-          <p:sp>
-            <p:nvSpPr>
-              <p:cNvPr id="104" name="正方形/長方形 103">
-                <a:extLst>
-                  <a:ext uri="{FF2B5EF4-FFF2-40B4-BE49-F238E27FC236}">
-                    <a16:creationId xmlns:a16="http://schemas.microsoft.com/office/drawing/2014/main" id="{50AB78E5-7D5E-6784-D4C9-AB3F2EBD5A77}"/>
-                  </a:ext>
-                </a:extLst>
-              </p:cNvPr>
-              <p:cNvSpPr/>
-              <p:nvPr/>
-            </p:nvSpPr>
-            <p:spPr>
-              <a:xfrm>
-                <a:off x="8997327" y="324136"/>
-                <a:ext cx="397539" cy="519719"/>
-              </a:xfrm>
-              <a:prstGeom prst="rect">
-                <a:avLst/>
-              </a:prstGeom>
-              <a:solidFill>
-                <a:srgbClr val="FFFF00">
-                  <a:alpha val="50000"/>
-                </a:srgbClr>
-              </a:solidFill>
-              <a:ln w="38100">
-                <a:noFill/>
-              </a:ln>
-            </p:spPr>
-            <p:style>
-              <a:lnRef idx="2">
-                <a:schemeClr val="accent1">
-                  <a:shade val="15000"/>
-                </a:schemeClr>
-              </a:lnRef>
-              <a:fillRef idx="1">
-                <a:schemeClr val="accent1"/>
-              </a:fillRef>
-              <a:effectRef idx="0">
-                <a:schemeClr val="accent1"/>
-              </a:effectRef>
-              <a:fontRef idx="minor">
-                <a:schemeClr val="lt1"/>
-              </a:fontRef>
-            </p:style>
-            <p:txBody>
-              <a:bodyPr rtlCol="0" anchor="ctr"/>
-              <a:lstStyle/>
-              <a:p>
-                <a:pPr algn="ctr"/>
-                <a:endParaRPr kumimoji="1" lang="ja-JP" altLang="en-US" dirty="0"/>
-              </a:p>
-            </p:txBody>
-          </p:sp>
-        </p:grpSp>
-        <p:sp>
-          <p:nvSpPr>
-            <p:cNvPr id="99" name="矢印: 右 98">
-              <a:extLst>
-                <a:ext uri="{FF2B5EF4-FFF2-40B4-BE49-F238E27FC236}">
-                  <a16:creationId xmlns:a16="http://schemas.microsoft.com/office/drawing/2014/main" id="{19237893-26BE-767E-3D3D-C42F9BB75897}"/>
-                </a:ext>
-              </a:extLst>
-            </p:cNvPr>
-            <p:cNvSpPr/>
-            <p:nvPr/>
-          </p:nvSpPr>
-          <p:spPr>
-            <a:xfrm>
-              <a:off x="8997327" y="343760"/>
-              <a:ext cx="1632706" cy="490264"/>
-            </a:xfrm>
-            <a:prstGeom prst="rightArrow">
-              <a:avLst/>
-            </a:prstGeom>
-            <a:gradFill flip="none" rotWithShape="1">
-              <a:gsLst>
-                <a:gs pos="0">
-                  <a:schemeClr val="tx1"/>
-                </a:gs>
-                <a:gs pos="100000">
-                  <a:srgbClr val="FFFF00"/>
-                </a:gs>
-              </a:gsLst>
-              <a:lin ang="0" scaled="1"/>
-              <a:tileRect/>
-            </a:gradFill>
-            <a:ln>
-              <a:solidFill>
-                <a:schemeClr val="bg1"/>
-              </a:solidFill>
-            </a:ln>
-          </p:spPr>
-          <p:style>
-            <a:lnRef idx="2">
-              <a:schemeClr val="accent1">
-                <a:shade val="15000"/>
-              </a:schemeClr>
-            </a:lnRef>
-            <a:fillRef idx="1">
-              <a:schemeClr val="accent1"/>
-            </a:fillRef>
-            <a:effectRef idx="0">
-              <a:schemeClr val="accent1"/>
-            </a:effectRef>
-            <a:fontRef idx="minor">
-              <a:schemeClr val="lt1"/>
-            </a:fontRef>
-          </p:style>
-          <p:txBody>
-            <a:bodyPr rtlCol="0" anchor="ctr"/>
-            <a:lstStyle/>
-            <a:p>
-              <a:pPr algn="ctr"/>
-              <a:endParaRPr kumimoji="1" lang="ja-JP" altLang="en-US" dirty="0"/>
-            </a:p>
-          </p:txBody>
-        </p:sp>
-      </p:grpSp>
-      <p:sp>
-        <p:nvSpPr>
-          <p:cNvPr id="4" name="テキスト ボックス 3">
-            <a:extLst>
-              <a:ext uri="{FF2B5EF4-FFF2-40B4-BE49-F238E27FC236}">
-                <a16:creationId xmlns:a16="http://schemas.microsoft.com/office/drawing/2014/main" id="{90C587FD-1DFF-5989-82FE-EFC2930A75B9}"/>
-              </a:ext>
-            </a:extLst>
-          </p:cNvPr>
-          <p:cNvSpPr txBox="1"/>
-          <p:nvPr/>
-        </p:nvSpPr>
-        <p:spPr>
-          <a:xfrm>
-            <a:off x="0" y="0"/>
-            <a:ext cx="6363921" cy="1015663"/>
-          </a:xfrm>
-          <a:prstGeom prst="rect">
-            <a:avLst/>
-          </a:prstGeom>
-          <a:noFill/>
-        </p:spPr>
-        <p:txBody>
-          <a:bodyPr wrap="square" rtlCol="0">
-            <a:spAutoFit/>
-          </a:bodyPr>
-          <a:lstStyle/>
-          <a:p>
-            <a:r>
-              <a:rPr kumimoji="1" lang="ja-JP" altLang="en-US" sz="6000" b="1" dirty="0">
-                <a:solidFill>
-                  <a:srgbClr val="7030A0"/>
-                </a:solidFill>
-                <a:effectLst>
-                  <a:glow rad="127000">
-                    <a:schemeClr val="bg1"/>
-                  </a:glow>
-                </a:effectLst>
-                <a:latin typeface="HG正楷書体-PRO" panose="03000600000000000000" pitchFamily="66" charset="-128"/>
-                <a:ea typeface="HG正楷書体-PRO" panose="03000600000000000000" pitchFamily="66" charset="-128"/>
-              </a:rPr>
-              <a:t>アピールポイント</a:t>
-            </a:r>
-          </a:p>
-        </p:txBody>
-      </p:sp>
-      <p:sp>
-        <p:nvSpPr>
-          <p:cNvPr id="36" name="テキスト ボックス 35">
-            <a:extLst>
-              <a:ext uri="{FF2B5EF4-FFF2-40B4-BE49-F238E27FC236}">
-                <a16:creationId xmlns:a16="http://schemas.microsoft.com/office/drawing/2014/main" id="{3B96750D-9DCB-D72E-8587-87EAA19FC19A}"/>
-              </a:ext>
-            </a:extLst>
-          </p:cNvPr>
-          <p:cNvSpPr txBox="1"/>
-          <p:nvPr/>
-        </p:nvSpPr>
-        <p:spPr>
-          <a:xfrm>
-            <a:off x="7994217" y="4607574"/>
-            <a:ext cx="3697038" cy="1754326"/>
-          </a:xfrm>
-          <a:prstGeom prst="rect">
-            <a:avLst/>
-          </a:prstGeom>
-          <a:noFill/>
-        </p:spPr>
-        <p:txBody>
-          <a:bodyPr wrap="square" rtlCol="0">
-            <a:spAutoFit/>
-          </a:bodyPr>
-          <a:lstStyle/>
-          <a:p>
-            <a:r>
-              <a:rPr lang="ja-JP" altLang="en-US" sz="4800" b="1" dirty="0">
-                <a:solidFill>
-                  <a:schemeClr val="bg1"/>
-                </a:solidFill>
-                <a:effectLst>
-                  <a:glow rad="127000">
-                    <a:srgbClr val="FF0000"/>
-                  </a:glow>
-                </a:effectLst>
-                <a:latin typeface="HG正楷書体-PRO" panose="03000600000000000000" pitchFamily="66" charset="-128"/>
-                <a:ea typeface="HG正楷書体-PRO" panose="03000600000000000000" pitchFamily="66" charset="-128"/>
-              </a:rPr>
-              <a:t>攻略方法は</a:t>
-            </a:r>
-            <a:endParaRPr lang="en-US" altLang="ja-JP" sz="4800" b="1" dirty="0">
-              <a:solidFill>
-                <a:schemeClr val="bg1"/>
-              </a:solidFill>
-              <a:effectLst>
-                <a:glow rad="127000">
-                  <a:srgbClr val="FF0000"/>
-                </a:glow>
-              </a:effectLst>
-              <a:latin typeface="HG正楷書体-PRO" panose="03000600000000000000" pitchFamily="66" charset="-128"/>
-              <a:ea typeface="HG正楷書体-PRO" panose="03000600000000000000" pitchFamily="66" charset="-128"/>
-            </a:endParaRPr>
-          </a:p>
-          <a:p>
-            <a:pPr algn="r"/>
-            <a:r>
-              <a:rPr lang="ja-JP" altLang="en-US" sz="6000" b="1" dirty="0">
-                <a:solidFill>
-                  <a:srgbClr val="FF0000"/>
-                </a:solidFill>
-                <a:effectLst>
-                  <a:glow rad="127000">
-                    <a:schemeClr val="bg1"/>
-                  </a:glow>
-                </a:effectLst>
-                <a:latin typeface="HG正楷書体-PRO" panose="03000600000000000000" pitchFamily="66" charset="-128"/>
-                <a:ea typeface="HG正楷書体-PRO" panose="03000600000000000000" pitchFamily="66" charset="-128"/>
-              </a:rPr>
-              <a:t>自由</a:t>
-            </a:r>
-            <a:endParaRPr lang="en-US" altLang="ja-JP" sz="4800" b="1" dirty="0">
-              <a:solidFill>
-                <a:srgbClr val="FF0000"/>
-              </a:solidFill>
-              <a:effectLst>
-                <a:glow rad="127000">
-                  <a:schemeClr val="bg1"/>
-                </a:glow>
-              </a:effectLst>
-              <a:latin typeface="HG正楷書体-PRO" panose="03000600000000000000" pitchFamily="66" charset="-128"/>
-              <a:ea typeface="HG正楷書体-PRO" panose="03000600000000000000" pitchFamily="66" charset="-128"/>
-            </a:endParaRPr>
-          </a:p>
-        </p:txBody>
-      </p:sp>
-      <p:grpSp>
-        <p:nvGrpSpPr>
-          <p:cNvPr id="45" name="グループ化 44">
-            <a:extLst>
-              <a:ext uri="{FF2B5EF4-FFF2-40B4-BE49-F238E27FC236}">
-                <a16:creationId xmlns:a16="http://schemas.microsoft.com/office/drawing/2014/main" id="{8598C834-CC8C-EFD4-2D34-F926435BE3E8}"/>
-              </a:ext>
-            </a:extLst>
-          </p:cNvPr>
-          <p:cNvGrpSpPr/>
-          <p:nvPr/>
-        </p:nvGrpSpPr>
-        <p:grpSpPr>
-          <a:xfrm>
-            <a:off x="5511885" y="447483"/>
-            <a:ext cx="4790662" cy="2116483"/>
-            <a:chOff x="11870186" y="3147843"/>
-            <a:chExt cx="5095262" cy="2251053"/>
-          </a:xfrm>
-        </p:grpSpPr>
-        <p:pic>
-          <p:nvPicPr>
-            <p:cNvPr id="46" name="図 45" descr="図形&#10;&#10;低い精度で自動的に生成された説明">
-              <a:extLst>
-                <a:ext uri="{FF2B5EF4-FFF2-40B4-BE49-F238E27FC236}">
-                  <a16:creationId xmlns:a16="http://schemas.microsoft.com/office/drawing/2014/main" id="{E2F01A5A-9E58-6B57-68D0-F51814CD0302}"/>
-                </a:ext>
-              </a:extLst>
-            </p:cNvPr>
-            <p:cNvPicPr>
-              <a:picLocks noChangeAspect="1"/>
-            </p:cNvPicPr>
-            <p:nvPr/>
-          </p:nvPicPr>
-          <p:blipFill>
-            <a:blip r:embed="rId2">
-              <a:extLst>
-                <a:ext uri="{28A0092B-C50C-407E-A947-70E740481C1C}">
-                  <a14:useLocalDpi xmlns:a14="http://schemas.microsoft.com/office/drawing/2010/main" val="0"/>
-                </a:ext>
-              </a:extLst>
-            </a:blip>
-            <a:stretch>
-              <a:fillRect/>
-            </a:stretch>
-          </p:blipFill>
-          <p:spPr>
-            <a:xfrm flipH="1">
-              <a:off x="14929839" y="3209539"/>
-              <a:ext cx="2035609" cy="2189357"/>
-            </a:xfrm>
-            <a:prstGeom prst="rect">
-              <a:avLst/>
-            </a:prstGeom>
-            <a:effectLst>
-              <a:glow rad="63500">
-                <a:schemeClr val="bg1"/>
-              </a:glow>
-            </a:effectLst>
-          </p:spPr>
-        </p:pic>
-        <p:pic>
-          <p:nvPicPr>
-            <p:cNvPr id="47" name="図 46" descr="マップ が含まれている画像&#10;&#10;自動的に生成された説明">
-              <a:extLst>
-                <a:ext uri="{FF2B5EF4-FFF2-40B4-BE49-F238E27FC236}">
-                  <a16:creationId xmlns:a16="http://schemas.microsoft.com/office/drawing/2014/main" id="{BFA26714-D8D3-84F8-65B2-D983204B88B7}"/>
-                </a:ext>
-              </a:extLst>
-            </p:cNvPr>
-            <p:cNvPicPr>
-              <a:picLocks noChangeAspect="1"/>
-            </p:cNvPicPr>
-            <p:nvPr/>
-          </p:nvPicPr>
-          <p:blipFill>
-            <a:blip r:embed="rId3">
-              <a:extLst>
-                <a:ext uri="{28A0092B-C50C-407E-A947-70E740481C1C}">
-                  <a14:useLocalDpi xmlns:a14="http://schemas.microsoft.com/office/drawing/2010/main" val="0"/>
-                </a:ext>
-              </a:extLst>
-            </a:blip>
-            <a:stretch>
-              <a:fillRect/>
-            </a:stretch>
-          </p:blipFill>
-          <p:spPr>
-            <a:xfrm>
-              <a:off x="13967692" y="3699362"/>
-              <a:ext cx="673079" cy="1346158"/>
-            </a:xfrm>
-            <a:prstGeom prst="rect">
-              <a:avLst/>
-            </a:prstGeom>
-            <a:effectLst>
-              <a:glow rad="50800">
-                <a:srgbClr val="FF0000"/>
-              </a:glow>
-            </a:effectLst>
-          </p:spPr>
-        </p:pic>
-        <p:pic>
-          <p:nvPicPr>
-            <p:cNvPr id="48" name="図 47" descr="図形&#10;&#10;低い精度で自動的に生成された説明">
-              <a:extLst>
-                <a:ext uri="{FF2B5EF4-FFF2-40B4-BE49-F238E27FC236}">
-                  <a16:creationId xmlns:a16="http://schemas.microsoft.com/office/drawing/2014/main" id="{0B119CA3-9FBE-241E-13A9-B8AA92DCB891}"/>
-                </a:ext>
-              </a:extLst>
-            </p:cNvPr>
-            <p:cNvPicPr>
-              <a:picLocks noChangeAspect="1"/>
-            </p:cNvPicPr>
-            <p:nvPr/>
-          </p:nvPicPr>
-          <p:blipFill>
-            <a:blip r:embed="rId4">
-              <a:duotone>
-                <a:schemeClr val="bg2">
-                  <a:shade val="45000"/>
-                  <a:satMod val="135000"/>
-                </a:schemeClr>
-                <a:prstClr val="white"/>
-              </a:duotone>
-              <a:extLst>
-                <a:ext uri="{28A0092B-C50C-407E-A947-70E740481C1C}">
-                  <a14:useLocalDpi xmlns:a14="http://schemas.microsoft.com/office/drawing/2010/main" val="0"/>
-                </a:ext>
-              </a:extLst>
-            </a:blip>
-            <a:stretch>
-              <a:fillRect/>
-            </a:stretch>
-          </p:blipFill>
-          <p:spPr>
-            <a:xfrm flipH="1">
-              <a:off x="12073916" y="3147843"/>
-              <a:ext cx="2035609" cy="2189357"/>
-            </a:xfrm>
-            <a:prstGeom prst="rect">
-              <a:avLst/>
-            </a:prstGeom>
-            <a:noFill/>
-            <a:effectLst>
-              <a:glow rad="63500">
-                <a:schemeClr val="bg1">
-                  <a:alpha val="70000"/>
-                </a:schemeClr>
-              </a:glow>
-            </a:effectLst>
-          </p:spPr>
-        </p:pic>
-        <p:pic>
-          <p:nvPicPr>
-            <p:cNvPr id="49" name="図 48" descr="図形&#10;&#10;低い精度で自動的に生成された説明">
-              <a:extLst>
-                <a:ext uri="{FF2B5EF4-FFF2-40B4-BE49-F238E27FC236}">
-                  <a16:creationId xmlns:a16="http://schemas.microsoft.com/office/drawing/2014/main" id="{5A9E68D5-2DAF-25A4-215B-0D54C0532D4E}"/>
-                </a:ext>
-              </a:extLst>
-            </p:cNvPr>
-            <p:cNvPicPr>
-              <a:picLocks noChangeAspect="1"/>
-            </p:cNvPicPr>
-            <p:nvPr/>
-          </p:nvPicPr>
-          <p:blipFill>
-            <a:blip r:embed="rId5">
-              <a:extLst>
-                <a:ext uri="{28A0092B-C50C-407E-A947-70E740481C1C}">
-                  <a14:useLocalDpi xmlns:a14="http://schemas.microsoft.com/office/drawing/2010/main" val="0"/>
-                </a:ext>
-              </a:extLst>
-            </a:blip>
-            <a:stretch>
-              <a:fillRect/>
-            </a:stretch>
-          </p:blipFill>
-          <p:spPr>
-            <a:xfrm flipH="1">
-              <a:off x="11870186" y="4087933"/>
-              <a:ext cx="315296" cy="315295"/>
-            </a:xfrm>
-            <a:prstGeom prst="rect">
-              <a:avLst/>
-            </a:prstGeom>
-            <a:effectLst>
-              <a:glow rad="50800">
-                <a:srgbClr val="FF0000"/>
-              </a:glow>
-            </a:effectLst>
-          </p:spPr>
-        </p:pic>
-        <p:pic>
-          <p:nvPicPr>
-            <p:cNvPr id="50" name="図 49" descr="図形&#10;&#10;低い精度で自動的に生成された説明">
-              <a:extLst>
-                <a:ext uri="{FF2B5EF4-FFF2-40B4-BE49-F238E27FC236}">
-                  <a16:creationId xmlns:a16="http://schemas.microsoft.com/office/drawing/2014/main" id="{9E2822DC-A85C-CB99-1A1A-0DE1E5CC859F}"/>
-                </a:ext>
-              </a:extLst>
-            </p:cNvPr>
-            <p:cNvPicPr>
-              <a:picLocks noChangeAspect="1"/>
-            </p:cNvPicPr>
-            <p:nvPr/>
-          </p:nvPicPr>
-          <p:blipFill>
-            <a:blip r:embed="rId5">
-              <a:extLst>
-                <a:ext uri="{28A0092B-C50C-407E-A947-70E740481C1C}">
-                  <a14:useLocalDpi xmlns:a14="http://schemas.microsoft.com/office/drawing/2010/main" val="0"/>
-                </a:ext>
-              </a:extLst>
-            </a:blip>
-            <a:stretch>
-              <a:fillRect/>
-            </a:stretch>
-          </p:blipFill>
-          <p:spPr>
-            <a:xfrm flipH="1">
-              <a:off x="13494200" y="4146571"/>
-              <a:ext cx="315296" cy="315295"/>
-            </a:xfrm>
-            <a:prstGeom prst="rect">
-              <a:avLst/>
-            </a:prstGeom>
-            <a:effectLst>
-              <a:glow rad="50800">
-                <a:srgbClr val="FF0000"/>
-              </a:glow>
-            </a:effectLst>
-          </p:spPr>
-        </p:pic>
-        <p:pic>
-          <p:nvPicPr>
-            <p:cNvPr id="51" name="図 50" descr="図形&#10;&#10;低い精度で自動的に生成された説明">
-              <a:extLst>
-                <a:ext uri="{FF2B5EF4-FFF2-40B4-BE49-F238E27FC236}">
-                  <a16:creationId xmlns:a16="http://schemas.microsoft.com/office/drawing/2014/main" id="{CEE0BB9C-026D-6F57-82E2-03963294BA3B}"/>
-                </a:ext>
-              </a:extLst>
-            </p:cNvPr>
-            <p:cNvPicPr>
-              <a:picLocks noChangeAspect="1"/>
-            </p:cNvPicPr>
-            <p:nvPr/>
-          </p:nvPicPr>
-          <p:blipFill>
-            <a:blip r:embed="rId5">
-              <a:extLst>
-                <a:ext uri="{28A0092B-C50C-407E-A947-70E740481C1C}">
-                  <a14:useLocalDpi xmlns:a14="http://schemas.microsoft.com/office/drawing/2010/main" val="0"/>
-                </a:ext>
-              </a:extLst>
-            </a:blip>
-            <a:stretch>
-              <a:fillRect/>
-            </a:stretch>
-          </p:blipFill>
-          <p:spPr>
-            <a:xfrm flipH="1">
-              <a:off x="12620763" y="3969279"/>
-              <a:ext cx="315296" cy="315295"/>
-            </a:xfrm>
-            <a:prstGeom prst="rect">
-              <a:avLst/>
-            </a:prstGeom>
-            <a:effectLst>
-              <a:glow rad="50800">
-                <a:srgbClr val="FF0000"/>
-              </a:glow>
-            </a:effectLst>
-          </p:spPr>
-        </p:pic>
-        <p:pic>
-          <p:nvPicPr>
-            <p:cNvPr id="52" name="図 51" descr="光 が含まれている画像&#10;&#10;自動的に生成された説明">
-              <a:extLst>
-                <a:ext uri="{FF2B5EF4-FFF2-40B4-BE49-F238E27FC236}">
-                  <a16:creationId xmlns:a16="http://schemas.microsoft.com/office/drawing/2014/main" id="{8036C797-2F41-A3FE-FE94-AFD2CBB133AF}"/>
-                </a:ext>
-              </a:extLst>
-            </p:cNvPr>
-            <p:cNvPicPr>
-              <a:picLocks noChangeAspect="1"/>
-            </p:cNvPicPr>
-            <p:nvPr/>
-          </p:nvPicPr>
-          <p:blipFill rotWithShape="1">
-            <a:blip r:embed="rId6">
-              <a:extLst>
-                <a:ext uri="{28A0092B-C50C-407E-A947-70E740481C1C}">
-                  <a14:useLocalDpi xmlns:a14="http://schemas.microsoft.com/office/drawing/2010/main" val="0"/>
-                </a:ext>
-              </a:extLst>
-            </a:blip>
-            <a:srcRect t="22490" b="22204"/>
-            <a:stretch/>
-          </p:blipFill>
-          <p:spPr>
-            <a:xfrm>
-              <a:off x="12185482" y="4205209"/>
-              <a:ext cx="1828270" cy="1011135"/>
-            </a:xfrm>
-            <a:prstGeom prst="rect">
-              <a:avLst/>
-            </a:prstGeom>
-          </p:spPr>
-        </p:pic>
-      </p:grpSp>
-      <p:pic>
-        <p:nvPicPr>
-          <p:cNvPr id="64" name="図 63">
-            <a:extLst>
-              <a:ext uri="{FF2B5EF4-FFF2-40B4-BE49-F238E27FC236}">
-                <a16:creationId xmlns:a16="http://schemas.microsoft.com/office/drawing/2014/main" id="{BE6CCA8E-FE06-4840-2808-986DD074E5E8}"/>
-              </a:ext>
-            </a:extLst>
-          </p:cNvPr>
-          <p:cNvPicPr>
-            <a:picLocks noChangeAspect="1"/>
-          </p:cNvPicPr>
-          <p:nvPr/>
-        </p:nvPicPr>
-        <p:blipFill rotWithShape="1">
-          <a:blip r:embed="rId7">
-            <a:extLst>
-              <a:ext uri="{28A0092B-C50C-407E-A947-70E740481C1C}">
-                <a14:useLocalDpi xmlns:a14="http://schemas.microsoft.com/office/drawing/2010/main" val="0"/>
-              </a:ext>
-            </a:extLst>
-          </a:blip>
-          <a:srcRect l="-309" t="12072" r="53232" b="41591"/>
-          <a:stretch/>
-        </p:blipFill>
-        <p:spPr>
-          <a:xfrm rot="11412314" flipH="1">
-            <a:off x="4549268" y="1800051"/>
-            <a:ext cx="7488439" cy="1474519"/>
-          </a:xfrm>
-          <a:prstGeom prst="rect">
-            <a:avLst/>
-          </a:prstGeom>
-        </p:spPr>
-      </p:pic>
-      <p:pic>
-        <p:nvPicPr>
-          <p:cNvPr id="63" name="図 62" descr="アイコン&#10;&#10;自動的に生成された説明">
-            <a:extLst>
-              <a:ext uri="{FF2B5EF4-FFF2-40B4-BE49-F238E27FC236}">
-                <a16:creationId xmlns:a16="http://schemas.microsoft.com/office/drawing/2014/main" id="{8AE82DB3-F145-139A-E50E-CFAF08DD978B}"/>
-              </a:ext>
-            </a:extLst>
-          </p:cNvPr>
-          <p:cNvPicPr>
-            <a:picLocks noChangeAspect="1"/>
-          </p:cNvPicPr>
-          <p:nvPr/>
-        </p:nvPicPr>
-        <p:blipFill rotWithShape="1">
-          <a:blip r:embed="rId8">
-            <a:extLst>
-              <a:ext uri="{28A0092B-C50C-407E-A947-70E740481C1C}">
-                <a14:useLocalDpi xmlns:a14="http://schemas.microsoft.com/office/drawing/2010/main" val="0"/>
-              </a:ext>
-            </a:extLst>
-          </a:blip>
-          <a:srcRect t="43197" r="51636" b="41455"/>
-          <a:stretch/>
-        </p:blipFill>
-        <p:spPr>
-          <a:xfrm>
-            <a:off x="280016" y="4884282"/>
-            <a:ext cx="2495089" cy="637643"/>
-          </a:xfrm>
-          <a:prstGeom prst="rect">
-            <a:avLst/>
-          </a:prstGeom>
-        </p:spPr>
-      </p:pic>
-      <p:pic>
-        <p:nvPicPr>
-          <p:cNvPr id="87" name="図 86" descr="アイコン&#10;&#10;自動的に生成された説明">
-            <a:extLst>
-              <a:ext uri="{FF2B5EF4-FFF2-40B4-BE49-F238E27FC236}">
-                <a16:creationId xmlns:a16="http://schemas.microsoft.com/office/drawing/2014/main" id="{1D03FDD4-8E89-F58B-557F-34F62579491B}"/>
-              </a:ext>
-            </a:extLst>
-          </p:cNvPr>
-          <p:cNvPicPr>
-            <a:picLocks noChangeAspect="1"/>
-          </p:cNvPicPr>
-          <p:nvPr/>
-        </p:nvPicPr>
-        <p:blipFill rotWithShape="1">
-          <a:blip r:embed="rId8">
-            <a:extLst>
-              <a:ext uri="{28A0092B-C50C-407E-A947-70E740481C1C}">
-                <a14:useLocalDpi xmlns:a14="http://schemas.microsoft.com/office/drawing/2010/main" val="0"/>
-              </a:ext>
-            </a:extLst>
-          </a:blip>
-          <a:srcRect t="43197" r="44166" b="41455"/>
-          <a:stretch/>
-        </p:blipFill>
-        <p:spPr>
-          <a:xfrm>
-            <a:off x="4680815" y="4884282"/>
-            <a:ext cx="2880450" cy="637643"/>
-          </a:xfrm>
-          <a:prstGeom prst="rect">
-            <a:avLst/>
-          </a:prstGeom>
-        </p:spPr>
-      </p:pic>
-      <p:sp>
-        <p:nvSpPr>
-          <p:cNvPr id="44" name="テキスト ボックス 43">
-            <a:extLst>
-              <a:ext uri="{FF2B5EF4-FFF2-40B4-BE49-F238E27FC236}">
-                <a16:creationId xmlns:a16="http://schemas.microsoft.com/office/drawing/2014/main" id="{A759A20F-9FC7-82FC-69EF-39937B2F9D85}"/>
-              </a:ext>
-            </a:extLst>
-          </p:cNvPr>
-          <p:cNvSpPr txBox="1"/>
-          <p:nvPr/>
-        </p:nvSpPr>
-        <p:spPr>
-          <a:xfrm>
-            <a:off x="7168077" y="1770098"/>
-            <a:ext cx="4993068" cy="1446550"/>
-          </a:xfrm>
-          <a:prstGeom prst="rect">
-            <a:avLst/>
-          </a:prstGeom>
-          <a:noFill/>
-        </p:spPr>
-        <p:txBody>
-          <a:bodyPr wrap="square" rtlCol="0">
-            <a:spAutoFit/>
-          </a:bodyPr>
-          <a:lstStyle/>
-          <a:p>
-            <a:r>
-              <a:rPr lang="ja-JP" altLang="en-US" sz="4400" b="1" dirty="0">
-                <a:solidFill>
-                  <a:srgbClr val="7030A0"/>
-                </a:solidFill>
-                <a:effectLst>
-                  <a:glow rad="127000">
-                    <a:schemeClr val="bg1"/>
-                  </a:glow>
-                </a:effectLst>
-                <a:latin typeface="HG正楷書体-PRO" panose="03000600000000000000" pitchFamily="66" charset="-128"/>
-                <a:ea typeface="HG正楷書体-PRO" panose="03000600000000000000" pitchFamily="66" charset="-128"/>
-              </a:rPr>
-              <a:t>危険を顧みず</a:t>
-            </a:r>
-            <a:endParaRPr lang="en-US" altLang="ja-JP" sz="4400" b="1" dirty="0">
-              <a:solidFill>
-                <a:srgbClr val="7030A0"/>
-              </a:solidFill>
-              <a:effectLst>
-                <a:glow rad="127000">
-                  <a:schemeClr val="bg1"/>
-                </a:glow>
-              </a:effectLst>
-              <a:latin typeface="HG正楷書体-PRO" panose="03000600000000000000" pitchFamily="66" charset="-128"/>
-              <a:ea typeface="HG正楷書体-PRO" panose="03000600000000000000" pitchFamily="66" charset="-128"/>
-            </a:endParaRPr>
-          </a:p>
-          <a:p>
-            <a:pPr algn="r"/>
-            <a:r>
-              <a:rPr lang="ja-JP" altLang="en-US" sz="4400" b="1" dirty="0">
-                <a:solidFill>
-                  <a:schemeClr val="accent2"/>
-                </a:solidFill>
-                <a:effectLst>
-                  <a:glow rad="127000">
-                    <a:schemeClr val="bg1"/>
-                  </a:glow>
-                </a:effectLst>
-                <a:latin typeface="HG正楷書体-PRO" panose="03000600000000000000" pitchFamily="66" charset="-128"/>
-                <a:ea typeface="HG正楷書体-PRO" panose="03000600000000000000" pitchFamily="66" charset="-128"/>
-              </a:rPr>
-              <a:t>後</a:t>
-            </a:r>
-            <a:r>
-              <a:rPr kumimoji="1" lang="ja-JP" altLang="en-US" sz="4400" b="1" dirty="0">
-                <a:solidFill>
-                  <a:schemeClr val="accent2"/>
-                </a:solidFill>
-                <a:effectLst>
-                  <a:glow rad="127000">
-                    <a:schemeClr val="bg1"/>
-                  </a:glow>
-                </a:effectLst>
-                <a:latin typeface="HG正楷書体-PRO" panose="03000600000000000000" pitchFamily="66" charset="-128"/>
-                <a:ea typeface="HG正楷書体-PRO" panose="03000600000000000000" pitchFamily="66" charset="-128"/>
-              </a:rPr>
-              <a:t>を優先</a:t>
-            </a:r>
-            <a:r>
-              <a:rPr kumimoji="1" lang="ja-JP" altLang="en-US" sz="4400" b="1" dirty="0">
-                <a:solidFill>
-                  <a:srgbClr val="7030A0"/>
-                </a:solidFill>
-                <a:effectLst>
-                  <a:glow rad="127000">
-                    <a:schemeClr val="bg1"/>
-                  </a:glow>
-                </a:effectLst>
-                <a:latin typeface="HG正楷書体-PRO" panose="03000600000000000000" pitchFamily="66" charset="-128"/>
-                <a:ea typeface="HG正楷書体-PRO" panose="03000600000000000000" pitchFamily="66" charset="-128"/>
-              </a:rPr>
-              <a:t>するか</a:t>
-            </a:r>
-          </a:p>
-        </p:txBody>
-      </p:sp>
-      <p:pic>
-        <p:nvPicPr>
-          <p:cNvPr id="90" name="図 89" descr="図形&#10;&#10;低い精度で自動的に生成された説明">
-            <a:extLst>
-              <a:ext uri="{FF2B5EF4-FFF2-40B4-BE49-F238E27FC236}">
-                <a16:creationId xmlns:a16="http://schemas.microsoft.com/office/drawing/2014/main" id="{4F996500-09AE-AD01-8A3C-2218697E05B3}"/>
-              </a:ext>
-            </a:extLst>
-          </p:cNvPr>
-          <p:cNvPicPr>
-            <a:picLocks noChangeAspect="1"/>
-          </p:cNvPicPr>
-          <p:nvPr/>
-        </p:nvPicPr>
-        <p:blipFill>
-          <a:blip r:embed="rId9">
-            <a:extLst>
-              <a:ext uri="{28A0092B-C50C-407E-A947-70E740481C1C}">
-                <a14:useLocalDpi xmlns:a14="http://schemas.microsoft.com/office/drawing/2010/main" val="0"/>
-              </a:ext>
-            </a:extLst>
-          </a:blip>
-          <a:stretch>
-            <a:fillRect/>
-          </a:stretch>
-        </p:blipFill>
-        <p:spPr>
-          <a:xfrm flipH="1">
-            <a:off x="4470012" y="3376098"/>
-            <a:ext cx="1728682" cy="1639804"/>
-          </a:xfrm>
-          <a:prstGeom prst="rect">
-            <a:avLst/>
-          </a:prstGeom>
-          <a:effectLst>
-            <a:glow rad="127000">
-              <a:srgbClr val="FFFF00"/>
-            </a:glow>
-          </a:effectLst>
-        </p:spPr>
-      </p:pic>
-      <p:pic>
-        <p:nvPicPr>
-          <p:cNvPr id="91" name="図 90" descr="図形&#10;&#10;低い精度で自動的に生成された説明">
-            <a:extLst>
-              <a:ext uri="{FF2B5EF4-FFF2-40B4-BE49-F238E27FC236}">
-                <a16:creationId xmlns:a16="http://schemas.microsoft.com/office/drawing/2014/main" id="{27C0E1D9-E990-C846-DA69-22E5C308744F}"/>
-              </a:ext>
-            </a:extLst>
-          </p:cNvPr>
-          <p:cNvPicPr>
-            <a:picLocks noChangeAspect="1"/>
-          </p:cNvPicPr>
-          <p:nvPr/>
-        </p:nvPicPr>
-        <p:blipFill rotWithShape="1">
-          <a:blip r:embed="rId9">
-            <a:extLst>
-              <a:ext uri="{28A0092B-C50C-407E-A947-70E740481C1C}">
-                <a14:useLocalDpi xmlns:a14="http://schemas.microsoft.com/office/drawing/2010/main" val="0"/>
-              </a:ext>
-            </a:extLst>
-          </a:blip>
-          <a:srcRect l="25383" r="23202"/>
-          <a:stretch/>
-        </p:blipFill>
-        <p:spPr>
-          <a:xfrm rot="5400000">
-            <a:off x="2850164" y="4491336"/>
-            <a:ext cx="825985" cy="1410704"/>
-          </a:xfrm>
-          <a:prstGeom prst="rect">
-            <a:avLst/>
-          </a:prstGeom>
-          <a:effectLst>
-            <a:glow rad="50800">
-              <a:srgbClr val="FFFF00">
-                <a:alpha val="70000"/>
-              </a:srgbClr>
-            </a:glow>
-            <a:softEdge rad="31750"/>
-          </a:effectLst>
-        </p:spPr>
-      </p:pic>
-      <p:pic>
-        <p:nvPicPr>
-          <p:cNvPr id="94" name="図 93" descr="図形&#10;&#10;低い精度で自動的に生成された説明">
-            <a:extLst>
-              <a:ext uri="{FF2B5EF4-FFF2-40B4-BE49-F238E27FC236}">
-                <a16:creationId xmlns:a16="http://schemas.microsoft.com/office/drawing/2014/main" id="{FE5CBDF8-1671-EED3-A8BE-E3E759005DAF}"/>
-              </a:ext>
-            </a:extLst>
-          </p:cNvPr>
-          <p:cNvPicPr>
-            <a:picLocks noChangeAspect="1"/>
-          </p:cNvPicPr>
-          <p:nvPr/>
-        </p:nvPicPr>
-        <p:blipFill rotWithShape="1">
-          <a:blip r:embed="rId9">
-            <a:extLst>
-              <a:ext uri="{28A0092B-C50C-407E-A947-70E740481C1C}">
-                <a14:useLocalDpi xmlns:a14="http://schemas.microsoft.com/office/drawing/2010/main" val="0"/>
-              </a:ext>
-            </a:extLst>
-          </a:blip>
-          <a:srcRect l="25383" r="23202"/>
-          <a:stretch/>
-        </p:blipFill>
-        <p:spPr>
-          <a:xfrm rot="5400000">
-            <a:off x="3687006" y="4502602"/>
-            <a:ext cx="825985" cy="1410704"/>
-          </a:xfrm>
-          <a:prstGeom prst="rect">
-            <a:avLst/>
-          </a:prstGeom>
-          <a:effectLst>
-            <a:glow rad="50800">
-              <a:srgbClr val="FFFF00">
-                <a:alpha val="70000"/>
-              </a:srgbClr>
-            </a:glow>
-            <a:softEdge rad="31750"/>
-          </a:effectLst>
-        </p:spPr>
-      </p:pic>
-      <p:pic>
-        <p:nvPicPr>
-          <p:cNvPr id="96" name="図 95" descr="図形&#10;&#10;低い精度で自動的に生成された説明">
-            <a:extLst>
-              <a:ext uri="{FF2B5EF4-FFF2-40B4-BE49-F238E27FC236}">
-                <a16:creationId xmlns:a16="http://schemas.microsoft.com/office/drawing/2014/main" id="{460C80AA-EF44-C7BA-A523-196AEB6B5108}"/>
-              </a:ext>
-            </a:extLst>
-          </p:cNvPr>
-          <p:cNvPicPr>
-            <a:picLocks noChangeAspect="1"/>
-          </p:cNvPicPr>
-          <p:nvPr/>
-        </p:nvPicPr>
-        <p:blipFill>
-          <a:blip r:embed="rId9">
-            <a:extLst>
-              <a:ext uri="{28A0092B-C50C-407E-A947-70E740481C1C}">
-                <a14:useLocalDpi xmlns:a14="http://schemas.microsoft.com/office/drawing/2010/main" val="0"/>
-              </a:ext>
-            </a:extLst>
-          </a:blip>
-          <a:stretch>
-            <a:fillRect/>
-          </a:stretch>
-        </p:blipFill>
-        <p:spPr>
-          <a:xfrm flipH="1">
-            <a:off x="1404288" y="3376098"/>
-            <a:ext cx="1728682" cy="1639804"/>
-          </a:xfrm>
-          <a:prstGeom prst="rect">
-            <a:avLst/>
-          </a:prstGeom>
-          <a:effectLst>
-            <a:glow rad="50800">
-              <a:schemeClr val="bg1">
-                <a:alpha val="70000"/>
-              </a:schemeClr>
-            </a:glow>
-          </a:effectLst>
-        </p:spPr>
-      </p:pic>
-      <p:sp>
-        <p:nvSpPr>
-          <p:cNvPr id="43" name="テキスト ボックス 42">
-            <a:extLst>
-              <a:ext uri="{FF2B5EF4-FFF2-40B4-BE49-F238E27FC236}">
-                <a16:creationId xmlns:a16="http://schemas.microsoft.com/office/drawing/2014/main" id="{6DFDAA5D-CCE1-57BA-6FE6-4C7AB1D97CF6}"/>
-              </a:ext>
-            </a:extLst>
-          </p:cNvPr>
-          <p:cNvSpPr txBox="1"/>
-          <p:nvPr/>
-        </p:nvSpPr>
-        <p:spPr>
-          <a:xfrm>
-            <a:off x="120840" y="5198201"/>
-            <a:ext cx="5821062" cy="769441"/>
-          </a:xfrm>
-          <a:prstGeom prst="rect">
-            <a:avLst/>
-          </a:prstGeom>
-          <a:noFill/>
-        </p:spPr>
-        <p:txBody>
-          <a:bodyPr wrap="square" rtlCol="0">
-            <a:spAutoFit/>
-          </a:bodyPr>
-          <a:lstStyle/>
-          <a:p>
-            <a:r>
-              <a:rPr kumimoji="1" lang="ja-JP" altLang="en-US" sz="4400" b="1" dirty="0">
-                <a:solidFill>
-                  <a:srgbClr val="7030A0"/>
-                </a:solidFill>
-                <a:effectLst>
-                  <a:glow rad="127000">
-                    <a:schemeClr val="bg1"/>
-                  </a:glow>
-                </a:effectLst>
-                <a:latin typeface="HG正楷書体-PRO" panose="03000600000000000000" pitchFamily="66" charset="-128"/>
-                <a:ea typeface="HG正楷書体-PRO" panose="03000600000000000000" pitchFamily="66" charset="-128"/>
-              </a:rPr>
-              <a:t>安全に</a:t>
-            </a:r>
-            <a:r>
-              <a:rPr kumimoji="1" lang="ja-JP" altLang="en-US" sz="4400" b="1" dirty="0">
-                <a:solidFill>
-                  <a:srgbClr val="00B0F0"/>
-                </a:solidFill>
-                <a:effectLst>
-                  <a:glow rad="127000">
-                    <a:schemeClr val="bg1"/>
-                  </a:glow>
-                </a:effectLst>
-                <a:latin typeface="HG正楷書体-PRO" panose="03000600000000000000" pitchFamily="66" charset="-128"/>
-                <a:ea typeface="HG正楷書体-PRO" panose="03000600000000000000" pitchFamily="66" charset="-128"/>
-              </a:rPr>
-              <a:t>今を優先</a:t>
-            </a:r>
-            <a:r>
-              <a:rPr kumimoji="1" lang="ja-JP" altLang="en-US" sz="4400" b="1" dirty="0">
-                <a:solidFill>
-                  <a:srgbClr val="7030A0"/>
-                </a:solidFill>
-                <a:effectLst>
-                  <a:glow rad="127000">
-                    <a:schemeClr val="bg1"/>
-                  </a:glow>
-                </a:effectLst>
-                <a:latin typeface="HG正楷書体-PRO" panose="03000600000000000000" pitchFamily="66" charset="-128"/>
-                <a:ea typeface="HG正楷書体-PRO" panose="03000600000000000000" pitchFamily="66" charset="-128"/>
-              </a:rPr>
-              <a:t>するか</a:t>
-            </a:r>
-          </a:p>
-        </p:txBody>
-      </p:sp>
-      <p:grpSp>
-        <p:nvGrpSpPr>
-          <p:cNvPr id="3" name="グループ化 2">
-            <a:extLst>
-              <a:ext uri="{FF2B5EF4-FFF2-40B4-BE49-F238E27FC236}">
-                <a16:creationId xmlns:a16="http://schemas.microsoft.com/office/drawing/2014/main" id="{E7C1349F-E4ED-226C-09EB-22F2D96E1B62}"/>
-              </a:ext>
-            </a:extLst>
-          </p:cNvPr>
-          <p:cNvGrpSpPr/>
-          <p:nvPr/>
-        </p:nvGrpSpPr>
-        <p:grpSpPr>
-          <a:xfrm>
-            <a:off x="781196" y="2001100"/>
-            <a:ext cx="10629607" cy="2377653"/>
-            <a:chOff x="1201798" y="2057840"/>
-            <a:chExt cx="8497759" cy="2377653"/>
-          </a:xfrm>
-        </p:grpSpPr>
-        <p:sp>
-          <p:nvSpPr>
-            <p:cNvPr id="30" name="テキスト ボックス 29">
-              <a:extLst>
-                <a:ext uri="{FF2B5EF4-FFF2-40B4-BE49-F238E27FC236}">
-                  <a16:creationId xmlns:a16="http://schemas.microsoft.com/office/drawing/2014/main" id="{EE8EA864-526D-D348-DE81-ECFEA3354D48}"/>
-                </a:ext>
-              </a:extLst>
-            </p:cNvPr>
-            <p:cNvSpPr txBox="1"/>
-            <p:nvPr/>
-          </p:nvSpPr>
-          <p:spPr>
-            <a:xfrm>
-              <a:off x="1201798" y="2057840"/>
-              <a:ext cx="2766712" cy="923330"/>
-            </a:xfrm>
-            <a:prstGeom prst="rect">
-              <a:avLst/>
-            </a:prstGeom>
-            <a:noFill/>
-          </p:spPr>
-          <p:txBody>
-            <a:bodyPr wrap="square" rtlCol="0">
-              <a:spAutoFit/>
-            </a:bodyPr>
-            <a:lstStyle/>
-            <a:p>
-              <a:pPr algn="ctr"/>
-              <a:r>
-                <a:rPr lang="ja-JP" altLang="en-US" sz="5400" b="1" dirty="0">
-                  <a:solidFill>
-                    <a:schemeClr val="accent2"/>
-                  </a:solidFill>
-                  <a:effectLst>
-                    <a:glow rad="317500">
-                      <a:schemeClr val="bg1"/>
-                    </a:glow>
-                  </a:effectLst>
-                  <a:latin typeface="HG正楷書体-PRO" panose="03000600000000000000" pitchFamily="66" charset="-128"/>
-                  <a:ea typeface="HG正楷書体-PRO" panose="03000600000000000000" pitchFamily="66" charset="-128"/>
-                </a:rPr>
-                <a:t>難しい道</a:t>
-              </a:r>
-              <a:endParaRPr lang="en-US" altLang="ja-JP" sz="5400" b="1" dirty="0">
-                <a:solidFill>
-                  <a:schemeClr val="accent2"/>
-                </a:solidFill>
-                <a:effectLst>
-                  <a:glow rad="317500">
-                    <a:schemeClr val="bg1"/>
-                  </a:glow>
-                </a:effectLst>
-                <a:latin typeface="HG正楷書体-PRO" panose="03000600000000000000" pitchFamily="66" charset="-128"/>
-                <a:ea typeface="HG正楷書体-PRO" panose="03000600000000000000" pitchFamily="66" charset="-128"/>
-              </a:endParaRPr>
-            </a:p>
-          </p:txBody>
-        </p:sp>
-        <p:sp>
-          <p:nvSpPr>
-            <p:cNvPr id="31" name="テキスト ボックス 30">
-              <a:extLst>
-                <a:ext uri="{FF2B5EF4-FFF2-40B4-BE49-F238E27FC236}">
-                  <a16:creationId xmlns:a16="http://schemas.microsoft.com/office/drawing/2014/main" id="{9A21EF34-4E43-49FB-D5BD-06A1FEB37972}"/>
-                </a:ext>
-              </a:extLst>
-            </p:cNvPr>
-            <p:cNvSpPr txBox="1"/>
-            <p:nvPr/>
-          </p:nvSpPr>
-          <p:spPr>
-            <a:xfrm>
-              <a:off x="6903524" y="3512163"/>
-              <a:ext cx="2796033" cy="923330"/>
-            </a:xfrm>
-            <a:prstGeom prst="rect">
-              <a:avLst/>
-            </a:prstGeom>
-            <a:noFill/>
-          </p:spPr>
-          <p:txBody>
-            <a:bodyPr wrap="square" rtlCol="0">
-              <a:spAutoFit/>
-            </a:bodyPr>
-            <a:lstStyle/>
-            <a:p>
-              <a:pPr algn="ctr"/>
-              <a:r>
-                <a:rPr lang="ja-JP" altLang="en-US" sz="5400" b="1" dirty="0">
-                  <a:solidFill>
-                    <a:srgbClr val="00B0F0"/>
-                  </a:solidFill>
-                  <a:effectLst>
-                    <a:glow rad="317500">
-                      <a:schemeClr val="bg1"/>
-                    </a:glow>
-                  </a:effectLst>
-                  <a:latin typeface="HG正楷書体-PRO" panose="03000600000000000000" pitchFamily="66" charset="-128"/>
-                  <a:ea typeface="HG正楷書体-PRO" panose="03000600000000000000" pitchFamily="66" charset="-128"/>
-                </a:rPr>
-                <a:t>簡単な道</a:t>
-              </a:r>
-              <a:endParaRPr lang="en-US" altLang="ja-JP" sz="5400" b="1" dirty="0">
-                <a:solidFill>
-                  <a:srgbClr val="00B0F0"/>
-                </a:solidFill>
-                <a:effectLst>
-                  <a:glow rad="317500">
-                    <a:schemeClr val="bg1"/>
-                  </a:glow>
-                </a:effectLst>
-                <a:latin typeface="HG正楷書体-PRO" panose="03000600000000000000" pitchFamily="66" charset="-128"/>
-                <a:ea typeface="HG正楷書体-PRO" panose="03000600000000000000" pitchFamily="66" charset="-128"/>
-              </a:endParaRPr>
-            </a:p>
-          </p:txBody>
-        </p:sp>
-        <p:sp>
-          <p:nvSpPr>
-            <p:cNvPr id="122" name="テキスト ボックス 121">
-              <a:extLst>
-                <a:ext uri="{FF2B5EF4-FFF2-40B4-BE49-F238E27FC236}">
-                  <a16:creationId xmlns:a16="http://schemas.microsoft.com/office/drawing/2014/main" id="{AFD83475-22CF-64BF-A516-5BE1F48FC343}"/>
-                </a:ext>
-              </a:extLst>
-            </p:cNvPr>
-            <p:cNvSpPr txBox="1"/>
-            <p:nvPr/>
-          </p:nvSpPr>
-          <p:spPr>
-            <a:xfrm>
-              <a:off x="4487981" y="2637310"/>
-              <a:ext cx="1888703" cy="1754326"/>
-            </a:xfrm>
-            <a:prstGeom prst="rect">
-              <a:avLst/>
-            </a:prstGeom>
-            <a:noFill/>
-          </p:spPr>
-          <p:txBody>
-            <a:bodyPr wrap="square" rtlCol="0">
-              <a:spAutoFit/>
-            </a:bodyPr>
-            <a:lstStyle/>
-            <a:p>
-              <a:r>
-                <a:rPr kumimoji="1" lang="ja-JP" altLang="en-US" sz="5400" b="1" dirty="0">
-                  <a:solidFill>
-                    <a:srgbClr val="7030A0"/>
-                  </a:solidFill>
-                  <a:effectLst>
-                    <a:glow rad="317500">
-                      <a:schemeClr val="bg1"/>
-                    </a:glow>
-                  </a:effectLst>
-                  <a:latin typeface="HG正楷書体-PRO" panose="03000600000000000000" pitchFamily="66" charset="-128"/>
-                  <a:ea typeface="HG正楷書体-PRO" panose="03000600000000000000" pitchFamily="66" charset="-128"/>
-                </a:rPr>
-                <a:t>または</a:t>
-              </a:r>
-            </a:p>
-          </p:txBody>
-        </p:sp>
-      </p:grpSp>
-      <p:sp>
-        <p:nvSpPr>
-          <p:cNvPr id="123" name="テキスト ボックス 122">
-            <a:extLst>
-              <a:ext uri="{FF2B5EF4-FFF2-40B4-BE49-F238E27FC236}">
-                <a16:creationId xmlns:a16="http://schemas.microsoft.com/office/drawing/2014/main" id="{EF723DB6-ED83-C649-0A85-428A4596996B}"/>
-              </a:ext>
-            </a:extLst>
-          </p:cNvPr>
-          <p:cNvSpPr txBox="1"/>
-          <p:nvPr/>
-        </p:nvSpPr>
-        <p:spPr>
-          <a:xfrm>
-            <a:off x="3046195" y="5828580"/>
-            <a:ext cx="5821062" cy="830997"/>
-          </a:xfrm>
-          <a:prstGeom prst="rect">
-            <a:avLst/>
-          </a:prstGeom>
-          <a:noFill/>
-        </p:spPr>
-        <p:txBody>
-          <a:bodyPr wrap="square" rtlCol="0">
-            <a:spAutoFit/>
-          </a:bodyPr>
-          <a:lstStyle/>
-          <a:p>
-            <a:r>
-              <a:rPr lang="ja-JP" altLang="en-US" sz="4800" b="1" dirty="0">
-                <a:solidFill>
-                  <a:schemeClr val="bg1"/>
-                </a:solidFill>
-                <a:effectLst>
-                  <a:glow rad="127000">
-                    <a:srgbClr val="FF0000"/>
-                  </a:glow>
-                </a:effectLst>
-                <a:latin typeface="HG正楷書体-PRO" panose="03000600000000000000" pitchFamily="66" charset="-128"/>
-                <a:ea typeface="HG正楷書体-PRO" panose="03000600000000000000" pitchFamily="66" charset="-128"/>
-              </a:rPr>
-              <a:t>よく考えて道を選べ</a:t>
-            </a:r>
-            <a:endParaRPr lang="en-US" altLang="ja-JP" sz="4800" b="1" dirty="0">
-              <a:solidFill>
-                <a:srgbClr val="FF0000"/>
-              </a:solidFill>
-              <a:effectLst>
-                <a:glow rad="127000">
-                  <a:schemeClr val="bg1"/>
-                </a:glow>
-              </a:effectLst>
-              <a:latin typeface="HG正楷書体-PRO" panose="03000600000000000000" pitchFamily="66" charset="-128"/>
-              <a:ea typeface="HG正楷書体-PRO" panose="03000600000000000000" pitchFamily="66" charset="-128"/>
-            </a:endParaRPr>
-          </a:p>
-        </p:txBody>
-      </p:sp>
-    </p:spTree>
-    <p:extLst>
-      <p:ext uri="{BB962C8B-B14F-4D97-AF65-F5344CB8AC3E}">
-        <p14:creationId xmlns:p14="http://schemas.microsoft.com/office/powerpoint/2010/main" val="4155568600"/>
       </p:ext>
     </p:extLst>
   </p:cSld>
